--- a/fyp powerpoint/Fyp_revised_v1.1.pptx
+++ b/fyp powerpoint/Fyp_revised_v1.1.pptx
@@ -7709,9 +7709,6 @@
           <a:p>
             <a:r>
               <a:rPr lang="en-US" b="0" i="0" dirty="0">
-                <a:solidFill>
-                  <a:srgbClr val="1D2A57"/>
-                </a:solidFill>
                 <a:effectLst/>
                 <a:latin typeface="Arial" panose="020B0604020202020204" pitchFamily="34" charset="0"/>
               </a:rPr>
@@ -7729,6 +7726,12 @@
               <a:rPr lang="en-US" dirty="0"/>
               <a:t> </a:t>
             </a:r>
+          </a:p>
+          <a:p>
+            <a:pPr marL="0" indent="0">
+              <a:buNone/>
+            </a:pPr>
+            <a:endParaRPr lang="en-US" dirty="0"/>
           </a:p>
           <a:p>
             <a:r>

--- a/fyp powerpoint/Fyp_revised_v1.1.pptx
+++ b/fyp powerpoint/Fyp_revised_v1.1.pptx
@@ -278,7 +278,7 @@
           <a:p>
             <a:fld id="{2FCBE140-3FA8-49D2-9893-355BF82FB278}" type="datetimeFigureOut">
               <a:rPr lang="en-US" smtClean="0"/>
-              <a:t>11/7/2020</a:t>
+              <a:t>11/8/2020</a:t>
             </a:fld>
             <a:endParaRPr lang="en-US"/>
           </a:p>
@@ -476,7 +476,7 @@
           <a:p>
             <a:fld id="{2FCBE140-3FA8-49D2-9893-355BF82FB278}" type="datetimeFigureOut">
               <a:rPr lang="en-US" smtClean="0"/>
-              <a:t>11/7/2020</a:t>
+              <a:t>11/8/2020</a:t>
             </a:fld>
             <a:endParaRPr lang="en-US"/>
           </a:p>
@@ -684,7 +684,7 @@
           <a:p>
             <a:fld id="{2FCBE140-3FA8-49D2-9893-355BF82FB278}" type="datetimeFigureOut">
               <a:rPr lang="en-US" smtClean="0"/>
-              <a:t>11/7/2020</a:t>
+              <a:t>11/8/2020</a:t>
             </a:fld>
             <a:endParaRPr lang="en-US"/>
           </a:p>
@@ -882,7 +882,7 @@
           <a:p>
             <a:fld id="{2FCBE140-3FA8-49D2-9893-355BF82FB278}" type="datetimeFigureOut">
               <a:rPr lang="en-US" smtClean="0"/>
-              <a:t>11/7/2020</a:t>
+              <a:t>11/8/2020</a:t>
             </a:fld>
             <a:endParaRPr lang="en-US"/>
           </a:p>
@@ -1157,7 +1157,7 @@
           <a:p>
             <a:fld id="{2FCBE140-3FA8-49D2-9893-355BF82FB278}" type="datetimeFigureOut">
               <a:rPr lang="en-US" smtClean="0"/>
-              <a:t>11/7/2020</a:t>
+              <a:t>11/8/2020</a:t>
             </a:fld>
             <a:endParaRPr lang="en-US"/>
           </a:p>
@@ -1422,7 +1422,7 @@
           <a:p>
             <a:fld id="{2FCBE140-3FA8-49D2-9893-355BF82FB278}" type="datetimeFigureOut">
               <a:rPr lang="en-US" smtClean="0"/>
-              <a:t>11/7/2020</a:t>
+              <a:t>11/8/2020</a:t>
             </a:fld>
             <a:endParaRPr lang="en-US"/>
           </a:p>
@@ -1834,7 +1834,7 @@
           <a:p>
             <a:fld id="{2FCBE140-3FA8-49D2-9893-355BF82FB278}" type="datetimeFigureOut">
               <a:rPr lang="en-US" smtClean="0"/>
-              <a:t>11/7/2020</a:t>
+              <a:t>11/8/2020</a:t>
             </a:fld>
             <a:endParaRPr lang="en-US"/>
           </a:p>
@@ -1975,7 +1975,7 @@
           <a:p>
             <a:fld id="{2FCBE140-3FA8-49D2-9893-355BF82FB278}" type="datetimeFigureOut">
               <a:rPr lang="en-US" smtClean="0"/>
-              <a:t>11/7/2020</a:t>
+              <a:t>11/8/2020</a:t>
             </a:fld>
             <a:endParaRPr lang="en-US"/>
           </a:p>
@@ -2088,7 +2088,7 @@
           <a:p>
             <a:fld id="{2FCBE140-3FA8-49D2-9893-355BF82FB278}" type="datetimeFigureOut">
               <a:rPr lang="en-US" smtClean="0"/>
-              <a:t>11/7/2020</a:t>
+              <a:t>11/8/2020</a:t>
             </a:fld>
             <a:endParaRPr lang="en-US"/>
           </a:p>
@@ -2399,7 +2399,7 @@
           <a:p>
             <a:fld id="{2FCBE140-3FA8-49D2-9893-355BF82FB278}" type="datetimeFigureOut">
               <a:rPr lang="en-US" smtClean="0"/>
-              <a:t>11/7/2020</a:t>
+              <a:t>11/8/2020</a:t>
             </a:fld>
             <a:endParaRPr lang="en-US"/>
           </a:p>
@@ -2687,7 +2687,7 @@
           <a:p>
             <a:fld id="{2FCBE140-3FA8-49D2-9893-355BF82FB278}" type="datetimeFigureOut">
               <a:rPr lang="en-US" smtClean="0"/>
-              <a:t>11/7/2020</a:t>
+              <a:t>11/8/2020</a:t>
             </a:fld>
             <a:endParaRPr lang="en-US"/>
           </a:p>
@@ -2928,7 +2928,7 @@
           <a:p>
             <a:fld id="{2FCBE140-3FA8-49D2-9893-355BF82FB278}" type="datetimeFigureOut">
               <a:rPr lang="en-US" smtClean="0"/>
-              <a:t>11/7/2020</a:t>
+              <a:t>11/8/2020</a:t>
             </a:fld>
             <a:endParaRPr lang="en-US"/>
           </a:p>
@@ -4629,7 +4629,19 @@
               <a:rPr lang="en-US" b="0" i="0" dirty="0">
                 <a:effectLst/>
               </a:rPr>
-              <a:t>Neuro-Linguistic Programming” API</a:t>
+              <a:t>Natural </a:t>
+            </a:r>
+            <a:r>
+              <a:rPr lang="en-US" b="0" i="0">
+                <a:effectLst/>
+              </a:rPr>
+              <a:t>Language Processing” </a:t>
+            </a:r>
+            <a:r>
+              <a:rPr lang="en-US" b="0" i="0" dirty="0">
+                <a:effectLst/>
+              </a:rPr>
+              <a:t>API</a:t>
             </a:r>
           </a:p>
           <a:p>

--- a/fyp powerpoint/Fyp_revised_v1.1.pptx
+++ b/fyp powerpoint/Fyp_revised_v1.1.pptx
@@ -25,6 +25,7 @@
     <p:sldId id="275" r:id="rId19"/>
     <p:sldId id="276" r:id="rId20"/>
     <p:sldId id="264" r:id="rId21"/>
+    <p:sldId id="277" r:id="rId22"/>
   </p:sldIdLst>
   <p:sldSz cx="12192000" cy="6858000"/>
   <p:notesSz cx="6858000" cy="9144000"/>
@@ -3412,11 +3413,13 @@
         <p:spPr>
           <a:xfrm>
             <a:off x="3736676" y="3276500"/>
-            <a:ext cx="4718649" cy="2138955"/>
+            <a:ext cx="6008573" cy="2138955"/>
           </a:xfrm>
         </p:spPr>
         <p:txBody>
-          <a:bodyPr/>
+          <a:bodyPr>
+            <a:normAutofit/>
+          </a:bodyPr>
           <a:lstStyle/>
           <a:p>
             <a:pPr marL="0" indent="0">
@@ -3430,7 +3433,7 @@
           <a:p>
             <a:r>
               <a:rPr lang="en-GB" sz="2800" dirty="0"/>
-              <a:t>Cheung Ka Chun (20119598)</a:t>
+              <a:t>Cheung Ka Chun, Casey (20119598)</a:t>
             </a:r>
             <a:endParaRPr lang="en-GB" sz="2800" dirty="0">
               <a:cs typeface="Calibri"/>
@@ -3439,7 +3442,7 @@
           <a:p>
             <a:r>
               <a:rPr lang="en-US" dirty="0"/>
-              <a:t>Chow Pak Shing (20121011)</a:t>
+              <a:t>Chow Pak Shing, Patrick (20121011)</a:t>
             </a:r>
           </a:p>
           <a:p>
@@ -3447,7 +3450,7 @@
               <a:rPr lang="en-GB" sz="2800" dirty="0">
                 <a:cs typeface="Calibri"/>
               </a:rPr>
-              <a:t>Ng Ka Wai (20116566)</a:t>
+              <a:t>Ng Ka Wai, Jacky (20116566)</a:t>
             </a:r>
             <a:endParaRPr lang="en-GB" dirty="0"/>
           </a:p>
@@ -3905,21 +3908,14 @@
             <a:pPr lvl="1"/>
             <a:r>
               <a:rPr lang="en-US" altLang="zh-TW" dirty="0"/>
-              <a:t>identify the words in the sentence</a:t>
+              <a:t>identify the keywords in the sentence</a:t>
             </a:r>
           </a:p>
           <a:p>
             <a:pPr lvl="1"/>
             <a:r>
               <a:rPr lang="en-US" altLang="zh-TW" dirty="0"/>
-              <a:t>regroup into different sentence structure</a:t>
-            </a:r>
-          </a:p>
-          <a:p>
-            <a:pPr lvl="1"/>
-            <a:r>
-              <a:rPr lang="en-US" altLang="zh-TW" dirty="0"/>
-              <a:t>categorize the sentence structure</a:t>
+              <a:t>categorize the sentence structures</a:t>
             </a:r>
           </a:p>
           <a:p>
@@ -3927,6 +3923,18 @@
             <a:endParaRPr lang="en-US" altLang="zh-TW" dirty="0"/>
           </a:p>
           <a:p>
+            <a:pPr marL="457200" lvl="1" indent="0">
+              <a:buNone/>
+            </a:pPr>
+            <a:r>
+              <a:rPr lang="en-US" altLang="zh-TW" dirty="0"/>
+              <a:t>---------------------------------------------------------------------------------------------------</a:t>
+            </a:r>
+          </a:p>
+          <a:p>
+            <a:pPr marL="0" indent="0">
+              <a:buNone/>
+            </a:pPr>
             <a:r>
               <a:rPr lang="en-US" altLang="zh-TW" dirty="0"/>
               <a:t>When sufficient conditions meet</a:t>
@@ -4629,19 +4637,7 @@
               <a:rPr lang="en-US" b="0" i="0" dirty="0">
                 <a:effectLst/>
               </a:rPr>
-              <a:t>Natural </a:t>
-            </a:r>
-            <a:r>
-              <a:rPr lang="en-US" b="0" i="0">
-                <a:effectLst/>
-              </a:rPr>
-              <a:t>Language Processing” </a:t>
-            </a:r>
-            <a:r>
-              <a:rPr lang="en-US" b="0" i="0" dirty="0">
-                <a:effectLst/>
-              </a:rPr>
-              <a:t>API</a:t>
+              <a:t>Natural Language Processing” API</a:t>
             </a:r>
           </a:p>
           <a:p>
@@ -7623,6 +7619,16 @@
             </a:pPr>
             <a:endParaRPr lang="en-US" dirty="0"/>
           </a:p>
+          <a:p>
+            <a:pPr>
+              <a:buFont typeface="Wingdings" panose="05000000000000000000" pitchFamily="2" charset="2"/>
+              <a:buChar char="v"/>
+            </a:pPr>
+            <a:r>
+              <a:rPr lang="en-US" dirty="0"/>
+              <a:t>In later stage, a real server or a cloud server may be needed</a:t>
+            </a:r>
+          </a:p>
         </p:txBody>
       </p:sp>
     </p:spTree>
@@ -7714,7 +7720,12 @@
             <p:ph idx="1"/>
           </p:nvPr>
         </p:nvSpPr>
-        <p:spPr/>
+        <p:spPr>
+          <a:xfrm>
+            <a:off x="1676400" y="2531547"/>
+            <a:ext cx="10515600" cy="1794905"/>
+          </a:xfrm>
+        </p:spPr>
         <p:txBody>
           <a:bodyPr/>
           <a:lstStyle/>
@@ -7748,7 +7759,7 @@
           <a:p>
             <a:r>
               <a:rPr lang="en-US" dirty="0"/>
-              <a:t>Limitation and difficulty in handling the complexity of user input statement</a:t>
+              <a:t>Importing customized database is not user friendly</a:t>
             </a:r>
           </a:p>
         </p:txBody>
@@ -7858,7 +7869,7 @@
           <a:p>
             <a:r>
               <a:rPr lang="en-US" dirty="0"/>
-              <a:t>Train the traditional through Machine Learning algorithms with the collected data to achieve AI</a:t>
+              <a:t>Train the traditional chatbot through Machine Learning algorithms with the collected data to achieve AI</a:t>
             </a:r>
           </a:p>
           <a:p>
@@ -7887,6 +7898,171 @@
 
 <file path=ppt/slides/slide2.xml><?xml version="1.0" encoding="utf-8"?>
 <p:sld xmlns:a="http://schemas.openxmlformats.org/drawingml/2006/main" xmlns:r="http://schemas.openxmlformats.org/officeDocument/2006/relationships" xmlns:p="http://schemas.openxmlformats.org/presentationml/2006/main">
+  <p:cSld>
+    <p:bg>
+      <p:bgPr>
+        <a:blipFill dpi="0" rotWithShape="1">
+          <a:blip r:embed="rId3">
+            <a:lum/>
+          </a:blip>
+          <a:srcRect/>
+          <a:stretch>
+            <a:fillRect t="-17000" b="-17000"/>
+          </a:stretch>
+        </a:blipFill>
+        <a:effectLst/>
+      </p:bgPr>
+    </p:bg>
+    <p:spTree>
+      <p:nvGrpSpPr>
+        <p:cNvPr id="1" name=""/>
+        <p:cNvGrpSpPr/>
+        <p:nvPr/>
+      </p:nvGrpSpPr>
+      <p:grpSpPr>
+        <a:xfrm>
+          <a:off x="0" y="0"/>
+          <a:ext cx="0" cy="0"/>
+          <a:chOff x="0" y="0"/>
+          <a:chExt cx="0" cy="0"/>
+        </a:xfrm>
+      </p:grpSpPr>
+      <p:sp>
+        <p:nvSpPr>
+          <p:cNvPr id="2" name="Title 1">
+            <a:extLst>
+              <a:ext uri="{FF2B5EF4-FFF2-40B4-BE49-F238E27FC236}">
+                <a16:creationId xmlns:a16="http://schemas.microsoft.com/office/drawing/2014/main" id="{3813CC65-9BE4-4D78-9635-A8EC1FE074B7}"/>
+              </a:ext>
+            </a:extLst>
+          </p:cNvPr>
+          <p:cNvSpPr>
+            <a:spLocks noGrp="1"/>
+          </p:cNvSpPr>
+          <p:nvPr>
+            <p:ph type="title"/>
+          </p:nvPr>
+        </p:nvSpPr>
+        <p:spPr/>
+        <p:txBody>
+          <a:bodyPr/>
+          <a:lstStyle/>
+          <a:p>
+            <a:pPr marL="0" indent="0" algn="ctr">
+              <a:buNone/>
+            </a:pPr>
+            <a:r>
+              <a:rPr lang="en-US" b="1" u="sng" dirty="0"/>
+              <a:t>Problems we observe</a:t>
+            </a:r>
+          </a:p>
+        </p:txBody>
+      </p:sp>
+      <p:sp>
+        <p:nvSpPr>
+          <p:cNvPr id="3" name="Content Placeholder 2">
+            <a:extLst>
+              <a:ext uri="{FF2B5EF4-FFF2-40B4-BE49-F238E27FC236}">
+                <a16:creationId xmlns:a16="http://schemas.microsoft.com/office/drawing/2014/main" id="{68A9F933-25C9-49DE-BBB6-BE699559A7D3}"/>
+              </a:ext>
+            </a:extLst>
+          </p:cNvPr>
+          <p:cNvSpPr>
+            <a:spLocks noGrp="1"/>
+          </p:cNvSpPr>
+          <p:nvPr>
+            <p:ph idx="1"/>
+          </p:nvPr>
+        </p:nvSpPr>
+        <p:spPr>
+          <a:xfrm>
+            <a:off x="2133600" y="1563158"/>
+            <a:ext cx="8796867" cy="4351338"/>
+          </a:xfrm>
+        </p:spPr>
+        <p:txBody>
+          <a:bodyPr/>
+          <a:lstStyle/>
+          <a:p>
+            <a:r>
+              <a:rPr lang="en-US" dirty="0"/>
+              <a:t>Students got diverse problems and questions </a:t>
+            </a:r>
+          </a:p>
+          <a:p>
+            <a:r>
+              <a:rPr lang="en-US" dirty="0"/>
+              <a:t>Students always ask the inappropriate individuals/targets </a:t>
+            </a:r>
+          </a:p>
+          <a:p>
+            <a:r>
+              <a:rPr lang="en-US" dirty="0"/>
+              <a:t>Lecturers/Staff may not know the answers</a:t>
+            </a:r>
+          </a:p>
+          <a:p>
+            <a:pPr marL="0" indent="0">
+              <a:buNone/>
+            </a:pPr>
+            <a:r>
+              <a:rPr lang="en-US" dirty="0"/>
+              <a:t>-&gt; Cannot get a useful response/solution</a:t>
+            </a:r>
+          </a:p>
+          <a:p>
+            <a:pPr marL="0" indent="0">
+              <a:buNone/>
+            </a:pPr>
+            <a:r>
+              <a:rPr lang="en-US" dirty="0"/>
+              <a:t>-&gt; Inconvenience to different stakeholders</a:t>
+            </a:r>
+          </a:p>
+          <a:p>
+            <a:pPr marL="0" indent="0">
+              <a:buNone/>
+            </a:pPr>
+            <a:endParaRPr lang="en-US" dirty="0"/>
+          </a:p>
+          <a:p>
+            <a:r>
+              <a:rPr lang="en-US" dirty="0"/>
+              <a:t>Absence of online support (after office hour)</a:t>
+            </a:r>
+          </a:p>
+          <a:p>
+            <a:pPr marL="0" indent="0">
+              <a:buNone/>
+            </a:pPr>
+            <a:r>
+              <a:rPr lang="en-US" dirty="0"/>
+              <a:t>-&gt;Urgent inquiry cannot be handled</a:t>
+            </a:r>
+          </a:p>
+          <a:p>
+            <a:pPr marL="0" indent="0">
+              <a:buNone/>
+            </a:pPr>
+            <a:endParaRPr lang="en-US" dirty="0"/>
+          </a:p>
+        </p:txBody>
+      </p:sp>
+    </p:spTree>
+    <p:extLst>
+      <p:ext uri="{BB962C8B-B14F-4D97-AF65-F5344CB8AC3E}">
+        <p14:creationId xmlns:p14="http://schemas.microsoft.com/office/powerpoint/2010/main" val="2993692823"/>
+      </p:ext>
+    </p:extLst>
+  </p:cSld>
+  <p:clrMapOvr>
+    <a:overrideClrMapping bg1="lt1" tx1="dk1" bg2="lt2" tx2="dk2" accent1="accent1" accent2="accent2" accent3="accent3" accent4="accent4" accent5="accent5" accent6="accent6" hlink="hlink" folHlink="folHlink"/>
+  </p:clrMapOvr>
+</p:sld>
+</file>
+
+<file path=ppt/slides/slide20.xml><?xml version="1.0" encoding="utf-8"?>
+<p:sld xmlns:a="http://schemas.openxmlformats.org/drawingml/2006/main" xmlns:r="http://schemas.openxmlformats.org/officeDocument/2006/relationships" xmlns:p="http://schemas.openxmlformats.org/presentationml/2006/main" show="0">
   <p:cSld>
     <p:bg>
       <p:bgPr>
@@ -7918,10 +8094,10 @@
       </p:grpSpPr>
       <p:sp>
         <p:nvSpPr>
-          <p:cNvPr id="2" name="Title 1">
-            <a:extLst>
-              <a:ext uri="{FF2B5EF4-FFF2-40B4-BE49-F238E27FC236}">
-                <a16:creationId xmlns:a16="http://schemas.microsoft.com/office/drawing/2014/main" id="{3813CC65-9BE4-4D78-9635-A8EC1FE074B7}"/>
+          <p:cNvPr id="4" name="Title 3">
+            <a:extLst>
+              <a:ext uri="{FF2B5EF4-FFF2-40B4-BE49-F238E27FC236}">
+                <a16:creationId xmlns:a16="http://schemas.microsoft.com/office/drawing/2014/main" id="{69D0EC4D-A11E-4D08-AE2C-014C04B58219}"/>
               </a:ext>
             </a:extLst>
           </p:cNvPr>
@@ -7932,115 +8108,28 @@
             <p:ph type="title"/>
           </p:nvPr>
         </p:nvSpPr>
-        <p:spPr/>
-        <p:txBody>
-          <a:bodyPr/>
-          <a:lstStyle/>
-          <a:p>
-            <a:pPr marL="0" indent="0" algn="ctr">
-              <a:buNone/>
-            </a:pPr>
-            <a:r>
-              <a:rPr lang="en-US" b="1" u="sng" dirty="0"/>
-              <a:t>Problems we observe</a:t>
-            </a:r>
-          </a:p>
-        </p:txBody>
-      </p:sp>
-      <p:sp>
-        <p:nvSpPr>
-          <p:cNvPr id="3" name="Content Placeholder 2">
-            <a:extLst>
-              <a:ext uri="{FF2B5EF4-FFF2-40B4-BE49-F238E27FC236}">
-                <a16:creationId xmlns:a16="http://schemas.microsoft.com/office/drawing/2014/main" id="{68A9F933-25C9-49DE-BBB6-BE699559A7D3}"/>
-              </a:ext>
-            </a:extLst>
-          </p:cNvPr>
-          <p:cNvSpPr>
-            <a:spLocks noGrp="1"/>
-          </p:cNvSpPr>
-          <p:nvPr>
-            <p:ph idx="1"/>
-          </p:nvPr>
-        </p:nvSpPr>
         <p:spPr>
           <a:xfrm>
-            <a:off x="2133600" y="1563158"/>
-            <a:ext cx="8796867" cy="4351338"/>
+            <a:off x="933091" y="2777750"/>
+            <a:ext cx="10515600" cy="1302499"/>
           </a:xfrm>
         </p:spPr>
         <p:txBody>
           <a:bodyPr/>
           <a:lstStyle/>
           <a:p>
+            <a:pPr algn="ctr"/>
             <a:r>
               <a:rPr lang="en-US" dirty="0"/>
-              <a:t>Students got diverse problems and questions </a:t>
-            </a:r>
-          </a:p>
-          <a:p>
-            <a:r>
-              <a:rPr lang="en-US" dirty="0"/>
-              <a:t>Students always ask the inappropriate individuals/targets </a:t>
-            </a:r>
-          </a:p>
-          <a:p>
-            <a:r>
-              <a:rPr lang="en-US" dirty="0"/>
-              <a:t>Lecturers/Staff may not know the answers</a:t>
-            </a:r>
-          </a:p>
-          <a:p>
-            <a:pPr marL="0" indent="0">
-              <a:buNone/>
-            </a:pPr>
-            <a:r>
-              <a:rPr lang="en-US" dirty="0"/>
-              <a:t>-&gt; Cannot get a useful response/solution</a:t>
-            </a:r>
-          </a:p>
-          <a:p>
-            <a:pPr marL="0" indent="0">
-              <a:buNone/>
-            </a:pPr>
-            <a:r>
-              <a:rPr lang="en-US" dirty="0"/>
-              <a:t>-&gt; Inconvenience to different stakeholders</a:t>
-            </a:r>
-          </a:p>
-          <a:p>
-            <a:pPr marL="0" indent="0">
-              <a:buNone/>
-            </a:pPr>
-            <a:endParaRPr lang="en-US" dirty="0"/>
-          </a:p>
-          <a:p>
-            <a:r>
-              <a:rPr lang="en-US" dirty="0"/>
-              <a:t>Absence of online support (after office hour)</a:t>
-            </a:r>
-          </a:p>
-          <a:p>
-            <a:pPr marL="0" indent="0">
-              <a:buNone/>
-            </a:pPr>
-            <a:r>
-              <a:rPr lang="en-US" dirty="0"/>
-              <a:t>-&gt;Urgent inquiry cannot be handled</a:t>
-            </a:r>
-          </a:p>
-          <a:p>
-            <a:pPr marL="0" indent="0">
-              <a:buNone/>
-            </a:pPr>
-            <a:endParaRPr lang="en-US" dirty="0"/>
+              <a:t>Demo Time</a:t>
+            </a:r>
           </a:p>
         </p:txBody>
       </p:sp>
     </p:spTree>
     <p:extLst>
       <p:ext uri="{BB962C8B-B14F-4D97-AF65-F5344CB8AC3E}">
-        <p14:creationId xmlns:p14="http://schemas.microsoft.com/office/powerpoint/2010/main" val="2993692823"/>
+        <p14:creationId xmlns:p14="http://schemas.microsoft.com/office/powerpoint/2010/main" val="3292753187"/>
       </p:ext>
     </p:extLst>
   </p:cSld>
@@ -8050,7 +8139,7 @@
 </p:sld>
 </file>
 
-<file path=ppt/slides/slide20.xml><?xml version="1.0" encoding="utf-8"?>
+<file path=ppt/slides/slide21.xml><?xml version="1.0" encoding="utf-8"?>
 <p:sld xmlns:a="http://schemas.openxmlformats.org/drawingml/2006/main" xmlns:r="http://schemas.openxmlformats.org/officeDocument/2006/relationships" xmlns:p="http://schemas.openxmlformats.org/presentationml/2006/main">
   <p:cSld>
     <p:bg>
@@ -8118,7 +8207,7 @@
     </p:spTree>
     <p:extLst>
       <p:ext uri="{BB962C8B-B14F-4D97-AF65-F5344CB8AC3E}">
-        <p14:creationId xmlns:p14="http://schemas.microsoft.com/office/powerpoint/2010/main" val="3292753187"/>
+        <p14:creationId xmlns:p14="http://schemas.microsoft.com/office/powerpoint/2010/main" val="2556074662"/>
       </p:ext>
     </p:extLst>
   </p:cSld>
@@ -8221,7 +8310,16 @@
             </a:pPr>
             <a:r>
               <a:rPr lang="en-US" dirty="0"/>
-              <a:t>***Successfully provide a solution to the institution and students through software application*** </a:t>
+              <a:t>***Successfully provide a solution to the institution and*** </a:t>
+            </a:r>
+          </a:p>
+          <a:p>
+            <a:pPr marL="0" indent="0" algn="ctr">
+              <a:buNone/>
+            </a:pPr>
+            <a:r>
+              <a:rPr lang="en-US" dirty="0"/>
+              <a:t>***students through software application***</a:t>
             </a:r>
           </a:p>
         </p:txBody>
@@ -8329,7 +8427,7 @@
           <a:p>
             <a:r>
               <a:rPr lang="en-US" dirty="0"/>
-              <a:t>Provide a 24-7 online platform for student’s inquiry</a:t>
+              <a:t>Provide a 24/7 online platform for student’s inquiry</a:t>
             </a:r>
           </a:p>
           <a:p>
@@ -8388,15 +8486,9 @@
   <p:cSld>
     <p:bg>
       <p:bgPr>
-        <a:blipFill dpi="0" rotWithShape="1">
-          <a:blip r:embed="rId2">
-            <a:lum/>
-          </a:blip>
-          <a:srcRect/>
-          <a:stretch>
-            <a:fillRect t="-17000" b="-17000"/>
-          </a:stretch>
-        </a:blipFill>
+        <a:solidFill>
+          <a:schemeClr val="bg1"/>
+        </a:solidFill>
         <a:effectLst/>
       </p:bgPr>
     </p:bg>
@@ -8414,6 +8506,2068 @@
           <a:chExt cx="0" cy="0"/>
         </a:xfrm>
       </p:grpSpPr>
+      <p:grpSp>
+        <p:nvGrpSpPr>
+          <p:cNvPr id="12" name="Group 11">
+            <a:extLst>
+              <a:ext uri="{FF2B5EF4-FFF2-40B4-BE49-F238E27FC236}">
+                <a16:creationId xmlns:a16="http://schemas.microsoft.com/office/drawing/2014/main" id="{AB2FAF3C-F36A-4612-B00B-E737FEB1E065}"/>
+              </a:ext>
+              <a:ext uri="{C183D7F6-B498-43B3-948B-1728B52AA6E4}">
+                <adec:decorative xmlns:adec="http://schemas.microsoft.com/office/drawing/2017/decorative" val="1"/>
+              </a:ext>
+            </a:extLst>
+          </p:cNvPr>
+          <p:cNvGrpSpPr>
+            <a:grpSpLocks noGrp="1" noUngrp="1" noRot="1" noChangeAspect="1" noMove="1" noResize="1"/>
+          </p:cNvGrpSpPr>
+          <p:nvPr>
+            <p:extLst>
+              <p:ext uri="{386F3935-93C4-4BCD-93E2-E3B085C9AB24}">
+                <p16:designElem xmlns:p16="http://schemas.microsoft.com/office/powerpoint/2015/main" val="1"/>
+              </p:ext>
+            </p:extLst>
+          </p:nvPr>
+        </p:nvGrpSpPr>
+        <p:grpSpPr>
+          <a:xfrm>
+            <a:off x="-329674" y="-59376"/>
+            <a:ext cx="12515851" cy="6923798"/>
+            <a:chOff x="-329674" y="-51881"/>
+            <a:chExt cx="12515851" cy="6923798"/>
+          </a:xfrm>
+        </p:grpSpPr>
+        <p:sp>
+          <p:nvSpPr>
+            <p:cNvPr id="13" name="Freeform 5">
+              <a:extLst>
+                <a:ext uri="{FF2B5EF4-FFF2-40B4-BE49-F238E27FC236}">
+                  <a16:creationId xmlns:a16="http://schemas.microsoft.com/office/drawing/2014/main" id="{23420AEB-7D6F-4338-9CD8-7B963761702B}"/>
+                </a:ext>
+                <a:ext uri="{C183D7F6-B498-43B3-948B-1728B52AA6E4}">
+                  <adec:decorative xmlns:adec="http://schemas.microsoft.com/office/drawing/2017/decorative" val="1"/>
+                </a:ext>
+              </a:extLst>
+            </p:cNvPr>
+            <p:cNvSpPr>
+              <a:spLocks/>
+            </p:cNvSpPr>
+            <p:nvPr>
+              <p:extLst>
+                <p:ext uri="{386F3935-93C4-4BCD-93E2-E3B085C9AB24}">
+                  <p16:designElem xmlns:p16="http://schemas.microsoft.com/office/powerpoint/2015/main" val="1"/>
+                </p:ext>
+              </p:extLst>
+            </p:nvPr>
+          </p:nvSpPr>
+          <p:spPr bwMode="auto">
+            <a:xfrm>
+              <a:off x="-329674" y="1298404"/>
+              <a:ext cx="9702800" cy="5573512"/>
+            </a:xfrm>
+            <a:custGeom>
+              <a:avLst/>
+              <a:gdLst>
+                <a:gd name="T0" fmla="*/ 1752 w 2038"/>
+                <a:gd name="T1" fmla="*/ 1169 h 1169"/>
+                <a:gd name="T2" fmla="*/ 1487 w 2038"/>
+                <a:gd name="T3" fmla="*/ 334 h 1169"/>
+                <a:gd name="T4" fmla="*/ 860 w 2038"/>
+                <a:gd name="T5" fmla="*/ 22 h 1169"/>
+                <a:gd name="T6" fmla="*/ 199 w 2038"/>
+                <a:gd name="T7" fmla="*/ 318 h 1169"/>
+                <a:gd name="T8" fmla="*/ 399 w 2038"/>
+                <a:gd name="T9" fmla="*/ 1165 h 1169"/>
+              </a:gdLst>
+              <a:ahLst/>
+              <a:cxnLst>
+                <a:cxn ang="0">
+                  <a:pos x="T0" y="T1"/>
+                </a:cxn>
+                <a:cxn ang="0">
+                  <a:pos x="T2" y="T3"/>
+                </a:cxn>
+                <a:cxn ang="0">
+                  <a:pos x="T4" y="T5"/>
+                </a:cxn>
+                <a:cxn ang="0">
+                  <a:pos x="T6" y="T7"/>
+                </a:cxn>
+                <a:cxn ang="0">
+                  <a:pos x="T8" y="T9"/>
+                </a:cxn>
+              </a:cxnLst>
+              <a:rect l="0" t="0" r="r" b="b"/>
+              <a:pathLst>
+                <a:path w="2038" h="1169">
+                  <a:moveTo>
+                    <a:pt x="1752" y="1169"/>
+                  </a:moveTo>
+                  <a:cubicBezTo>
+                    <a:pt x="2038" y="928"/>
+                    <a:pt x="1673" y="513"/>
+                    <a:pt x="1487" y="334"/>
+                  </a:cubicBezTo>
+                  <a:cubicBezTo>
+                    <a:pt x="1316" y="170"/>
+                    <a:pt x="1099" y="43"/>
+                    <a:pt x="860" y="22"/>
+                  </a:cubicBezTo>
+                  <a:cubicBezTo>
+                    <a:pt x="621" y="0"/>
+                    <a:pt x="341" y="128"/>
+                    <a:pt x="199" y="318"/>
+                  </a:cubicBezTo>
+                  <a:cubicBezTo>
+                    <a:pt x="0" y="586"/>
+                    <a:pt x="184" y="965"/>
+                    <a:pt x="399" y="1165"/>
+                  </a:cubicBezTo>
+                </a:path>
+              </a:pathLst>
+            </a:custGeom>
+            <a:noFill/>
+            <a:ln w="9525" cap="flat">
+              <a:solidFill>
+                <a:schemeClr val="tx1">
+                  <a:alpha val="20000"/>
+                </a:schemeClr>
+              </a:solidFill>
+              <a:prstDash val="solid"/>
+              <a:miter lim="800000"/>
+              <a:headEnd/>
+              <a:tailEnd/>
+            </a:ln>
+            <a:extLst>
+              <a:ext uri="{909E8E84-426E-40DD-AFC4-6F175D3DCCD1}">
+                <a14:hiddenFill xmlns:a14="http://schemas.microsoft.com/office/drawing/2010/main">
+                  <a:solidFill>
+                    <a:srgbClr val="FFFFFF"/>
+                  </a:solidFill>
+                </a14:hiddenFill>
+              </a:ext>
+            </a:extLst>
+          </p:spPr>
+          <p:txBody>
+            <a:bodyPr vert="horz" wrap="square" lIns="91440" tIns="45720" rIns="91440" bIns="45720" numCol="1" anchor="t" anchorCtr="0" compatLnSpc="1">
+              <a:prstTxWarp prst="textNoShape">
+                <a:avLst/>
+              </a:prstTxWarp>
+            </a:bodyPr>
+            <a:lstStyle/>
+            <a:p>
+              <a:endParaRPr lang="en-US"/>
+            </a:p>
+          </p:txBody>
+        </p:sp>
+        <p:sp>
+          <p:nvSpPr>
+            <p:cNvPr id="14" name="Freeform 6">
+              <a:extLst>
+                <a:ext uri="{FF2B5EF4-FFF2-40B4-BE49-F238E27FC236}">
+                  <a16:creationId xmlns:a16="http://schemas.microsoft.com/office/drawing/2014/main" id="{9551E9D5-67C0-42B0-9796-909C1B9DF7E7}"/>
+                </a:ext>
+                <a:ext uri="{C183D7F6-B498-43B3-948B-1728B52AA6E4}">
+                  <adec:decorative xmlns:adec="http://schemas.microsoft.com/office/drawing/2017/decorative" val="1"/>
+                </a:ext>
+              </a:extLst>
+            </p:cNvPr>
+            <p:cNvSpPr>
+              <a:spLocks/>
+            </p:cNvSpPr>
+            <p:nvPr>
+              <p:extLst>
+                <p:ext uri="{386F3935-93C4-4BCD-93E2-E3B085C9AB24}">
+                  <p16:designElem xmlns:p16="http://schemas.microsoft.com/office/powerpoint/2015/main" val="1"/>
+                </p:ext>
+              </p:extLst>
+            </p:nvPr>
+          </p:nvSpPr>
+          <p:spPr bwMode="auto">
+            <a:xfrm>
+              <a:off x="670451" y="2018236"/>
+              <a:ext cx="7373938" cy="4848892"/>
+            </a:xfrm>
+            <a:custGeom>
+              <a:avLst/>
+              <a:gdLst>
+                <a:gd name="T0" fmla="*/ 1025 w 1549"/>
+                <a:gd name="T1" fmla="*/ 1016 h 1017"/>
+                <a:gd name="T2" fmla="*/ 1443 w 1549"/>
+                <a:gd name="T3" fmla="*/ 592 h 1017"/>
+                <a:gd name="T4" fmla="*/ 782 w 1549"/>
+                <a:gd name="T5" fmla="*/ 53 h 1017"/>
+                <a:gd name="T6" fmla="*/ 150 w 1549"/>
+                <a:gd name="T7" fmla="*/ 329 h 1017"/>
+                <a:gd name="T8" fmla="*/ 477 w 1549"/>
+                <a:gd name="T9" fmla="*/ 1017 h 1017"/>
+              </a:gdLst>
+              <a:ahLst/>
+              <a:cxnLst>
+                <a:cxn ang="0">
+                  <a:pos x="T0" y="T1"/>
+                </a:cxn>
+                <a:cxn ang="0">
+                  <a:pos x="T2" y="T3"/>
+                </a:cxn>
+                <a:cxn ang="0">
+                  <a:pos x="T4" y="T5"/>
+                </a:cxn>
+                <a:cxn ang="0">
+                  <a:pos x="T6" y="T7"/>
+                </a:cxn>
+                <a:cxn ang="0">
+                  <a:pos x="T8" y="T9"/>
+                </a:cxn>
+              </a:cxnLst>
+              <a:rect l="0" t="0" r="r" b="b"/>
+              <a:pathLst>
+                <a:path w="1549" h="1017">
+                  <a:moveTo>
+                    <a:pt x="1025" y="1016"/>
+                  </a:moveTo>
+                  <a:cubicBezTo>
+                    <a:pt x="1223" y="971"/>
+                    <a:pt x="1549" y="857"/>
+                    <a:pt x="1443" y="592"/>
+                  </a:cubicBezTo>
+                  <a:cubicBezTo>
+                    <a:pt x="1344" y="344"/>
+                    <a:pt x="1041" y="111"/>
+                    <a:pt x="782" y="53"/>
+                  </a:cubicBezTo>
+                  <a:cubicBezTo>
+                    <a:pt x="545" y="0"/>
+                    <a:pt x="275" y="117"/>
+                    <a:pt x="150" y="329"/>
+                  </a:cubicBezTo>
+                  <a:cubicBezTo>
+                    <a:pt x="0" y="584"/>
+                    <a:pt x="243" y="911"/>
+                    <a:pt x="477" y="1017"/>
+                  </a:cubicBezTo>
+                </a:path>
+              </a:pathLst>
+            </a:custGeom>
+            <a:noFill/>
+            <a:ln w="9525" cap="flat">
+              <a:solidFill>
+                <a:schemeClr val="tx1">
+                  <a:alpha val="20000"/>
+                </a:schemeClr>
+              </a:solidFill>
+              <a:prstDash val="solid"/>
+              <a:miter lim="800000"/>
+              <a:headEnd/>
+              <a:tailEnd/>
+            </a:ln>
+            <a:extLst>
+              <a:ext uri="{909E8E84-426E-40DD-AFC4-6F175D3DCCD1}">
+                <a14:hiddenFill xmlns:a14="http://schemas.microsoft.com/office/drawing/2010/main">
+                  <a:solidFill>
+                    <a:srgbClr val="FFFFFF"/>
+                  </a:solidFill>
+                </a14:hiddenFill>
+              </a:ext>
+            </a:extLst>
+          </p:spPr>
+          <p:txBody>
+            <a:bodyPr vert="horz" wrap="square" lIns="91440" tIns="45720" rIns="91440" bIns="45720" numCol="1" anchor="t" anchorCtr="0" compatLnSpc="1">
+              <a:prstTxWarp prst="textNoShape">
+                <a:avLst/>
+              </a:prstTxWarp>
+            </a:bodyPr>
+            <a:lstStyle/>
+            <a:p>
+              <a:endParaRPr lang="en-US"/>
+            </a:p>
+          </p:txBody>
+        </p:sp>
+        <p:sp>
+          <p:nvSpPr>
+            <p:cNvPr id="15" name="Freeform 7">
+              <a:extLst>
+                <a:ext uri="{FF2B5EF4-FFF2-40B4-BE49-F238E27FC236}">
+                  <a16:creationId xmlns:a16="http://schemas.microsoft.com/office/drawing/2014/main" id="{9CB4C9E0-236E-426D-88FB-50ACF81BC9B0}"/>
+                </a:ext>
+                <a:ext uri="{C183D7F6-B498-43B3-948B-1728B52AA6E4}">
+                  <adec:decorative xmlns:adec="http://schemas.microsoft.com/office/drawing/2017/decorative" val="1"/>
+                </a:ext>
+              </a:extLst>
+            </p:cNvPr>
+            <p:cNvSpPr>
+              <a:spLocks/>
+            </p:cNvSpPr>
+            <p:nvPr>
+              <p:extLst>
+                <p:ext uri="{386F3935-93C4-4BCD-93E2-E3B085C9AB24}">
+                  <p16:designElem xmlns:p16="http://schemas.microsoft.com/office/powerpoint/2015/main" val="1"/>
+                </p:ext>
+              </p:extLst>
+            </p:nvPr>
+          </p:nvSpPr>
+          <p:spPr bwMode="auto">
+            <a:xfrm>
+              <a:off x="251351" y="1788400"/>
+              <a:ext cx="8035925" cy="5083516"/>
+            </a:xfrm>
+            <a:custGeom>
+              <a:avLst/>
+              <a:gdLst>
+                <a:gd name="T0" fmla="*/ 1302 w 1688"/>
+                <a:gd name="T1" fmla="*/ 1066 h 1066"/>
+                <a:gd name="T2" fmla="*/ 1613 w 1688"/>
+                <a:gd name="T3" fmla="*/ 850 h 1066"/>
+                <a:gd name="T4" fmla="*/ 1517 w 1688"/>
+                <a:gd name="T5" fmla="*/ 471 h 1066"/>
+                <a:gd name="T6" fmla="*/ 798 w 1688"/>
+                <a:gd name="T7" fmla="*/ 28 h 1066"/>
+                <a:gd name="T8" fmla="*/ 181 w 1688"/>
+                <a:gd name="T9" fmla="*/ 333 h 1066"/>
+                <a:gd name="T10" fmla="*/ 420 w 1688"/>
+                <a:gd name="T11" fmla="*/ 1066 h 1066"/>
+              </a:gdLst>
+              <a:ahLst/>
+              <a:cxnLst>
+                <a:cxn ang="0">
+                  <a:pos x="T0" y="T1"/>
+                </a:cxn>
+                <a:cxn ang="0">
+                  <a:pos x="T2" y="T3"/>
+                </a:cxn>
+                <a:cxn ang="0">
+                  <a:pos x="T4" y="T5"/>
+                </a:cxn>
+                <a:cxn ang="0">
+                  <a:pos x="T6" y="T7"/>
+                </a:cxn>
+                <a:cxn ang="0">
+                  <a:pos x="T8" y="T9"/>
+                </a:cxn>
+                <a:cxn ang="0">
+                  <a:pos x="T10" y="T11"/>
+                </a:cxn>
+              </a:cxnLst>
+              <a:rect l="0" t="0" r="r" b="b"/>
+              <a:pathLst>
+                <a:path w="1688" h="1066">
+                  <a:moveTo>
+                    <a:pt x="1302" y="1066"/>
+                  </a:moveTo>
+                  <a:cubicBezTo>
+                    <a:pt x="1416" y="1024"/>
+                    <a:pt x="1551" y="962"/>
+                    <a:pt x="1613" y="850"/>
+                  </a:cubicBezTo>
+                  <a:cubicBezTo>
+                    <a:pt x="1688" y="715"/>
+                    <a:pt x="1606" y="575"/>
+                    <a:pt x="1517" y="471"/>
+                  </a:cubicBezTo>
+                  <a:cubicBezTo>
+                    <a:pt x="1336" y="258"/>
+                    <a:pt x="1084" y="62"/>
+                    <a:pt x="798" y="28"/>
+                  </a:cubicBezTo>
+                  <a:cubicBezTo>
+                    <a:pt x="559" y="0"/>
+                    <a:pt x="317" y="138"/>
+                    <a:pt x="181" y="333"/>
+                  </a:cubicBezTo>
+                  <a:cubicBezTo>
+                    <a:pt x="0" y="592"/>
+                    <a:pt x="191" y="907"/>
+                    <a:pt x="420" y="1066"/>
+                  </a:cubicBezTo>
+                </a:path>
+              </a:pathLst>
+            </a:custGeom>
+            <a:noFill/>
+            <a:ln w="9525" cap="flat">
+              <a:solidFill>
+                <a:schemeClr val="tx1">
+                  <a:alpha val="20000"/>
+                </a:schemeClr>
+              </a:solidFill>
+              <a:prstDash val="dash"/>
+              <a:miter lim="800000"/>
+              <a:headEnd/>
+              <a:tailEnd/>
+            </a:ln>
+            <a:extLst>
+              <a:ext uri="{909E8E84-426E-40DD-AFC4-6F175D3DCCD1}">
+                <a14:hiddenFill xmlns:a14="http://schemas.microsoft.com/office/drawing/2010/main">
+                  <a:solidFill>
+                    <a:srgbClr val="FFFFFF"/>
+                  </a:solidFill>
+                </a14:hiddenFill>
+              </a:ext>
+            </a:extLst>
+          </p:spPr>
+          <p:txBody>
+            <a:bodyPr vert="horz" wrap="square" lIns="91440" tIns="45720" rIns="91440" bIns="45720" numCol="1" anchor="t" anchorCtr="0" compatLnSpc="1">
+              <a:prstTxWarp prst="textNoShape">
+                <a:avLst/>
+              </a:prstTxWarp>
+            </a:bodyPr>
+            <a:lstStyle/>
+            <a:p>
+              <a:endParaRPr lang="en-US"/>
+            </a:p>
+          </p:txBody>
+        </p:sp>
+        <p:sp>
+          <p:nvSpPr>
+            <p:cNvPr id="16" name="Freeform 8">
+              <a:extLst>
+                <a:ext uri="{FF2B5EF4-FFF2-40B4-BE49-F238E27FC236}">
+                  <a16:creationId xmlns:a16="http://schemas.microsoft.com/office/drawing/2014/main" id="{1A11A9AC-1E25-429F-A3A8-67DED3DF4541}"/>
+                </a:ext>
+                <a:ext uri="{C183D7F6-B498-43B3-948B-1728B52AA6E4}">
+                  <adec:decorative xmlns:adec="http://schemas.microsoft.com/office/drawing/2017/decorative" val="1"/>
+                </a:ext>
+              </a:extLst>
+            </p:cNvPr>
+            <p:cNvSpPr>
+              <a:spLocks/>
+            </p:cNvSpPr>
+            <p:nvPr>
+              <p:extLst>
+                <p:ext uri="{386F3935-93C4-4BCD-93E2-E3B085C9AB24}">
+                  <p16:designElem xmlns:p16="http://schemas.microsoft.com/office/powerpoint/2015/main" val="1"/>
+                </p:ext>
+              </p:extLst>
+            </p:nvPr>
+          </p:nvSpPr>
+          <p:spPr bwMode="auto">
+            <a:xfrm>
+              <a:off x="-1061" y="549842"/>
+              <a:ext cx="10334625" cy="6322075"/>
+            </a:xfrm>
+            <a:custGeom>
+              <a:avLst/>
+              <a:gdLst>
+                <a:gd name="T0" fmla="*/ 1873 w 2171"/>
+                <a:gd name="T1" fmla="*/ 1326 h 1326"/>
+                <a:gd name="T2" fmla="*/ 1609 w 2171"/>
+                <a:gd name="T3" fmla="*/ 473 h 1326"/>
+                <a:gd name="T4" fmla="*/ 880 w 2171"/>
+                <a:gd name="T5" fmla="*/ 63 h 1326"/>
+                <a:gd name="T6" fmla="*/ 0 w 2171"/>
+                <a:gd name="T7" fmla="*/ 423 h 1326"/>
+              </a:gdLst>
+              <a:ahLst/>
+              <a:cxnLst>
+                <a:cxn ang="0">
+                  <a:pos x="T0" y="T1"/>
+                </a:cxn>
+                <a:cxn ang="0">
+                  <a:pos x="T2" y="T3"/>
+                </a:cxn>
+                <a:cxn ang="0">
+                  <a:pos x="T4" y="T5"/>
+                </a:cxn>
+                <a:cxn ang="0">
+                  <a:pos x="T6" y="T7"/>
+                </a:cxn>
+              </a:cxnLst>
+              <a:rect l="0" t="0" r="r" b="b"/>
+              <a:pathLst>
+                <a:path w="2171" h="1326">
+                  <a:moveTo>
+                    <a:pt x="1873" y="1326"/>
+                  </a:moveTo>
+                  <a:cubicBezTo>
+                    <a:pt x="2171" y="1045"/>
+                    <a:pt x="1825" y="678"/>
+                    <a:pt x="1609" y="473"/>
+                  </a:cubicBezTo>
+                  <a:cubicBezTo>
+                    <a:pt x="1406" y="281"/>
+                    <a:pt x="1159" y="116"/>
+                    <a:pt x="880" y="63"/>
+                  </a:cubicBezTo>
+                  <a:cubicBezTo>
+                    <a:pt x="545" y="0"/>
+                    <a:pt x="214" y="161"/>
+                    <a:pt x="0" y="423"/>
+                  </a:cubicBezTo>
+                </a:path>
+              </a:pathLst>
+            </a:custGeom>
+            <a:noFill/>
+            <a:ln w="9525" cap="flat">
+              <a:solidFill>
+                <a:schemeClr val="tx1">
+                  <a:alpha val="20000"/>
+                </a:schemeClr>
+              </a:solidFill>
+              <a:prstDash val="solid"/>
+              <a:miter lim="800000"/>
+              <a:headEnd/>
+              <a:tailEnd/>
+            </a:ln>
+            <a:extLst>
+              <a:ext uri="{909E8E84-426E-40DD-AFC4-6F175D3DCCD1}">
+                <a14:hiddenFill xmlns:a14="http://schemas.microsoft.com/office/drawing/2010/main">
+                  <a:solidFill>
+                    <a:srgbClr val="FFFFFF"/>
+                  </a:solidFill>
+                </a14:hiddenFill>
+              </a:ext>
+            </a:extLst>
+          </p:spPr>
+          <p:txBody>
+            <a:bodyPr vert="horz" wrap="square" lIns="91440" tIns="45720" rIns="91440" bIns="45720" numCol="1" anchor="t" anchorCtr="0" compatLnSpc="1">
+              <a:prstTxWarp prst="textNoShape">
+                <a:avLst/>
+              </a:prstTxWarp>
+            </a:bodyPr>
+            <a:lstStyle/>
+            <a:p>
+              <a:endParaRPr lang="en-US"/>
+            </a:p>
+          </p:txBody>
+        </p:sp>
+        <p:sp>
+          <p:nvSpPr>
+            <p:cNvPr id="17" name="Freeform 9">
+              <a:extLst>
+                <a:ext uri="{FF2B5EF4-FFF2-40B4-BE49-F238E27FC236}">
+                  <a16:creationId xmlns:a16="http://schemas.microsoft.com/office/drawing/2014/main" id="{66E126C4-E1AC-4DDC-87CB-5D8B4605C86F}"/>
+                </a:ext>
+                <a:ext uri="{C183D7F6-B498-43B3-948B-1728B52AA6E4}">
+                  <adec:decorative xmlns:adec="http://schemas.microsoft.com/office/drawing/2017/decorative" val="1"/>
+                </a:ext>
+              </a:extLst>
+            </p:cNvPr>
+            <p:cNvSpPr>
+              <a:spLocks/>
+            </p:cNvSpPr>
+            <p:nvPr>
+              <p:extLst>
+                <p:ext uri="{386F3935-93C4-4BCD-93E2-E3B085C9AB24}">
+                  <p16:designElem xmlns:p16="http://schemas.microsoft.com/office/powerpoint/2015/main" val="1"/>
+                </p:ext>
+              </p:extLst>
+            </p:nvPr>
+          </p:nvSpPr>
+          <p:spPr bwMode="auto">
+            <a:xfrm>
+              <a:off x="3701" y="6186246"/>
+              <a:ext cx="504825" cy="681527"/>
+            </a:xfrm>
+            <a:custGeom>
+              <a:avLst/>
+              <a:gdLst>
+                <a:gd name="T0" fmla="*/ 0 w 106"/>
+                <a:gd name="T1" fmla="*/ 0 h 143"/>
+                <a:gd name="T2" fmla="*/ 106 w 106"/>
+                <a:gd name="T3" fmla="*/ 143 h 143"/>
+              </a:gdLst>
+              <a:ahLst/>
+              <a:cxnLst>
+                <a:cxn ang="0">
+                  <a:pos x="T0" y="T1"/>
+                </a:cxn>
+                <a:cxn ang="0">
+                  <a:pos x="T2" y="T3"/>
+                </a:cxn>
+              </a:cxnLst>
+              <a:rect l="0" t="0" r="r" b="b"/>
+              <a:pathLst>
+                <a:path w="106" h="143">
+                  <a:moveTo>
+                    <a:pt x="0" y="0"/>
+                  </a:moveTo>
+                  <a:cubicBezTo>
+                    <a:pt x="35" y="54"/>
+                    <a:pt x="70" y="101"/>
+                    <a:pt x="106" y="143"/>
+                  </a:cubicBezTo>
+                </a:path>
+              </a:pathLst>
+            </a:custGeom>
+            <a:noFill/>
+            <a:ln w="4763" cap="flat">
+              <a:solidFill>
+                <a:schemeClr val="tx1">
+                  <a:alpha val="20000"/>
+                </a:schemeClr>
+              </a:solidFill>
+              <a:prstDash val="solid"/>
+              <a:miter lim="800000"/>
+              <a:headEnd/>
+              <a:tailEnd/>
+            </a:ln>
+            <a:extLst>
+              <a:ext uri="{909E8E84-426E-40DD-AFC4-6F175D3DCCD1}">
+                <a14:hiddenFill xmlns:a14="http://schemas.microsoft.com/office/drawing/2010/main">
+                  <a:solidFill>
+                    <a:srgbClr val="FFFFFF"/>
+                  </a:solidFill>
+                </a14:hiddenFill>
+              </a:ext>
+            </a:extLst>
+          </p:spPr>
+          <p:txBody>
+            <a:bodyPr vert="horz" wrap="square" lIns="91440" tIns="45720" rIns="91440" bIns="45720" numCol="1" anchor="t" anchorCtr="0" compatLnSpc="1">
+              <a:prstTxWarp prst="textNoShape">
+                <a:avLst/>
+              </a:prstTxWarp>
+            </a:bodyPr>
+            <a:lstStyle/>
+            <a:p>
+              <a:endParaRPr lang="en-US"/>
+            </a:p>
+          </p:txBody>
+        </p:sp>
+        <p:sp>
+          <p:nvSpPr>
+            <p:cNvPr id="18" name="Freeform 10">
+              <a:extLst>
+                <a:ext uri="{FF2B5EF4-FFF2-40B4-BE49-F238E27FC236}">
+                  <a16:creationId xmlns:a16="http://schemas.microsoft.com/office/drawing/2014/main" id="{B1DE6C75-DCE1-4942-8E8D-ECA1D1773CD8}"/>
+                </a:ext>
+                <a:ext uri="{C183D7F6-B498-43B3-948B-1728B52AA6E4}">
+                  <adec:decorative xmlns:adec="http://schemas.microsoft.com/office/drawing/2017/decorative" val="1"/>
+                </a:ext>
+              </a:extLst>
+            </p:cNvPr>
+            <p:cNvSpPr>
+              <a:spLocks/>
+            </p:cNvSpPr>
+            <p:nvPr>
+              <p:extLst>
+                <p:ext uri="{386F3935-93C4-4BCD-93E2-E3B085C9AB24}">
+                  <p16:designElem xmlns:p16="http://schemas.microsoft.com/office/powerpoint/2015/main" val="1"/>
+                </p:ext>
+              </p:extLst>
+            </p:nvPr>
+          </p:nvSpPr>
+          <p:spPr bwMode="auto">
+            <a:xfrm>
+              <a:off x="-1061" y="-51881"/>
+              <a:ext cx="11091863" cy="6923796"/>
+            </a:xfrm>
+            <a:custGeom>
+              <a:avLst/>
+              <a:gdLst>
+                <a:gd name="T0" fmla="*/ 2046 w 2330"/>
+                <a:gd name="T1" fmla="*/ 1452 h 1452"/>
+                <a:gd name="T2" fmla="*/ 1813 w 2330"/>
+                <a:gd name="T3" fmla="*/ 601 h 1452"/>
+                <a:gd name="T4" fmla="*/ 956 w 2330"/>
+                <a:gd name="T5" fmla="*/ 97 h 1452"/>
+                <a:gd name="T6" fmla="*/ 0 w 2330"/>
+                <a:gd name="T7" fmla="*/ 366 h 1452"/>
+              </a:gdLst>
+              <a:ahLst/>
+              <a:cxnLst>
+                <a:cxn ang="0">
+                  <a:pos x="T0" y="T1"/>
+                </a:cxn>
+                <a:cxn ang="0">
+                  <a:pos x="T2" y="T3"/>
+                </a:cxn>
+                <a:cxn ang="0">
+                  <a:pos x="T4" y="T5"/>
+                </a:cxn>
+                <a:cxn ang="0">
+                  <a:pos x="T6" y="T7"/>
+                </a:cxn>
+              </a:cxnLst>
+              <a:rect l="0" t="0" r="r" b="b"/>
+              <a:pathLst>
+                <a:path w="2330" h="1452">
+                  <a:moveTo>
+                    <a:pt x="2046" y="1452"/>
+                  </a:moveTo>
+                  <a:cubicBezTo>
+                    <a:pt x="2330" y="1153"/>
+                    <a:pt x="2049" y="821"/>
+                    <a:pt x="1813" y="601"/>
+                  </a:cubicBezTo>
+                  <a:cubicBezTo>
+                    <a:pt x="1569" y="375"/>
+                    <a:pt x="1282" y="179"/>
+                    <a:pt x="956" y="97"/>
+                  </a:cubicBezTo>
+                  <a:cubicBezTo>
+                    <a:pt x="572" y="0"/>
+                    <a:pt x="292" y="101"/>
+                    <a:pt x="0" y="366"/>
+                  </a:cubicBezTo>
+                </a:path>
+              </a:pathLst>
+            </a:custGeom>
+            <a:noFill/>
+            <a:ln w="9525" cap="flat">
+              <a:solidFill>
+                <a:schemeClr val="tx1">
+                  <a:alpha val="20000"/>
+                </a:schemeClr>
+              </a:solidFill>
+              <a:prstDash val="solid"/>
+              <a:miter lim="800000"/>
+              <a:headEnd/>
+              <a:tailEnd/>
+            </a:ln>
+            <a:extLst>
+              <a:ext uri="{909E8E84-426E-40DD-AFC4-6F175D3DCCD1}">
+                <a14:hiddenFill xmlns:a14="http://schemas.microsoft.com/office/drawing/2010/main">
+                  <a:solidFill>
+                    <a:srgbClr val="FFFFFF"/>
+                  </a:solidFill>
+                </a14:hiddenFill>
+              </a:ext>
+            </a:extLst>
+          </p:spPr>
+          <p:txBody>
+            <a:bodyPr vert="horz" wrap="square" lIns="91440" tIns="45720" rIns="91440" bIns="45720" numCol="1" anchor="t" anchorCtr="0" compatLnSpc="1">
+              <a:prstTxWarp prst="textNoShape">
+                <a:avLst/>
+              </a:prstTxWarp>
+            </a:bodyPr>
+            <a:lstStyle/>
+            <a:p>
+              <a:endParaRPr lang="en-US"/>
+            </a:p>
+          </p:txBody>
+        </p:sp>
+        <p:sp>
+          <p:nvSpPr>
+            <p:cNvPr id="19" name="Freeform 11">
+              <a:extLst>
+                <a:ext uri="{FF2B5EF4-FFF2-40B4-BE49-F238E27FC236}">
+                  <a16:creationId xmlns:a16="http://schemas.microsoft.com/office/drawing/2014/main" id="{F5459AD3-234D-4C3B-BD9C-92B3377BDBE9}"/>
+                </a:ext>
+                <a:ext uri="{C183D7F6-B498-43B3-948B-1728B52AA6E4}">
+                  <adec:decorative xmlns:adec="http://schemas.microsoft.com/office/drawing/2017/decorative" val="1"/>
+                </a:ext>
+              </a:extLst>
+            </p:cNvPr>
+            <p:cNvSpPr>
+              <a:spLocks/>
+            </p:cNvSpPr>
+            <p:nvPr>
+              <p:extLst>
+                <p:ext uri="{386F3935-93C4-4BCD-93E2-E3B085C9AB24}">
+                  <p16:designElem xmlns:p16="http://schemas.microsoft.com/office/powerpoint/2015/main" val="1"/>
+                </p:ext>
+              </p:extLst>
+            </p:nvPr>
+          </p:nvSpPr>
+          <p:spPr bwMode="auto">
+            <a:xfrm>
+              <a:off x="5426601" y="5579"/>
+              <a:ext cx="5788025" cy="6847184"/>
+            </a:xfrm>
+            <a:custGeom>
+              <a:avLst/>
+              <a:gdLst>
+                <a:gd name="T0" fmla="*/ 1094 w 1216"/>
+                <a:gd name="T1" fmla="*/ 1436 h 1436"/>
+                <a:gd name="T2" fmla="*/ 709 w 1216"/>
+                <a:gd name="T3" fmla="*/ 551 h 1436"/>
+                <a:gd name="T4" fmla="*/ 0 w 1216"/>
+                <a:gd name="T5" fmla="*/ 0 h 1436"/>
+              </a:gdLst>
+              <a:ahLst/>
+              <a:cxnLst>
+                <a:cxn ang="0">
+                  <a:pos x="T0" y="T1"/>
+                </a:cxn>
+                <a:cxn ang="0">
+                  <a:pos x="T2" y="T3"/>
+                </a:cxn>
+                <a:cxn ang="0">
+                  <a:pos x="T4" y="T5"/>
+                </a:cxn>
+              </a:cxnLst>
+              <a:rect l="0" t="0" r="r" b="b"/>
+              <a:pathLst>
+                <a:path w="1216" h="1436">
+                  <a:moveTo>
+                    <a:pt x="1094" y="1436"/>
+                  </a:moveTo>
+                  <a:cubicBezTo>
+                    <a:pt x="1216" y="1114"/>
+                    <a:pt x="904" y="770"/>
+                    <a:pt x="709" y="551"/>
+                  </a:cubicBezTo>
+                  <a:cubicBezTo>
+                    <a:pt x="509" y="327"/>
+                    <a:pt x="274" y="127"/>
+                    <a:pt x="0" y="0"/>
+                  </a:cubicBezTo>
+                </a:path>
+              </a:pathLst>
+            </a:custGeom>
+            <a:noFill/>
+            <a:ln w="9525" cap="flat">
+              <a:solidFill>
+                <a:schemeClr val="tx1">
+                  <a:alpha val="20000"/>
+                </a:schemeClr>
+              </a:solidFill>
+              <a:prstDash val="solid"/>
+              <a:miter lim="800000"/>
+              <a:headEnd/>
+              <a:tailEnd/>
+            </a:ln>
+            <a:extLst>
+              <a:ext uri="{909E8E84-426E-40DD-AFC4-6F175D3DCCD1}">
+                <a14:hiddenFill xmlns:a14="http://schemas.microsoft.com/office/drawing/2010/main">
+                  <a:solidFill>
+                    <a:srgbClr val="FFFFFF"/>
+                  </a:solidFill>
+                </a14:hiddenFill>
+              </a:ext>
+            </a:extLst>
+          </p:spPr>
+          <p:txBody>
+            <a:bodyPr vert="horz" wrap="square" lIns="91440" tIns="45720" rIns="91440" bIns="45720" numCol="1" anchor="t" anchorCtr="0" compatLnSpc="1">
+              <a:prstTxWarp prst="textNoShape">
+                <a:avLst/>
+              </a:prstTxWarp>
+            </a:bodyPr>
+            <a:lstStyle/>
+            <a:p>
+              <a:endParaRPr lang="en-US"/>
+            </a:p>
+          </p:txBody>
+        </p:sp>
+        <p:sp>
+          <p:nvSpPr>
+            <p:cNvPr id="20" name="Freeform 12">
+              <a:extLst>
+                <a:ext uri="{FF2B5EF4-FFF2-40B4-BE49-F238E27FC236}">
+                  <a16:creationId xmlns:a16="http://schemas.microsoft.com/office/drawing/2014/main" id="{5593DA70-95B1-425C-BF35-F923099D6F11}"/>
+                </a:ext>
+                <a:ext uri="{C183D7F6-B498-43B3-948B-1728B52AA6E4}">
+                  <adec:decorative xmlns:adec="http://schemas.microsoft.com/office/drawing/2017/decorative" val="1"/>
+                </a:ext>
+              </a:extLst>
+            </p:cNvPr>
+            <p:cNvSpPr>
+              <a:spLocks/>
+            </p:cNvSpPr>
+            <p:nvPr>
+              <p:extLst>
+                <p:ext uri="{386F3935-93C4-4BCD-93E2-E3B085C9AB24}">
+                  <p16:designElem xmlns:p16="http://schemas.microsoft.com/office/powerpoint/2015/main" val="1"/>
+                </p:ext>
+              </p:extLst>
+            </p:nvPr>
+          </p:nvSpPr>
+          <p:spPr bwMode="auto">
+            <a:xfrm>
+              <a:off x="-1061" y="5579"/>
+              <a:ext cx="1057275" cy="614491"/>
+            </a:xfrm>
+            <a:custGeom>
+              <a:avLst/>
+              <a:gdLst>
+                <a:gd name="T0" fmla="*/ 222 w 222"/>
+                <a:gd name="T1" fmla="*/ 0 h 129"/>
+                <a:gd name="T2" fmla="*/ 0 w 222"/>
+                <a:gd name="T3" fmla="*/ 129 h 129"/>
+              </a:gdLst>
+              <a:ahLst/>
+              <a:cxnLst>
+                <a:cxn ang="0">
+                  <a:pos x="T0" y="T1"/>
+                </a:cxn>
+                <a:cxn ang="0">
+                  <a:pos x="T2" y="T3"/>
+                </a:cxn>
+              </a:cxnLst>
+              <a:rect l="0" t="0" r="r" b="b"/>
+              <a:pathLst>
+                <a:path w="222" h="129">
+                  <a:moveTo>
+                    <a:pt x="222" y="0"/>
+                  </a:moveTo>
+                  <a:cubicBezTo>
+                    <a:pt x="152" y="35"/>
+                    <a:pt x="76" y="78"/>
+                    <a:pt x="0" y="129"/>
+                  </a:cubicBezTo>
+                </a:path>
+              </a:pathLst>
+            </a:custGeom>
+            <a:noFill/>
+            <a:ln w="9525" cap="flat">
+              <a:solidFill>
+                <a:schemeClr val="tx1">
+                  <a:alpha val="20000"/>
+                </a:schemeClr>
+              </a:solidFill>
+              <a:prstDash val="solid"/>
+              <a:miter lim="800000"/>
+              <a:headEnd/>
+              <a:tailEnd/>
+            </a:ln>
+            <a:extLst>
+              <a:ext uri="{909E8E84-426E-40DD-AFC4-6F175D3DCCD1}">
+                <a14:hiddenFill xmlns:a14="http://schemas.microsoft.com/office/drawing/2010/main">
+                  <a:solidFill>
+                    <a:srgbClr val="FFFFFF"/>
+                  </a:solidFill>
+                </a14:hiddenFill>
+              </a:ext>
+            </a:extLst>
+          </p:spPr>
+          <p:txBody>
+            <a:bodyPr vert="horz" wrap="square" lIns="91440" tIns="45720" rIns="91440" bIns="45720" numCol="1" anchor="t" anchorCtr="0" compatLnSpc="1">
+              <a:prstTxWarp prst="textNoShape">
+                <a:avLst/>
+              </a:prstTxWarp>
+            </a:bodyPr>
+            <a:lstStyle/>
+            <a:p>
+              <a:endParaRPr lang="en-US"/>
+            </a:p>
+          </p:txBody>
+        </p:sp>
+        <p:sp>
+          <p:nvSpPr>
+            <p:cNvPr id="21" name="Freeform 13">
+              <a:extLst>
+                <a:ext uri="{FF2B5EF4-FFF2-40B4-BE49-F238E27FC236}">
+                  <a16:creationId xmlns:a16="http://schemas.microsoft.com/office/drawing/2014/main" id="{0514C5B5-A5F4-4421-879B-17D39CA6440A}"/>
+                </a:ext>
+                <a:ext uri="{C183D7F6-B498-43B3-948B-1728B52AA6E4}">
+                  <adec:decorative xmlns:adec="http://schemas.microsoft.com/office/drawing/2017/decorative" val="1"/>
+                </a:ext>
+              </a:extLst>
+            </p:cNvPr>
+            <p:cNvSpPr>
+              <a:spLocks/>
+            </p:cNvSpPr>
+            <p:nvPr>
+              <p:extLst>
+                <p:ext uri="{386F3935-93C4-4BCD-93E2-E3B085C9AB24}">
+                  <p16:designElem xmlns:p16="http://schemas.microsoft.com/office/powerpoint/2015/main" val="1"/>
+                </p:ext>
+              </p:extLst>
+            </p:nvPr>
+          </p:nvSpPr>
+          <p:spPr bwMode="auto">
+            <a:xfrm>
+              <a:off x="5821889" y="5579"/>
+              <a:ext cx="5588000" cy="6866337"/>
+            </a:xfrm>
+            <a:custGeom>
+              <a:avLst/>
+              <a:gdLst>
+                <a:gd name="T0" fmla="*/ 1067 w 1174"/>
+                <a:gd name="T1" fmla="*/ 1440 h 1440"/>
+                <a:gd name="T2" fmla="*/ 698 w 1174"/>
+                <a:gd name="T3" fmla="*/ 577 h 1440"/>
+                <a:gd name="T4" fmla="*/ 0 w 1174"/>
+                <a:gd name="T5" fmla="*/ 0 h 1440"/>
+              </a:gdLst>
+              <a:ahLst/>
+              <a:cxnLst>
+                <a:cxn ang="0">
+                  <a:pos x="T0" y="T1"/>
+                </a:cxn>
+                <a:cxn ang="0">
+                  <a:pos x="T2" y="T3"/>
+                </a:cxn>
+                <a:cxn ang="0">
+                  <a:pos x="T4" y="T5"/>
+                </a:cxn>
+              </a:cxnLst>
+              <a:rect l="0" t="0" r="r" b="b"/>
+              <a:pathLst>
+                <a:path w="1174" h="1440">
+                  <a:moveTo>
+                    <a:pt x="1067" y="1440"/>
+                  </a:moveTo>
+                  <a:cubicBezTo>
+                    <a:pt x="1174" y="1124"/>
+                    <a:pt x="887" y="797"/>
+                    <a:pt x="698" y="577"/>
+                  </a:cubicBezTo>
+                  <a:cubicBezTo>
+                    <a:pt x="500" y="348"/>
+                    <a:pt x="270" y="141"/>
+                    <a:pt x="0" y="0"/>
+                  </a:cubicBezTo>
+                </a:path>
+              </a:pathLst>
+            </a:custGeom>
+            <a:noFill/>
+            <a:ln w="9525" cap="flat">
+              <a:solidFill>
+                <a:schemeClr val="tx1">
+                  <a:alpha val="20000"/>
+                </a:schemeClr>
+              </a:solidFill>
+              <a:prstDash val="dash"/>
+              <a:miter lim="800000"/>
+              <a:headEnd/>
+              <a:tailEnd/>
+            </a:ln>
+            <a:extLst>
+              <a:ext uri="{909E8E84-426E-40DD-AFC4-6F175D3DCCD1}">
+                <a14:hiddenFill xmlns:a14="http://schemas.microsoft.com/office/drawing/2010/main">
+                  <a:solidFill>
+                    <a:srgbClr val="FFFFFF"/>
+                  </a:solidFill>
+                </a14:hiddenFill>
+              </a:ext>
+            </a:extLst>
+          </p:spPr>
+          <p:txBody>
+            <a:bodyPr vert="horz" wrap="square" lIns="91440" tIns="45720" rIns="91440" bIns="45720" numCol="1" anchor="t" anchorCtr="0" compatLnSpc="1">
+              <a:prstTxWarp prst="textNoShape">
+                <a:avLst/>
+              </a:prstTxWarp>
+            </a:bodyPr>
+            <a:lstStyle/>
+            <a:p>
+              <a:endParaRPr lang="en-US"/>
+            </a:p>
+          </p:txBody>
+        </p:sp>
+        <p:sp>
+          <p:nvSpPr>
+            <p:cNvPr id="22" name="Freeform 14">
+              <a:extLst>
+                <a:ext uri="{FF2B5EF4-FFF2-40B4-BE49-F238E27FC236}">
+                  <a16:creationId xmlns:a16="http://schemas.microsoft.com/office/drawing/2014/main" id="{E165685F-E0CE-4CA0-9ECE-F8AE4F3D5EF1}"/>
+                </a:ext>
+                <a:ext uri="{C183D7F6-B498-43B3-948B-1728B52AA6E4}">
+                  <adec:decorative xmlns:adec="http://schemas.microsoft.com/office/drawing/2017/decorative" val="1"/>
+                </a:ext>
+              </a:extLst>
+            </p:cNvPr>
+            <p:cNvSpPr>
+              <a:spLocks/>
+            </p:cNvSpPr>
+            <p:nvPr>
+              <p:extLst>
+                <p:ext uri="{386F3935-93C4-4BCD-93E2-E3B085C9AB24}">
+                  <p16:designElem xmlns:p16="http://schemas.microsoft.com/office/powerpoint/2015/main" val="1"/>
+                </p:ext>
+              </p:extLst>
+            </p:nvPr>
+          </p:nvSpPr>
+          <p:spPr bwMode="auto">
+            <a:xfrm>
+              <a:off x="3701" y="790"/>
+              <a:ext cx="595313" cy="352734"/>
+            </a:xfrm>
+            <a:custGeom>
+              <a:avLst/>
+              <a:gdLst>
+                <a:gd name="T0" fmla="*/ 125 w 125"/>
+                <a:gd name="T1" fmla="*/ 0 h 74"/>
+                <a:gd name="T2" fmla="*/ 0 w 125"/>
+                <a:gd name="T3" fmla="*/ 74 h 74"/>
+              </a:gdLst>
+              <a:ahLst/>
+              <a:cxnLst>
+                <a:cxn ang="0">
+                  <a:pos x="T0" y="T1"/>
+                </a:cxn>
+                <a:cxn ang="0">
+                  <a:pos x="T2" y="T3"/>
+                </a:cxn>
+              </a:cxnLst>
+              <a:rect l="0" t="0" r="r" b="b"/>
+              <a:pathLst>
+                <a:path w="125" h="74">
+                  <a:moveTo>
+                    <a:pt x="125" y="0"/>
+                  </a:moveTo>
+                  <a:cubicBezTo>
+                    <a:pt x="85" y="22"/>
+                    <a:pt x="43" y="47"/>
+                    <a:pt x="0" y="74"/>
+                  </a:cubicBezTo>
+                </a:path>
+              </a:pathLst>
+            </a:custGeom>
+            <a:noFill/>
+            <a:ln w="9525" cap="flat">
+              <a:solidFill>
+                <a:schemeClr val="tx1">
+                  <a:alpha val="20000"/>
+                </a:schemeClr>
+              </a:solidFill>
+              <a:prstDash val="dash"/>
+              <a:miter lim="800000"/>
+              <a:headEnd/>
+              <a:tailEnd/>
+            </a:ln>
+            <a:extLst>
+              <a:ext uri="{909E8E84-426E-40DD-AFC4-6F175D3DCCD1}">
+                <a14:hiddenFill xmlns:a14="http://schemas.microsoft.com/office/drawing/2010/main">
+                  <a:solidFill>
+                    <a:srgbClr val="FFFFFF"/>
+                  </a:solidFill>
+                </a14:hiddenFill>
+              </a:ext>
+            </a:extLst>
+          </p:spPr>
+          <p:txBody>
+            <a:bodyPr vert="horz" wrap="square" lIns="91440" tIns="45720" rIns="91440" bIns="45720" numCol="1" anchor="t" anchorCtr="0" compatLnSpc="1">
+              <a:prstTxWarp prst="textNoShape">
+                <a:avLst/>
+              </a:prstTxWarp>
+            </a:bodyPr>
+            <a:lstStyle/>
+            <a:p>
+              <a:endParaRPr lang="en-US"/>
+            </a:p>
+          </p:txBody>
+        </p:sp>
+        <p:sp>
+          <p:nvSpPr>
+            <p:cNvPr id="23" name="Freeform 15">
+              <a:extLst>
+                <a:ext uri="{FF2B5EF4-FFF2-40B4-BE49-F238E27FC236}">
+                  <a16:creationId xmlns:a16="http://schemas.microsoft.com/office/drawing/2014/main" id="{C556BC16-0C87-4FD9-A109-F5AB2056C5C6}"/>
+                </a:ext>
+                <a:ext uri="{C183D7F6-B498-43B3-948B-1728B52AA6E4}">
+                  <adec:decorative xmlns:adec="http://schemas.microsoft.com/office/drawing/2017/decorative" val="1"/>
+                </a:ext>
+              </a:extLst>
+            </p:cNvPr>
+            <p:cNvSpPr>
+              <a:spLocks/>
+            </p:cNvSpPr>
+            <p:nvPr>
+              <p:extLst>
+                <p:ext uri="{386F3935-93C4-4BCD-93E2-E3B085C9AB24}">
+                  <p16:designElem xmlns:p16="http://schemas.microsoft.com/office/powerpoint/2015/main" val="1"/>
+                </p:ext>
+              </p:extLst>
+            </p:nvPr>
+          </p:nvSpPr>
+          <p:spPr bwMode="auto">
+            <a:xfrm>
+              <a:off x="6012389" y="5579"/>
+              <a:ext cx="5497513" cy="6866337"/>
+            </a:xfrm>
+            <a:custGeom>
+              <a:avLst/>
+              <a:gdLst>
+                <a:gd name="T0" fmla="*/ 1056 w 1155"/>
+                <a:gd name="T1" fmla="*/ 1440 h 1440"/>
+                <a:gd name="T2" fmla="*/ 686 w 1155"/>
+                <a:gd name="T3" fmla="*/ 580 h 1440"/>
+                <a:gd name="T4" fmla="*/ 0 w 1155"/>
+                <a:gd name="T5" fmla="*/ 0 h 1440"/>
+              </a:gdLst>
+              <a:ahLst/>
+              <a:cxnLst>
+                <a:cxn ang="0">
+                  <a:pos x="T0" y="T1"/>
+                </a:cxn>
+                <a:cxn ang="0">
+                  <a:pos x="T2" y="T3"/>
+                </a:cxn>
+                <a:cxn ang="0">
+                  <a:pos x="T4" y="T5"/>
+                </a:cxn>
+              </a:cxnLst>
+              <a:rect l="0" t="0" r="r" b="b"/>
+              <a:pathLst>
+                <a:path w="1155" h="1440">
+                  <a:moveTo>
+                    <a:pt x="1056" y="1440"/>
+                  </a:moveTo>
+                  <a:cubicBezTo>
+                    <a:pt x="1155" y="1123"/>
+                    <a:pt x="875" y="801"/>
+                    <a:pt x="686" y="580"/>
+                  </a:cubicBezTo>
+                  <a:cubicBezTo>
+                    <a:pt x="491" y="352"/>
+                    <a:pt x="264" y="145"/>
+                    <a:pt x="0" y="0"/>
+                  </a:cubicBezTo>
+                </a:path>
+              </a:pathLst>
+            </a:custGeom>
+            <a:noFill/>
+            <a:ln w="12700" cap="flat">
+              <a:solidFill>
+                <a:schemeClr val="tx1">
+                  <a:alpha val="20000"/>
+                </a:schemeClr>
+              </a:solidFill>
+              <a:prstDash val="dashDot"/>
+              <a:miter lim="800000"/>
+              <a:headEnd/>
+              <a:tailEnd/>
+            </a:ln>
+            <a:extLst>
+              <a:ext uri="{909E8E84-426E-40DD-AFC4-6F175D3DCCD1}">
+                <a14:hiddenFill xmlns:a14="http://schemas.microsoft.com/office/drawing/2010/main">
+                  <a:solidFill>
+                    <a:srgbClr val="FFFFFF"/>
+                  </a:solidFill>
+                </a14:hiddenFill>
+              </a:ext>
+            </a:extLst>
+          </p:spPr>
+          <p:txBody>
+            <a:bodyPr vert="horz" wrap="square" lIns="91440" tIns="45720" rIns="91440" bIns="45720" numCol="1" anchor="t" anchorCtr="0" compatLnSpc="1">
+              <a:prstTxWarp prst="textNoShape">
+                <a:avLst/>
+              </a:prstTxWarp>
+            </a:bodyPr>
+            <a:lstStyle/>
+            <a:p>
+              <a:endParaRPr lang="en-US"/>
+            </a:p>
+          </p:txBody>
+        </p:sp>
+        <p:sp>
+          <p:nvSpPr>
+            <p:cNvPr id="24" name="Freeform 16">
+              <a:extLst>
+                <a:ext uri="{FF2B5EF4-FFF2-40B4-BE49-F238E27FC236}">
+                  <a16:creationId xmlns:a16="http://schemas.microsoft.com/office/drawing/2014/main" id="{DD9A975C-A4CA-4A81-8CA9-BF5A2995F0C9}"/>
+                </a:ext>
+                <a:ext uri="{C183D7F6-B498-43B3-948B-1728B52AA6E4}">
+                  <adec:decorative xmlns:adec="http://schemas.microsoft.com/office/drawing/2017/decorative" val="1"/>
+                </a:ext>
+              </a:extLst>
+            </p:cNvPr>
+            <p:cNvSpPr>
+              <a:spLocks/>
+            </p:cNvSpPr>
+            <p:nvPr>
+              <p:extLst>
+                <p:ext uri="{386F3935-93C4-4BCD-93E2-E3B085C9AB24}">
+                  <p16:designElem xmlns:p16="http://schemas.microsoft.com/office/powerpoint/2015/main" val="1"/>
+                </p:ext>
+              </p:extLst>
+            </p:nvPr>
+          </p:nvSpPr>
+          <p:spPr bwMode="auto">
+            <a:xfrm>
+              <a:off x="-1061" y="5579"/>
+              <a:ext cx="357188" cy="213875"/>
+            </a:xfrm>
+            <a:custGeom>
+              <a:avLst/>
+              <a:gdLst>
+                <a:gd name="T0" fmla="*/ 75 w 75"/>
+                <a:gd name="T1" fmla="*/ 0 h 45"/>
+                <a:gd name="T2" fmla="*/ 0 w 75"/>
+                <a:gd name="T3" fmla="*/ 45 h 45"/>
+              </a:gdLst>
+              <a:ahLst/>
+              <a:cxnLst>
+                <a:cxn ang="0">
+                  <a:pos x="T0" y="T1"/>
+                </a:cxn>
+                <a:cxn ang="0">
+                  <a:pos x="T2" y="T3"/>
+                </a:cxn>
+              </a:cxnLst>
+              <a:rect l="0" t="0" r="r" b="b"/>
+              <a:pathLst>
+                <a:path w="75" h="45">
+                  <a:moveTo>
+                    <a:pt x="75" y="0"/>
+                  </a:moveTo>
+                  <a:cubicBezTo>
+                    <a:pt x="50" y="14"/>
+                    <a:pt x="25" y="29"/>
+                    <a:pt x="0" y="45"/>
+                  </a:cubicBezTo>
+                </a:path>
+              </a:pathLst>
+            </a:custGeom>
+            <a:noFill/>
+            <a:ln w="12700" cap="flat">
+              <a:solidFill>
+                <a:schemeClr val="tx1">
+                  <a:alpha val="20000"/>
+                </a:schemeClr>
+              </a:solidFill>
+              <a:prstDash val="dashDot"/>
+              <a:miter lim="800000"/>
+              <a:headEnd/>
+              <a:tailEnd/>
+            </a:ln>
+            <a:extLst>
+              <a:ext uri="{909E8E84-426E-40DD-AFC4-6F175D3DCCD1}">
+                <a14:hiddenFill xmlns:a14="http://schemas.microsoft.com/office/drawing/2010/main">
+                  <a:solidFill>
+                    <a:srgbClr val="FFFFFF"/>
+                  </a:solidFill>
+                </a14:hiddenFill>
+              </a:ext>
+            </a:extLst>
+          </p:spPr>
+          <p:txBody>
+            <a:bodyPr vert="horz" wrap="square" lIns="91440" tIns="45720" rIns="91440" bIns="45720" numCol="1" anchor="t" anchorCtr="0" compatLnSpc="1">
+              <a:prstTxWarp prst="textNoShape">
+                <a:avLst/>
+              </a:prstTxWarp>
+            </a:bodyPr>
+            <a:lstStyle/>
+            <a:p>
+              <a:endParaRPr lang="en-US"/>
+            </a:p>
+          </p:txBody>
+        </p:sp>
+        <p:sp>
+          <p:nvSpPr>
+            <p:cNvPr id="25" name="Freeform 17">
+              <a:extLst>
+                <a:ext uri="{FF2B5EF4-FFF2-40B4-BE49-F238E27FC236}">
+                  <a16:creationId xmlns:a16="http://schemas.microsoft.com/office/drawing/2014/main" id="{5B9767C7-72DF-4C7F-8A04-C8D67B715610}"/>
+                </a:ext>
+                <a:ext uri="{C183D7F6-B498-43B3-948B-1728B52AA6E4}">
+                  <adec:decorative xmlns:adec="http://schemas.microsoft.com/office/drawing/2017/decorative" val="1"/>
+                </a:ext>
+              </a:extLst>
+            </p:cNvPr>
+            <p:cNvSpPr>
+              <a:spLocks/>
+            </p:cNvSpPr>
+            <p:nvPr>
+              <p:extLst>
+                <p:ext uri="{386F3935-93C4-4BCD-93E2-E3B085C9AB24}">
+                  <p16:designElem xmlns:p16="http://schemas.microsoft.com/office/powerpoint/2015/main" val="1"/>
+                </p:ext>
+              </p:extLst>
+            </p:nvPr>
+          </p:nvSpPr>
+          <p:spPr bwMode="auto">
+            <a:xfrm>
+              <a:off x="6210826" y="790"/>
+              <a:ext cx="5522913" cy="6871126"/>
+            </a:xfrm>
+            <a:custGeom>
+              <a:avLst/>
+              <a:gdLst>
+                <a:gd name="T0" fmla="*/ 1053 w 1160"/>
+                <a:gd name="T1" fmla="*/ 1441 h 1441"/>
+                <a:gd name="T2" fmla="*/ 705 w 1160"/>
+                <a:gd name="T3" fmla="*/ 599 h 1441"/>
+                <a:gd name="T4" fmla="*/ 0 w 1160"/>
+                <a:gd name="T5" fmla="*/ 0 h 1441"/>
+              </a:gdLst>
+              <a:ahLst/>
+              <a:cxnLst>
+                <a:cxn ang="0">
+                  <a:pos x="T0" y="T1"/>
+                </a:cxn>
+                <a:cxn ang="0">
+                  <a:pos x="T2" y="T3"/>
+                </a:cxn>
+                <a:cxn ang="0">
+                  <a:pos x="T4" y="T5"/>
+                </a:cxn>
+              </a:cxnLst>
+              <a:rect l="0" t="0" r="r" b="b"/>
+              <a:pathLst>
+                <a:path w="1160" h="1441">
+                  <a:moveTo>
+                    <a:pt x="1053" y="1441"/>
+                  </a:moveTo>
+                  <a:cubicBezTo>
+                    <a:pt x="1160" y="1129"/>
+                    <a:pt x="892" y="817"/>
+                    <a:pt x="705" y="599"/>
+                  </a:cubicBezTo>
+                  <a:cubicBezTo>
+                    <a:pt x="503" y="365"/>
+                    <a:pt x="270" y="152"/>
+                    <a:pt x="0" y="0"/>
+                  </a:cubicBezTo>
+                </a:path>
+              </a:pathLst>
+            </a:custGeom>
+            <a:noFill/>
+            <a:ln w="9525" cap="flat">
+              <a:solidFill>
+                <a:schemeClr val="tx1">
+                  <a:alpha val="20000"/>
+                </a:schemeClr>
+              </a:solidFill>
+              <a:prstDash val="solid"/>
+              <a:miter lim="800000"/>
+              <a:headEnd/>
+              <a:tailEnd/>
+            </a:ln>
+            <a:extLst>
+              <a:ext uri="{909E8E84-426E-40DD-AFC4-6F175D3DCCD1}">
+                <a14:hiddenFill xmlns:a14="http://schemas.microsoft.com/office/drawing/2010/main">
+                  <a:solidFill>
+                    <a:srgbClr val="FFFFFF"/>
+                  </a:solidFill>
+                </a14:hiddenFill>
+              </a:ext>
+            </a:extLst>
+          </p:spPr>
+          <p:txBody>
+            <a:bodyPr vert="horz" wrap="square" lIns="91440" tIns="45720" rIns="91440" bIns="45720" numCol="1" anchor="t" anchorCtr="0" compatLnSpc="1">
+              <a:prstTxWarp prst="textNoShape">
+                <a:avLst/>
+              </a:prstTxWarp>
+            </a:bodyPr>
+            <a:lstStyle/>
+            <a:p>
+              <a:endParaRPr lang="en-US"/>
+            </a:p>
+          </p:txBody>
+        </p:sp>
+        <p:sp>
+          <p:nvSpPr>
+            <p:cNvPr id="26" name="Freeform 18">
+              <a:extLst>
+                <a:ext uri="{FF2B5EF4-FFF2-40B4-BE49-F238E27FC236}">
+                  <a16:creationId xmlns:a16="http://schemas.microsoft.com/office/drawing/2014/main" id="{693F6BB9-0055-42AC-8866-E65D927550AF}"/>
+                </a:ext>
+                <a:ext uri="{C183D7F6-B498-43B3-948B-1728B52AA6E4}">
+                  <adec:decorative xmlns:adec="http://schemas.microsoft.com/office/drawing/2017/decorative" val="1"/>
+                </a:ext>
+              </a:extLst>
+            </p:cNvPr>
+            <p:cNvSpPr>
+              <a:spLocks/>
+            </p:cNvSpPr>
+            <p:nvPr>
+              <p:extLst>
+                <p:ext uri="{386F3935-93C4-4BCD-93E2-E3B085C9AB24}">
+                  <p16:designElem xmlns:p16="http://schemas.microsoft.com/office/powerpoint/2015/main" val="1"/>
+                </p:ext>
+              </p:extLst>
+            </p:nvPr>
+          </p:nvSpPr>
+          <p:spPr bwMode="auto">
+            <a:xfrm>
+              <a:off x="6463239" y="5579"/>
+              <a:ext cx="5413375" cy="6866337"/>
+            </a:xfrm>
+            <a:custGeom>
+              <a:avLst/>
+              <a:gdLst>
+                <a:gd name="T0" fmla="*/ 1040 w 1137"/>
+                <a:gd name="T1" fmla="*/ 1440 h 1440"/>
+                <a:gd name="T2" fmla="*/ 698 w 1137"/>
+                <a:gd name="T3" fmla="*/ 611 h 1440"/>
+                <a:gd name="T4" fmla="*/ 0 w 1137"/>
+                <a:gd name="T5" fmla="*/ 0 h 1440"/>
+              </a:gdLst>
+              <a:ahLst/>
+              <a:cxnLst>
+                <a:cxn ang="0">
+                  <a:pos x="T0" y="T1"/>
+                </a:cxn>
+                <a:cxn ang="0">
+                  <a:pos x="T2" y="T3"/>
+                </a:cxn>
+                <a:cxn ang="0">
+                  <a:pos x="T4" y="T5"/>
+                </a:cxn>
+              </a:cxnLst>
+              <a:rect l="0" t="0" r="r" b="b"/>
+              <a:pathLst>
+                <a:path w="1137" h="1440">
+                  <a:moveTo>
+                    <a:pt x="1040" y="1440"/>
+                  </a:moveTo>
+                  <a:cubicBezTo>
+                    <a:pt x="1137" y="1131"/>
+                    <a:pt x="883" y="828"/>
+                    <a:pt x="698" y="611"/>
+                  </a:cubicBezTo>
+                  <a:cubicBezTo>
+                    <a:pt x="498" y="375"/>
+                    <a:pt x="268" y="159"/>
+                    <a:pt x="0" y="0"/>
+                  </a:cubicBezTo>
+                </a:path>
+              </a:pathLst>
+            </a:custGeom>
+            <a:noFill/>
+            <a:ln w="9525" cap="flat">
+              <a:solidFill>
+                <a:schemeClr val="tx1">
+                  <a:alpha val="20000"/>
+                </a:schemeClr>
+              </a:solidFill>
+              <a:prstDash val="solid"/>
+              <a:miter lim="800000"/>
+              <a:headEnd/>
+              <a:tailEnd/>
+            </a:ln>
+            <a:extLst>
+              <a:ext uri="{909E8E84-426E-40DD-AFC4-6F175D3DCCD1}">
+                <a14:hiddenFill xmlns:a14="http://schemas.microsoft.com/office/drawing/2010/main">
+                  <a:solidFill>
+                    <a:srgbClr val="FFFFFF"/>
+                  </a:solidFill>
+                </a14:hiddenFill>
+              </a:ext>
+            </a:extLst>
+          </p:spPr>
+          <p:txBody>
+            <a:bodyPr vert="horz" wrap="square" lIns="91440" tIns="45720" rIns="91440" bIns="45720" numCol="1" anchor="t" anchorCtr="0" compatLnSpc="1">
+              <a:prstTxWarp prst="textNoShape">
+                <a:avLst/>
+              </a:prstTxWarp>
+            </a:bodyPr>
+            <a:lstStyle/>
+            <a:p>
+              <a:endParaRPr lang="en-US"/>
+            </a:p>
+          </p:txBody>
+        </p:sp>
+        <p:sp>
+          <p:nvSpPr>
+            <p:cNvPr id="27" name="Freeform 19">
+              <a:extLst>
+                <a:ext uri="{FF2B5EF4-FFF2-40B4-BE49-F238E27FC236}">
+                  <a16:creationId xmlns:a16="http://schemas.microsoft.com/office/drawing/2014/main" id="{BA9A3435-1B30-4618-BB50-E0369BD075C2}"/>
+                </a:ext>
+                <a:ext uri="{C183D7F6-B498-43B3-948B-1728B52AA6E4}">
+                  <adec:decorative xmlns:adec="http://schemas.microsoft.com/office/drawing/2017/decorative" val="1"/>
+                </a:ext>
+              </a:extLst>
+            </p:cNvPr>
+            <p:cNvSpPr>
+              <a:spLocks/>
+            </p:cNvSpPr>
+            <p:nvPr>
+              <p:extLst>
+                <p:ext uri="{386F3935-93C4-4BCD-93E2-E3B085C9AB24}">
+                  <p16:designElem xmlns:p16="http://schemas.microsoft.com/office/powerpoint/2015/main" val="1"/>
+                </p:ext>
+              </p:extLst>
+            </p:nvPr>
+          </p:nvSpPr>
+          <p:spPr bwMode="auto">
+            <a:xfrm>
+              <a:off x="6877576" y="5579"/>
+              <a:ext cx="5037138" cy="6861550"/>
+            </a:xfrm>
+            <a:custGeom>
+              <a:avLst/>
+              <a:gdLst>
+                <a:gd name="T0" fmla="*/ 1011 w 1058"/>
+                <a:gd name="T1" fmla="*/ 1439 h 1439"/>
+                <a:gd name="T2" fmla="*/ 648 w 1058"/>
+                <a:gd name="T3" fmla="*/ 617 h 1439"/>
+                <a:gd name="T4" fmla="*/ 0 w 1058"/>
+                <a:gd name="T5" fmla="*/ 0 h 1439"/>
+              </a:gdLst>
+              <a:ahLst/>
+              <a:cxnLst>
+                <a:cxn ang="0">
+                  <a:pos x="T0" y="T1"/>
+                </a:cxn>
+                <a:cxn ang="0">
+                  <a:pos x="T2" y="T3"/>
+                </a:cxn>
+                <a:cxn ang="0">
+                  <a:pos x="T4" y="T5"/>
+                </a:cxn>
+              </a:cxnLst>
+              <a:rect l="0" t="0" r="r" b="b"/>
+              <a:pathLst>
+                <a:path w="1058" h="1439">
+                  <a:moveTo>
+                    <a:pt x="1011" y="1439"/>
+                  </a:moveTo>
+                  <a:cubicBezTo>
+                    <a:pt x="1058" y="1131"/>
+                    <a:pt x="825" y="841"/>
+                    <a:pt x="648" y="617"/>
+                  </a:cubicBezTo>
+                  <a:cubicBezTo>
+                    <a:pt x="462" y="383"/>
+                    <a:pt x="248" y="168"/>
+                    <a:pt x="0" y="0"/>
+                  </a:cubicBezTo>
+                </a:path>
+              </a:pathLst>
+            </a:custGeom>
+            <a:noFill/>
+            <a:ln w="9525" cap="flat">
+              <a:solidFill>
+                <a:schemeClr val="tx1">
+                  <a:alpha val="20000"/>
+                </a:schemeClr>
+              </a:solidFill>
+              <a:prstDash val="solid"/>
+              <a:miter lim="800000"/>
+              <a:headEnd/>
+              <a:tailEnd/>
+            </a:ln>
+            <a:extLst>
+              <a:ext uri="{909E8E84-426E-40DD-AFC4-6F175D3DCCD1}">
+                <a14:hiddenFill xmlns:a14="http://schemas.microsoft.com/office/drawing/2010/main">
+                  <a:solidFill>
+                    <a:srgbClr val="FFFFFF"/>
+                  </a:solidFill>
+                </a14:hiddenFill>
+              </a:ext>
+            </a:extLst>
+          </p:spPr>
+          <p:txBody>
+            <a:bodyPr vert="horz" wrap="square" lIns="91440" tIns="45720" rIns="91440" bIns="45720" numCol="1" anchor="t" anchorCtr="0" compatLnSpc="1">
+              <a:prstTxWarp prst="textNoShape">
+                <a:avLst/>
+              </a:prstTxWarp>
+            </a:bodyPr>
+            <a:lstStyle/>
+            <a:p>
+              <a:endParaRPr lang="en-US"/>
+            </a:p>
+          </p:txBody>
+        </p:sp>
+        <p:sp>
+          <p:nvSpPr>
+            <p:cNvPr id="28" name="Freeform 20">
+              <a:extLst>
+                <a:ext uri="{FF2B5EF4-FFF2-40B4-BE49-F238E27FC236}">
+                  <a16:creationId xmlns:a16="http://schemas.microsoft.com/office/drawing/2014/main" id="{2D60252F-2011-4924-81EC-B25F50634C17}"/>
+                </a:ext>
+                <a:ext uri="{C183D7F6-B498-43B3-948B-1728B52AA6E4}">
+                  <adec:decorative xmlns:adec="http://schemas.microsoft.com/office/drawing/2017/decorative" val="1"/>
+                </a:ext>
+              </a:extLst>
+            </p:cNvPr>
+            <p:cNvSpPr>
+              <a:spLocks/>
+            </p:cNvSpPr>
+            <p:nvPr>
+              <p:extLst>
+                <p:ext uri="{386F3935-93C4-4BCD-93E2-E3B085C9AB24}">
+                  <p16:designElem xmlns:p16="http://schemas.microsoft.com/office/powerpoint/2015/main" val="1"/>
+                </p:ext>
+              </p:extLst>
+            </p:nvPr>
+          </p:nvSpPr>
+          <p:spPr bwMode="auto">
+            <a:xfrm>
+              <a:off x="8768289" y="5579"/>
+              <a:ext cx="3417888" cy="2742066"/>
+            </a:xfrm>
+            <a:custGeom>
+              <a:avLst/>
+              <a:gdLst>
+                <a:gd name="T0" fmla="*/ 718 w 718"/>
+                <a:gd name="T1" fmla="*/ 575 h 575"/>
+                <a:gd name="T2" fmla="*/ 0 w 718"/>
+                <a:gd name="T3" fmla="*/ 0 h 575"/>
+              </a:gdLst>
+              <a:ahLst/>
+              <a:cxnLst>
+                <a:cxn ang="0">
+                  <a:pos x="T0" y="T1"/>
+                </a:cxn>
+                <a:cxn ang="0">
+                  <a:pos x="T2" y="T3"/>
+                </a:cxn>
+              </a:cxnLst>
+              <a:rect l="0" t="0" r="r" b="b"/>
+              <a:pathLst>
+                <a:path w="718" h="575">
+                  <a:moveTo>
+                    <a:pt x="718" y="575"/>
+                  </a:moveTo>
+                  <a:cubicBezTo>
+                    <a:pt x="500" y="360"/>
+                    <a:pt x="260" y="163"/>
+                    <a:pt x="0" y="0"/>
+                  </a:cubicBezTo>
+                </a:path>
+              </a:pathLst>
+            </a:custGeom>
+            <a:noFill/>
+            <a:ln w="9525" cap="flat">
+              <a:solidFill>
+                <a:schemeClr val="tx1">
+                  <a:alpha val="20000"/>
+                </a:schemeClr>
+              </a:solidFill>
+              <a:prstDash val="solid"/>
+              <a:miter lim="800000"/>
+              <a:headEnd/>
+              <a:tailEnd/>
+            </a:ln>
+            <a:extLst>
+              <a:ext uri="{909E8E84-426E-40DD-AFC4-6F175D3DCCD1}">
+                <a14:hiddenFill xmlns:a14="http://schemas.microsoft.com/office/drawing/2010/main">
+                  <a:solidFill>
+                    <a:srgbClr val="FFFFFF"/>
+                  </a:solidFill>
+                </a14:hiddenFill>
+              </a:ext>
+            </a:extLst>
+          </p:spPr>
+          <p:txBody>
+            <a:bodyPr vert="horz" wrap="square" lIns="91440" tIns="45720" rIns="91440" bIns="45720" numCol="1" anchor="t" anchorCtr="0" compatLnSpc="1">
+              <a:prstTxWarp prst="textNoShape">
+                <a:avLst/>
+              </a:prstTxWarp>
+            </a:bodyPr>
+            <a:lstStyle/>
+            <a:p>
+              <a:endParaRPr lang="en-US"/>
+            </a:p>
+          </p:txBody>
+        </p:sp>
+        <p:sp>
+          <p:nvSpPr>
+            <p:cNvPr id="29" name="Freeform 21">
+              <a:extLst>
+                <a:ext uri="{FF2B5EF4-FFF2-40B4-BE49-F238E27FC236}">
+                  <a16:creationId xmlns:a16="http://schemas.microsoft.com/office/drawing/2014/main" id="{850B7881-58E3-4C9F-9ADB-04F92D4C4D2E}"/>
+                </a:ext>
+                <a:ext uri="{C183D7F6-B498-43B3-948B-1728B52AA6E4}">
+                  <adec:decorative xmlns:adec="http://schemas.microsoft.com/office/drawing/2017/decorative" val="1"/>
+                </a:ext>
+              </a:extLst>
+            </p:cNvPr>
+            <p:cNvSpPr>
+              <a:spLocks/>
+            </p:cNvSpPr>
+            <p:nvPr>
+              <p:extLst>
+                <p:ext uri="{386F3935-93C4-4BCD-93E2-E3B085C9AB24}">
+                  <p16:designElem xmlns:p16="http://schemas.microsoft.com/office/powerpoint/2015/main" val="1"/>
+                </p:ext>
+              </p:extLst>
+            </p:nvPr>
+          </p:nvSpPr>
+          <p:spPr bwMode="auto">
+            <a:xfrm>
+              <a:off x="9235014" y="10367"/>
+              <a:ext cx="2951163" cy="2555325"/>
+            </a:xfrm>
+            <a:custGeom>
+              <a:avLst/>
+              <a:gdLst>
+                <a:gd name="T0" fmla="*/ 620 w 620"/>
+                <a:gd name="T1" fmla="*/ 536 h 536"/>
+                <a:gd name="T2" fmla="*/ 0 w 620"/>
+                <a:gd name="T3" fmla="*/ 0 h 536"/>
+              </a:gdLst>
+              <a:ahLst/>
+              <a:cxnLst>
+                <a:cxn ang="0">
+                  <a:pos x="T0" y="T1"/>
+                </a:cxn>
+                <a:cxn ang="0">
+                  <a:pos x="T2" y="T3"/>
+                </a:cxn>
+              </a:cxnLst>
+              <a:rect l="0" t="0" r="r" b="b"/>
+              <a:pathLst>
+                <a:path w="620" h="536">
+                  <a:moveTo>
+                    <a:pt x="620" y="536"/>
+                  </a:moveTo>
+                  <a:cubicBezTo>
+                    <a:pt x="404" y="314"/>
+                    <a:pt x="196" y="138"/>
+                    <a:pt x="0" y="0"/>
+                  </a:cubicBezTo>
+                </a:path>
+              </a:pathLst>
+            </a:custGeom>
+            <a:noFill/>
+            <a:ln w="9525" cap="flat">
+              <a:solidFill>
+                <a:schemeClr val="tx1">
+                  <a:alpha val="20000"/>
+                </a:schemeClr>
+              </a:solidFill>
+              <a:prstDash val="solid"/>
+              <a:miter lim="800000"/>
+              <a:headEnd/>
+              <a:tailEnd/>
+            </a:ln>
+            <a:extLst>
+              <a:ext uri="{909E8E84-426E-40DD-AFC4-6F175D3DCCD1}">
+                <a14:hiddenFill xmlns:a14="http://schemas.microsoft.com/office/drawing/2010/main">
+                  <a:solidFill>
+                    <a:srgbClr val="FFFFFF"/>
+                  </a:solidFill>
+                </a14:hiddenFill>
+              </a:ext>
+            </a:extLst>
+          </p:spPr>
+          <p:txBody>
+            <a:bodyPr vert="horz" wrap="square" lIns="91440" tIns="45720" rIns="91440" bIns="45720" numCol="1" anchor="t" anchorCtr="0" compatLnSpc="1">
+              <a:prstTxWarp prst="textNoShape">
+                <a:avLst/>
+              </a:prstTxWarp>
+            </a:bodyPr>
+            <a:lstStyle/>
+            <a:p>
+              <a:endParaRPr lang="en-US"/>
+            </a:p>
+          </p:txBody>
+        </p:sp>
+        <p:sp>
+          <p:nvSpPr>
+            <p:cNvPr id="30" name="Freeform 22">
+              <a:extLst>
+                <a:ext uri="{FF2B5EF4-FFF2-40B4-BE49-F238E27FC236}">
+                  <a16:creationId xmlns:a16="http://schemas.microsoft.com/office/drawing/2014/main" id="{FA90BB2F-2D4A-40BD-90CE-5CF30EC8D4BA}"/>
+                </a:ext>
+                <a:ext uri="{C183D7F6-B498-43B3-948B-1728B52AA6E4}">
+                  <adec:decorative xmlns:adec="http://schemas.microsoft.com/office/drawing/2017/decorative" val="1"/>
+                </a:ext>
+              </a:extLst>
+            </p:cNvPr>
+            <p:cNvSpPr>
+              <a:spLocks/>
+            </p:cNvSpPr>
+            <p:nvPr>
+              <p:extLst>
+                <p:ext uri="{386F3935-93C4-4BCD-93E2-E3B085C9AB24}">
+                  <p16:designElem xmlns:p16="http://schemas.microsoft.com/office/powerpoint/2015/main" val="1"/>
+                </p:ext>
+              </p:extLst>
+            </p:nvPr>
+          </p:nvSpPr>
+          <p:spPr bwMode="auto">
+            <a:xfrm>
+              <a:off x="10020826" y="5579"/>
+              <a:ext cx="2165350" cy="1358265"/>
+            </a:xfrm>
+            <a:custGeom>
+              <a:avLst/>
+              <a:gdLst>
+                <a:gd name="T0" fmla="*/ 0 w 455"/>
+                <a:gd name="T1" fmla="*/ 0 h 285"/>
+                <a:gd name="T2" fmla="*/ 455 w 455"/>
+                <a:gd name="T3" fmla="*/ 285 h 285"/>
+              </a:gdLst>
+              <a:ahLst/>
+              <a:cxnLst>
+                <a:cxn ang="0">
+                  <a:pos x="T0" y="T1"/>
+                </a:cxn>
+                <a:cxn ang="0">
+                  <a:pos x="T2" y="T3"/>
+                </a:cxn>
+              </a:cxnLst>
+              <a:rect l="0" t="0" r="r" b="b"/>
+              <a:pathLst>
+                <a:path w="455" h="285">
+                  <a:moveTo>
+                    <a:pt x="0" y="0"/>
+                  </a:moveTo>
+                  <a:cubicBezTo>
+                    <a:pt x="153" y="85"/>
+                    <a:pt x="308" y="180"/>
+                    <a:pt x="455" y="285"/>
+                  </a:cubicBezTo>
+                </a:path>
+              </a:pathLst>
+            </a:custGeom>
+            <a:noFill/>
+            <a:ln w="9525" cap="flat">
+              <a:solidFill>
+                <a:schemeClr val="tx1">
+                  <a:alpha val="20000"/>
+                </a:schemeClr>
+              </a:solidFill>
+              <a:prstDash val="dash"/>
+              <a:miter lim="800000"/>
+              <a:headEnd/>
+              <a:tailEnd/>
+            </a:ln>
+            <a:extLst>
+              <a:ext uri="{909E8E84-426E-40DD-AFC4-6F175D3DCCD1}">
+                <a14:hiddenFill xmlns:a14="http://schemas.microsoft.com/office/drawing/2010/main">
+                  <a:solidFill>
+                    <a:srgbClr val="FFFFFF"/>
+                  </a:solidFill>
+                </a14:hiddenFill>
+              </a:ext>
+            </a:extLst>
+          </p:spPr>
+          <p:txBody>
+            <a:bodyPr vert="horz" wrap="square" lIns="91440" tIns="45720" rIns="91440" bIns="45720" numCol="1" anchor="t" anchorCtr="0" compatLnSpc="1">
+              <a:prstTxWarp prst="textNoShape">
+                <a:avLst/>
+              </a:prstTxWarp>
+            </a:bodyPr>
+            <a:lstStyle/>
+            <a:p>
+              <a:endParaRPr lang="en-US"/>
+            </a:p>
+          </p:txBody>
+        </p:sp>
+        <p:sp>
+          <p:nvSpPr>
+            <p:cNvPr id="31" name="Freeform 23">
+              <a:extLst>
+                <a:ext uri="{FF2B5EF4-FFF2-40B4-BE49-F238E27FC236}">
+                  <a16:creationId xmlns:a16="http://schemas.microsoft.com/office/drawing/2014/main" id="{4DA0AE8C-7215-4A64-B19F-3F0F3E6A6B31}"/>
+                </a:ext>
+                <a:ext uri="{C183D7F6-B498-43B3-948B-1728B52AA6E4}">
+                  <adec:decorative xmlns:adec="http://schemas.microsoft.com/office/drawing/2017/decorative" val="1"/>
+                </a:ext>
+              </a:extLst>
+            </p:cNvPr>
+            <p:cNvSpPr>
+              <a:spLocks/>
+            </p:cNvSpPr>
+            <p:nvPr>
+              <p:extLst>
+                <p:ext uri="{386F3935-93C4-4BCD-93E2-E3B085C9AB24}">
+                  <p16:designElem xmlns:p16="http://schemas.microsoft.com/office/powerpoint/2015/main" val="1"/>
+                </p:ext>
+              </p:extLst>
+            </p:nvPr>
+          </p:nvSpPr>
+          <p:spPr bwMode="auto">
+            <a:xfrm>
+              <a:off x="11290826" y="5579"/>
+              <a:ext cx="895350" cy="534687"/>
+            </a:xfrm>
+            <a:custGeom>
+              <a:avLst/>
+              <a:gdLst>
+                <a:gd name="T0" fmla="*/ 0 w 188"/>
+                <a:gd name="T1" fmla="*/ 0 h 112"/>
+                <a:gd name="T2" fmla="*/ 188 w 188"/>
+                <a:gd name="T3" fmla="*/ 112 h 112"/>
+              </a:gdLst>
+              <a:ahLst/>
+              <a:cxnLst>
+                <a:cxn ang="0">
+                  <a:pos x="T0" y="T1"/>
+                </a:cxn>
+                <a:cxn ang="0">
+                  <a:pos x="T2" y="T3"/>
+                </a:cxn>
+              </a:cxnLst>
+              <a:rect l="0" t="0" r="r" b="b"/>
+              <a:pathLst>
+                <a:path w="188" h="112">
+                  <a:moveTo>
+                    <a:pt x="0" y="0"/>
+                  </a:moveTo>
+                  <a:cubicBezTo>
+                    <a:pt x="63" y="36"/>
+                    <a:pt x="126" y="73"/>
+                    <a:pt x="188" y="112"/>
+                  </a:cubicBezTo>
+                </a:path>
+              </a:pathLst>
+            </a:custGeom>
+            <a:noFill/>
+            <a:ln w="9525" cap="flat">
+              <a:solidFill>
+                <a:schemeClr val="tx1">
+                  <a:alpha val="20000"/>
+                </a:schemeClr>
+              </a:solidFill>
+              <a:prstDash val="solid"/>
+              <a:miter lim="800000"/>
+              <a:headEnd/>
+              <a:tailEnd/>
+            </a:ln>
+            <a:extLst>
+              <a:ext uri="{909E8E84-426E-40DD-AFC4-6F175D3DCCD1}">
+                <a14:hiddenFill xmlns:a14="http://schemas.microsoft.com/office/drawing/2010/main">
+                  <a:solidFill>
+                    <a:srgbClr val="FFFFFF"/>
+                  </a:solidFill>
+                </a14:hiddenFill>
+              </a:ext>
+            </a:extLst>
+          </p:spPr>
+          <p:txBody>
+            <a:bodyPr vert="horz" wrap="square" lIns="91440" tIns="45720" rIns="91440" bIns="45720" numCol="1" anchor="t" anchorCtr="0" compatLnSpc="1">
+              <a:prstTxWarp prst="textNoShape">
+                <a:avLst/>
+              </a:prstTxWarp>
+            </a:bodyPr>
+            <a:lstStyle/>
+            <a:p>
+              <a:endParaRPr lang="en-US"/>
+            </a:p>
+          </p:txBody>
+        </p:sp>
+      </p:grpSp>
+      <p:sp>
+        <p:nvSpPr>
+          <p:cNvPr id="33" name="Isosceles Triangle 39">
+            <a:extLst>
+              <a:ext uri="{FF2B5EF4-FFF2-40B4-BE49-F238E27FC236}">
+                <a16:creationId xmlns:a16="http://schemas.microsoft.com/office/drawing/2014/main" id="{D8DAE7B8-0656-422E-9515-E10952688ABF}"/>
+              </a:ext>
+              <a:ext uri="{C183D7F6-B498-43B3-948B-1728B52AA6E4}">
+                <adec:decorative xmlns:adec="http://schemas.microsoft.com/office/drawing/2017/decorative" val="1"/>
+              </a:ext>
+            </a:extLst>
+          </p:cNvPr>
+          <p:cNvSpPr>
+            <a:spLocks noGrp="1" noRot="1" noChangeAspect="1" noMove="1" noResize="1" noEditPoints="1" noAdjustHandles="1" noChangeArrowheads="1" noChangeShapeType="1" noTextEdit="1"/>
+          </p:cNvSpPr>
+          <p:nvPr>
+            <p:extLst>
+              <p:ext uri="{386F3935-93C4-4BCD-93E2-E3B085C9AB24}">
+                <p16:designElem xmlns:p16="http://schemas.microsoft.com/office/powerpoint/2015/main" val="1"/>
+              </p:ext>
+            </p:extLst>
+          </p:nvPr>
+        </p:nvSpPr>
+        <p:spPr>
+          <a:xfrm rot="10800000">
+            <a:off x="5892384" y="4386808"/>
+            <a:ext cx="407233" cy="351063"/>
+          </a:xfrm>
+          <a:prstGeom prst="triangle">
+            <a:avLst/>
+          </a:prstGeom>
+          <a:solidFill>
+            <a:srgbClr val="09D1E9"/>
+          </a:solidFill>
+          <a:ln>
+            <a:noFill/>
+          </a:ln>
+        </p:spPr>
+        <p:style>
+          <a:lnRef idx="2">
+            <a:schemeClr val="accent1">
+              <a:shade val="50000"/>
+            </a:schemeClr>
+          </a:lnRef>
+          <a:fillRef idx="1">
+            <a:schemeClr val="accent1"/>
+          </a:fillRef>
+          <a:effectRef idx="0">
+            <a:schemeClr val="accent1"/>
+          </a:effectRef>
+          <a:fontRef idx="minor">
+            <a:schemeClr val="lt1"/>
+          </a:fontRef>
+        </p:style>
+        <p:txBody>
+          <a:bodyPr rtlCol="0" anchor="ctr"/>
+          <a:lstStyle/>
+          <a:p>
+            <a:pPr algn="ctr"/>
+            <a:endParaRPr lang="en-US"/>
+          </a:p>
+        </p:txBody>
+      </p:sp>
       <p:sp>
         <p:nvSpPr>
           <p:cNvPr id="2" name="Title 1">
@@ -8432,94 +10586,121 @@
         </p:nvSpPr>
         <p:spPr>
           <a:xfrm>
-            <a:off x="4169978" y="383250"/>
-            <a:ext cx="6222124" cy="1325563"/>
+            <a:off x="2048256" y="4617720"/>
+            <a:ext cx="8083296" cy="941832"/>
           </a:xfrm>
         </p:spPr>
         <p:txBody>
-          <a:bodyPr/>
+          <a:bodyPr vert="horz" lIns="91440" tIns="45720" rIns="91440" bIns="45720" rtlCol="0" anchor="b">
+            <a:normAutofit/>
+          </a:bodyPr>
           <a:lstStyle/>
           <a:p>
             <a:pPr algn="ctr"/>
             <a:r>
-              <a:rPr lang="en-US" b="1" u="sng" dirty="0" err="1"/>
-              <a:t>Spacebot</a:t>
-            </a:r>
-            <a:r>
-              <a:rPr lang="en-US" b="1" u="sng" dirty="0"/>
-              <a:t> </a:t>
-            </a:r>
-            <a:r>
-              <a:rPr lang="en-US" sz="3200" b="1" u="sng" dirty="0"/>
-              <a:t>(Working title)</a:t>
-            </a:r>
-            <a:endParaRPr lang="en-US" b="1" u="sng" dirty="0"/>
+              <a:rPr lang="en-US" sz="4000" b="1" u="sng"/>
+              <a:t>Spacebot (Working title)</a:t>
+            </a:r>
           </a:p>
         </p:txBody>
       </p:sp>
       <p:sp>
         <p:nvSpPr>
-          <p:cNvPr id="3" name="Content Placeholder 2">
-            <a:extLst>
-              <a:ext uri="{FF2B5EF4-FFF2-40B4-BE49-F238E27FC236}">
-                <a16:creationId xmlns:a16="http://schemas.microsoft.com/office/drawing/2014/main" id="{E2CF1956-8541-44D3-9295-540A85DEAE2D}"/>
+          <p:cNvPr id="35" name="Rectangle 34">
+            <a:extLst>
+              <a:ext uri="{FF2B5EF4-FFF2-40B4-BE49-F238E27FC236}">
+                <a16:creationId xmlns:a16="http://schemas.microsoft.com/office/drawing/2014/main" id="{A363DA99-BE95-4C06-82AA-917ED6556B7B}"/>
+              </a:ext>
+              <a:ext uri="{C183D7F6-B498-43B3-948B-1728B52AA6E4}">
+                <adec:decorative xmlns:adec="http://schemas.microsoft.com/office/drawing/2017/decorative" val="1"/>
               </a:ext>
             </a:extLst>
           </p:cNvPr>
           <p:cNvSpPr>
-            <a:spLocks noGrp="1"/>
+            <a:spLocks noGrp="1" noRot="1" noChangeAspect="1" noMove="1" noResize="1" noEditPoints="1" noAdjustHandles="1" noChangeArrowheads="1" noChangeShapeType="1" noTextEdit="1"/>
           </p:cNvSpPr>
           <p:nvPr>
-            <p:ph idx="1"/>
+            <p:extLst>
+              <p:ext uri="{386F3935-93C4-4BCD-93E2-E3B085C9AB24}">
+                <p16:designElem xmlns:p16="http://schemas.microsoft.com/office/powerpoint/2015/main" val="1"/>
+              </p:ext>
+            </p:extLst>
           </p:nvPr>
         </p:nvSpPr>
         <p:spPr>
           <a:xfrm>
-            <a:off x="838200" y="2133601"/>
-            <a:ext cx="10515600" cy="3678367"/>
+            <a:off x="3052847" y="954593"/>
+            <a:ext cx="6086306" cy="3432215"/>
           </a:xfrm>
+          <a:prstGeom prst="rect">
+            <a:avLst/>
+          </a:prstGeom>
+          <a:solidFill>
+            <a:schemeClr val="bg1"/>
+          </a:solidFill>
+          <a:ln w="19050">
+            <a:solidFill>
+              <a:srgbClr val="09D1E9"/>
+            </a:solidFill>
+            <a:miter lim="800000"/>
+          </a:ln>
         </p:spPr>
+        <p:style>
+          <a:lnRef idx="2">
+            <a:schemeClr val="accent1">
+              <a:shade val="50000"/>
+            </a:schemeClr>
+          </a:lnRef>
+          <a:fillRef idx="1">
+            <a:schemeClr val="accent1"/>
+          </a:fillRef>
+          <a:effectRef idx="0">
+            <a:schemeClr val="accent1"/>
+          </a:effectRef>
+          <a:fontRef idx="minor">
+            <a:schemeClr val="lt1"/>
+          </a:fontRef>
+        </p:style>
         <p:txBody>
-          <a:bodyPr/>
+          <a:bodyPr rtlCol="0" anchor="ctr"/>
           <a:lstStyle/>
           <a:p>
-            <a:pPr marL="0" indent="0" algn="ctr">
-              <a:buNone/>
-            </a:pPr>
-            <a:endParaRPr lang="en-US" dirty="0"/>
+            <a:pPr algn="ctr"/>
+            <a:endParaRPr lang="en-US"/>
           </a:p>
         </p:txBody>
       </p:sp>
       <p:pic>
         <p:nvPicPr>
-          <p:cNvPr id="5" name="Picture 4" descr="Icon&#10;&#10;Description automatically generated">
-            <a:extLst>
-              <a:ext uri="{FF2B5EF4-FFF2-40B4-BE49-F238E27FC236}">
-                <a16:creationId xmlns:a16="http://schemas.microsoft.com/office/drawing/2014/main" id="{24F0F831-335D-4CAC-A0F3-C7F740DD542E}"/>
+          <p:cNvPr id="7" name="Content Placeholder 6" descr="Icon&#10;&#10;Description automatically generated">
+            <a:extLst>
+              <a:ext uri="{FF2B5EF4-FFF2-40B4-BE49-F238E27FC236}">
+                <a16:creationId xmlns:a16="http://schemas.microsoft.com/office/drawing/2014/main" id="{BF86DB3D-E4D7-4FEF-8899-8E9DD4C25B92}"/>
               </a:ext>
             </a:extLst>
           </p:cNvPr>
           <p:cNvPicPr>
-            <a:picLocks noChangeAspect="1"/>
+            <a:picLocks noGrp="1" noChangeAspect="1"/>
           </p:cNvPicPr>
-          <p:nvPr/>
+          <p:nvPr>
+            <p:ph idx="1"/>
+          </p:nvPr>
         </p:nvPicPr>
-        <p:blipFill>
-          <a:blip r:embed="rId3">
+        <p:blipFill rotWithShape="1">
+          <a:blip r:embed="rId2">
             <a:extLst>
               <a:ext uri="{28A0092B-C50C-407E-A947-70E740481C1C}">
                 <a14:useLocalDpi xmlns:a14="http://schemas.microsoft.com/office/drawing/2010/main" val="0"/>
               </a:ext>
             </a:extLst>
           </a:blip>
-          <a:stretch>
-            <a:fillRect/>
-          </a:stretch>
+          <a:srcRect r="-2" b="3910"/>
+          <a:stretch/>
         </p:blipFill>
         <p:spPr>
           <a:xfrm>
-            <a:off x="2190750" y="2000250"/>
-            <a:ext cx="7810500" cy="2857500"/>
+            <a:off x="3218688" y="1124712"/>
+            <a:ext cx="5760720" cy="3099816"/>
           </a:xfrm>
           <a:prstGeom prst="rect">
             <a:avLst/>
@@ -8968,7 +11149,7 @@
                 <a:effectLst/>
                 <a:latin typeface="Montserrat"/>
               </a:rPr>
-              <a:t>Natural Language Processing</a:t>
+              <a:t>Natural Language Processing (NLP)</a:t>
             </a:r>
             <a:endParaRPr lang="en-US" u="sng" dirty="0"/>
           </a:p>
@@ -9936,4 +12117,47 @@
     </a:ext>
   </a:extLst>
 </a:theme>
+</file>
+
+<file path=ppt/theme/themeOverride1.xml><?xml version="1.0" encoding="utf-8"?>
+<a:themeOverride xmlns:a="http://schemas.openxmlformats.org/drawingml/2006/main">
+  <a:clrScheme name="Office">
+    <a:dk1>
+      <a:sysClr val="windowText" lastClr="000000"/>
+    </a:dk1>
+    <a:lt1>
+      <a:sysClr val="window" lastClr="FFFFFF"/>
+    </a:lt1>
+    <a:dk2>
+      <a:srgbClr val="44546A"/>
+    </a:dk2>
+    <a:lt2>
+      <a:srgbClr val="E7E6E6"/>
+    </a:lt2>
+    <a:accent1>
+      <a:srgbClr val="4472C4"/>
+    </a:accent1>
+    <a:accent2>
+      <a:srgbClr val="ED7D31"/>
+    </a:accent2>
+    <a:accent3>
+      <a:srgbClr val="A5A5A5"/>
+    </a:accent3>
+    <a:accent4>
+      <a:srgbClr val="FFC000"/>
+    </a:accent4>
+    <a:accent5>
+      <a:srgbClr val="5B9BD5"/>
+    </a:accent5>
+    <a:accent6>
+      <a:srgbClr val="70AD47"/>
+    </a:accent6>
+    <a:hlink>
+      <a:srgbClr val="0563C1"/>
+    </a:hlink>
+    <a:folHlink>
+      <a:srgbClr val="954F72"/>
+    </a:folHlink>
+  </a:clrScheme>
+</a:themeOverride>
 </file>
--- a/fyp powerpoint/Fyp_revised_v1.1.pptx
+++ b/fyp powerpoint/Fyp_revised_v1.1.pptx
@@ -20,12 +20,13 @@
     <p:sldId id="273" r:id="rId14"/>
     <p:sldId id="274" r:id="rId15"/>
     <p:sldId id="262" r:id="rId16"/>
-    <p:sldId id="270" r:id="rId17"/>
-    <p:sldId id="263" r:id="rId18"/>
-    <p:sldId id="275" r:id="rId19"/>
-    <p:sldId id="276" r:id="rId20"/>
-    <p:sldId id="264" r:id="rId21"/>
-    <p:sldId id="277" r:id="rId22"/>
+    <p:sldId id="278" r:id="rId17"/>
+    <p:sldId id="270" r:id="rId18"/>
+    <p:sldId id="263" r:id="rId19"/>
+    <p:sldId id="275" r:id="rId20"/>
+    <p:sldId id="276" r:id="rId21"/>
+    <p:sldId id="264" r:id="rId22"/>
+    <p:sldId id="277" r:id="rId23"/>
   </p:sldIdLst>
   <p:sldSz cx="12192000" cy="6858000"/>
   <p:notesSz cx="6858000" cy="9144000"/>
@@ -3389,7 +3390,7 @@
             <a:pPr algn="ctr"/>
             <a:r>
               <a:rPr lang="en-US" b="1" dirty="0"/>
-              <a:t>FYP - Presentation</a:t>
+              <a:t>FYP – Proposal Presentation</a:t>
             </a:r>
           </a:p>
         </p:txBody>
@@ -4752,25 +4753,32 @@
             <p:ph type="title"/>
           </p:nvPr>
         </p:nvSpPr>
-        <p:spPr/>
+        <p:spPr>
+          <a:xfrm>
+            <a:off x="838200" y="186017"/>
+            <a:ext cx="10515600" cy="586982"/>
+          </a:xfrm>
+        </p:spPr>
         <p:txBody>
-          <a:bodyPr/>
+          <a:bodyPr>
+            <a:normAutofit fontScale="90000"/>
+          </a:bodyPr>
           <a:lstStyle/>
           <a:p>
             <a:pPr algn="ctr"/>
             <a:r>
               <a:rPr lang="en-US" b="1" u="sng" dirty="0"/>
-              <a:t>Road map</a:t>
+              <a:t>Schedule (Sem 1)</a:t>
             </a:r>
           </a:p>
         </p:txBody>
       </p:sp>
       <p:graphicFrame>
         <p:nvGraphicFramePr>
-          <p:cNvPr id="4" name="表格 4">
-            <a:extLst>
-              <a:ext uri="{FF2B5EF4-FFF2-40B4-BE49-F238E27FC236}">
-                <a16:creationId xmlns:a16="http://schemas.microsoft.com/office/drawing/2014/main" id="{4BBC23BB-9577-403A-966F-4F4C8AB30C0F}"/>
+          <p:cNvPr id="6" name="Table 6">
+            <a:extLst>
+              <a:ext uri="{FF2B5EF4-FFF2-40B4-BE49-F238E27FC236}">
+                <a16:creationId xmlns:a16="http://schemas.microsoft.com/office/drawing/2014/main" id="{21167ADD-3585-479C-BE74-94080CC0FE98}"/>
               </a:ext>
             </a:extLst>
           </p:cNvPr>
@@ -4781,99 +4789,50 @@
             <p:ph idx="1"/>
             <p:extLst>
               <p:ext uri="{D42A27DB-BD31-4B8C-83A1-F6EECF244321}">
-                <p14:modId xmlns:p14="http://schemas.microsoft.com/office/powerpoint/2010/main" val="3294118823"/>
+                <p14:modId xmlns:p14="http://schemas.microsoft.com/office/powerpoint/2010/main" val="1541465639"/>
               </p:ext>
             </p:extLst>
           </p:nvPr>
         </p:nvGraphicFramePr>
         <p:xfrm>
-          <a:off x="838200" y="1825623"/>
-          <a:ext cx="10515600" cy="4667252"/>
+          <a:off x="838200" y="1018096"/>
+          <a:ext cx="10515600" cy="5425346"/>
         </p:xfrm>
         <a:graphic>
           <a:graphicData uri="http://schemas.openxmlformats.org/drawingml/2006/table">
             <a:tbl>
               <a:tblPr firstRow="1" bandRow="1">
-                <a:tableStyleId>{2D5ABB26-0587-4C30-8999-92F81FD0307C}</a:tableStyleId>
+                <a:tableStyleId>{912C8C85-51F0-491E-9774-3900AFEF0FD7}</a:tableStyleId>
               </a:tblPr>
               <a:tblGrid>
-                <a:gridCol w="208280">
+                <a:gridCol w="1452513">
                   <a:extLst>
                     <a:ext uri="{9D8B030D-6E8A-4147-A177-3AD203B41FA5}">
-                      <a16:colId xmlns:a16="http://schemas.microsoft.com/office/drawing/2014/main" val="3875367565"/>
+                      <a16:colId xmlns:a16="http://schemas.microsoft.com/office/drawing/2014/main" val="2803667823"/>
                     </a:ext>
                   </a:extLst>
                 </a:gridCol>
-                <a:gridCol w="2168060">
+                <a:gridCol w="9063087">
                   <a:extLst>
                     <a:ext uri="{9D8B030D-6E8A-4147-A177-3AD203B41FA5}">
-                      <a16:colId xmlns:a16="http://schemas.microsoft.com/office/drawing/2014/main" val="2828646507"/>
-                    </a:ext>
-                  </a:extLst>
-                </a:gridCol>
-                <a:gridCol w="460840">
-                  <a:extLst>
-                    <a:ext uri="{9D8B030D-6E8A-4147-A177-3AD203B41FA5}">
-                      <a16:colId xmlns:a16="http://schemas.microsoft.com/office/drawing/2014/main" val="1132540001"/>
-                    </a:ext>
-                  </a:extLst>
-                </a:gridCol>
-                <a:gridCol w="2420620">
-                  <a:extLst>
-                    <a:ext uri="{9D8B030D-6E8A-4147-A177-3AD203B41FA5}">
-                      <a16:colId xmlns:a16="http://schemas.microsoft.com/office/drawing/2014/main" val="2795970211"/>
-                    </a:ext>
-                  </a:extLst>
-                </a:gridCol>
-                <a:gridCol w="208280">
-                  <a:extLst>
-                    <a:ext uri="{9D8B030D-6E8A-4147-A177-3AD203B41FA5}">
-                      <a16:colId xmlns:a16="http://schemas.microsoft.com/office/drawing/2014/main" val="708730624"/>
-                    </a:ext>
-                  </a:extLst>
-                </a:gridCol>
-                <a:gridCol w="2420620">
-                  <a:extLst>
-                    <a:ext uri="{9D8B030D-6E8A-4147-A177-3AD203B41FA5}">
-                      <a16:colId xmlns:a16="http://schemas.microsoft.com/office/drawing/2014/main" val="107451660"/>
-                    </a:ext>
-                  </a:extLst>
-                </a:gridCol>
-                <a:gridCol w="208280">
-                  <a:extLst>
-                    <a:ext uri="{9D8B030D-6E8A-4147-A177-3AD203B41FA5}">
-                      <a16:colId xmlns:a16="http://schemas.microsoft.com/office/drawing/2014/main" val="1785856112"/>
-                    </a:ext>
-                  </a:extLst>
-                </a:gridCol>
-                <a:gridCol w="2420620">
-                  <a:extLst>
-                    <a:ext uri="{9D8B030D-6E8A-4147-A177-3AD203B41FA5}">
-                      <a16:colId xmlns:a16="http://schemas.microsoft.com/office/drawing/2014/main" val="1007577318"/>
+                      <a16:colId xmlns:a16="http://schemas.microsoft.com/office/drawing/2014/main" val="2282629472"/>
                     </a:ext>
                   </a:extLst>
                 </a:gridCol>
               </a:tblGrid>
-              <a:tr h="1074881">
+              <a:tr h="490193">
                 <a:tc>
                   <a:txBody>
                     <a:bodyPr/>
                     <a:lstStyle/>
                     <a:p>
-                      <a:endParaRPr lang="zh-TW" altLang="en-US" dirty="0"/>
+                      <a:r>
+                        <a:rPr lang="en-US" dirty="0"/>
+                        <a:t>Date:</a:t>
+                      </a:r>
                     </a:p>
                   </a:txBody>
-                  <a:tcPr>
-                    <a:lnR w="12700" cap="flat" cmpd="sng" algn="ctr">
-                      <a:solidFill>
-                        <a:schemeClr val="tx1"/>
-                      </a:solidFill>
-                      <a:prstDash val="solid"/>
-                      <a:round/>
-                      <a:headEnd type="none" w="med" len="med"/>
-                      <a:tailEnd type="none" w="med" len="med"/>
-                    </a:lnR>
-                  </a:tcPr>
+                  <a:tcPr/>
                 </a:tc>
                 <a:tc>
                   <a:txBody>
@@ -4881,79 +4840,39 @@
                     <a:lstStyle/>
                     <a:p>
                       <a:r>
-                        <a:rPr lang="en-US" altLang="zh-TW" dirty="0"/>
-                        <a:t>Test server implemented</a:t>
+                        <a:rPr lang="en-US" dirty="0"/>
+                        <a:t>Tasks</a:t>
                       </a:r>
                     </a:p>
+                  </a:txBody>
+                  <a:tcPr/>
+                </a:tc>
+                <a:extLst>
+                  <a:ext uri="{0D108BD9-81ED-4DB2-BD59-A6C34878D82A}">
+                    <a16:rowId xmlns:a16="http://schemas.microsoft.com/office/drawing/2014/main" val="773456219"/>
+                  </a:ext>
+                </a:extLst>
+              </a:tr>
+              <a:tr h="1094673">
+                <a:tc>
+                  <a:txBody>
+                    <a:bodyPr/>
+                    <a:lstStyle/>
                     <a:p>
-                      <a:endParaRPr lang="zh-TW" altLang="en-US" dirty="0"/>
+                      <a:r>
+                        <a:rPr lang="en-US" dirty="0"/>
+                        <a:t>Sep</a:t>
+                      </a:r>
                     </a:p>
                   </a:txBody>
-                  <a:tcPr>
-                    <a:lnL w="12700" cap="flat" cmpd="sng" algn="ctr">
-                      <a:solidFill>
-                        <a:schemeClr val="tx1"/>
-                      </a:solidFill>
-                      <a:prstDash val="solid"/>
-                      <a:round/>
-                      <a:headEnd type="none" w="med" len="med"/>
-                      <a:tailEnd type="none" w="med" len="med"/>
-                    </a:lnL>
-                    <a:lnR w="12700" cap="flat" cmpd="sng" algn="ctr">
-                      <a:solidFill>
-                        <a:schemeClr val="tx1"/>
-                      </a:solidFill>
-                      <a:prstDash val="solid"/>
-                      <a:round/>
-                      <a:headEnd type="none" w="med" len="med"/>
-                      <a:tailEnd type="none" w="med" len="med"/>
-                    </a:lnR>
-                    <a:lnT w="12700" cap="flat" cmpd="sng" algn="ctr">
-                      <a:solidFill>
-                        <a:schemeClr val="tx1"/>
-                      </a:solidFill>
-                      <a:prstDash val="solid"/>
-                      <a:round/>
-                      <a:headEnd type="none" w="med" len="med"/>
-                      <a:tailEnd type="none" w="med" len="med"/>
-                    </a:lnT>
-                  </a:tcPr>
+                  <a:tcPr/>
                 </a:tc>
                 <a:tc>
                   <a:txBody>
                     <a:bodyPr/>
                     <a:lstStyle/>
                     <a:p>
-                      <a:endParaRPr lang="zh-TW" altLang="en-US" dirty="0"/>
-                    </a:p>
-                  </a:txBody>
-                  <a:tcPr>
-                    <a:lnL w="12700" cap="flat" cmpd="sng" algn="ctr">
-                      <a:solidFill>
-                        <a:schemeClr val="tx1"/>
-                      </a:solidFill>
-                      <a:prstDash val="solid"/>
-                      <a:round/>
-                      <a:headEnd type="none" w="med" len="med"/>
-                      <a:tailEnd type="none" w="med" len="med"/>
-                    </a:lnL>
-                    <a:lnR w="12700" cap="flat" cmpd="sng" algn="ctr">
-                      <a:solidFill>
-                        <a:schemeClr val="tx1"/>
-                      </a:solidFill>
-                      <a:prstDash val="solid"/>
-                      <a:round/>
-                      <a:headEnd type="none" w="med" len="med"/>
-                      <a:tailEnd type="none" w="med" len="med"/>
-                    </a:lnR>
-                  </a:tcPr>
-                </a:tc>
-                <a:tc>
-                  <a:txBody>
-                    <a:bodyPr/>
-                    <a:lstStyle/>
-                    <a:p>
-                      <a:pPr marL="0" marR="0" lvl="0" indent="0" algn="l" defTabSz="914400" rtl="0" eaLnBrk="1" fontAlgn="auto" latinLnBrk="0" hangingPunct="1">
+                      <a:pPr marL="285750" marR="0" lvl="0" indent="-285750" algn="l" defTabSz="914400" rtl="0" eaLnBrk="1" fontAlgn="auto" latinLnBrk="0" hangingPunct="1">
                         <a:lnSpc>
                           <a:spcPct val="100000"/>
                         </a:lnSpc>
@@ -4965,90 +4884,26 @@
                         </a:spcAft>
                         <a:buClrTx/>
                         <a:buSzTx/>
-                        <a:buFontTx/>
-                        <a:buNone/>
+                        <a:buFont typeface="Arial" panose="020B0604020202020204" pitchFamily="34" charset="0"/>
+                        <a:buChar char="•"/>
                         <a:tabLst/>
                         <a:defRPr/>
                       </a:pPr>
                       <a:r>
-                        <a:rPr lang="en-US" altLang="zh-TW" dirty="0"/>
-                        <a:t>First Additional Function</a:t>
+                        <a:rPr lang="en-US" sz="1800" kern="1200" dirty="0">
+                          <a:solidFill>
+                            <a:schemeClr val="tx1"/>
+                          </a:solidFill>
+                          <a:effectLst/>
+                          <a:latin typeface="+mn-lt"/>
+                          <a:ea typeface="+mn-ea"/>
+                          <a:cs typeface="+mn-cs"/>
+                        </a:rPr>
+                        <a:t>Research on chatbot related documentation,</a:t>
                       </a:r>
-                      <a:endParaRPr lang="zh-TW" altLang="en-US" dirty="0"/>
                     </a:p>
                     <a:p>
-                      <a:r>
-                        <a:rPr lang="en-US" altLang="zh-TW" dirty="0"/>
-                        <a:t>Implemented</a:t>
-                      </a:r>
-                      <a:endParaRPr lang="zh-TW" altLang="en-US" dirty="0"/>
-                    </a:p>
-                  </a:txBody>
-                  <a:tcPr>
-                    <a:lnL w="12700" cap="flat" cmpd="sng" algn="ctr">
-                      <a:solidFill>
-                        <a:schemeClr val="tx1"/>
-                      </a:solidFill>
-                      <a:prstDash val="solid"/>
-                      <a:round/>
-                      <a:headEnd type="none" w="med" len="med"/>
-                      <a:tailEnd type="none" w="med" len="med"/>
-                    </a:lnL>
-                    <a:lnR w="12700" cap="flat" cmpd="sng" algn="ctr">
-                      <a:solidFill>
-                        <a:schemeClr val="tx1"/>
-                      </a:solidFill>
-                      <a:prstDash val="solid"/>
-                      <a:round/>
-                      <a:headEnd type="none" w="med" len="med"/>
-                      <a:tailEnd type="none" w="med" len="med"/>
-                    </a:lnR>
-                    <a:lnT w="12700" cap="flat" cmpd="sng" algn="ctr">
-                      <a:solidFill>
-                        <a:schemeClr val="tx1"/>
-                      </a:solidFill>
-                      <a:prstDash val="solid"/>
-                      <a:round/>
-                      <a:headEnd type="none" w="med" len="med"/>
-                      <a:tailEnd type="none" w="med" len="med"/>
-                    </a:lnT>
-                  </a:tcPr>
-                </a:tc>
-                <a:tc>
-                  <a:txBody>
-                    <a:bodyPr/>
-                    <a:lstStyle/>
-                    <a:p>
-                      <a:endParaRPr lang="zh-TW" altLang="en-US" dirty="0"/>
-                    </a:p>
-                  </a:txBody>
-                  <a:tcPr>
-                    <a:lnL w="12700" cap="flat" cmpd="sng" algn="ctr">
-                      <a:solidFill>
-                        <a:schemeClr val="tx1"/>
-                      </a:solidFill>
-                      <a:prstDash val="solid"/>
-                      <a:round/>
-                      <a:headEnd type="none" w="med" len="med"/>
-                      <a:tailEnd type="none" w="med" len="med"/>
-                    </a:lnL>
-                    <a:lnR w="12700" cap="flat" cmpd="sng" algn="ctr">
-                      <a:solidFill>
-                        <a:schemeClr val="tx1"/>
-                      </a:solidFill>
-                      <a:prstDash val="solid"/>
-                      <a:round/>
-                      <a:headEnd type="none" w="med" len="med"/>
-                      <a:tailEnd type="none" w="med" len="med"/>
-                    </a:lnR>
-                  </a:tcPr>
-                </a:tc>
-                <a:tc>
-                  <a:txBody>
-                    <a:bodyPr/>
-                    <a:lstStyle/>
-                    <a:p>
-                      <a:pPr marL="0" marR="0" lvl="0" indent="0" algn="l" defTabSz="914400" rtl="0" eaLnBrk="1" fontAlgn="auto" latinLnBrk="0" hangingPunct="1">
+                      <a:pPr marL="285750" marR="0" lvl="0" indent="-285750" algn="l" defTabSz="914400" rtl="0" eaLnBrk="1" fontAlgn="auto" latinLnBrk="0" hangingPunct="1">
                         <a:lnSpc>
                           <a:spcPct val="100000"/>
                         </a:lnSpc>
@@ -5060,83 +4915,26 @@
                         </a:spcAft>
                         <a:buClrTx/>
                         <a:buSzTx/>
-                        <a:buFontTx/>
-                        <a:buNone/>
+                        <a:buFont typeface="Arial" panose="020B0604020202020204" pitchFamily="34" charset="0"/>
+                        <a:buChar char="•"/>
                         <a:tabLst/>
                         <a:defRPr/>
                       </a:pPr>
                       <a:r>
-                        <a:rPr lang="en-US" altLang="zh-TW" dirty="0"/>
-                        <a:t>Additional Functions debugging</a:t>
+                        <a:rPr lang="en-US" sz="1800" kern="1200" dirty="0">
+                          <a:solidFill>
+                            <a:schemeClr val="tx1"/>
+                          </a:solidFill>
+                          <a:effectLst/>
+                          <a:latin typeface="+mn-lt"/>
+                          <a:ea typeface="+mn-ea"/>
+                          <a:cs typeface="+mn-cs"/>
+                        </a:rPr>
+                        <a:t>Project plan</a:t>
                       </a:r>
-                      <a:endParaRPr lang="zh-TW" altLang="en-US" dirty="0"/>
                     </a:p>
-                  </a:txBody>
-                  <a:tcPr>
-                    <a:lnL w="12700" cap="flat" cmpd="sng" algn="ctr">
-                      <a:solidFill>
-                        <a:schemeClr val="tx1"/>
-                      </a:solidFill>
-                      <a:prstDash val="solid"/>
-                      <a:round/>
-                      <a:headEnd type="none" w="med" len="med"/>
-                      <a:tailEnd type="none" w="med" len="med"/>
-                    </a:lnL>
-                    <a:lnR w="12700" cap="flat" cmpd="sng" algn="ctr">
-                      <a:solidFill>
-                        <a:schemeClr val="tx1"/>
-                      </a:solidFill>
-                      <a:prstDash val="solid"/>
-                      <a:round/>
-                      <a:headEnd type="none" w="med" len="med"/>
-                      <a:tailEnd type="none" w="med" len="med"/>
-                    </a:lnR>
-                    <a:lnT w="12700" cap="flat" cmpd="sng" algn="ctr">
-                      <a:solidFill>
-                        <a:schemeClr val="tx1"/>
-                      </a:solidFill>
-                      <a:prstDash val="solid"/>
-                      <a:round/>
-                      <a:headEnd type="none" w="med" len="med"/>
-                      <a:tailEnd type="none" w="med" len="med"/>
-                    </a:lnT>
-                  </a:tcPr>
-                </a:tc>
-                <a:tc>
-                  <a:txBody>
-                    <a:bodyPr/>
-                    <a:lstStyle/>
                     <a:p>
-                      <a:endParaRPr lang="zh-TW" altLang="en-US" dirty="0"/>
-                    </a:p>
-                  </a:txBody>
-                  <a:tcPr>
-                    <a:lnL w="12700" cap="flat" cmpd="sng" algn="ctr">
-                      <a:solidFill>
-                        <a:schemeClr val="tx1"/>
-                      </a:solidFill>
-                      <a:prstDash val="solid"/>
-                      <a:round/>
-                      <a:headEnd type="none" w="med" len="med"/>
-                      <a:tailEnd type="none" w="med" len="med"/>
-                    </a:lnL>
-                    <a:lnR w="12700" cap="flat" cmpd="sng" algn="ctr">
-                      <a:solidFill>
-                        <a:schemeClr val="tx1"/>
-                      </a:solidFill>
-                      <a:prstDash val="solid"/>
-                      <a:round/>
-                      <a:headEnd type="none" w="med" len="med"/>
-                      <a:tailEnd type="none" w="med" len="med"/>
-                    </a:lnR>
-                  </a:tcPr>
-                </a:tc>
-                <a:tc>
-                  <a:txBody>
-                    <a:bodyPr/>
-                    <a:lstStyle/>
-                    <a:p>
-                      <a:pPr marL="0" marR="0" lvl="0" indent="0" algn="l" defTabSz="914400" rtl="0" eaLnBrk="1" fontAlgn="auto" latinLnBrk="0" hangingPunct="1">
+                      <a:pPr marL="285750" marR="0" lvl="0" indent="-285750" algn="l" defTabSz="914400" rtl="0" eaLnBrk="1" fontAlgn="auto" latinLnBrk="0" hangingPunct="1">
                         <a:lnSpc>
                           <a:spcPct val="100000"/>
                         </a:lnSpc>
@@ -5148,1184 +4946,369 @@
                         </a:spcAft>
                         <a:buClrTx/>
                         <a:buSzTx/>
-                        <a:buFontTx/>
-                        <a:buNone/>
+                        <a:buFont typeface="Arial" panose="020B0604020202020204" pitchFamily="34" charset="0"/>
+                        <a:buChar char="•"/>
                         <a:tabLst/>
                         <a:defRPr/>
                       </a:pPr>
                       <a:r>
-                        <a:rPr lang="en-US" altLang="zh-TW" dirty="0"/>
-                        <a:t>Additional Functions completed</a:t>
+                        <a:rPr lang="en-US" sz="1800" kern="1200" dirty="0">
+                          <a:solidFill>
+                            <a:schemeClr val="tx1"/>
+                          </a:solidFill>
+                          <a:effectLst/>
+                          <a:latin typeface="+mn-lt"/>
+                          <a:ea typeface="+mn-ea"/>
+                          <a:cs typeface="+mn-cs"/>
+                        </a:rPr>
+                        <a:t>Studying on chatbot</a:t>
                       </a:r>
-                      <a:endParaRPr lang="zh-TW" altLang="en-US" dirty="0"/>
+                    </a:p>
+                    <a:p>
+                      <a:endParaRPr lang="en-US" dirty="0"/>
                     </a:p>
                   </a:txBody>
-                  <a:tcPr>
-                    <a:lnL w="12700" cap="flat" cmpd="sng" algn="ctr">
-                      <a:solidFill>
-                        <a:schemeClr val="tx1"/>
-                      </a:solidFill>
-                      <a:prstDash val="solid"/>
-                      <a:round/>
-                      <a:headEnd type="none" w="med" len="med"/>
-                      <a:tailEnd type="none" w="med" len="med"/>
-                    </a:lnL>
-                    <a:lnR w="12700" cap="flat" cmpd="sng" algn="ctr">
-                      <a:solidFill>
-                        <a:schemeClr val="tx1"/>
-                      </a:solidFill>
-                      <a:prstDash val="solid"/>
-                      <a:round/>
-                      <a:headEnd type="none" w="med" len="med"/>
-                      <a:tailEnd type="none" w="med" len="med"/>
-                    </a:lnR>
-                    <a:lnT w="12700" cap="flat" cmpd="sng" algn="ctr">
-                      <a:solidFill>
-                        <a:schemeClr val="tx1"/>
-                      </a:solidFill>
-                      <a:prstDash val="solid"/>
-                      <a:round/>
-                      <a:headEnd type="none" w="med" len="med"/>
-                      <a:tailEnd type="none" w="med" len="med"/>
-                    </a:lnT>
-                  </a:tcPr>
+                  <a:tcPr/>
                 </a:tc>
                 <a:extLst>
                   <a:ext uri="{0D108BD9-81ED-4DB2-BD59-A6C34878D82A}">
-                    <a16:rowId xmlns:a16="http://schemas.microsoft.com/office/drawing/2014/main" val="3351524864"/>
+                    <a16:rowId xmlns:a16="http://schemas.microsoft.com/office/drawing/2014/main" val="2353060727"/>
                   </a:ext>
                 </a:extLst>
               </a:tr>
-              <a:tr h="1074881">
+              <a:tr h="1094673">
                 <a:tc>
                   <a:txBody>
                     <a:bodyPr/>
                     <a:lstStyle/>
                     <a:p>
-                      <a:endParaRPr lang="zh-TW" altLang="en-US" dirty="0"/>
+                      <a:r>
+                        <a:rPr lang="en-US" dirty="0"/>
+                        <a:t>Oct</a:t>
+                      </a:r>
                     </a:p>
                   </a:txBody>
-                  <a:tcPr>
-                    <a:lnR w="12700" cap="flat" cmpd="sng" algn="ctr">
-                      <a:solidFill>
-                        <a:schemeClr val="tx1"/>
-                      </a:solidFill>
-                      <a:prstDash val="solid"/>
-                      <a:round/>
-                      <a:headEnd type="none" w="med" len="med"/>
-                      <a:tailEnd type="none" w="med" len="med"/>
-                    </a:lnR>
-                  </a:tcPr>
+                  <a:tcPr/>
                 </a:tc>
                 <a:tc>
                   <a:txBody>
                     <a:bodyPr/>
                     <a:lstStyle/>
                     <a:p>
-                      <a:pPr marL="0" marR="0" lvl="0" indent="0" algn="l" defTabSz="914400" rtl="0" eaLnBrk="1" fontAlgn="auto" latinLnBrk="0" hangingPunct="1">
-                        <a:lnSpc>
-                          <a:spcPct val="100000"/>
-                        </a:lnSpc>
-                        <a:spcBef>
-                          <a:spcPts val="0"/>
-                        </a:spcBef>
-                        <a:spcAft>
-                          <a:spcPts val="0"/>
-                        </a:spcAft>
-                        <a:buClrTx/>
-                        <a:buSzTx/>
-                        <a:buFontTx/>
-                        <a:buNone/>
-                        <a:tabLst/>
-                        <a:defRPr/>
+                      <a:pPr marL="285750" indent="-285750">
+                        <a:buFont typeface="Arial" panose="020B0604020202020204" pitchFamily="34" charset="0"/>
+                        <a:buChar char="•"/>
                       </a:pPr>
                       <a:r>
-                        <a:rPr lang="en-US" altLang="zh-TW" dirty="0"/>
-                        <a:t>First NLP module</a:t>
+                        <a:rPr lang="en-US" sz="1800" kern="1200" dirty="0">
+                          <a:solidFill>
+                            <a:schemeClr val="tx1"/>
+                          </a:solidFill>
+                          <a:effectLst/>
+                          <a:latin typeface="+mn-lt"/>
+                          <a:ea typeface="+mn-ea"/>
+                          <a:cs typeface="+mn-cs"/>
+                        </a:rPr>
+                        <a:t>Google form</a:t>
+                      </a:r>
+                    </a:p>
+                    <a:p>
+                      <a:pPr marL="285750" indent="-285750">
+                        <a:buFont typeface="Arial" panose="020B0604020202020204" pitchFamily="34" charset="0"/>
+                        <a:buChar char="•"/>
+                      </a:pPr>
+                      <a:r>
+                        <a:rPr lang="en-US" sz="1800" kern="1200" dirty="0" err="1">
+                          <a:solidFill>
+                            <a:schemeClr val="tx1"/>
+                          </a:solidFill>
+                          <a:effectLst/>
+                          <a:latin typeface="+mn-lt"/>
+                          <a:ea typeface="+mn-ea"/>
+                          <a:cs typeface="+mn-cs"/>
+                        </a:rPr>
+                        <a:t>Powerpoint</a:t>
                       </a:r>
                       <a:r>
-                        <a:rPr lang="zh-TW" altLang="en-US" dirty="0"/>
-                        <a:t> </a:t>
+                        <a:rPr lang="en-US" sz="1800" kern="1200" dirty="0">
+                          <a:solidFill>
+                            <a:schemeClr val="tx1"/>
+                          </a:solidFill>
+                          <a:effectLst/>
+                          <a:latin typeface="+mn-lt"/>
+                          <a:ea typeface="+mn-ea"/>
+                          <a:cs typeface="+mn-cs"/>
+                        </a:rPr>
+                        <a:t> for first presentation </a:t>
                       </a:r>
+                    </a:p>
+                    <a:p>
+                      <a:pPr marL="285750" indent="-285750">
+                        <a:buFont typeface="Arial" panose="020B0604020202020204" pitchFamily="34" charset="0"/>
+                        <a:buChar char="•"/>
+                      </a:pPr>
                       <a:r>
-                        <a:rPr lang="en-US" altLang="zh-TW" dirty="0"/>
-                        <a:t>implemented</a:t>
+                        <a:rPr lang="en-US" sz="1800" kern="1200" dirty="0">
+                          <a:solidFill>
+                            <a:schemeClr val="tx1"/>
+                          </a:solidFill>
+                          <a:effectLst/>
+                          <a:latin typeface="+mn-lt"/>
+                          <a:ea typeface="+mn-ea"/>
+                          <a:cs typeface="+mn-cs"/>
+                        </a:rPr>
+                        <a:t>Test server implemented </a:t>
+                      </a:r>
+                    </a:p>
+                    <a:p>
+                      <a:pPr marL="285750" indent="-285750">
+                        <a:buFont typeface="Arial" panose="020B0604020202020204" pitchFamily="34" charset="0"/>
+                        <a:buChar char="•"/>
+                      </a:pPr>
+                      <a:r>
+                        <a:rPr lang="en-US" sz="1800" kern="1200" dirty="0">
+                          <a:solidFill>
+                            <a:schemeClr val="tx1"/>
+                          </a:solidFill>
+                          <a:effectLst/>
+                          <a:latin typeface="+mn-lt"/>
+                          <a:ea typeface="+mn-ea"/>
+                          <a:cs typeface="+mn-cs"/>
+                        </a:rPr>
+                        <a:t>“Echo” demo chatbot test</a:t>
+                      </a:r>
+                      <a:endParaRPr lang="en-US" dirty="0"/>
+                    </a:p>
+                  </a:txBody>
+                  <a:tcPr/>
+                </a:tc>
+                <a:extLst>
+                  <a:ext uri="{0D108BD9-81ED-4DB2-BD59-A6C34878D82A}">
+                    <a16:rowId xmlns:a16="http://schemas.microsoft.com/office/drawing/2014/main" val="2924118043"/>
+                  </a:ext>
+                </a:extLst>
+              </a:tr>
+              <a:tr h="1094673">
+                <a:tc>
+                  <a:txBody>
+                    <a:bodyPr/>
+                    <a:lstStyle/>
+                    <a:p>
+                      <a:r>
+                        <a:rPr lang="en-US" dirty="0"/>
+                        <a:t>Nov</a:t>
                       </a:r>
                     </a:p>
                   </a:txBody>
-                  <a:tcPr>
-                    <a:lnL w="12700" cap="flat" cmpd="sng" algn="ctr">
-                      <a:solidFill>
-                        <a:schemeClr val="tx1"/>
-                      </a:solidFill>
-                      <a:prstDash val="solid"/>
-                      <a:round/>
-                      <a:headEnd type="none" w="med" len="med"/>
-                      <a:tailEnd type="none" w="med" len="med"/>
-                    </a:lnL>
-                    <a:lnR w="12700" cap="flat" cmpd="sng" algn="ctr">
-                      <a:solidFill>
-                        <a:schemeClr val="tx1"/>
-                      </a:solidFill>
-                      <a:prstDash val="solid"/>
-                      <a:round/>
-                      <a:headEnd type="none" w="med" len="med"/>
-                      <a:tailEnd type="none" w="med" len="med"/>
-                    </a:lnR>
-                  </a:tcPr>
+                  <a:tcPr/>
                 </a:tc>
                 <a:tc>
                   <a:txBody>
                     <a:bodyPr/>
                     <a:lstStyle/>
                     <a:p>
-                      <a:endParaRPr lang="zh-TW" altLang="en-US" dirty="0"/>
+                      <a:pPr marL="285750" indent="-285750">
+                        <a:buFont typeface="Arial" panose="020B0604020202020204" pitchFamily="34" charset="0"/>
+                        <a:buChar char="•"/>
+                      </a:pPr>
+                      <a:r>
+                        <a:rPr lang="en-US" sz="1800" kern="1200" dirty="0">
+                          <a:solidFill>
+                            <a:schemeClr val="tx1"/>
+                          </a:solidFill>
+                          <a:effectLst/>
+                          <a:latin typeface="+mn-lt"/>
+                          <a:ea typeface="+mn-ea"/>
+                          <a:cs typeface="+mn-cs"/>
+                        </a:rPr>
+                        <a:t>First NLP module implemented (school facilities) </a:t>
+                      </a:r>
+                    </a:p>
+                    <a:p>
+                      <a:pPr marL="285750" indent="-285750">
+                        <a:buFont typeface="Arial" panose="020B0604020202020204" pitchFamily="34" charset="0"/>
+                        <a:buChar char="•"/>
+                      </a:pPr>
+                      <a:r>
+                        <a:rPr lang="en-US" sz="1800" kern="1200" dirty="0">
+                          <a:solidFill>
+                            <a:schemeClr val="tx1"/>
+                          </a:solidFill>
+                          <a:effectLst/>
+                          <a:latin typeface="+mn-lt"/>
+                          <a:ea typeface="+mn-ea"/>
+                          <a:cs typeface="+mn-cs"/>
+                        </a:rPr>
+                        <a:t>Start module test </a:t>
+                      </a:r>
+                    </a:p>
+                    <a:p>
+                      <a:pPr marL="285750" indent="-285750">
+                        <a:buFont typeface="Arial" panose="020B0604020202020204" pitchFamily="34" charset="0"/>
+                        <a:buChar char="•"/>
+                      </a:pPr>
+                      <a:r>
+                        <a:rPr lang="en-US" sz="1800" kern="1200" dirty="0">
+                          <a:solidFill>
+                            <a:schemeClr val="tx1"/>
+                          </a:solidFill>
+                          <a:effectLst/>
+                          <a:latin typeface="+mn-lt"/>
+                          <a:ea typeface="+mn-ea"/>
+                          <a:cs typeface="+mn-cs"/>
+                        </a:rPr>
+                        <a:t>Proposal presentation preparation rehearsal</a:t>
+                      </a:r>
+                      <a:endParaRPr lang="en-US" dirty="0"/>
                     </a:p>
                   </a:txBody>
-                  <a:tcPr>
-                    <a:lnL w="12700" cap="flat" cmpd="sng" algn="ctr">
-                      <a:solidFill>
-                        <a:schemeClr val="tx1"/>
-                      </a:solidFill>
-                      <a:prstDash val="solid"/>
-                      <a:round/>
-                      <a:headEnd type="none" w="med" len="med"/>
-                      <a:tailEnd type="none" w="med" len="med"/>
-                    </a:lnL>
-                    <a:lnR w="12700" cap="flat" cmpd="sng" algn="ctr">
-                      <a:solidFill>
-                        <a:schemeClr val="tx1"/>
-                      </a:solidFill>
-                      <a:prstDash val="solid"/>
-                      <a:round/>
-                      <a:headEnd type="none" w="med" len="med"/>
-                      <a:tailEnd type="none" w="med" len="med"/>
-                    </a:lnR>
-                  </a:tcPr>
+                  <a:tcPr/>
+                </a:tc>
+                <a:extLst>
+                  <a:ext uri="{0D108BD9-81ED-4DB2-BD59-A6C34878D82A}">
+                    <a16:rowId xmlns:a16="http://schemas.microsoft.com/office/drawing/2014/main" val="2574941404"/>
+                  </a:ext>
+                </a:extLst>
+              </a:tr>
+              <a:tr h="1094673">
+                <a:tc>
+                  <a:txBody>
+                    <a:bodyPr/>
+                    <a:lstStyle/>
+                    <a:p>
+                      <a:r>
+                        <a:rPr lang="en-US" dirty="0"/>
+                        <a:t>Dec</a:t>
+                      </a:r>
+                    </a:p>
+                  </a:txBody>
+                  <a:tcPr/>
                 </a:tc>
                 <a:tc>
                   <a:txBody>
                     <a:bodyPr/>
                     <a:lstStyle/>
                     <a:p>
-                      <a:pPr marL="0" marR="0" lvl="0" indent="0" algn="l" defTabSz="914400" rtl="0" eaLnBrk="1" fontAlgn="auto" latinLnBrk="0" hangingPunct="1">
-                        <a:lnSpc>
-                          <a:spcPct val="100000"/>
-                        </a:lnSpc>
-                        <a:spcBef>
-                          <a:spcPts val="0"/>
-                        </a:spcBef>
-                        <a:spcAft>
-                          <a:spcPts val="0"/>
-                        </a:spcAft>
-                        <a:buClrTx/>
-                        <a:buSzTx/>
-                        <a:buFontTx/>
-                        <a:buNone/>
-                        <a:tabLst/>
-                        <a:defRPr/>
+                      <a:pPr marL="285750" indent="-285750">
+                        <a:buFont typeface="Arial" panose="020B0604020202020204" pitchFamily="34" charset="0"/>
+                        <a:buChar char="•"/>
                       </a:pPr>
                       <a:r>
-                        <a:rPr lang="en-US" altLang="zh-TW" dirty="0"/>
-                        <a:t>&gt;50% NLP modules completed</a:t>
+                        <a:rPr lang="en-US" sz="1800" kern="1200" dirty="0">
+                          <a:solidFill>
+                            <a:schemeClr val="tx1"/>
+                          </a:solidFill>
+                          <a:effectLst/>
+                          <a:latin typeface="+mn-lt"/>
+                          <a:ea typeface="+mn-ea"/>
+                          <a:cs typeface="+mn-cs"/>
+                        </a:rPr>
+                        <a:t>First additional function implemented (user choice selection) </a:t>
                       </a:r>
-                      <a:endParaRPr lang="zh-TW" altLang="en-US" dirty="0"/>
+                    </a:p>
+                    <a:p>
+                      <a:pPr marL="285750" indent="-285750">
+                        <a:buFont typeface="Arial" panose="020B0604020202020204" pitchFamily="34" charset="0"/>
+                        <a:buChar char="•"/>
+                      </a:pPr>
+                      <a:r>
+                        <a:rPr lang="en-US" sz="1800" kern="1200" dirty="0">
+                          <a:solidFill>
+                            <a:schemeClr val="tx1"/>
+                          </a:solidFill>
+                          <a:effectLst/>
+                          <a:latin typeface="+mn-lt"/>
+                          <a:ea typeface="+mn-ea"/>
+                          <a:cs typeface="+mn-cs"/>
+                        </a:rPr>
+                        <a:t>~25% NLP modules completed </a:t>
+                      </a:r>
+                    </a:p>
+                    <a:p>
+                      <a:pPr marL="285750" indent="-285750">
+                        <a:buFont typeface="Arial" panose="020B0604020202020204" pitchFamily="34" charset="0"/>
+                        <a:buChar char="•"/>
+                      </a:pPr>
+                      <a:r>
+                        <a:rPr lang="en-US" sz="1800" kern="1200" dirty="0">
+                          <a:solidFill>
+                            <a:schemeClr val="tx1"/>
+                          </a:solidFill>
+                          <a:effectLst/>
+                          <a:latin typeface="+mn-lt"/>
+                          <a:ea typeface="+mn-ea"/>
+                          <a:cs typeface="+mn-cs"/>
+                        </a:rPr>
+                        <a:t>Modules testing </a:t>
+                      </a:r>
+                    </a:p>
+                    <a:p>
+                      <a:pPr marL="285750" indent="-285750">
+                        <a:buFont typeface="Arial" panose="020B0604020202020204" pitchFamily="34" charset="0"/>
+                        <a:buChar char="•"/>
+                      </a:pPr>
+                      <a:r>
+                        <a:rPr lang="en-US" sz="1800" kern="1200" dirty="0">
+                          <a:solidFill>
+                            <a:schemeClr val="tx1"/>
+                          </a:solidFill>
+                          <a:effectLst/>
+                          <a:latin typeface="+mn-lt"/>
+                          <a:ea typeface="+mn-ea"/>
+                          <a:cs typeface="+mn-cs"/>
+                        </a:rPr>
+                        <a:t>Preparation of Interim Report </a:t>
+                      </a:r>
+                    </a:p>
+                    <a:p>
+                      <a:pPr marL="285750" indent="-285750">
+                        <a:buFont typeface="Arial" panose="020B0604020202020204" pitchFamily="34" charset="0"/>
+                        <a:buChar char="•"/>
+                      </a:pPr>
+                      <a:r>
+                        <a:rPr lang="en-US" sz="1800" kern="1200" dirty="0">
+                          <a:solidFill>
+                            <a:schemeClr val="tx1"/>
+                          </a:solidFill>
+                          <a:effectLst/>
+                          <a:latin typeface="+mn-lt"/>
+                          <a:ea typeface="+mn-ea"/>
+                          <a:cs typeface="+mn-cs"/>
+                        </a:rPr>
+                        <a:t>Log book (</a:t>
+                      </a:r>
+                      <a:r>
+                        <a:rPr lang="en-US" sz="1800" kern="1200" dirty="0" err="1">
+                          <a:solidFill>
+                            <a:schemeClr val="tx1"/>
+                          </a:solidFill>
+                          <a:effectLst/>
+                          <a:latin typeface="+mn-lt"/>
+                          <a:ea typeface="+mn-ea"/>
+                          <a:cs typeface="+mn-cs"/>
+                        </a:rPr>
+                        <a:t>sem</a:t>
+                      </a:r>
+                      <a:r>
+                        <a:rPr lang="en-US" sz="1800" kern="1200" dirty="0">
+                          <a:solidFill>
+                            <a:schemeClr val="tx1"/>
+                          </a:solidFill>
+                          <a:effectLst/>
+                          <a:latin typeface="+mn-lt"/>
+                          <a:ea typeface="+mn-ea"/>
+                          <a:cs typeface="+mn-cs"/>
+                        </a:rPr>
+                        <a:t> 1)</a:t>
+                      </a:r>
+                      <a:endParaRPr lang="en-US" dirty="0"/>
                     </a:p>
                   </a:txBody>
-                  <a:tcPr>
-                    <a:lnL w="12700" cap="flat" cmpd="sng" algn="ctr">
-                      <a:solidFill>
-                        <a:schemeClr val="tx1"/>
-                      </a:solidFill>
-                      <a:prstDash val="solid"/>
-                      <a:round/>
-                      <a:headEnd type="none" w="med" len="med"/>
-                      <a:tailEnd type="none" w="med" len="med"/>
-                    </a:lnL>
-                    <a:lnR w="12700" cap="flat" cmpd="sng" algn="ctr">
-                      <a:solidFill>
-                        <a:schemeClr val="tx1"/>
-                      </a:solidFill>
-                      <a:prstDash val="solid"/>
-                      <a:round/>
-                      <a:headEnd type="none" w="med" len="med"/>
-                      <a:tailEnd type="none" w="med" len="med"/>
-                    </a:lnR>
-                  </a:tcPr>
-                </a:tc>
-                <a:tc>
-                  <a:txBody>
-                    <a:bodyPr/>
-                    <a:lstStyle/>
-                    <a:p>
-                      <a:endParaRPr lang="zh-TW" altLang="en-US" dirty="0"/>
-                    </a:p>
-                  </a:txBody>
-                  <a:tcPr>
-                    <a:lnL w="12700" cap="flat" cmpd="sng" algn="ctr">
-                      <a:solidFill>
-                        <a:schemeClr val="tx1"/>
-                      </a:solidFill>
-                      <a:prstDash val="solid"/>
-                      <a:round/>
-                      <a:headEnd type="none" w="med" len="med"/>
-                      <a:tailEnd type="none" w="med" len="med"/>
-                    </a:lnL>
-                    <a:lnR w="12700" cap="flat" cmpd="sng" algn="ctr">
-                      <a:solidFill>
-                        <a:schemeClr val="tx1"/>
-                      </a:solidFill>
-                      <a:prstDash val="solid"/>
-                      <a:round/>
-                      <a:headEnd type="none" w="med" len="med"/>
-                      <a:tailEnd type="none" w="med" len="med"/>
-                    </a:lnR>
-                  </a:tcPr>
-                </a:tc>
-                <a:tc>
-                  <a:txBody>
-                    <a:bodyPr/>
-                    <a:lstStyle/>
-                    <a:p>
-                      <a:pPr marL="0" marR="0" lvl="0" indent="0" algn="l" defTabSz="914400" rtl="0" eaLnBrk="1" fontAlgn="auto" latinLnBrk="0" hangingPunct="1">
-                        <a:lnSpc>
-                          <a:spcPct val="100000"/>
-                        </a:lnSpc>
-                        <a:spcBef>
-                          <a:spcPts val="0"/>
-                        </a:spcBef>
-                        <a:spcAft>
-                          <a:spcPts val="0"/>
-                        </a:spcAft>
-                        <a:buClrTx/>
-                        <a:buSzTx/>
-                        <a:buFontTx/>
-                        <a:buNone/>
-                        <a:tabLst/>
-                        <a:defRPr/>
-                      </a:pPr>
-                      <a:r>
-                        <a:rPr lang="en-US" altLang="zh-TW" dirty="0"/>
-                        <a:t>&gt;90% NLP modules completed</a:t>
-                      </a:r>
-                      <a:endParaRPr lang="zh-TW" altLang="en-US" dirty="0"/>
-                    </a:p>
-                  </a:txBody>
-                  <a:tcPr>
-                    <a:lnL w="12700" cap="flat" cmpd="sng" algn="ctr">
-                      <a:solidFill>
-                        <a:schemeClr val="tx1"/>
-                      </a:solidFill>
-                      <a:prstDash val="solid"/>
-                      <a:round/>
-                      <a:headEnd type="none" w="med" len="med"/>
-                      <a:tailEnd type="none" w="med" len="med"/>
-                    </a:lnL>
-                    <a:lnR w="12700" cap="flat" cmpd="sng" algn="ctr">
-                      <a:solidFill>
-                        <a:schemeClr val="tx1"/>
-                      </a:solidFill>
-                      <a:prstDash val="solid"/>
-                      <a:round/>
-                      <a:headEnd type="none" w="med" len="med"/>
-                      <a:tailEnd type="none" w="med" len="med"/>
-                    </a:lnR>
-                  </a:tcPr>
-                </a:tc>
-                <a:tc>
-                  <a:txBody>
-                    <a:bodyPr/>
-                    <a:lstStyle/>
-                    <a:p>
-                      <a:endParaRPr lang="zh-TW" altLang="en-US" dirty="0"/>
-                    </a:p>
-                  </a:txBody>
-                  <a:tcPr>
-                    <a:lnL w="12700" cap="flat" cmpd="sng" algn="ctr">
-                      <a:solidFill>
-                        <a:schemeClr val="tx1"/>
-                      </a:solidFill>
-                      <a:prstDash val="solid"/>
-                      <a:round/>
-                      <a:headEnd type="none" w="med" len="med"/>
-                      <a:tailEnd type="none" w="med" len="med"/>
-                    </a:lnL>
-                    <a:lnR w="12700" cap="flat" cmpd="sng" algn="ctr">
-                      <a:solidFill>
-                        <a:schemeClr val="tx1"/>
-                      </a:solidFill>
-                      <a:prstDash val="solid"/>
-                      <a:round/>
-                      <a:headEnd type="none" w="med" len="med"/>
-                      <a:tailEnd type="none" w="med" len="med"/>
-                    </a:lnR>
-                  </a:tcPr>
-                </a:tc>
-                <a:tc>
-                  <a:txBody>
-                    <a:bodyPr/>
-                    <a:lstStyle/>
-                    <a:p>
-                      <a:pPr marL="0" marR="0" lvl="0" indent="0" algn="l" defTabSz="914400" rtl="0" eaLnBrk="1" fontAlgn="auto" latinLnBrk="0" hangingPunct="1">
-                        <a:lnSpc>
-                          <a:spcPct val="100000"/>
-                        </a:lnSpc>
-                        <a:spcBef>
-                          <a:spcPts val="0"/>
-                        </a:spcBef>
-                        <a:spcAft>
-                          <a:spcPts val="0"/>
-                        </a:spcAft>
-                        <a:buClrTx/>
-                        <a:buSzTx/>
-                        <a:buFontTx/>
-                        <a:buNone/>
-                        <a:tabLst/>
-                        <a:defRPr/>
-                      </a:pPr>
-                      <a:r>
-                        <a:rPr lang="en-US" altLang="zh-TW" dirty="0"/>
-                        <a:t>All NLP modules completed</a:t>
-                      </a:r>
-                      <a:endParaRPr lang="zh-TW" altLang="en-US" dirty="0"/>
-                    </a:p>
-                  </a:txBody>
-                  <a:tcPr>
-                    <a:lnL w="12700" cap="flat" cmpd="sng" algn="ctr">
-                      <a:solidFill>
-                        <a:schemeClr val="tx1"/>
-                      </a:solidFill>
-                      <a:prstDash val="solid"/>
-                      <a:round/>
-                      <a:headEnd type="none" w="med" len="med"/>
-                      <a:tailEnd type="none" w="med" len="med"/>
-                    </a:lnL>
-                    <a:lnR w="12700" cap="flat" cmpd="sng" algn="ctr">
-                      <a:solidFill>
-                        <a:schemeClr val="tx1"/>
-                      </a:solidFill>
-                      <a:prstDash val="solid"/>
-                      <a:round/>
-                      <a:headEnd type="none" w="med" len="med"/>
-                      <a:tailEnd type="none" w="med" len="med"/>
-                    </a:lnR>
-                  </a:tcPr>
+                  <a:tcPr/>
                 </a:tc>
                 <a:extLst>
                   <a:ext uri="{0D108BD9-81ED-4DB2-BD59-A6C34878D82A}">
-                    <a16:rowId xmlns:a16="http://schemas.microsoft.com/office/drawing/2014/main" val="1430458182"/>
-                  </a:ext>
-                </a:extLst>
-              </a:tr>
-              <a:tr h="1074881">
-                <a:tc>
-                  <a:txBody>
-                    <a:bodyPr/>
-                    <a:lstStyle/>
-                    <a:p>
-                      <a:endParaRPr lang="zh-TW" altLang="en-US" dirty="0"/>
-                    </a:p>
-                  </a:txBody>
-                  <a:tcPr>
-                    <a:lnR w="12700" cap="flat" cmpd="sng" algn="ctr">
-                      <a:solidFill>
-                        <a:schemeClr val="tx1"/>
-                      </a:solidFill>
-                      <a:prstDash val="solid"/>
-                      <a:round/>
-                      <a:headEnd type="none" w="med" len="med"/>
-                      <a:tailEnd type="none" w="med" len="med"/>
-                    </a:lnR>
-                  </a:tcPr>
-                </a:tc>
-                <a:tc>
-                  <a:txBody>
-                    <a:bodyPr/>
-                    <a:lstStyle/>
-                    <a:p>
-                      <a:pPr marL="0" marR="0" lvl="0" indent="0" algn="l" defTabSz="914400" rtl="0" eaLnBrk="1" fontAlgn="auto" latinLnBrk="0" hangingPunct="1">
-                        <a:lnSpc>
-                          <a:spcPct val="100000"/>
-                        </a:lnSpc>
-                        <a:spcBef>
-                          <a:spcPts val="0"/>
-                        </a:spcBef>
-                        <a:spcAft>
-                          <a:spcPts val="0"/>
-                        </a:spcAft>
-                        <a:buClrTx/>
-                        <a:buSzTx/>
-                        <a:buFontTx/>
-                        <a:buNone/>
-                        <a:tabLst/>
-                        <a:defRPr/>
-                      </a:pPr>
-                      <a:r>
-                        <a:rPr lang="en-US" altLang="zh-TW" dirty="0"/>
-                        <a:t>Start module test</a:t>
-                      </a:r>
-                    </a:p>
-                  </a:txBody>
-                  <a:tcPr>
-                    <a:lnL w="12700" cap="flat" cmpd="sng" algn="ctr">
-                      <a:solidFill>
-                        <a:schemeClr val="tx1"/>
-                      </a:solidFill>
-                      <a:prstDash val="solid"/>
-                      <a:round/>
-                      <a:headEnd type="none" w="med" len="med"/>
-                      <a:tailEnd type="none" w="med" len="med"/>
-                    </a:lnL>
-                    <a:lnR w="12700" cap="flat" cmpd="sng" algn="ctr">
-                      <a:solidFill>
-                        <a:schemeClr val="tx1"/>
-                      </a:solidFill>
-                      <a:prstDash val="solid"/>
-                      <a:round/>
-                      <a:headEnd type="none" w="med" len="med"/>
-                      <a:tailEnd type="none" w="med" len="med"/>
-                    </a:lnR>
-                    <a:lnB w="12700" cap="flat" cmpd="sng" algn="ctr">
-                      <a:solidFill>
-                        <a:schemeClr val="tx1"/>
-                      </a:solidFill>
-                      <a:prstDash val="solid"/>
-                      <a:round/>
-                      <a:headEnd type="none" w="med" len="med"/>
-                      <a:tailEnd type="none" w="med" len="med"/>
-                    </a:lnB>
-                  </a:tcPr>
-                </a:tc>
-                <a:tc>
-                  <a:txBody>
-                    <a:bodyPr/>
-                    <a:lstStyle/>
-                    <a:p>
-                      <a:endParaRPr lang="zh-TW" altLang="en-US" dirty="0"/>
-                    </a:p>
-                  </a:txBody>
-                  <a:tcPr>
-                    <a:lnL w="12700" cap="flat" cmpd="sng" algn="ctr">
-                      <a:solidFill>
-                        <a:schemeClr val="tx1"/>
-                      </a:solidFill>
-                      <a:prstDash val="solid"/>
-                      <a:round/>
-                      <a:headEnd type="none" w="med" len="med"/>
-                      <a:tailEnd type="none" w="med" len="med"/>
-                    </a:lnL>
-                    <a:lnR w="12700" cap="flat" cmpd="sng" algn="ctr">
-                      <a:solidFill>
-                        <a:schemeClr val="tx1"/>
-                      </a:solidFill>
-                      <a:prstDash val="solid"/>
-                      <a:round/>
-                      <a:headEnd type="none" w="med" len="med"/>
-                      <a:tailEnd type="none" w="med" len="med"/>
-                    </a:lnR>
-                  </a:tcPr>
-                </a:tc>
-                <a:tc>
-                  <a:txBody>
-                    <a:bodyPr/>
-                    <a:lstStyle/>
-                    <a:p>
-                      <a:pPr marL="0" marR="0" lvl="0" indent="0" algn="l" defTabSz="914400" rtl="0" eaLnBrk="1" fontAlgn="auto" latinLnBrk="0" hangingPunct="1">
-                        <a:lnSpc>
-                          <a:spcPct val="100000"/>
-                        </a:lnSpc>
-                        <a:spcBef>
-                          <a:spcPts val="0"/>
-                        </a:spcBef>
-                        <a:spcAft>
-                          <a:spcPts val="0"/>
-                        </a:spcAft>
-                        <a:buClrTx/>
-                        <a:buSzTx/>
-                        <a:buFontTx/>
-                        <a:buNone/>
-                        <a:tabLst/>
-                        <a:defRPr/>
-                      </a:pPr>
-                      <a:r>
-                        <a:rPr lang="en-US" altLang="zh-TW" dirty="0"/>
-                        <a:t>Modules testing</a:t>
-                      </a:r>
-                    </a:p>
-                  </a:txBody>
-                  <a:tcPr>
-                    <a:lnL w="12700" cap="flat" cmpd="sng" algn="ctr">
-                      <a:solidFill>
-                        <a:schemeClr val="tx1"/>
-                      </a:solidFill>
-                      <a:prstDash val="solid"/>
-                      <a:round/>
-                      <a:headEnd type="none" w="med" len="med"/>
-                      <a:tailEnd type="none" w="med" len="med"/>
-                    </a:lnL>
-                    <a:lnR w="12700" cap="flat" cmpd="sng" algn="ctr">
-                      <a:solidFill>
-                        <a:schemeClr val="tx1"/>
-                      </a:solidFill>
-                      <a:prstDash val="solid"/>
-                      <a:round/>
-                      <a:headEnd type="none" w="med" len="med"/>
-                      <a:tailEnd type="none" w="med" len="med"/>
-                    </a:lnR>
-                    <a:lnB w="12700" cap="flat" cmpd="sng" algn="ctr">
-                      <a:solidFill>
-                        <a:schemeClr val="tx1"/>
-                      </a:solidFill>
-                      <a:prstDash val="solid"/>
-                      <a:round/>
-                      <a:headEnd type="none" w="med" len="med"/>
-                      <a:tailEnd type="none" w="med" len="med"/>
-                    </a:lnB>
-                  </a:tcPr>
-                </a:tc>
-                <a:tc>
-                  <a:txBody>
-                    <a:bodyPr/>
-                    <a:lstStyle/>
-                    <a:p>
-                      <a:endParaRPr lang="zh-TW" altLang="en-US" dirty="0"/>
-                    </a:p>
-                  </a:txBody>
-                  <a:tcPr>
-                    <a:lnL w="12700" cap="flat" cmpd="sng" algn="ctr">
-                      <a:solidFill>
-                        <a:schemeClr val="tx1"/>
-                      </a:solidFill>
-                      <a:prstDash val="solid"/>
-                      <a:round/>
-                      <a:headEnd type="none" w="med" len="med"/>
-                      <a:tailEnd type="none" w="med" len="med"/>
-                    </a:lnL>
-                    <a:lnR w="12700" cap="flat" cmpd="sng" algn="ctr">
-                      <a:solidFill>
-                        <a:schemeClr val="tx1"/>
-                      </a:solidFill>
-                      <a:prstDash val="solid"/>
-                      <a:round/>
-                      <a:headEnd type="none" w="med" len="med"/>
-                      <a:tailEnd type="none" w="med" len="med"/>
-                    </a:lnR>
-                  </a:tcPr>
-                </a:tc>
-                <a:tc>
-                  <a:txBody>
-                    <a:bodyPr/>
-                    <a:lstStyle/>
-                    <a:p>
-                      <a:pPr marL="0" marR="0" lvl="0" indent="0" algn="l" defTabSz="914400" rtl="0" eaLnBrk="1" fontAlgn="auto" latinLnBrk="0" hangingPunct="1">
-                        <a:lnSpc>
-                          <a:spcPct val="100000"/>
-                        </a:lnSpc>
-                        <a:spcBef>
-                          <a:spcPts val="0"/>
-                        </a:spcBef>
-                        <a:spcAft>
-                          <a:spcPts val="0"/>
-                        </a:spcAft>
-                        <a:buClrTx/>
-                        <a:buSzTx/>
-                        <a:buFontTx/>
-                        <a:buNone/>
-                        <a:tabLst/>
-                        <a:defRPr/>
-                      </a:pPr>
-                      <a:r>
-                        <a:rPr lang="en-US" altLang="zh-TW" dirty="0"/>
-                        <a:t>Modules testing</a:t>
-                      </a:r>
-                    </a:p>
-                  </a:txBody>
-                  <a:tcPr>
-                    <a:lnL w="12700" cap="flat" cmpd="sng" algn="ctr">
-                      <a:solidFill>
-                        <a:schemeClr val="tx1"/>
-                      </a:solidFill>
-                      <a:prstDash val="solid"/>
-                      <a:round/>
-                      <a:headEnd type="none" w="med" len="med"/>
-                      <a:tailEnd type="none" w="med" len="med"/>
-                    </a:lnL>
-                    <a:lnR w="12700" cap="flat" cmpd="sng" algn="ctr">
-                      <a:solidFill>
-                        <a:schemeClr val="tx1"/>
-                      </a:solidFill>
-                      <a:prstDash val="solid"/>
-                      <a:round/>
-                      <a:headEnd type="none" w="med" len="med"/>
-                      <a:tailEnd type="none" w="med" len="med"/>
-                    </a:lnR>
-                    <a:lnB w="12700" cap="flat" cmpd="sng" algn="ctr">
-                      <a:solidFill>
-                        <a:schemeClr val="tx1"/>
-                      </a:solidFill>
-                      <a:prstDash val="solid"/>
-                      <a:round/>
-                      <a:headEnd type="none" w="med" len="med"/>
-                      <a:tailEnd type="none" w="med" len="med"/>
-                    </a:lnB>
-                  </a:tcPr>
-                </a:tc>
-                <a:tc>
-                  <a:txBody>
-                    <a:bodyPr/>
-                    <a:lstStyle/>
-                    <a:p>
-                      <a:endParaRPr lang="zh-TW" altLang="en-US" dirty="0"/>
-                    </a:p>
-                  </a:txBody>
-                  <a:tcPr>
-                    <a:lnL w="12700" cap="flat" cmpd="sng" algn="ctr">
-                      <a:solidFill>
-                        <a:schemeClr val="tx1"/>
-                      </a:solidFill>
-                      <a:prstDash val="solid"/>
-                      <a:round/>
-                      <a:headEnd type="none" w="med" len="med"/>
-                      <a:tailEnd type="none" w="med" len="med"/>
-                    </a:lnL>
-                    <a:lnR w="12700" cap="flat" cmpd="sng" algn="ctr">
-                      <a:solidFill>
-                        <a:schemeClr val="tx1"/>
-                      </a:solidFill>
-                      <a:prstDash val="solid"/>
-                      <a:round/>
-                      <a:headEnd type="none" w="med" len="med"/>
-                      <a:tailEnd type="none" w="med" len="med"/>
-                    </a:lnR>
-                  </a:tcPr>
-                </a:tc>
-                <a:tc>
-                  <a:txBody>
-                    <a:bodyPr/>
-                    <a:lstStyle/>
-                    <a:p>
-                      <a:pPr marL="0" marR="0" lvl="0" indent="0" algn="l" defTabSz="914400" rtl="0" eaLnBrk="1" fontAlgn="auto" latinLnBrk="0" hangingPunct="1">
-                        <a:lnSpc>
-                          <a:spcPct val="100000"/>
-                        </a:lnSpc>
-                        <a:spcBef>
-                          <a:spcPts val="0"/>
-                        </a:spcBef>
-                        <a:spcAft>
-                          <a:spcPts val="0"/>
-                        </a:spcAft>
-                        <a:buClrTx/>
-                        <a:buSzTx/>
-                        <a:buFontTx/>
-                        <a:buNone/>
-                        <a:tabLst/>
-                        <a:defRPr/>
-                      </a:pPr>
-                      <a:r>
-                        <a:rPr lang="en-US" altLang="zh-TW" dirty="0"/>
-                        <a:t>Webpage set up</a:t>
-                      </a:r>
-                    </a:p>
-                    <a:p>
-                      <a:pPr marL="0" marR="0" lvl="0" indent="0" algn="l" defTabSz="914400" rtl="0" eaLnBrk="1" fontAlgn="auto" latinLnBrk="0" hangingPunct="1">
-                        <a:lnSpc>
-                          <a:spcPct val="100000"/>
-                        </a:lnSpc>
-                        <a:spcBef>
-                          <a:spcPts val="0"/>
-                        </a:spcBef>
-                        <a:spcAft>
-                          <a:spcPts val="0"/>
-                        </a:spcAft>
-                        <a:buClrTx/>
-                        <a:buSzTx/>
-                        <a:buFontTx/>
-                        <a:buNone/>
-                        <a:tabLst/>
-                        <a:defRPr/>
-                      </a:pPr>
-                      <a:r>
-                        <a:rPr lang="en-US" altLang="zh-TW" dirty="0"/>
-                        <a:t>Release to media</a:t>
-                      </a:r>
-                      <a:endParaRPr lang="zh-TW" altLang="en-US" dirty="0"/>
-                    </a:p>
-                  </a:txBody>
-                  <a:tcPr>
-                    <a:lnL w="12700" cap="flat" cmpd="sng" algn="ctr">
-                      <a:solidFill>
-                        <a:schemeClr val="tx1"/>
-                      </a:solidFill>
-                      <a:prstDash val="solid"/>
-                      <a:round/>
-                      <a:headEnd type="none" w="med" len="med"/>
-                      <a:tailEnd type="none" w="med" len="med"/>
-                    </a:lnL>
-                    <a:lnR w="12700" cap="flat" cmpd="sng" algn="ctr">
-                      <a:solidFill>
-                        <a:schemeClr val="tx1"/>
-                      </a:solidFill>
-                      <a:prstDash val="solid"/>
-                      <a:round/>
-                      <a:headEnd type="none" w="med" len="med"/>
-                      <a:tailEnd type="none" w="med" len="med"/>
-                    </a:lnR>
-                    <a:lnB w="12700" cap="flat" cmpd="sng" algn="ctr">
-                      <a:solidFill>
-                        <a:schemeClr val="tx1"/>
-                      </a:solidFill>
-                      <a:prstDash val="solid"/>
-                      <a:round/>
-                      <a:headEnd type="none" w="med" len="med"/>
-                      <a:tailEnd type="none" w="med" len="med"/>
-                    </a:lnB>
-                  </a:tcPr>
-                </a:tc>
-                <a:extLst>
-                  <a:ext uri="{0D108BD9-81ED-4DB2-BD59-A6C34878D82A}">
-                    <a16:rowId xmlns:a16="http://schemas.microsoft.com/office/drawing/2014/main" val="1488745662"/>
-                  </a:ext>
-                </a:extLst>
-              </a:tr>
-              <a:tr h="1074881">
-                <a:tc>
-                  <a:txBody>
-                    <a:bodyPr/>
-                    <a:lstStyle/>
-                    <a:p>
-                      <a:endParaRPr lang="zh-TW" altLang="en-US" dirty="0"/>
-                    </a:p>
-                  </a:txBody>
-                  <a:tcPr>
-                    <a:lnB w="12700" cap="flat" cmpd="sng" algn="ctr">
-                      <a:solidFill>
-                        <a:schemeClr val="tx1"/>
-                      </a:solidFill>
-                      <a:prstDash val="solid"/>
-                      <a:round/>
-                      <a:headEnd type="none" w="med" len="med"/>
-                      <a:tailEnd type="none" w="med" len="med"/>
-                    </a:lnB>
-                  </a:tcPr>
-                </a:tc>
-                <a:tc>
-                  <a:txBody>
-                    <a:bodyPr/>
-                    <a:lstStyle/>
-                    <a:p>
-                      <a:endParaRPr lang="en-US" altLang="zh-TW" dirty="0"/>
-                    </a:p>
-                  </a:txBody>
-                  <a:tcPr>
-                    <a:lnT w="12700" cap="flat" cmpd="sng" algn="ctr">
-                      <a:solidFill>
-                        <a:schemeClr val="tx1"/>
-                      </a:solidFill>
-                      <a:prstDash val="solid"/>
-                      <a:round/>
-                      <a:headEnd type="none" w="med" len="med"/>
-                      <a:tailEnd type="none" w="med" len="med"/>
-                    </a:lnT>
-                    <a:lnB w="12700" cap="flat" cmpd="sng" algn="ctr">
-                      <a:solidFill>
-                        <a:schemeClr val="tx1"/>
-                      </a:solidFill>
-                      <a:prstDash val="solid"/>
-                      <a:round/>
-                      <a:headEnd type="none" w="med" len="med"/>
-                      <a:tailEnd type="none" w="med" len="med"/>
-                    </a:lnB>
-                  </a:tcPr>
-                </a:tc>
-                <a:tc>
-                  <a:txBody>
-                    <a:bodyPr/>
-                    <a:lstStyle/>
-                    <a:p>
-                      <a:endParaRPr lang="zh-TW" altLang="en-US" dirty="0"/>
-                    </a:p>
-                  </a:txBody>
-                  <a:tcPr>
-                    <a:lnB w="12700" cap="flat" cmpd="sng" algn="ctr">
-                      <a:solidFill>
-                        <a:schemeClr val="tx1"/>
-                      </a:solidFill>
-                      <a:prstDash val="solid"/>
-                      <a:round/>
-                      <a:headEnd type="none" w="med" len="med"/>
-                      <a:tailEnd type="none" w="med" len="med"/>
-                    </a:lnB>
-                  </a:tcPr>
-                </a:tc>
-                <a:tc>
-                  <a:txBody>
-                    <a:bodyPr/>
-                    <a:lstStyle/>
-                    <a:p>
-                      <a:endParaRPr lang="zh-TW" altLang="en-US" dirty="0"/>
-                    </a:p>
-                  </a:txBody>
-                  <a:tcPr>
-                    <a:lnT w="12700" cap="flat" cmpd="sng" algn="ctr">
-                      <a:solidFill>
-                        <a:schemeClr val="tx1"/>
-                      </a:solidFill>
-                      <a:prstDash val="solid"/>
-                      <a:round/>
-                      <a:headEnd type="none" w="med" len="med"/>
-                      <a:tailEnd type="none" w="med" len="med"/>
-                    </a:lnT>
-                    <a:lnB w="12700" cap="flat" cmpd="sng" algn="ctr">
-                      <a:solidFill>
-                        <a:schemeClr val="tx1"/>
-                      </a:solidFill>
-                      <a:prstDash val="solid"/>
-                      <a:round/>
-                      <a:headEnd type="none" w="med" len="med"/>
-                      <a:tailEnd type="none" w="med" len="med"/>
-                    </a:lnB>
-                  </a:tcPr>
-                </a:tc>
-                <a:tc>
-                  <a:txBody>
-                    <a:bodyPr/>
-                    <a:lstStyle/>
-                    <a:p>
-                      <a:endParaRPr lang="zh-TW" altLang="en-US" dirty="0"/>
-                    </a:p>
-                  </a:txBody>
-                  <a:tcPr>
-                    <a:lnB w="12700" cap="flat" cmpd="sng" algn="ctr">
-                      <a:solidFill>
-                        <a:schemeClr val="tx1"/>
-                      </a:solidFill>
-                      <a:prstDash val="solid"/>
-                      <a:round/>
-                      <a:headEnd type="none" w="med" len="med"/>
-                      <a:tailEnd type="none" w="med" len="med"/>
-                    </a:lnB>
-                  </a:tcPr>
-                </a:tc>
-                <a:tc>
-                  <a:txBody>
-                    <a:bodyPr/>
-                    <a:lstStyle/>
-                    <a:p>
-                      <a:endParaRPr lang="zh-TW" altLang="en-US" dirty="0"/>
-                    </a:p>
-                  </a:txBody>
-                  <a:tcPr>
-                    <a:lnT w="12700" cap="flat" cmpd="sng" algn="ctr">
-                      <a:solidFill>
-                        <a:schemeClr val="tx1"/>
-                      </a:solidFill>
-                      <a:prstDash val="solid"/>
-                      <a:round/>
-                      <a:headEnd type="none" w="med" len="med"/>
-                      <a:tailEnd type="none" w="med" len="med"/>
-                    </a:lnT>
-                    <a:lnB w="12700" cap="flat" cmpd="sng" algn="ctr">
-                      <a:solidFill>
-                        <a:schemeClr val="tx1"/>
-                      </a:solidFill>
-                      <a:prstDash val="solid"/>
-                      <a:round/>
-                      <a:headEnd type="none" w="med" len="med"/>
-                      <a:tailEnd type="none" w="med" len="med"/>
-                    </a:lnB>
-                  </a:tcPr>
-                </a:tc>
-                <a:tc>
-                  <a:txBody>
-                    <a:bodyPr/>
-                    <a:lstStyle/>
-                    <a:p>
-                      <a:endParaRPr lang="zh-TW" altLang="en-US" dirty="0"/>
-                    </a:p>
-                  </a:txBody>
-                  <a:tcPr>
-                    <a:lnB w="12700" cap="flat" cmpd="sng" algn="ctr">
-                      <a:solidFill>
-                        <a:schemeClr val="tx1"/>
-                      </a:solidFill>
-                      <a:prstDash val="solid"/>
-                      <a:round/>
-                      <a:headEnd type="none" w="med" len="med"/>
-                      <a:tailEnd type="none" w="med" len="med"/>
-                    </a:lnB>
-                  </a:tcPr>
-                </a:tc>
-                <a:tc>
-                  <a:txBody>
-                    <a:bodyPr/>
-                    <a:lstStyle/>
-                    <a:p>
-                      <a:endParaRPr lang="zh-TW" altLang="en-US" dirty="0"/>
-                    </a:p>
-                  </a:txBody>
-                  <a:tcPr>
-                    <a:lnT w="12700" cap="flat" cmpd="sng" algn="ctr">
-                      <a:solidFill>
-                        <a:schemeClr val="tx1"/>
-                      </a:solidFill>
-                      <a:prstDash val="solid"/>
-                      <a:round/>
-                      <a:headEnd type="none" w="med" len="med"/>
-                      <a:tailEnd type="none" w="med" len="med"/>
-                    </a:lnT>
-                    <a:lnB w="12700" cap="flat" cmpd="sng" algn="ctr">
-                      <a:solidFill>
-                        <a:schemeClr val="tx1"/>
-                      </a:solidFill>
-                      <a:prstDash val="solid"/>
-                      <a:round/>
-                      <a:headEnd type="none" w="med" len="med"/>
-                      <a:tailEnd type="none" w="med" len="med"/>
-                    </a:lnB>
-                  </a:tcPr>
-                </a:tc>
-                <a:extLst>
-                  <a:ext uri="{0D108BD9-81ED-4DB2-BD59-A6C34878D82A}">
-                    <a16:rowId xmlns:a16="http://schemas.microsoft.com/office/drawing/2014/main" val="2894808698"/>
-                  </a:ext>
-                </a:extLst>
-              </a:tr>
-              <a:tr h="367728">
-                <a:tc>
-                  <a:txBody>
-                    <a:bodyPr/>
-                    <a:lstStyle/>
-                    <a:p>
-                      <a:pPr algn="ctr"/>
-                      <a:endParaRPr lang="zh-TW" altLang="en-US" dirty="0"/>
-                    </a:p>
-                  </a:txBody>
-                  <a:tcPr>
-                    <a:lnT w="12700" cap="flat" cmpd="sng" algn="ctr">
-                      <a:solidFill>
-                        <a:schemeClr val="tx1"/>
-                      </a:solidFill>
-                      <a:prstDash val="solid"/>
-                      <a:round/>
-                      <a:headEnd type="none" w="med" len="med"/>
-                      <a:tailEnd type="none" w="med" len="med"/>
-                    </a:lnT>
-                  </a:tcPr>
-                </a:tc>
-                <a:tc>
-                  <a:txBody>
-                    <a:bodyPr/>
-                    <a:lstStyle/>
-                    <a:p>
-                      <a:pPr marL="0" marR="0" lvl="0" indent="0" algn="ctr" defTabSz="914400" rtl="0" eaLnBrk="1" fontAlgn="auto" latinLnBrk="0" hangingPunct="1">
-                        <a:lnSpc>
-                          <a:spcPct val="100000"/>
-                        </a:lnSpc>
-                        <a:spcBef>
-                          <a:spcPts val="0"/>
-                        </a:spcBef>
-                        <a:spcAft>
-                          <a:spcPts val="0"/>
-                        </a:spcAft>
-                        <a:buClrTx/>
-                        <a:buSzTx/>
-                        <a:buFontTx/>
-                        <a:buNone/>
-                        <a:tabLst/>
-                        <a:defRPr/>
-                      </a:pPr>
-                      <a:r>
-                        <a:rPr lang="en-US" altLang="zh-TW" dirty="0"/>
-                        <a:t>2020 Q3</a:t>
-                      </a:r>
-                      <a:endParaRPr lang="zh-TW" altLang="en-US" dirty="0"/>
-                    </a:p>
-                  </a:txBody>
-                  <a:tcPr>
-                    <a:lnT w="12700" cap="flat" cmpd="sng" algn="ctr">
-                      <a:solidFill>
-                        <a:schemeClr val="tx1"/>
-                      </a:solidFill>
-                      <a:prstDash val="solid"/>
-                      <a:round/>
-                      <a:headEnd type="none" w="med" len="med"/>
-                      <a:tailEnd type="none" w="med" len="med"/>
-                    </a:lnT>
-                  </a:tcPr>
-                </a:tc>
-                <a:tc>
-                  <a:txBody>
-                    <a:bodyPr/>
-                    <a:lstStyle/>
-                    <a:p>
-                      <a:pPr algn="ctr"/>
-                      <a:endParaRPr lang="zh-TW" altLang="en-US" dirty="0"/>
-                    </a:p>
-                  </a:txBody>
-                  <a:tcPr>
-                    <a:lnT w="12700" cap="flat" cmpd="sng" algn="ctr">
-                      <a:solidFill>
-                        <a:schemeClr val="tx1"/>
-                      </a:solidFill>
-                      <a:prstDash val="solid"/>
-                      <a:round/>
-                      <a:headEnd type="none" w="med" len="med"/>
-                      <a:tailEnd type="none" w="med" len="med"/>
-                    </a:lnT>
-                  </a:tcPr>
-                </a:tc>
-                <a:tc>
-                  <a:txBody>
-                    <a:bodyPr/>
-                    <a:lstStyle/>
-                    <a:p>
-                      <a:pPr marL="0" marR="0" lvl="0" indent="0" algn="ctr" defTabSz="914400" rtl="0" eaLnBrk="1" fontAlgn="auto" latinLnBrk="0" hangingPunct="1">
-                        <a:lnSpc>
-                          <a:spcPct val="100000"/>
-                        </a:lnSpc>
-                        <a:spcBef>
-                          <a:spcPts val="0"/>
-                        </a:spcBef>
-                        <a:spcAft>
-                          <a:spcPts val="0"/>
-                        </a:spcAft>
-                        <a:buClrTx/>
-                        <a:buSzTx/>
-                        <a:buFontTx/>
-                        <a:buNone/>
-                        <a:tabLst/>
-                        <a:defRPr/>
-                      </a:pPr>
-                      <a:r>
-                        <a:rPr lang="en-US" altLang="zh-TW" dirty="0"/>
-                        <a:t>2020 Q4</a:t>
-                      </a:r>
-                      <a:endParaRPr lang="zh-TW" altLang="en-US" dirty="0"/>
-                    </a:p>
-                  </a:txBody>
-                  <a:tcPr>
-                    <a:lnT w="12700" cap="flat" cmpd="sng" algn="ctr">
-                      <a:solidFill>
-                        <a:schemeClr val="tx1"/>
-                      </a:solidFill>
-                      <a:prstDash val="solid"/>
-                      <a:round/>
-                      <a:headEnd type="none" w="med" len="med"/>
-                      <a:tailEnd type="none" w="med" len="med"/>
-                    </a:lnT>
-                  </a:tcPr>
-                </a:tc>
-                <a:tc>
-                  <a:txBody>
-                    <a:bodyPr/>
-                    <a:lstStyle/>
-                    <a:p>
-                      <a:pPr algn="ctr"/>
-                      <a:endParaRPr lang="zh-TW" altLang="en-US" dirty="0"/>
-                    </a:p>
-                  </a:txBody>
-                  <a:tcPr>
-                    <a:lnT w="12700" cap="flat" cmpd="sng" algn="ctr">
-                      <a:solidFill>
-                        <a:schemeClr val="tx1"/>
-                      </a:solidFill>
-                      <a:prstDash val="solid"/>
-                      <a:round/>
-                      <a:headEnd type="none" w="med" len="med"/>
-                      <a:tailEnd type="none" w="med" len="med"/>
-                    </a:lnT>
-                  </a:tcPr>
-                </a:tc>
-                <a:tc>
-                  <a:txBody>
-                    <a:bodyPr/>
-                    <a:lstStyle/>
-                    <a:p>
-                      <a:pPr marL="0" marR="0" lvl="0" indent="0" algn="ctr" defTabSz="914400" rtl="0" eaLnBrk="1" fontAlgn="auto" latinLnBrk="0" hangingPunct="1">
-                        <a:lnSpc>
-                          <a:spcPct val="100000"/>
-                        </a:lnSpc>
-                        <a:spcBef>
-                          <a:spcPts val="0"/>
-                        </a:spcBef>
-                        <a:spcAft>
-                          <a:spcPts val="0"/>
-                        </a:spcAft>
-                        <a:buClrTx/>
-                        <a:buSzTx/>
-                        <a:buFontTx/>
-                        <a:buNone/>
-                        <a:tabLst/>
-                        <a:defRPr/>
-                      </a:pPr>
-                      <a:r>
-                        <a:rPr lang="en-US" altLang="zh-TW" dirty="0"/>
-                        <a:t>2021 Q1</a:t>
-                      </a:r>
-                      <a:endParaRPr lang="zh-TW" altLang="en-US" dirty="0"/>
-                    </a:p>
-                  </a:txBody>
-                  <a:tcPr>
-                    <a:lnT w="12700" cap="flat" cmpd="sng" algn="ctr">
-                      <a:solidFill>
-                        <a:schemeClr val="tx1"/>
-                      </a:solidFill>
-                      <a:prstDash val="solid"/>
-                      <a:round/>
-                      <a:headEnd type="none" w="med" len="med"/>
-                      <a:tailEnd type="none" w="med" len="med"/>
-                    </a:lnT>
-                  </a:tcPr>
-                </a:tc>
-                <a:tc>
-                  <a:txBody>
-                    <a:bodyPr/>
-                    <a:lstStyle/>
-                    <a:p>
-                      <a:pPr algn="ctr"/>
-                      <a:endParaRPr lang="zh-TW" altLang="en-US" dirty="0"/>
-                    </a:p>
-                  </a:txBody>
-                  <a:tcPr>
-                    <a:lnT w="12700" cap="flat" cmpd="sng" algn="ctr">
-                      <a:solidFill>
-                        <a:schemeClr val="tx1"/>
-                      </a:solidFill>
-                      <a:prstDash val="solid"/>
-                      <a:round/>
-                      <a:headEnd type="none" w="med" len="med"/>
-                      <a:tailEnd type="none" w="med" len="med"/>
-                    </a:lnT>
-                  </a:tcPr>
-                </a:tc>
-                <a:tc>
-                  <a:txBody>
-                    <a:bodyPr/>
-                    <a:lstStyle/>
-                    <a:p>
-                      <a:pPr algn="ctr"/>
-                      <a:r>
-                        <a:rPr lang="en-US" altLang="zh-TW" dirty="0"/>
-                        <a:t>2021 Q2</a:t>
-                      </a:r>
-                      <a:endParaRPr lang="zh-TW" altLang="en-US" dirty="0"/>
-                    </a:p>
-                  </a:txBody>
-                  <a:tcPr>
-                    <a:lnT w="12700" cap="flat" cmpd="sng" algn="ctr">
-                      <a:solidFill>
-                        <a:schemeClr val="tx1"/>
-                      </a:solidFill>
-                      <a:prstDash val="solid"/>
-                      <a:round/>
-                      <a:headEnd type="none" w="med" len="med"/>
-                      <a:tailEnd type="none" w="med" len="med"/>
-                    </a:lnT>
-                  </a:tcPr>
-                </a:tc>
-                <a:extLst>
-                  <a:ext uri="{0D108BD9-81ED-4DB2-BD59-A6C34878D82A}">
-                    <a16:rowId xmlns:a16="http://schemas.microsoft.com/office/drawing/2014/main" val="3749323885"/>
+                    <a16:rowId xmlns:a16="http://schemas.microsoft.com/office/drawing/2014/main" val="650175649"/>
                   </a:ext>
                 </a:extLst>
               </a:tr>
@@ -6393,25 +5376,32 @@
             <p:ph type="title"/>
           </p:nvPr>
         </p:nvSpPr>
-        <p:spPr/>
+        <p:spPr>
+          <a:xfrm>
+            <a:off x="838200" y="186017"/>
+            <a:ext cx="10515600" cy="586982"/>
+          </a:xfrm>
+        </p:spPr>
         <p:txBody>
-          <a:bodyPr/>
+          <a:bodyPr>
+            <a:normAutofit fontScale="90000"/>
+          </a:bodyPr>
           <a:lstStyle/>
           <a:p>
             <a:pPr algn="ctr"/>
             <a:r>
               <a:rPr lang="en-US" b="1" u="sng" dirty="0"/>
-              <a:t>Division of Work</a:t>
+              <a:t>Schedule (Sem 2)</a:t>
             </a:r>
           </a:p>
         </p:txBody>
       </p:sp>
       <p:graphicFrame>
         <p:nvGraphicFramePr>
-          <p:cNvPr id="4" name="表格 4">
-            <a:extLst>
-              <a:ext uri="{FF2B5EF4-FFF2-40B4-BE49-F238E27FC236}">
-                <a16:creationId xmlns:a16="http://schemas.microsoft.com/office/drawing/2014/main" id="{4BBC23BB-9577-403A-966F-4F4C8AB30C0F}"/>
+          <p:cNvPr id="6" name="Table 6">
+            <a:extLst>
+              <a:ext uri="{FF2B5EF4-FFF2-40B4-BE49-F238E27FC236}">
+                <a16:creationId xmlns:a16="http://schemas.microsoft.com/office/drawing/2014/main" id="{21167ADD-3585-479C-BE74-94080CC0FE98}"/>
               </a:ext>
             </a:extLst>
           </p:cNvPr>
@@ -6422,7 +5412,594 @@
             <p:ph idx="1"/>
             <p:extLst>
               <p:ext uri="{D42A27DB-BD31-4B8C-83A1-F6EECF244321}">
-                <p14:modId xmlns:p14="http://schemas.microsoft.com/office/powerpoint/2010/main" val="1192464891"/>
+                <p14:modId xmlns:p14="http://schemas.microsoft.com/office/powerpoint/2010/main" val="427652462"/>
+              </p:ext>
+            </p:extLst>
+          </p:nvPr>
+        </p:nvGraphicFramePr>
+        <p:xfrm>
+          <a:off x="838200" y="1018096"/>
+          <a:ext cx="10515600" cy="5331299"/>
+        </p:xfrm>
+        <a:graphic>
+          <a:graphicData uri="http://schemas.openxmlformats.org/drawingml/2006/table">
+            <a:tbl>
+              <a:tblPr firstRow="1" bandRow="1">
+                <a:tableStyleId>{912C8C85-51F0-491E-9774-3900AFEF0FD7}</a:tableStyleId>
+              </a:tblPr>
+              <a:tblGrid>
+                <a:gridCol w="1452513">
+                  <a:extLst>
+                    <a:ext uri="{9D8B030D-6E8A-4147-A177-3AD203B41FA5}">
+                      <a16:colId xmlns:a16="http://schemas.microsoft.com/office/drawing/2014/main" val="2803667823"/>
+                    </a:ext>
+                  </a:extLst>
+                </a:gridCol>
+                <a:gridCol w="9063087">
+                  <a:extLst>
+                    <a:ext uri="{9D8B030D-6E8A-4147-A177-3AD203B41FA5}">
+                      <a16:colId xmlns:a16="http://schemas.microsoft.com/office/drawing/2014/main" val="2282629472"/>
+                    </a:ext>
+                  </a:extLst>
+                </a:gridCol>
+              </a:tblGrid>
+              <a:tr h="490193">
+                <a:tc>
+                  <a:txBody>
+                    <a:bodyPr/>
+                    <a:lstStyle/>
+                    <a:p>
+                      <a:r>
+                        <a:rPr lang="en-US" dirty="0"/>
+                        <a:t>Date:</a:t>
+                      </a:r>
+                    </a:p>
+                  </a:txBody>
+                  <a:tcPr/>
+                </a:tc>
+                <a:tc>
+                  <a:txBody>
+                    <a:bodyPr/>
+                    <a:lstStyle/>
+                    <a:p>
+                      <a:r>
+                        <a:rPr lang="en-US" dirty="0"/>
+                        <a:t>Tasks</a:t>
+                      </a:r>
+                    </a:p>
+                  </a:txBody>
+                  <a:tcPr/>
+                </a:tc>
+                <a:extLst>
+                  <a:ext uri="{0D108BD9-81ED-4DB2-BD59-A6C34878D82A}">
+                    <a16:rowId xmlns:a16="http://schemas.microsoft.com/office/drawing/2014/main" val="773456219"/>
+                  </a:ext>
+                </a:extLst>
+              </a:tr>
+              <a:tr h="1094673">
+                <a:tc>
+                  <a:txBody>
+                    <a:bodyPr/>
+                    <a:lstStyle/>
+                    <a:p>
+                      <a:r>
+                        <a:rPr lang="en-US" dirty="0"/>
+                        <a:t>Jan</a:t>
+                      </a:r>
+                    </a:p>
+                  </a:txBody>
+                  <a:tcPr/>
+                </a:tc>
+                <a:tc>
+                  <a:txBody>
+                    <a:bodyPr/>
+                    <a:lstStyle/>
+                    <a:p>
+                      <a:pPr marL="285750" indent="-285750">
+                        <a:buFont typeface="Arial" panose="020B0604020202020204" pitchFamily="34" charset="0"/>
+                        <a:buChar char="•"/>
+                      </a:pPr>
+                      <a:r>
+                        <a:rPr lang="en-US" sz="1800" kern="1200" dirty="0">
+                          <a:solidFill>
+                            <a:schemeClr val="tx1"/>
+                          </a:solidFill>
+                          <a:effectLst/>
+                          <a:latin typeface="+mn-lt"/>
+                          <a:ea typeface="+mn-ea"/>
+                          <a:cs typeface="+mn-cs"/>
+                        </a:rPr>
+                        <a:t>Additional functions debugging</a:t>
+                      </a:r>
+                    </a:p>
+                    <a:p>
+                      <a:pPr marL="285750" indent="-285750">
+                        <a:buFont typeface="Arial" panose="020B0604020202020204" pitchFamily="34" charset="0"/>
+                        <a:buChar char="•"/>
+                      </a:pPr>
+                      <a:r>
+                        <a:rPr lang="en-US" sz="1800" kern="1200" dirty="0">
+                          <a:solidFill>
+                            <a:schemeClr val="tx1"/>
+                          </a:solidFill>
+                          <a:effectLst/>
+                          <a:latin typeface="+mn-lt"/>
+                          <a:ea typeface="+mn-ea"/>
+                          <a:cs typeface="+mn-cs"/>
+                        </a:rPr>
+                        <a:t>~75% NLP modules completed (</a:t>
+                      </a:r>
+                      <a:r>
+                        <a:rPr lang="en-US" sz="1800" kern="1200" dirty="0" err="1">
+                          <a:solidFill>
+                            <a:schemeClr val="tx1"/>
+                          </a:solidFill>
+                          <a:effectLst/>
+                          <a:latin typeface="+mn-lt"/>
+                          <a:ea typeface="+mn-ea"/>
+                          <a:cs typeface="+mn-cs"/>
+                        </a:rPr>
+                        <a:t>sem</a:t>
+                      </a:r>
+                      <a:r>
+                        <a:rPr lang="en-US" sz="1800" kern="1200" dirty="0">
+                          <a:solidFill>
+                            <a:schemeClr val="tx1"/>
+                          </a:solidFill>
+                          <a:effectLst/>
+                          <a:latin typeface="+mn-lt"/>
+                          <a:ea typeface="+mn-ea"/>
+                          <a:cs typeface="+mn-cs"/>
+                        </a:rPr>
+                        <a:t> break)</a:t>
+                      </a:r>
+                    </a:p>
+                    <a:p>
+                      <a:pPr marL="285750" indent="-285750">
+                        <a:buFont typeface="Arial" panose="020B0604020202020204" pitchFamily="34" charset="0"/>
+                        <a:buChar char="•"/>
+                      </a:pPr>
+                      <a:r>
+                        <a:rPr lang="en-US" sz="1800" kern="1200" dirty="0">
+                          <a:solidFill>
+                            <a:schemeClr val="tx1"/>
+                          </a:solidFill>
+                          <a:effectLst/>
+                          <a:latin typeface="+mn-lt"/>
+                          <a:ea typeface="+mn-ea"/>
+                          <a:cs typeface="+mn-cs"/>
+                        </a:rPr>
+                        <a:t>modules testing</a:t>
+                      </a:r>
+                      <a:endParaRPr lang="en-US" dirty="0"/>
+                    </a:p>
+                  </a:txBody>
+                  <a:tcPr/>
+                </a:tc>
+                <a:extLst>
+                  <a:ext uri="{0D108BD9-81ED-4DB2-BD59-A6C34878D82A}">
+                    <a16:rowId xmlns:a16="http://schemas.microsoft.com/office/drawing/2014/main" val="2353060727"/>
+                  </a:ext>
+                </a:extLst>
+              </a:tr>
+              <a:tr h="1094673">
+                <a:tc>
+                  <a:txBody>
+                    <a:bodyPr/>
+                    <a:lstStyle/>
+                    <a:p>
+                      <a:r>
+                        <a:rPr lang="en-US" dirty="0"/>
+                        <a:t>Feb</a:t>
+                      </a:r>
+                    </a:p>
+                  </a:txBody>
+                  <a:tcPr/>
+                </a:tc>
+                <a:tc>
+                  <a:txBody>
+                    <a:bodyPr/>
+                    <a:lstStyle/>
+                    <a:p>
+                      <a:pPr marL="285750" indent="-285750">
+                        <a:buFont typeface="Arial" panose="020B0604020202020204" pitchFamily="34" charset="0"/>
+                        <a:buChar char="•"/>
+                      </a:pPr>
+                      <a:r>
+                        <a:rPr lang="en-US" sz="1800" kern="1200" dirty="0">
+                          <a:solidFill>
+                            <a:schemeClr val="tx1"/>
+                          </a:solidFill>
+                          <a:effectLst/>
+                          <a:latin typeface="+mn-lt"/>
+                          <a:ea typeface="+mn-ea"/>
+                          <a:cs typeface="+mn-cs"/>
+                        </a:rPr>
+                        <a:t>Additional functions debugging</a:t>
+                      </a:r>
+                    </a:p>
+                    <a:p>
+                      <a:pPr marL="285750" indent="-285750">
+                        <a:buFont typeface="Arial" panose="020B0604020202020204" pitchFamily="34" charset="0"/>
+                        <a:buChar char="•"/>
+                      </a:pPr>
+                      <a:r>
+                        <a:rPr lang="en-US" sz="1800" kern="1200" dirty="0">
+                          <a:solidFill>
+                            <a:schemeClr val="tx1"/>
+                          </a:solidFill>
+                          <a:effectLst/>
+                          <a:latin typeface="+mn-lt"/>
+                          <a:ea typeface="+mn-ea"/>
+                          <a:cs typeface="+mn-cs"/>
+                        </a:rPr>
+                        <a:t>&gt;90% NLP modules completed</a:t>
+                      </a:r>
+                    </a:p>
+                    <a:p>
+                      <a:pPr marL="285750" indent="-285750">
+                        <a:buFont typeface="Arial" panose="020B0604020202020204" pitchFamily="34" charset="0"/>
+                        <a:buChar char="•"/>
+                      </a:pPr>
+                      <a:r>
+                        <a:rPr lang="en-US" sz="1800" kern="1200" dirty="0">
+                          <a:solidFill>
+                            <a:schemeClr val="tx1"/>
+                          </a:solidFill>
+                          <a:effectLst/>
+                          <a:latin typeface="+mn-lt"/>
+                          <a:ea typeface="+mn-ea"/>
+                          <a:cs typeface="+mn-cs"/>
+                        </a:rPr>
+                        <a:t>Modules testing</a:t>
+                      </a:r>
+                    </a:p>
+                    <a:p>
+                      <a:pPr marL="285750" indent="-285750">
+                        <a:buFont typeface="Arial" panose="020B0604020202020204" pitchFamily="34" charset="0"/>
+                        <a:buChar char="•"/>
+                      </a:pPr>
+                      <a:r>
+                        <a:rPr lang="en-US" sz="1800" kern="1200" dirty="0">
+                          <a:solidFill>
+                            <a:schemeClr val="tx1"/>
+                          </a:solidFill>
+                          <a:effectLst/>
+                          <a:latin typeface="+mn-lt"/>
+                          <a:ea typeface="+mn-ea"/>
+                          <a:cs typeface="+mn-cs"/>
+                        </a:rPr>
+                        <a:t>Preparation and begin of project report and related documentations</a:t>
+                      </a:r>
+                      <a:endParaRPr lang="en-US" dirty="0"/>
+                    </a:p>
+                  </a:txBody>
+                  <a:tcPr/>
+                </a:tc>
+                <a:extLst>
+                  <a:ext uri="{0D108BD9-81ED-4DB2-BD59-A6C34878D82A}">
+                    <a16:rowId xmlns:a16="http://schemas.microsoft.com/office/drawing/2014/main" val="2924118043"/>
+                  </a:ext>
+                </a:extLst>
+              </a:tr>
+              <a:tr h="1094673">
+                <a:tc>
+                  <a:txBody>
+                    <a:bodyPr/>
+                    <a:lstStyle/>
+                    <a:p>
+                      <a:r>
+                        <a:rPr lang="en-US" dirty="0"/>
+                        <a:t>Mar</a:t>
+                      </a:r>
+                    </a:p>
+                  </a:txBody>
+                  <a:tcPr/>
+                </a:tc>
+                <a:tc>
+                  <a:txBody>
+                    <a:bodyPr/>
+                    <a:lstStyle/>
+                    <a:p>
+                      <a:pPr marL="285750" indent="-285750">
+                        <a:buFont typeface="Arial" panose="020B0604020202020204" pitchFamily="34" charset="0"/>
+                        <a:buChar char="•"/>
+                      </a:pPr>
+                      <a:r>
+                        <a:rPr lang="en-US" sz="1800" kern="1200" dirty="0">
+                          <a:solidFill>
+                            <a:schemeClr val="tx1"/>
+                          </a:solidFill>
+                          <a:effectLst/>
+                          <a:latin typeface="+mn-lt"/>
+                          <a:ea typeface="+mn-ea"/>
+                          <a:cs typeface="+mn-cs"/>
+                        </a:rPr>
+                        <a:t>Additional functions completed</a:t>
+                      </a:r>
+                    </a:p>
+                    <a:p>
+                      <a:pPr marL="285750" indent="-285750">
+                        <a:buFont typeface="Arial" panose="020B0604020202020204" pitchFamily="34" charset="0"/>
+                        <a:buChar char="•"/>
+                      </a:pPr>
+                      <a:r>
+                        <a:rPr lang="en-US" sz="1800" kern="1200" dirty="0">
+                          <a:solidFill>
+                            <a:schemeClr val="tx1"/>
+                          </a:solidFill>
+                          <a:effectLst/>
+                          <a:latin typeface="+mn-lt"/>
+                          <a:ea typeface="+mn-ea"/>
+                          <a:cs typeface="+mn-cs"/>
+                        </a:rPr>
+                        <a:t>100% NLP modules completed</a:t>
+                      </a:r>
+                    </a:p>
+                    <a:p>
+                      <a:pPr marL="285750" indent="-285750">
+                        <a:buFont typeface="Arial" panose="020B0604020202020204" pitchFamily="34" charset="0"/>
+                        <a:buChar char="•"/>
+                      </a:pPr>
+                      <a:r>
+                        <a:rPr lang="en-US" sz="1800" kern="1200" dirty="0">
+                          <a:solidFill>
+                            <a:schemeClr val="tx1"/>
+                          </a:solidFill>
+                          <a:effectLst/>
+                          <a:latin typeface="+mn-lt"/>
+                          <a:ea typeface="+mn-ea"/>
+                          <a:cs typeface="+mn-cs"/>
+                        </a:rPr>
+                        <a:t>Project report completed</a:t>
+                      </a:r>
+                    </a:p>
+                    <a:p>
+                      <a:pPr marL="285750" indent="-285750">
+                        <a:buFont typeface="Arial" panose="020B0604020202020204" pitchFamily="34" charset="0"/>
+                        <a:buChar char="•"/>
+                      </a:pPr>
+                      <a:r>
+                        <a:rPr lang="en-US" sz="1800" kern="1200" dirty="0">
+                          <a:solidFill>
+                            <a:schemeClr val="tx1"/>
+                          </a:solidFill>
+                          <a:effectLst/>
+                          <a:latin typeface="+mn-lt"/>
+                          <a:ea typeface="+mn-ea"/>
+                          <a:cs typeface="+mn-cs"/>
+                        </a:rPr>
+                        <a:t>Preparation of project video</a:t>
+                      </a:r>
+                    </a:p>
+                    <a:p>
+                      <a:pPr marL="285750" indent="-285750">
+                        <a:buFont typeface="Arial" panose="020B0604020202020204" pitchFamily="34" charset="0"/>
+                        <a:buChar char="•"/>
+                      </a:pPr>
+                      <a:r>
+                        <a:rPr lang="en-US" sz="1800" kern="1200" dirty="0">
+                          <a:solidFill>
+                            <a:schemeClr val="tx1"/>
+                          </a:solidFill>
+                          <a:effectLst/>
+                          <a:latin typeface="+mn-lt"/>
+                          <a:ea typeface="+mn-ea"/>
+                          <a:cs typeface="+mn-cs"/>
+                        </a:rPr>
+                        <a:t>Preparation of Final Report</a:t>
+                      </a:r>
+                      <a:endParaRPr lang="en-US" dirty="0"/>
+                    </a:p>
+                  </a:txBody>
+                  <a:tcPr/>
+                </a:tc>
+                <a:extLst>
+                  <a:ext uri="{0D108BD9-81ED-4DB2-BD59-A6C34878D82A}">
+                    <a16:rowId xmlns:a16="http://schemas.microsoft.com/office/drawing/2014/main" val="2574941404"/>
+                  </a:ext>
+                </a:extLst>
+              </a:tr>
+              <a:tr h="1094673">
+                <a:tc>
+                  <a:txBody>
+                    <a:bodyPr/>
+                    <a:lstStyle/>
+                    <a:p>
+                      <a:r>
+                        <a:rPr lang="en-US" dirty="0"/>
+                        <a:t>Apr</a:t>
+                      </a:r>
+                    </a:p>
+                  </a:txBody>
+                  <a:tcPr/>
+                </a:tc>
+                <a:tc>
+                  <a:txBody>
+                    <a:bodyPr/>
+                    <a:lstStyle/>
+                    <a:p>
+                      <a:pPr marL="285750" indent="-285750">
+                        <a:buFont typeface="Arial" panose="020B0604020202020204" pitchFamily="34" charset="0"/>
+                        <a:buChar char="•"/>
+                      </a:pPr>
+                      <a:r>
+                        <a:rPr lang="en-US" sz="1800" kern="1200" dirty="0">
+                          <a:solidFill>
+                            <a:schemeClr val="tx1"/>
+                          </a:solidFill>
+                          <a:effectLst/>
+                          <a:latin typeface="+mn-lt"/>
+                          <a:ea typeface="+mn-ea"/>
+                          <a:cs typeface="+mn-cs"/>
+                        </a:rPr>
+                        <a:t>Final report and project video completed</a:t>
+                      </a:r>
+                    </a:p>
+                    <a:p>
+                      <a:pPr marL="285750" indent="-285750">
+                        <a:buFont typeface="Arial" panose="020B0604020202020204" pitchFamily="34" charset="0"/>
+                        <a:buChar char="•"/>
+                      </a:pPr>
+                      <a:r>
+                        <a:rPr lang="en-US" sz="1800" kern="1200" dirty="0">
+                          <a:solidFill>
+                            <a:schemeClr val="tx1"/>
+                          </a:solidFill>
+                          <a:effectLst/>
+                          <a:latin typeface="+mn-lt"/>
+                          <a:ea typeface="+mn-ea"/>
+                          <a:cs typeface="+mn-cs"/>
+                        </a:rPr>
+                        <a:t>Demonstration</a:t>
+                      </a:r>
+                    </a:p>
+                    <a:p>
+                      <a:pPr marL="285750" indent="-285750">
+                        <a:buFont typeface="Arial" panose="020B0604020202020204" pitchFamily="34" charset="0"/>
+                        <a:buChar char="•"/>
+                      </a:pPr>
+                      <a:r>
+                        <a:rPr lang="en-US" sz="1800" kern="1200" dirty="0">
+                          <a:solidFill>
+                            <a:schemeClr val="tx1"/>
+                          </a:solidFill>
+                          <a:effectLst/>
+                          <a:latin typeface="+mn-lt"/>
+                          <a:ea typeface="+mn-ea"/>
+                          <a:cs typeface="+mn-cs"/>
+                        </a:rPr>
+                        <a:t>Log book (</a:t>
+                      </a:r>
+                      <a:r>
+                        <a:rPr lang="en-US" sz="1800" kern="1200" dirty="0" err="1">
+                          <a:solidFill>
+                            <a:schemeClr val="tx1"/>
+                          </a:solidFill>
+                          <a:effectLst/>
+                          <a:latin typeface="+mn-lt"/>
+                          <a:ea typeface="+mn-ea"/>
+                          <a:cs typeface="+mn-cs"/>
+                        </a:rPr>
+                        <a:t>sem</a:t>
+                      </a:r>
+                      <a:r>
+                        <a:rPr lang="en-US" sz="1800" kern="1200" dirty="0">
+                          <a:solidFill>
+                            <a:schemeClr val="tx1"/>
+                          </a:solidFill>
+                          <a:effectLst/>
+                          <a:latin typeface="+mn-lt"/>
+                          <a:ea typeface="+mn-ea"/>
+                          <a:cs typeface="+mn-cs"/>
+                        </a:rPr>
+                        <a:t> 2)</a:t>
+                      </a:r>
+                      <a:endParaRPr lang="en-US" dirty="0"/>
+                    </a:p>
+                  </a:txBody>
+                  <a:tcPr/>
+                </a:tc>
+                <a:extLst>
+                  <a:ext uri="{0D108BD9-81ED-4DB2-BD59-A6C34878D82A}">
+                    <a16:rowId xmlns:a16="http://schemas.microsoft.com/office/drawing/2014/main" val="650175649"/>
+                  </a:ext>
+                </a:extLst>
+              </a:tr>
+            </a:tbl>
+          </a:graphicData>
+        </a:graphic>
+      </p:graphicFrame>
+    </p:spTree>
+    <p:extLst>
+      <p:ext uri="{BB962C8B-B14F-4D97-AF65-F5344CB8AC3E}">
+        <p14:creationId xmlns:p14="http://schemas.microsoft.com/office/powerpoint/2010/main" val="909361587"/>
+      </p:ext>
+    </p:extLst>
+  </p:cSld>
+  <p:clrMapOvr>
+    <a:masterClrMapping/>
+  </p:clrMapOvr>
+</p:sld>
+</file>
+
+<file path=ppt/slides/slide17.xml><?xml version="1.0" encoding="utf-8"?>
+<p:sld xmlns:a="http://schemas.openxmlformats.org/drawingml/2006/main" xmlns:r="http://schemas.openxmlformats.org/officeDocument/2006/relationships" xmlns:p="http://schemas.openxmlformats.org/presentationml/2006/main">
+  <p:cSld>
+    <p:bg>
+      <p:bgPr>
+        <a:blipFill dpi="0" rotWithShape="1">
+          <a:blip r:embed="rId2">
+            <a:lum/>
+          </a:blip>
+          <a:srcRect/>
+          <a:stretch>
+            <a:fillRect t="-17000" b="-17000"/>
+          </a:stretch>
+        </a:blipFill>
+        <a:effectLst/>
+      </p:bgPr>
+    </p:bg>
+    <p:spTree>
+      <p:nvGrpSpPr>
+        <p:cNvPr id="1" name=""/>
+        <p:cNvGrpSpPr/>
+        <p:nvPr/>
+      </p:nvGrpSpPr>
+      <p:grpSpPr>
+        <a:xfrm>
+          <a:off x="0" y="0"/>
+          <a:ext cx="0" cy="0"/>
+          <a:chOff x="0" y="0"/>
+          <a:chExt cx="0" cy="0"/>
+        </a:xfrm>
+      </p:grpSpPr>
+      <p:sp>
+        <p:nvSpPr>
+          <p:cNvPr id="2" name="Title 1">
+            <a:extLst>
+              <a:ext uri="{FF2B5EF4-FFF2-40B4-BE49-F238E27FC236}">
+                <a16:creationId xmlns:a16="http://schemas.microsoft.com/office/drawing/2014/main" id="{618FD54C-EEEF-41E7-84BA-D91038D922D6}"/>
+              </a:ext>
+            </a:extLst>
+          </p:cNvPr>
+          <p:cNvSpPr>
+            <a:spLocks noGrp="1"/>
+          </p:cNvSpPr>
+          <p:nvPr>
+            <p:ph type="title"/>
+          </p:nvPr>
+        </p:nvSpPr>
+        <p:spPr/>
+        <p:txBody>
+          <a:bodyPr/>
+          <a:lstStyle/>
+          <a:p>
+            <a:pPr algn="ctr"/>
+            <a:r>
+              <a:rPr lang="en-US" b="1" u="sng" dirty="0"/>
+              <a:t>Division of Work</a:t>
+            </a:r>
+          </a:p>
+        </p:txBody>
+      </p:sp>
+      <p:graphicFrame>
+        <p:nvGraphicFramePr>
+          <p:cNvPr id="4" name="表格 4">
+            <a:extLst>
+              <a:ext uri="{FF2B5EF4-FFF2-40B4-BE49-F238E27FC236}">
+                <a16:creationId xmlns:a16="http://schemas.microsoft.com/office/drawing/2014/main" id="{4BBC23BB-9577-403A-966F-4F4C8AB30C0F}"/>
+              </a:ext>
+            </a:extLst>
+          </p:cNvPr>
+          <p:cNvGraphicFramePr>
+            <a:graphicFrameLocks noGrp="1"/>
+          </p:cNvGraphicFramePr>
+          <p:nvPr>
+            <p:ph idx="1"/>
+            <p:extLst>
+              <p:ext uri="{D42A27DB-BD31-4B8C-83A1-F6EECF244321}">
+                <p14:modId xmlns:p14="http://schemas.microsoft.com/office/powerpoint/2010/main" val="3567969508"/>
               </p:ext>
             </p:extLst>
           </p:nvPr>
@@ -7315,10 +6892,6 @@
                         <a:tabLst/>
                         <a:defRPr/>
                       </a:pPr>
-                      <a:r>
-                        <a:rPr lang="en-US" altLang="zh-TW" dirty="0"/>
-                        <a:t>2020 Q3</a:t>
-                      </a:r>
                       <a:endParaRPr lang="zh-TW" altLang="en-US" dirty="0"/>
                     </a:p>
                   </a:txBody>
@@ -7377,10 +6950,6 @@
                         <a:tabLst/>
                         <a:defRPr/>
                       </a:pPr>
-                      <a:r>
-                        <a:rPr lang="en-US" altLang="zh-TW" dirty="0"/>
-                        <a:t>2020 Q4</a:t>
-                      </a:r>
                       <a:endParaRPr lang="zh-TW" altLang="en-US" dirty="0"/>
                     </a:p>
                   </a:txBody>
@@ -7439,10 +7008,6 @@
                         <a:tabLst/>
                         <a:defRPr/>
                       </a:pPr>
-                      <a:r>
-                        <a:rPr lang="en-US" altLang="zh-TW" dirty="0"/>
-                        <a:t>2021 Q1</a:t>
-                      </a:r>
                       <a:endParaRPr lang="zh-TW" altLang="en-US" dirty="0"/>
                     </a:p>
                   </a:txBody>
@@ -7485,10 +7050,6 @@
                     <a:lstStyle/>
                     <a:p>
                       <a:pPr algn="ctr"/>
-                      <a:r>
-                        <a:rPr lang="en-US" altLang="zh-TW" dirty="0"/>
-                        <a:t>2021 Q2</a:t>
-                      </a:r>
                       <a:endParaRPr lang="zh-TW" altLang="en-US" dirty="0"/>
                     </a:p>
                   </a:txBody>
@@ -7518,123 +7079,6 @@
     <p:extLst>
       <p:ext uri="{BB962C8B-B14F-4D97-AF65-F5344CB8AC3E}">
         <p14:creationId xmlns:p14="http://schemas.microsoft.com/office/powerpoint/2010/main" val="33652572"/>
-      </p:ext>
-    </p:extLst>
-  </p:cSld>
-  <p:clrMapOvr>
-    <a:masterClrMapping/>
-  </p:clrMapOvr>
-</p:sld>
-</file>
-
-<file path=ppt/slides/slide17.xml><?xml version="1.0" encoding="utf-8"?>
-<p:sld xmlns:a="http://schemas.openxmlformats.org/drawingml/2006/main" xmlns:r="http://schemas.openxmlformats.org/officeDocument/2006/relationships" xmlns:p="http://schemas.openxmlformats.org/presentationml/2006/main">
-  <p:cSld>
-    <p:bg>
-      <p:bgPr>
-        <a:blipFill dpi="0" rotWithShape="1">
-          <a:blip r:embed="rId2">
-            <a:lum/>
-          </a:blip>
-          <a:srcRect/>
-          <a:stretch>
-            <a:fillRect t="-17000" b="-17000"/>
-          </a:stretch>
-        </a:blipFill>
-        <a:effectLst/>
-      </p:bgPr>
-    </p:bg>
-    <p:spTree>
-      <p:nvGrpSpPr>
-        <p:cNvPr id="1" name=""/>
-        <p:cNvGrpSpPr/>
-        <p:nvPr/>
-      </p:nvGrpSpPr>
-      <p:grpSpPr>
-        <a:xfrm>
-          <a:off x="0" y="0"/>
-          <a:ext cx="0" cy="0"/>
-          <a:chOff x="0" y="0"/>
-          <a:chExt cx="0" cy="0"/>
-        </a:xfrm>
-      </p:grpSpPr>
-      <p:sp>
-        <p:nvSpPr>
-          <p:cNvPr id="2" name="Title 1">
-            <a:extLst>
-              <a:ext uri="{FF2B5EF4-FFF2-40B4-BE49-F238E27FC236}">
-                <a16:creationId xmlns:a16="http://schemas.microsoft.com/office/drawing/2014/main" id="{EFC6730A-C128-46DB-BAE9-1D832DB02C40}"/>
-              </a:ext>
-            </a:extLst>
-          </p:cNvPr>
-          <p:cNvSpPr>
-            <a:spLocks noGrp="1"/>
-          </p:cNvSpPr>
-          <p:nvPr>
-            <p:ph type="title"/>
-          </p:nvPr>
-        </p:nvSpPr>
-        <p:spPr/>
-        <p:txBody>
-          <a:bodyPr/>
-          <a:lstStyle/>
-          <a:p>
-            <a:pPr algn="ctr"/>
-            <a:r>
-              <a:rPr lang="en-US" b="1" u="sng" dirty="0"/>
-              <a:t>Resources Allocation</a:t>
-            </a:r>
-          </a:p>
-        </p:txBody>
-      </p:sp>
-      <p:sp>
-        <p:nvSpPr>
-          <p:cNvPr id="3" name="Content Placeholder 2">
-            <a:extLst>
-              <a:ext uri="{FF2B5EF4-FFF2-40B4-BE49-F238E27FC236}">
-                <a16:creationId xmlns:a16="http://schemas.microsoft.com/office/drawing/2014/main" id="{C13608C2-DFF9-4E51-9FD9-638955BD266A}"/>
-              </a:ext>
-            </a:extLst>
-          </p:cNvPr>
-          <p:cNvSpPr>
-            <a:spLocks noGrp="1"/>
-          </p:cNvSpPr>
-          <p:nvPr>
-            <p:ph idx="1"/>
-          </p:nvPr>
-        </p:nvSpPr>
-        <p:spPr/>
-        <p:txBody>
-          <a:bodyPr/>
-          <a:lstStyle/>
-          <a:p>
-            <a:r>
-              <a:rPr lang="en-US" dirty="0"/>
-              <a:t>N/A at the moment</a:t>
-            </a:r>
-          </a:p>
-          <a:p>
-            <a:pPr marL="0" indent="0">
-              <a:buNone/>
-            </a:pPr>
-            <a:endParaRPr lang="en-US" dirty="0"/>
-          </a:p>
-          <a:p>
-            <a:pPr>
-              <a:buFont typeface="Wingdings" panose="05000000000000000000" pitchFamily="2" charset="2"/>
-              <a:buChar char="v"/>
-            </a:pPr>
-            <a:r>
-              <a:rPr lang="en-US" dirty="0"/>
-              <a:t>In later stage, a real server or a cloud server may be needed</a:t>
-            </a:r>
-          </a:p>
-        </p:txBody>
-      </p:sp>
-    </p:spTree>
-    <p:extLst>
-      <p:ext uri="{BB962C8B-B14F-4D97-AF65-F5344CB8AC3E}">
-        <p14:creationId xmlns:p14="http://schemas.microsoft.com/office/powerpoint/2010/main" val="1891607181"/>
       </p:ext>
     </p:extLst>
   </p:cSld>
@@ -7699,7 +7143,7 @@
             <a:pPr algn="ctr"/>
             <a:r>
               <a:rPr lang="en-US" b="1" u="sng" dirty="0"/>
-              <a:t>Problem encountered so far</a:t>
+              <a:t>Resources Allocation</a:t>
             </a:r>
           </a:p>
         </p:txBody>
@@ -7720,34 +7164,14 @@
             <p:ph idx="1"/>
           </p:nvPr>
         </p:nvSpPr>
-        <p:spPr>
-          <a:xfrm>
-            <a:off x="1676400" y="2531547"/>
-            <a:ext cx="10515600" cy="1794905"/>
-          </a:xfrm>
-        </p:spPr>
+        <p:spPr/>
         <p:txBody>
           <a:bodyPr/>
           <a:lstStyle/>
           <a:p>
             <a:r>
-              <a:rPr lang="en-US" b="0" i="0" dirty="0">
-                <a:effectLst/>
-                <a:latin typeface="Arial" panose="020B0604020202020204" pitchFamily="34" charset="0"/>
-              </a:rPr>
-              <a:t>Intermittent </a:t>
-            </a:r>
-            <a:r>
               <a:rPr lang="en-US" dirty="0"/>
-              <a:t>latency response from </a:t>
-            </a:r>
-            <a:r>
-              <a:rPr lang="en-US" dirty="0" err="1"/>
-              <a:t>Spacebot</a:t>
-            </a:r>
-            <a:r>
-              <a:rPr lang="en-US" dirty="0"/>
-              <a:t> </a:t>
+              <a:t>N/A at the moment</a:t>
             </a:r>
           </a:p>
           <a:p>
@@ -7757,9 +7181,13 @@
             <a:endParaRPr lang="en-US" dirty="0"/>
           </a:p>
           <a:p>
+            <a:pPr>
+              <a:buFont typeface="Wingdings" panose="05000000000000000000" pitchFamily="2" charset="2"/>
+              <a:buChar char="v"/>
+            </a:pPr>
             <a:r>
               <a:rPr lang="en-US" dirty="0"/>
-              <a:t>Importing customized database is not user friendly</a:t>
+              <a:t>In later stage, a real server or a cloud server may be needed</a:t>
             </a:r>
           </a:p>
         </p:txBody>
@@ -7767,7 +7195,7 @@
     </p:spTree>
     <p:extLst>
       <p:ext uri="{BB962C8B-B14F-4D97-AF65-F5344CB8AC3E}">
-        <p14:creationId xmlns:p14="http://schemas.microsoft.com/office/powerpoint/2010/main" val="182114811"/>
+        <p14:creationId xmlns:p14="http://schemas.microsoft.com/office/powerpoint/2010/main" val="1891607181"/>
       </p:ext>
     </p:extLst>
   </p:cSld>
@@ -7832,7 +7260,7 @@
             <a:pPr algn="ctr"/>
             <a:r>
               <a:rPr lang="en-US" b="1" u="sng" dirty="0"/>
-              <a:t>Prospect</a:t>
+              <a:t>Problem encountered so far</a:t>
             </a:r>
           </a:p>
         </p:txBody>
@@ -7853,40 +7281,54 @@
             <p:ph idx="1"/>
           </p:nvPr>
         </p:nvSpPr>
-        <p:spPr/>
+        <p:spPr>
+          <a:xfrm>
+            <a:off x="1676400" y="2531547"/>
+            <a:ext cx="10515600" cy="1794905"/>
+          </a:xfrm>
+        </p:spPr>
         <p:txBody>
           <a:bodyPr/>
           <a:lstStyle/>
           <a:p>
             <a:r>
+              <a:rPr lang="en-US" b="0" i="0" dirty="0">
+                <a:effectLst/>
+                <a:latin typeface="Arial" panose="020B0604020202020204" pitchFamily="34" charset="0"/>
+              </a:rPr>
+              <a:t>Intermittent </a:t>
+            </a:r>
+            <a:r>
               <a:rPr lang="en-US" dirty="0"/>
-              <a:t>Analysis of the collected input data to discover some useful patterns</a:t>
-            </a:r>
-          </a:p>
-          <a:p>
+              <a:t>latency response from </a:t>
+            </a:r>
+            <a:r>
+              <a:rPr lang="en-US" dirty="0" err="1"/>
+              <a:t>Spacebot</a:t>
+            </a:r>
+            <a:r>
+              <a:rPr lang="en-US" dirty="0"/>
+              <a:t> </a:t>
+            </a:r>
+          </a:p>
+          <a:p>
+            <a:pPr marL="0" indent="0">
+              <a:buNone/>
+            </a:pPr>
             <a:endParaRPr lang="en-US" dirty="0"/>
           </a:p>
           <a:p>
             <a:r>
               <a:rPr lang="en-US" dirty="0"/>
-              <a:t>Train the traditional chatbot through Machine Learning algorithms with the collected data to achieve AI</a:t>
-            </a:r>
-          </a:p>
-          <a:p>
-            <a:endParaRPr lang="en-US" dirty="0"/>
-          </a:p>
-          <a:p>
-            <a:endParaRPr lang="en-US" dirty="0"/>
-          </a:p>
-          <a:p>
-            <a:endParaRPr lang="en-US" dirty="0"/>
+              <a:t>Importing customized database is not user friendly</a:t>
+            </a:r>
           </a:p>
         </p:txBody>
       </p:sp>
     </p:spTree>
     <p:extLst>
       <p:ext uri="{BB962C8B-B14F-4D97-AF65-F5344CB8AC3E}">
-        <p14:creationId xmlns:p14="http://schemas.microsoft.com/office/powerpoint/2010/main" val="1147398318"/>
+        <p14:creationId xmlns:p14="http://schemas.microsoft.com/office/powerpoint/2010/main" val="182114811"/>
       </p:ext>
     </p:extLst>
   </p:cSld>
@@ -8062,6 +7504,125 @@
 </file>
 
 <file path=ppt/slides/slide20.xml><?xml version="1.0" encoding="utf-8"?>
+<p:sld xmlns:a="http://schemas.openxmlformats.org/drawingml/2006/main" xmlns:r="http://schemas.openxmlformats.org/officeDocument/2006/relationships" xmlns:p="http://schemas.openxmlformats.org/presentationml/2006/main">
+  <p:cSld>
+    <p:bg>
+      <p:bgPr>
+        <a:blipFill dpi="0" rotWithShape="1">
+          <a:blip r:embed="rId2">
+            <a:lum/>
+          </a:blip>
+          <a:srcRect/>
+          <a:stretch>
+            <a:fillRect t="-17000" b="-17000"/>
+          </a:stretch>
+        </a:blipFill>
+        <a:effectLst/>
+      </p:bgPr>
+    </p:bg>
+    <p:spTree>
+      <p:nvGrpSpPr>
+        <p:cNvPr id="1" name=""/>
+        <p:cNvGrpSpPr/>
+        <p:nvPr/>
+      </p:nvGrpSpPr>
+      <p:grpSpPr>
+        <a:xfrm>
+          <a:off x="0" y="0"/>
+          <a:ext cx="0" cy="0"/>
+          <a:chOff x="0" y="0"/>
+          <a:chExt cx="0" cy="0"/>
+        </a:xfrm>
+      </p:grpSpPr>
+      <p:sp>
+        <p:nvSpPr>
+          <p:cNvPr id="2" name="Title 1">
+            <a:extLst>
+              <a:ext uri="{FF2B5EF4-FFF2-40B4-BE49-F238E27FC236}">
+                <a16:creationId xmlns:a16="http://schemas.microsoft.com/office/drawing/2014/main" id="{EFC6730A-C128-46DB-BAE9-1D832DB02C40}"/>
+              </a:ext>
+            </a:extLst>
+          </p:cNvPr>
+          <p:cNvSpPr>
+            <a:spLocks noGrp="1"/>
+          </p:cNvSpPr>
+          <p:nvPr>
+            <p:ph type="title"/>
+          </p:nvPr>
+        </p:nvSpPr>
+        <p:spPr/>
+        <p:txBody>
+          <a:bodyPr/>
+          <a:lstStyle/>
+          <a:p>
+            <a:pPr algn="ctr"/>
+            <a:r>
+              <a:rPr lang="en-US" b="1" u="sng" dirty="0"/>
+              <a:t>Prospect</a:t>
+            </a:r>
+          </a:p>
+        </p:txBody>
+      </p:sp>
+      <p:sp>
+        <p:nvSpPr>
+          <p:cNvPr id="3" name="Content Placeholder 2">
+            <a:extLst>
+              <a:ext uri="{FF2B5EF4-FFF2-40B4-BE49-F238E27FC236}">
+                <a16:creationId xmlns:a16="http://schemas.microsoft.com/office/drawing/2014/main" id="{C13608C2-DFF9-4E51-9FD9-638955BD266A}"/>
+              </a:ext>
+            </a:extLst>
+          </p:cNvPr>
+          <p:cNvSpPr>
+            <a:spLocks noGrp="1"/>
+          </p:cNvSpPr>
+          <p:nvPr>
+            <p:ph idx="1"/>
+          </p:nvPr>
+        </p:nvSpPr>
+        <p:spPr/>
+        <p:txBody>
+          <a:bodyPr/>
+          <a:lstStyle/>
+          <a:p>
+            <a:r>
+              <a:rPr lang="en-US" dirty="0"/>
+              <a:t>Analysis of the collected input data to discover some useful patterns</a:t>
+            </a:r>
+          </a:p>
+          <a:p>
+            <a:endParaRPr lang="en-US" dirty="0"/>
+          </a:p>
+          <a:p>
+            <a:r>
+              <a:rPr lang="en-US" dirty="0"/>
+              <a:t>Train the traditional chatbot through Machine Learning algorithms with the collected data to achieve AI</a:t>
+            </a:r>
+          </a:p>
+          <a:p>
+            <a:endParaRPr lang="en-US" dirty="0"/>
+          </a:p>
+          <a:p>
+            <a:endParaRPr lang="en-US" dirty="0"/>
+          </a:p>
+          <a:p>
+            <a:endParaRPr lang="en-US" dirty="0"/>
+          </a:p>
+        </p:txBody>
+      </p:sp>
+    </p:spTree>
+    <p:extLst>
+      <p:ext uri="{BB962C8B-B14F-4D97-AF65-F5344CB8AC3E}">
+        <p14:creationId xmlns:p14="http://schemas.microsoft.com/office/powerpoint/2010/main" val="1147398318"/>
+      </p:ext>
+    </p:extLst>
+  </p:cSld>
+  <p:clrMapOvr>
+    <a:masterClrMapping/>
+  </p:clrMapOvr>
+</p:sld>
+</file>
+
+<file path=ppt/slides/slide21.xml><?xml version="1.0" encoding="utf-8"?>
 <p:sld xmlns:a="http://schemas.openxmlformats.org/drawingml/2006/main" xmlns:r="http://schemas.openxmlformats.org/officeDocument/2006/relationships" xmlns:p="http://schemas.openxmlformats.org/presentationml/2006/main" show="0">
   <p:cSld>
     <p:bg>
@@ -8139,7 +7700,7 @@
 </p:sld>
 </file>
 
-<file path=ppt/slides/slide21.xml><?xml version="1.0" encoding="utf-8"?>
+<file path=ppt/slides/slide22.xml><?xml version="1.0" encoding="utf-8"?>
 <p:sld xmlns:a="http://schemas.openxmlformats.org/drawingml/2006/main" xmlns:r="http://schemas.openxmlformats.org/officeDocument/2006/relationships" xmlns:p="http://schemas.openxmlformats.org/presentationml/2006/main">
   <p:cSld>
     <p:bg>

--- a/fyp powerpoint/Fyp_revised_v1.1.pptx
+++ b/fyp powerpoint/Fyp_revised_v1.1.pptx
@@ -22,11 +22,12 @@
     <p:sldId id="262" r:id="rId16"/>
     <p:sldId id="278" r:id="rId17"/>
     <p:sldId id="270" r:id="rId18"/>
-    <p:sldId id="263" r:id="rId19"/>
-    <p:sldId id="275" r:id="rId20"/>
-    <p:sldId id="276" r:id="rId21"/>
-    <p:sldId id="264" r:id="rId22"/>
-    <p:sldId id="277" r:id="rId23"/>
+    <p:sldId id="279" r:id="rId19"/>
+    <p:sldId id="263" r:id="rId20"/>
+    <p:sldId id="275" r:id="rId21"/>
+    <p:sldId id="276" r:id="rId22"/>
+    <p:sldId id="264" r:id="rId23"/>
+    <p:sldId id="277" r:id="rId24"/>
   </p:sldIdLst>
   <p:sldSz cx="12192000" cy="6858000"/>
   <p:notesSz cx="6858000" cy="9144000"/>
@@ -5412,7 +5413,7 @@
             <p:ph idx="1"/>
             <p:extLst>
               <p:ext uri="{D42A27DB-BD31-4B8C-83A1-F6EECF244321}">
-                <p14:modId xmlns:p14="http://schemas.microsoft.com/office/powerpoint/2010/main" val="427652462"/>
+                <p14:modId xmlns:p14="http://schemas.microsoft.com/office/powerpoint/2010/main" val="2137804849"/>
               </p:ext>
             </p:extLst>
           </p:nvPr>
@@ -5451,7 +5452,7 @@
                     <a:p>
                       <a:r>
                         <a:rPr lang="en-US" dirty="0"/>
-                        <a:t>Date:</a:t>
+                        <a:t>Date</a:t>
                       </a:r>
                     </a:p>
                   </a:txBody>
@@ -5970,7 +5971,12 @@
             <p:ph type="title"/>
           </p:nvPr>
         </p:nvSpPr>
-        <p:spPr/>
+        <p:spPr>
+          <a:xfrm>
+            <a:off x="838200" y="129455"/>
+            <a:ext cx="10515600" cy="766091"/>
+          </a:xfrm>
+        </p:spPr>
         <p:txBody>
           <a:bodyPr/>
           <a:lstStyle/>
@@ -5999,14 +6005,14 @@
             <p:ph idx="1"/>
             <p:extLst>
               <p:ext uri="{D42A27DB-BD31-4B8C-83A1-F6EECF244321}">
-                <p14:modId xmlns:p14="http://schemas.microsoft.com/office/powerpoint/2010/main" val="3567969508"/>
+                <p14:modId xmlns:p14="http://schemas.microsoft.com/office/powerpoint/2010/main" val="1500140726"/>
               </p:ext>
             </p:extLst>
           </p:nvPr>
         </p:nvGraphicFramePr>
         <p:xfrm>
-          <a:off x="838199" y="1825623"/>
-          <a:ext cx="10509482" cy="4703040"/>
+          <a:off x="406923" y="1138283"/>
+          <a:ext cx="11565118" cy="4977360"/>
         </p:xfrm>
         <a:graphic>
           <a:graphicData uri="http://schemas.openxmlformats.org/drawingml/2006/table">
@@ -6015,49 +6021,49 @@
                 <a:tableStyleId>{2D5ABB26-0587-4C30-8999-92F81FD0307C}</a:tableStyleId>
               </a:tblPr>
               <a:tblGrid>
-                <a:gridCol w="828000">
+                <a:gridCol w="981226">
                   <a:extLst>
                     <a:ext uri="{9D8B030D-6E8A-4147-A177-3AD203B41FA5}">
                       <a16:colId xmlns:a16="http://schemas.microsoft.com/office/drawing/2014/main" val="3505657171"/>
                     </a:ext>
                   </a:extLst>
                 </a:gridCol>
-                <a:gridCol w="208280">
+                <a:gridCol w="216817">
                   <a:extLst>
                     <a:ext uri="{9D8B030D-6E8A-4147-A177-3AD203B41FA5}">
                       <a16:colId xmlns:a16="http://schemas.microsoft.com/office/drawing/2014/main" val="3875367565"/>
                     </a:ext>
                   </a:extLst>
                 </a:gridCol>
-                <a:gridCol w="2236266">
+                <a:gridCol w="1609574">
                   <a:extLst>
                     <a:ext uri="{9D8B030D-6E8A-4147-A177-3AD203B41FA5}">
                       <a16:colId xmlns:a16="http://schemas.microsoft.com/office/drawing/2014/main" val="2828646507"/>
                     </a:ext>
                   </a:extLst>
                 </a:gridCol>
-                <a:gridCol w="208280">
+                <a:gridCol w="282804">
                   <a:extLst>
                     <a:ext uri="{9D8B030D-6E8A-4147-A177-3AD203B41FA5}">
                       <a16:colId xmlns:a16="http://schemas.microsoft.com/office/drawing/2014/main" val="1132540001"/>
                     </a:ext>
                   </a:extLst>
                 </a:gridCol>
-                <a:gridCol w="2204032">
+                <a:gridCol w="1932495">
                   <a:extLst>
                     <a:ext uri="{9D8B030D-6E8A-4147-A177-3AD203B41FA5}">
                       <a16:colId xmlns:a16="http://schemas.microsoft.com/office/drawing/2014/main" val="2795970211"/>
                     </a:ext>
                   </a:extLst>
                 </a:gridCol>
-                <a:gridCol w="208280">
+                <a:gridCol w="245096">
                   <a:extLst>
                     <a:ext uri="{9D8B030D-6E8A-4147-A177-3AD203B41FA5}">
                       <a16:colId xmlns:a16="http://schemas.microsoft.com/office/drawing/2014/main" val="708730624"/>
                     </a:ext>
                   </a:extLst>
                 </a:gridCol>
-                <a:gridCol w="2204032">
+                <a:gridCol w="1925478">
                   <a:extLst>
                     <a:ext uri="{9D8B030D-6E8A-4147-A177-3AD203B41FA5}">
                       <a16:colId xmlns:a16="http://schemas.microsoft.com/office/drawing/2014/main" val="107451660"/>
@@ -6071,13 +6077,27 @@
                     </a:ext>
                   </a:extLst>
                 </a:gridCol>
-                <a:gridCol w="2204032">
+                <a:gridCol w="1997593">
                   <a:extLst>
                     <a:ext uri="{9D8B030D-6E8A-4147-A177-3AD203B41FA5}">
                       <a16:colId xmlns:a16="http://schemas.microsoft.com/office/drawing/2014/main" val="1007577318"/>
                     </a:ext>
                   </a:extLst>
                 </a:gridCol>
+                <a:gridCol w="216816">
+                  <a:extLst>
+                    <a:ext uri="{9D8B030D-6E8A-4147-A177-3AD203B41FA5}">
+                      <a16:colId xmlns:a16="http://schemas.microsoft.com/office/drawing/2014/main" val="3539249846"/>
+                    </a:ext>
+                  </a:extLst>
+                </a:gridCol>
+                <a:gridCol w="1948939">
+                  <a:extLst>
+                    <a:ext uri="{9D8B030D-6E8A-4147-A177-3AD203B41FA5}">
+                      <a16:colId xmlns:a16="http://schemas.microsoft.com/office/drawing/2014/main" val="1844821006"/>
+                    </a:ext>
+                  </a:extLst>
+                </a:gridCol>
               </a:tblGrid>
               <a:tr h="1080000">
                 <a:tc>
@@ -6085,7 +6105,7 @@
                     <a:bodyPr/>
                     <a:lstStyle/>
                     <a:p>
-                      <a:pPr marL="0" marR="0" lvl="0" indent="0" algn="l" defTabSz="914400" rtl="0" eaLnBrk="1" fontAlgn="auto" latinLnBrk="0" hangingPunct="1">
+                      <a:pPr marL="0" marR="0" lvl="0" indent="0" algn="ctr" defTabSz="914400" rtl="0" eaLnBrk="1" fontAlgn="auto" latinLnBrk="0" hangingPunct="1">
                         <a:lnSpc>
                           <a:spcPct val="100000"/>
                         </a:lnSpc>
@@ -6109,87 +6129,264 @@
                       <a:endParaRPr lang="zh-TW" altLang="en-US" dirty="0"/>
                     </a:p>
                   </a:txBody>
-                  <a:tcPr/>
-                </a:tc>
-                <a:tc>
-                  <a:txBody>
-                    <a:bodyPr/>
-                    <a:lstStyle/>
-                    <a:p>
+                  <a:tcPr anchor="ctr"/>
+                </a:tc>
+                <a:tc>
+                  <a:txBody>
+                    <a:bodyPr/>
+                    <a:lstStyle/>
+                    <a:p>
+                      <a:pPr algn="ctr"/>
                       <a:endParaRPr lang="zh-TW" altLang="en-US" dirty="0"/>
                     </a:p>
                   </a:txBody>
-                  <a:tcPr/>
-                </a:tc>
-                <a:tc>
-                  <a:txBody>
-                    <a:bodyPr/>
-                    <a:lstStyle/>
-                    <a:p>
+                  <a:tcPr anchor="ctr"/>
+                </a:tc>
+                <a:tc>
+                  <a:txBody>
+                    <a:bodyPr/>
+                    <a:lstStyle/>
+                    <a:p>
+                      <a:pPr algn="ctr"/>
+                      <a:r>
+                        <a:rPr lang="en-US" altLang="zh-TW" sz="4400" dirty="0">
+                          <a:sym typeface="Wingdings" panose="05000000000000000000" pitchFamily="2" charset="2"/>
+                        </a:rPr>
+                        <a:t></a:t>
+                      </a:r>
+                      <a:endParaRPr lang="zh-TW" altLang="en-US" sz="4400" dirty="0"/>
+                    </a:p>
+                  </a:txBody>
+                  <a:tcPr anchor="ctr"/>
+                </a:tc>
+                <a:tc>
+                  <a:txBody>
+                    <a:bodyPr/>
+                    <a:lstStyle/>
+                    <a:p>
+                      <a:pPr algn="ctr"/>
                       <a:endParaRPr lang="zh-TW" altLang="en-US" dirty="0"/>
                     </a:p>
                   </a:txBody>
-                  <a:tcPr/>
-                </a:tc>
-                <a:tc>
-                  <a:txBody>
-                    <a:bodyPr/>
-                    <a:lstStyle/>
-                    <a:p>
+                  <a:tcPr anchor="ctr"/>
+                </a:tc>
+                <a:tc>
+                  <a:txBody>
+                    <a:bodyPr/>
+                    <a:lstStyle/>
+                    <a:p>
+                      <a:pPr algn="ctr"/>
                       <a:endParaRPr lang="zh-TW" altLang="en-US" dirty="0"/>
                     </a:p>
                   </a:txBody>
-                  <a:tcPr/>
-                </a:tc>
-                <a:tc>
-                  <a:txBody>
-                    <a:bodyPr/>
-                    <a:lstStyle/>
-                    <a:p>
+                  <a:tcPr anchor="ctr"/>
+                </a:tc>
+                <a:tc>
+                  <a:txBody>
+                    <a:bodyPr/>
+                    <a:lstStyle/>
+                    <a:p>
+                      <a:pPr algn="ctr"/>
                       <a:endParaRPr lang="zh-TW" altLang="en-US" dirty="0"/>
                     </a:p>
                   </a:txBody>
-                  <a:tcPr/>
-                </a:tc>
-                <a:tc>
-                  <a:txBody>
-                    <a:bodyPr/>
-                    <a:lstStyle/>
-                    <a:p>
+                  <a:tcPr anchor="ctr"/>
+                </a:tc>
+                <a:tc>
+                  <a:txBody>
+                    <a:bodyPr/>
+                    <a:lstStyle/>
+                    <a:p>
+                      <a:pPr marL="0" marR="0" lvl="0" indent="0" algn="ctr" defTabSz="914400" rtl="0" eaLnBrk="1" fontAlgn="auto" latinLnBrk="0" hangingPunct="1">
+                        <a:lnSpc>
+                          <a:spcPct val="100000"/>
+                        </a:lnSpc>
+                        <a:spcBef>
+                          <a:spcPts val="0"/>
+                        </a:spcBef>
+                        <a:spcAft>
+                          <a:spcPts val="0"/>
+                        </a:spcAft>
+                        <a:buClrTx/>
+                        <a:buSzTx/>
+                        <a:buFontTx/>
+                        <a:buNone/>
+                        <a:tabLst/>
+                        <a:defRPr/>
+                      </a:pPr>
+                      <a:r>
+                        <a:rPr kumimoji="0" lang="en-US" altLang="zh-TW" sz="4400" b="0" i="0" u="none" strike="noStrike" kern="1200" cap="none" spc="0" normalizeH="0" baseline="0" noProof="0" dirty="0">
+                          <a:ln>
+                            <a:noFill/>
+                          </a:ln>
+                          <a:solidFill>
+                            <a:prstClr val="black"/>
+                          </a:solidFill>
+                          <a:effectLst/>
+                          <a:uLnTx/>
+                          <a:uFillTx/>
+                          <a:latin typeface="+mn-lt"/>
+                          <a:ea typeface="+mn-ea"/>
+                          <a:cs typeface="+mn-cs"/>
+                          <a:sym typeface="Wingdings" panose="05000000000000000000" pitchFamily="2" charset="2"/>
+                        </a:rPr>
+                        <a:t></a:t>
+                      </a:r>
+                      <a:endParaRPr kumimoji="0" lang="zh-TW" altLang="en-US" sz="4400" b="0" i="0" u="none" strike="noStrike" kern="1200" cap="none" spc="0" normalizeH="0" baseline="0" noProof="0" dirty="0">
+                        <a:ln>
+                          <a:noFill/>
+                        </a:ln>
+                        <a:solidFill>
+                          <a:prstClr val="black"/>
+                        </a:solidFill>
+                        <a:effectLst/>
+                        <a:uLnTx/>
+                        <a:uFillTx/>
+                        <a:latin typeface="+mn-lt"/>
+                        <a:ea typeface="+mn-ea"/>
+                        <a:cs typeface="+mn-cs"/>
+                      </a:endParaRPr>
+                    </a:p>
+                  </a:txBody>
+                  <a:tcPr anchor="ctr"/>
+                </a:tc>
+                <a:tc>
+                  <a:txBody>
+                    <a:bodyPr/>
+                    <a:lstStyle/>
+                    <a:p>
+                      <a:pPr algn="ctr"/>
                       <a:endParaRPr lang="zh-TW" altLang="en-US" dirty="0"/>
                     </a:p>
                   </a:txBody>
-                  <a:tcPr/>
-                </a:tc>
-                <a:tc>
-                  <a:txBody>
-                    <a:bodyPr/>
-                    <a:lstStyle/>
-                    <a:p>
+                  <a:tcPr anchor="ctr"/>
+                </a:tc>
+                <a:tc>
+                  <a:txBody>
+                    <a:bodyPr/>
+                    <a:lstStyle/>
+                    <a:p>
+                      <a:pPr marL="0" marR="0" lvl="0" indent="0" algn="ctr" defTabSz="914400" rtl="0" eaLnBrk="1" fontAlgn="auto" latinLnBrk="0" hangingPunct="1">
+                        <a:lnSpc>
+                          <a:spcPct val="100000"/>
+                        </a:lnSpc>
+                        <a:spcBef>
+                          <a:spcPts val="0"/>
+                        </a:spcBef>
+                        <a:spcAft>
+                          <a:spcPts val="0"/>
+                        </a:spcAft>
+                        <a:buClrTx/>
+                        <a:buSzTx/>
+                        <a:buFontTx/>
+                        <a:buNone/>
+                        <a:tabLst/>
+                        <a:defRPr/>
+                      </a:pPr>
+                      <a:r>
+                        <a:rPr kumimoji="0" lang="en-US" altLang="zh-TW" sz="4400" b="0" i="0" u="none" strike="noStrike" kern="1200" cap="none" spc="0" normalizeH="0" baseline="0" noProof="0" dirty="0">
+                          <a:ln>
+                            <a:noFill/>
+                          </a:ln>
+                          <a:solidFill>
+                            <a:prstClr val="black"/>
+                          </a:solidFill>
+                          <a:effectLst/>
+                          <a:uLnTx/>
+                          <a:uFillTx/>
+                          <a:latin typeface="+mn-lt"/>
+                          <a:ea typeface="+mn-ea"/>
+                          <a:cs typeface="+mn-cs"/>
+                          <a:sym typeface="Wingdings" panose="05000000000000000000" pitchFamily="2" charset="2"/>
+                        </a:rPr>
+                        <a:t></a:t>
+                      </a:r>
+                      <a:endParaRPr kumimoji="0" lang="zh-TW" altLang="en-US" sz="4400" b="0" i="0" u="none" strike="noStrike" kern="1200" cap="none" spc="0" normalizeH="0" baseline="0" noProof="0" dirty="0">
+                        <a:ln>
+                          <a:noFill/>
+                        </a:ln>
+                        <a:solidFill>
+                          <a:prstClr val="black"/>
+                        </a:solidFill>
+                        <a:effectLst/>
+                        <a:uLnTx/>
+                        <a:uFillTx/>
+                        <a:latin typeface="+mn-lt"/>
+                        <a:ea typeface="+mn-ea"/>
+                        <a:cs typeface="+mn-cs"/>
+                      </a:endParaRPr>
+                    </a:p>
+                  </a:txBody>
+                  <a:tcPr anchor="ctr"/>
+                </a:tc>
+                <a:tc>
+                  <a:txBody>
+                    <a:bodyPr/>
+                    <a:lstStyle/>
+                    <a:p>
+                      <a:pPr algn="ctr"/>
                       <a:endParaRPr lang="zh-TW" altLang="en-US" dirty="0"/>
                     </a:p>
                   </a:txBody>
-                  <a:tcPr/>
-                </a:tc>
-                <a:tc>
-                  <a:txBody>
-                    <a:bodyPr/>
-                    <a:lstStyle/>
-                    <a:p>
-                      <a:endParaRPr lang="zh-TW" altLang="en-US" dirty="0"/>
-                    </a:p>
-                  </a:txBody>
-                  <a:tcPr/>
-                </a:tc>
-                <a:tc>
-                  <a:txBody>
-                    <a:bodyPr/>
-                    <a:lstStyle/>
-                    <a:p>
-                      <a:endParaRPr lang="zh-TW" altLang="en-US" dirty="0"/>
-                    </a:p>
-                  </a:txBody>
-                  <a:tcPr/>
+                  <a:tcPr anchor="ctr"/>
+                </a:tc>
+                <a:tc>
+                  <a:txBody>
+                    <a:bodyPr/>
+                    <a:lstStyle/>
+                    <a:p>
+                      <a:pPr marL="0" marR="0" lvl="0" indent="0" algn="ctr" defTabSz="914400" rtl="0" eaLnBrk="1" fontAlgn="auto" latinLnBrk="0" hangingPunct="1">
+                        <a:lnSpc>
+                          <a:spcPct val="100000"/>
+                        </a:lnSpc>
+                        <a:spcBef>
+                          <a:spcPts val="0"/>
+                        </a:spcBef>
+                        <a:spcAft>
+                          <a:spcPts val="0"/>
+                        </a:spcAft>
+                        <a:buClrTx/>
+                        <a:buSzTx/>
+                        <a:buFontTx/>
+                        <a:buNone/>
+                        <a:tabLst/>
+                        <a:defRPr/>
+                      </a:pPr>
+                      <a:r>
+                        <a:rPr kumimoji="0" lang="en-US" altLang="zh-TW" sz="4400" b="0" i="0" u="none" strike="noStrike" kern="1200" cap="none" spc="0" normalizeH="0" baseline="0" noProof="0" dirty="0">
+                          <a:ln>
+                            <a:noFill/>
+                          </a:ln>
+                          <a:solidFill>
+                            <a:prstClr val="black"/>
+                          </a:solidFill>
+                          <a:effectLst/>
+                          <a:uLnTx/>
+                          <a:uFillTx/>
+                          <a:latin typeface="+mn-lt"/>
+                          <a:ea typeface="+mn-ea"/>
+                          <a:cs typeface="+mn-cs"/>
+                          <a:sym typeface="Wingdings" panose="05000000000000000000" pitchFamily="2" charset="2"/>
+                        </a:rPr>
+                        <a:t></a:t>
+                      </a:r>
+                      <a:endParaRPr kumimoji="0" lang="zh-TW" altLang="en-US" sz="4400" b="0" i="0" u="none" strike="noStrike" kern="1200" cap="none" spc="0" normalizeH="0" baseline="0" noProof="0" dirty="0">
+                        <a:ln>
+                          <a:noFill/>
+                        </a:ln>
+                        <a:solidFill>
+                          <a:prstClr val="black"/>
+                        </a:solidFill>
+                        <a:effectLst/>
+                        <a:uLnTx/>
+                        <a:uFillTx/>
+                        <a:latin typeface="+mn-lt"/>
+                        <a:ea typeface="+mn-ea"/>
+                        <a:cs typeface="+mn-cs"/>
+                      </a:endParaRPr>
+                    </a:p>
+                  </a:txBody>
+                  <a:tcPr anchor="ctr"/>
                 </a:tc>
                 <a:extLst>
                   <a:ext uri="{0D108BD9-81ED-4DB2-BD59-A6C34878D82A}">
@@ -6203,7 +6400,7 @@
                     <a:bodyPr/>
                     <a:lstStyle/>
                     <a:p>
-                      <a:pPr marL="0" marR="0" lvl="0" indent="0" algn="l" defTabSz="914400" rtl="0" eaLnBrk="1" fontAlgn="auto" latinLnBrk="0" hangingPunct="1">
+                      <a:pPr marL="0" marR="0" lvl="0" indent="0" algn="ctr" defTabSz="914400" rtl="0" eaLnBrk="1" fontAlgn="auto" latinLnBrk="0" hangingPunct="1">
                         <a:lnSpc>
                           <a:spcPct val="100000"/>
                         </a:lnSpc>
@@ -6223,87 +6420,117 @@
                       <a:endParaRPr lang="zh-TW" altLang="en-US" dirty="0"/>
                     </a:p>
                   </a:txBody>
-                  <a:tcPr/>
-                </a:tc>
-                <a:tc>
-                  <a:txBody>
-                    <a:bodyPr/>
-                    <a:lstStyle/>
-                    <a:p>
+                  <a:tcPr anchor="ctr"/>
+                </a:tc>
+                <a:tc>
+                  <a:txBody>
+                    <a:bodyPr/>
+                    <a:lstStyle/>
+                    <a:p>
+                      <a:pPr algn="ctr"/>
                       <a:endParaRPr lang="zh-TW" altLang="en-US" dirty="0"/>
                     </a:p>
                   </a:txBody>
-                  <a:tcPr/>
-                </a:tc>
-                <a:tc>
-                  <a:txBody>
-                    <a:bodyPr/>
-                    <a:lstStyle/>
-                    <a:p>
+                  <a:tcPr anchor="ctr"/>
+                </a:tc>
+                <a:tc>
+                  <a:txBody>
+                    <a:bodyPr/>
+                    <a:lstStyle/>
+                    <a:p>
+                      <a:pPr algn="ctr"/>
                       <a:endParaRPr lang="zh-TW" altLang="en-US" dirty="0"/>
                     </a:p>
                   </a:txBody>
-                  <a:tcPr/>
-                </a:tc>
-                <a:tc>
-                  <a:txBody>
-                    <a:bodyPr/>
-                    <a:lstStyle/>
-                    <a:p>
+                  <a:tcPr anchor="ctr"/>
+                </a:tc>
+                <a:tc>
+                  <a:txBody>
+                    <a:bodyPr/>
+                    <a:lstStyle/>
+                    <a:p>
+                      <a:pPr algn="ctr"/>
                       <a:endParaRPr lang="zh-TW" altLang="en-US" dirty="0"/>
                     </a:p>
                   </a:txBody>
-                  <a:tcPr/>
-                </a:tc>
-                <a:tc>
-                  <a:txBody>
-                    <a:bodyPr/>
-                    <a:lstStyle/>
-                    <a:p>
+                  <a:tcPr anchor="ctr"/>
+                </a:tc>
+                <a:tc>
+                  <a:txBody>
+                    <a:bodyPr/>
+                    <a:lstStyle/>
+                    <a:p>
+                      <a:pPr algn="ctr"/>
                       <a:endParaRPr lang="zh-TW" altLang="en-US" dirty="0"/>
                     </a:p>
                   </a:txBody>
-                  <a:tcPr/>
-                </a:tc>
-                <a:tc>
-                  <a:txBody>
-                    <a:bodyPr/>
-                    <a:lstStyle/>
-                    <a:p>
+                  <a:tcPr anchor="ctr"/>
+                </a:tc>
+                <a:tc>
+                  <a:txBody>
+                    <a:bodyPr/>
+                    <a:lstStyle/>
+                    <a:p>
+                      <a:pPr algn="ctr"/>
                       <a:endParaRPr lang="zh-TW" altLang="en-US" dirty="0"/>
                     </a:p>
                   </a:txBody>
-                  <a:tcPr/>
-                </a:tc>
-                <a:tc>
-                  <a:txBody>
-                    <a:bodyPr/>
-                    <a:lstStyle/>
-                    <a:p>
+                  <a:tcPr anchor="ctr"/>
+                </a:tc>
+                <a:tc>
+                  <a:txBody>
+                    <a:bodyPr/>
+                    <a:lstStyle/>
+                    <a:p>
+                      <a:pPr algn="ctr"/>
                       <a:endParaRPr lang="zh-TW" altLang="en-US" dirty="0"/>
                     </a:p>
                   </a:txBody>
-                  <a:tcPr/>
-                </a:tc>
-                <a:tc>
-                  <a:txBody>
-                    <a:bodyPr/>
-                    <a:lstStyle/>
-                    <a:p>
+                  <a:tcPr anchor="ctr"/>
+                </a:tc>
+                <a:tc>
+                  <a:txBody>
+                    <a:bodyPr/>
+                    <a:lstStyle/>
+                    <a:p>
+                      <a:pPr algn="ctr"/>
                       <a:endParaRPr lang="zh-TW" altLang="en-US" dirty="0"/>
                     </a:p>
                   </a:txBody>
-                  <a:tcPr/>
-                </a:tc>
-                <a:tc>
-                  <a:txBody>
-                    <a:bodyPr/>
-                    <a:lstStyle/>
-                    <a:p>
+                  <a:tcPr anchor="ctr"/>
+                </a:tc>
+                <a:tc>
+                  <a:txBody>
+                    <a:bodyPr/>
+                    <a:lstStyle/>
+                    <a:p>
+                      <a:pPr algn="ctr"/>
                       <a:endParaRPr lang="zh-TW" altLang="en-US" dirty="0"/>
                     </a:p>
                   </a:txBody>
-                  <a:tcPr/>
+                  <a:tcPr anchor="ctr"/>
+                </a:tc>
+                <a:tc>
+                  <a:txBody>
+                    <a:bodyPr/>
+                    <a:lstStyle/>
+                    <a:p>
+                      <a:pPr algn="ctr"/>
+                      <a:endParaRPr lang="zh-TW" altLang="en-US" dirty="0"/>
+                    </a:p>
+                  </a:txBody>
+                  <a:tcPr anchor="ctr"/>
+                </a:tc>
+                <a:tc>
+                  <a:txBody>
+                    <a:bodyPr/>
+                    <a:lstStyle/>
+                    <a:p>
+                      <a:pPr algn="ctr"/>
+                      <a:endParaRPr lang="zh-TW" altLang="en-US" dirty="0"/>
+                    </a:p>
+                  </a:txBody>
+                  <a:tcPr anchor="ctr"/>
                 </a:tc>
                 <a:extLst>
                   <a:ext uri="{0D108BD9-81ED-4DB2-BD59-A6C34878D82A}">
@@ -6317,7 +6544,7 @@
                     <a:bodyPr/>
                     <a:lstStyle/>
                     <a:p>
-                      <a:pPr marL="0" marR="0" lvl="0" indent="0" algn="l" defTabSz="914400" rtl="0" eaLnBrk="1" fontAlgn="auto" latinLnBrk="0" hangingPunct="1">
+                      <a:pPr marL="0" marR="0" lvl="0" indent="0" algn="ctr" defTabSz="914400" rtl="0" eaLnBrk="1" fontAlgn="auto" latinLnBrk="0" hangingPunct="1">
                         <a:lnSpc>
                           <a:spcPct val="100000"/>
                         </a:lnSpc>
@@ -6341,87 +6568,305 @@
                       <a:endParaRPr lang="zh-TW" altLang="en-US" dirty="0"/>
                     </a:p>
                   </a:txBody>
-                  <a:tcPr/>
-                </a:tc>
-                <a:tc>
-                  <a:txBody>
-                    <a:bodyPr/>
-                    <a:lstStyle/>
-                    <a:p>
+                  <a:tcPr anchor="ctr"/>
+                </a:tc>
+                <a:tc>
+                  <a:txBody>
+                    <a:bodyPr/>
+                    <a:lstStyle/>
+                    <a:p>
+                      <a:pPr algn="ctr"/>
                       <a:endParaRPr lang="zh-TW" altLang="en-US" dirty="0"/>
                     </a:p>
                   </a:txBody>
-                  <a:tcPr/>
-                </a:tc>
-                <a:tc>
-                  <a:txBody>
-                    <a:bodyPr/>
-                    <a:lstStyle/>
-                    <a:p>
+                  <a:tcPr anchor="ctr"/>
+                </a:tc>
+                <a:tc>
+                  <a:txBody>
+                    <a:bodyPr/>
+                    <a:lstStyle/>
+                    <a:p>
+                      <a:pPr marL="0" marR="0" lvl="0" indent="0" algn="ctr" defTabSz="914400" rtl="0" eaLnBrk="1" fontAlgn="auto" latinLnBrk="0" hangingPunct="1">
+                        <a:lnSpc>
+                          <a:spcPct val="100000"/>
+                        </a:lnSpc>
+                        <a:spcBef>
+                          <a:spcPts val="0"/>
+                        </a:spcBef>
+                        <a:spcAft>
+                          <a:spcPts val="0"/>
+                        </a:spcAft>
+                        <a:buClrTx/>
+                        <a:buSzTx/>
+                        <a:buFontTx/>
+                        <a:buNone/>
+                        <a:tabLst/>
+                        <a:defRPr/>
+                      </a:pPr>
+                      <a:r>
+                        <a:rPr kumimoji="0" lang="en-US" altLang="zh-TW" sz="4400" b="0" i="0" u="none" strike="noStrike" kern="1200" cap="none" spc="0" normalizeH="0" baseline="0" noProof="0" dirty="0">
+                          <a:ln>
+                            <a:noFill/>
+                          </a:ln>
+                          <a:solidFill>
+                            <a:prstClr val="black"/>
+                          </a:solidFill>
+                          <a:effectLst/>
+                          <a:uLnTx/>
+                          <a:uFillTx/>
+                          <a:latin typeface="+mn-lt"/>
+                          <a:ea typeface="+mn-ea"/>
+                          <a:cs typeface="+mn-cs"/>
+                          <a:sym typeface="Wingdings" panose="05000000000000000000" pitchFamily="2" charset="2"/>
+                        </a:rPr>
+                        <a:t></a:t>
+                      </a:r>
+                      <a:endParaRPr kumimoji="0" lang="zh-TW" altLang="en-US" sz="4400" b="0" i="0" u="none" strike="noStrike" kern="1200" cap="none" spc="0" normalizeH="0" baseline="0" noProof="0" dirty="0">
+                        <a:ln>
+                          <a:noFill/>
+                        </a:ln>
+                        <a:solidFill>
+                          <a:prstClr val="black"/>
+                        </a:solidFill>
+                        <a:effectLst/>
+                        <a:uLnTx/>
+                        <a:uFillTx/>
+                        <a:latin typeface="+mn-lt"/>
+                        <a:ea typeface="+mn-ea"/>
+                        <a:cs typeface="+mn-cs"/>
+                      </a:endParaRPr>
+                    </a:p>
+                  </a:txBody>
+                  <a:tcPr anchor="ctr"/>
+                </a:tc>
+                <a:tc>
+                  <a:txBody>
+                    <a:bodyPr/>
+                    <a:lstStyle/>
+                    <a:p>
+                      <a:pPr algn="ctr"/>
                       <a:endParaRPr lang="zh-TW" altLang="en-US" dirty="0"/>
                     </a:p>
                   </a:txBody>
-                  <a:tcPr/>
-                </a:tc>
-                <a:tc>
-                  <a:txBody>
-                    <a:bodyPr/>
-                    <a:lstStyle/>
-                    <a:p>
+                  <a:tcPr anchor="ctr"/>
+                </a:tc>
+                <a:tc>
+                  <a:txBody>
+                    <a:bodyPr/>
+                    <a:lstStyle/>
+                    <a:p>
+                      <a:pPr marL="0" marR="0" lvl="0" indent="0" algn="ctr" defTabSz="914400" rtl="0" eaLnBrk="1" fontAlgn="auto" latinLnBrk="0" hangingPunct="1">
+                        <a:lnSpc>
+                          <a:spcPct val="100000"/>
+                        </a:lnSpc>
+                        <a:spcBef>
+                          <a:spcPts val="0"/>
+                        </a:spcBef>
+                        <a:spcAft>
+                          <a:spcPts val="0"/>
+                        </a:spcAft>
+                        <a:buClrTx/>
+                        <a:buSzTx/>
+                        <a:buFontTx/>
+                        <a:buNone/>
+                        <a:tabLst/>
+                        <a:defRPr/>
+                      </a:pPr>
+                      <a:r>
+                        <a:rPr kumimoji="0" lang="en-US" altLang="zh-TW" sz="4400" b="0" i="0" u="none" strike="noStrike" kern="1200" cap="none" spc="0" normalizeH="0" baseline="0" noProof="0" dirty="0">
+                          <a:ln>
+                            <a:noFill/>
+                          </a:ln>
+                          <a:solidFill>
+                            <a:prstClr val="black"/>
+                          </a:solidFill>
+                          <a:effectLst/>
+                          <a:uLnTx/>
+                          <a:uFillTx/>
+                          <a:latin typeface="+mn-lt"/>
+                          <a:ea typeface="+mn-ea"/>
+                          <a:cs typeface="+mn-cs"/>
+                          <a:sym typeface="Wingdings" panose="05000000000000000000" pitchFamily="2" charset="2"/>
+                        </a:rPr>
+                        <a:t></a:t>
+                      </a:r>
+                      <a:endParaRPr kumimoji="0" lang="zh-TW" altLang="en-US" sz="4400" b="0" i="0" u="none" strike="noStrike" kern="1200" cap="none" spc="0" normalizeH="0" baseline="0" noProof="0" dirty="0">
+                        <a:ln>
+                          <a:noFill/>
+                        </a:ln>
+                        <a:solidFill>
+                          <a:prstClr val="black"/>
+                        </a:solidFill>
+                        <a:effectLst/>
+                        <a:uLnTx/>
+                        <a:uFillTx/>
+                        <a:latin typeface="+mn-lt"/>
+                        <a:ea typeface="+mn-ea"/>
+                        <a:cs typeface="+mn-cs"/>
+                      </a:endParaRPr>
+                    </a:p>
+                  </a:txBody>
+                  <a:tcPr anchor="ctr"/>
+                </a:tc>
+                <a:tc>
+                  <a:txBody>
+                    <a:bodyPr/>
+                    <a:lstStyle/>
+                    <a:p>
+                      <a:pPr algn="ctr"/>
                       <a:endParaRPr lang="zh-TW" altLang="en-US" dirty="0"/>
                     </a:p>
                   </a:txBody>
-                  <a:tcPr/>
-                </a:tc>
-                <a:tc>
-                  <a:txBody>
-                    <a:bodyPr/>
-                    <a:lstStyle/>
-                    <a:p>
+                  <a:tcPr anchor="ctr"/>
+                </a:tc>
+                <a:tc>
+                  <a:txBody>
+                    <a:bodyPr/>
+                    <a:lstStyle/>
+                    <a:p>
+                      <a:pPr algn="ctr"/>
                       <a:endParaRPr lang="zh-TW" altLang="en-US" dirty="0"/>
                     </a:p>
                   </a:txBody>
-                  <a:tcPr/>
-                </a:tc>
-                <a:tc>
-                  <a:txBody>
-                    <a:bodyPr/>
-                    <a:lstStyle/>
-                    <a:p>
+                  <a:tcPr anchor="ctr"/>
+                </a:tc>
+                <a:tc>
+                  <a:txBody>
+                    <a:bodyPr/>
+                    <a:lstStyle/>
+                    <a:p>
+                      <a:pPr algn="ctr"/>
                       <a:endParaRPr lang="zh-TW" altLang="en-US" dirty="0"/>
                     </a:p>
                   </a:txBody>
-                  <a:tcPr/>
-                </a:tc>
-                <a:tc>
-                  <a:txBody>
-                    <a:bodyPr/>
-                    <a:lstStyle/>
-                    <a:p>
+                  <a:tcPr anchor="ctr"/>
+                </a:tc>
+                <a:tc>
+                  <a:txBody>
+                    <a:bodyPr/>
+                    <a:lstStyle/>
+                    <a:p>
+                      <a:pPr marL="0" marR="0" lvl="0" indent="0" algn="ctr" defTabSz="914400" rtl="0" eaLnBrk="1" fontAlgn="auto" latinLnBrk="0" hangingPunct="1">
+                        <a:lnSpc>
+                          <a:spcPct val="100000"/>
+                        </a:lnSpc>
+                        <a:spcBef>
+                          <a:spcPts val="0"/>
+                        </a:spcBef>
+                        <a:spcAft>
+                          <a:spcPts val="0"/>
+                        </a:spcAft>
+                        <a:buClrTx/>
+                        <a:buSzTx/>
+                        <a:buFontTx/>
+                        <a:buNone/>
+                        <a:tabLst/>
+                        <a:defRPr/>
+                      </a:pPr>
+                      <a:r>
+                        <a:rPr kumimoji="0" lang="en-US" altLang="zh-TW" sz="4400" b="0" i="0" u="none" strike="noStrike" kern="1200" cap="none" spc="0" normalizeH="0" baseline="0" noProof="0" dirty="0">
+                          <a:ln>
+                            <a:noFill/>
+                          </a:ln>
+                          <a:solidFill>
+                            <a:prstClr val="black"/>
+                          </a:solidFill>
+                          <a:effectLst/>
+                          <a:uLnTx/>
+                          <a:uFillTx/>
+                          <a:latin typeface="+mn-lt"/>
+                          <a:ea typeface="+mn-ea"/>
+                          <a:cs typeface="+mn-cs"/>
+                          <a:sym typeface="Wingdings" panose="05000000000000000000" pitchFamily="2" charset="2"/>
+                        </a:rPr>
+                        <a:t></a:t>
+                      </a:r>
+                      <a:endParaRPr kumimoji="0" lang="zh-TW" altLang="en-US" sz="4400" b="0" i="0" u="none" strike="noStrike" kern="1200" cap="none" spc="0" normalizeH="0" baseline="0" noProof="0" dirty="0">
+                        <a:ln>
+                          <a:noFill/>
+                        </a:ln>
+                        <a:solidFill>
+                          <a:prstClr val="black"/>
+                        </a:solidFill>
+                        <a:effectLst/>
+                        <a:uLnTx/>
+                        <a:uFillTx/>
+                        <a:latin typeface="+mn-lt"/>
+                        <a:ea typeface="+mn-ea"/>
+                        <a:cs typeface="+mn-cs"/>
+                      </a:endParaRPr>
+                    </a:p>
+                  </a:txBody>
+                  <a:tcPr anchor="ctr"/>
+                </a:tc>
+                <a:tc>
+                  <a:txBody>
+                    <a:bodyPr/>
+                    <a:lstStyle/>
+                    <a:p>
+                      <a:pPr algn="ctr"/>
                       <a:endParaRPr lang="zh-TW" altLang="en-US" dirty="0"/>
                     </a:p>
                   </a:txBody>
-                  <a:tcPr/>
-                </a:tc>
-                <a:tc>
-                  <a:txBody>
-                    <a:bodyPr/>
-                    <a:lstStyle/>
-                    <a:p>
-                      <a:endParaRPr lang="zh-TW" altLang="en-US" dirty="0"/>
-                    </a:p>
-                  </a:txBody>
-                  <a:tcPr/>
-                </a:tc>
-                <a:tc>
-                  <a:txBody>
-                    <a:bodyPr/>
-                    <a:lstStyle/>
-                    <a:p>
-                      <a:endParaRPr lang="zh-TW" altLang="en-US" dirty="0"/>
-                    </a:p>
-                  </a:txBody>
-                  <a:tcPr/>
+                  <a:tcPr anchor="ctr"/>
+                </a:tc>
+                <a:tc>
+                  <a:txBody>
+                    <a:bodyPr/>
+                    <a:lstStyle/>
+                    <a:p>
+                      <a:pPr marL="0" marR="0" lvl="0" indent="0" algn="ctr" defTabSz="914400" rtl="0" eaLnBrk="1" fontAlgn="auto" latinLnBrk="0" hangingPunct="1">
+                        <a:lnSpc>
+                          <a:spcPct val="100000"/>
+                        </a:lnSpc>
+                        <a:spcBef>
+                          <a:spcPts val="0"/>
+                        </a:spcBef>
+                        <a:spcAft>
+                          <a:spcPts val="0"/>
+                        </a:spcAft>
+                        <a:buClrTx/>
+                        <a:buSzTx/>
+                        <a:buFontTx/>
+                        <a:buNone/>
+                        <a:tabLst/>
+                        <a:defRPr/>
+                      </a:pPr>
+                      <a:r>
+                        <a:rPr kumimoji="0" lang="en-US" altLang="zh-TW" sz="4400" b="0" i="0" u="none" strike="noStrike" kern="1200" cap="none" spc="0" normalizeH="0" baseline="0" noProof="0" dirty="0">
+                          <a:ln>
+                            <a:noFill/>
+                          </a:ln>
+                          <a:solidFill>
+                            <a:prstClr val="black"/>
+                          </a:solidFill>
+                          <a:effectLst/>
+                          <a:uLnTx/>
+                          <a:uFillTx/>
+                          <a:latin typeface="+mn-lt"/>
+                          <a:ea typeface="+mn-ea"/>
+                          <a:cs typeface="+mn-cs"/>
+                          <a:sym typeface="Wingdings" panose="05000000000000000000" pitchFamily="2" charset="2"/>
+                        </a:rPr>
+                        <a:t></a:t>
+                      </a:r>
+                      <a:endParaRPr kumimoji="0" lang="zh-TW" altLang="en-US" sz="4400" b="0" i="0" u="none" strike="noStrike" kern="1200" cap="none" spc="0" normalizeH="0" baseline="0" noProof="0" dirty="0">
+                        <a:ln>
+                          <a:noFill/>
+                        </a:ln>
+                        <a:solidFill>
+                          <a:prstClr val="black"/>
+                        </a:solidFill>
+                        <a:effectLst/>
+                        <a:uLnTx/>
+                        <a:uFillTx/>
+                        <a:latin typeface="+mn-lt"/>
+                        <a:ea typeface="+mn-ea"/>
+                        <a:cs typeface="+mn-cs"/>
+                      </a:endParaRPr>
+                    </a:p>
+                  </a:txBody>
+                  <a:tcPr anchor="ctr"/>
                 </a:tc>
                 <a:extLst>
                   <a:ext uri="{0D108BD9-81ED-4DB2-BD59-A6C34878D82A}">
@@ -6435,7 +6880,7 @@
                     <a:bodyPr/>
                     <a:lstStyle/>
                     <a:p>
-                      <a:pPr marL="0" marR="0" lvl="0" indent="0" algn="l" defTabSz="914400" rtl="0" eaLnBrk="1" fontAlgn="auto" latinLnBrk="0" hangingPunct="1">
+                      <a:pPr marL="0" marR="0" lvl="0" indent="0" algn="ctr" defTabSz="914400" rtl="0" eaLnBrk="1" fontAlgn="auto" latinLnBrk="0" hangingPunct="1">
                         <a:lnSpc>
                           <a:spcPct val="100000"/>
                         </a:lnSpc>
@@ -6455,87 +6900,117 @@
                       <a:endParaRPr lang="zh-TW" altLang="en-US" dirty="0"/>
                     </a:p>
                   </a:txBody>
-                  <a:tcPr/>
-                </a:tc>
-                <a:tc>
-                  <a:txBody>
-                    <a:bodyPr/>
-                    <a:lstStyle/>
-                    <a:p>
+                  <a:tcPr anchor="ctr"/>
+                </a:tc>
+                <a:tc>
+                  <a:txBody>
+                    <a:bodyPr/>
+                    <a:lstStyle/>
+                    <a:p>
+                      <a:pPr algn="ctr"/>
                       <a:endParaRPr lang="zh-TW" altLang="en-US" dirty="0"/>
                     </a:p>
                   </a:txBody>
-                  <a:tcPr/>
-                </a:tc>
-                <a:tc>
-                  <a:txBody>
-                    <a:bodyPr/>
-                    <a:lstStyle/>
-                    <a:p>
+                  <a:tcPr anchor="ctr"/>
+                </a:tc>
+                <a:tc>
+                  <a:txBody>
+                    <a:bodyPr/>
+                    <a:lstStyle/>
+                    <a:p>
+                      <a:pPr algn="ctr"/>
                       <a:endParaRPr lang="zh-TW" altLang="en-US" dirty="0"/>
                     </a:p>
                   </a:txBody>
-                  <a:tcPr/>
-                </a:tc>
-                <a:tc>
-                  <a:txBody>
-                    <a:bodyPr/>
-                    <a:lstStyle/>
-                    <a:p>
+                  <a:tcPr anchor="ctr"/>
+                </a:tc>
+                <a:tc>
+                  <a:txBody>
+                    <a:bodyPr/>
+                    <a:lstStyle/>
+                    <a:p>
+                      <a:pPr algn="ctr"/>
                       <a:endParaRPr lang="zh-TW" altLang="en-US" dirty="0"/>
                     </a:p>
                   </a:txBody>
-                  <a:tcPr/>
-                </a:tc>
-                <a:tc>
-                  <a:txBody>
-                    <a:bodyPr/>
-                    <a:lstStyle/>
-                    <a:p>
+                  <a:tcPr anchor="ctr"/>
+                </a:tc>
+                <a:tc>
+                  <a:txBody>
+                    <a:bodyPr/>
+                    <a:lstStyle/>
+                    <a:p>
+                      <a:pPr algn="ctr"/>
                       <a:endParaRPr lang="zh-TW" altLang="en-US" dirty="0"/>
                     </a:p>
                   </a:txBody>
-                  <a:tcPr/>
-                </a:tc>
-                <a:tc>
-                  <a:txBody>
-                    <a:bodyPr/>
-                    <a:lstStyle/>
-                    <a:p>
+                  <a:tcPr anchor="ctr"/>
+                </a:tc>
+                <a:tc>
+                  <a:txBody>
+                    <a:bodyPr/>
+                    <a:lstStyle/>
+                    <a:p>
+                      <a:pPr algn="ctr"/>
                       <a:endParaRPr lang="zh-TW" altLang="en-US" dirty="0"/>
                     </a:p>
                   </a:txBody>
-                  <a:tcPr/>
-                </a:tc>
-                <a:tc>
-                  <a:txBody>
-                    <a:bodyPr/>
-                    <a:lstStyle/>
-                    <a:p>
+                  <a:tcPr anchor="ctr"/>
+                </a:tc>
+                <a:tc>
+                  <a:txBody>
+                    <a:bodyPr/>
+                    <a:lstStyle/>
+                    <a:p>
+                      <a:pPr algn="ctr"/>
                       <a:endParaRPr lang="zh-TW" altLang="en-US" dirty="0"/>
                     </a:p>
                   </a:txBody>
-                  <a:tcPr/>
-                </a:tc>
-                <a:tc>
-                  <a:txBody>
-                    <a:bodyPr/>
-                    <a:lstStyle/>
-                    <a:p>
+                  <a:tcPr anchor="ctr"/>
+                </a:tc>
+                <a:tc>
+                  <a:txBody>
+                    <a:bodyPr/>
+                    <a:lstStyle/>
+                    <a:p>
+                      <a:pPr algn="ctr"/>
                       <a:endParaRPr lang="zh-TW" altLang="en-US" dirty="0"/>
                     </a:p>
                   </a:txBody>
-                  <a:tcPr/>
-                </a:tc>
-                <a:tc>
-                  <a:txBody>
-                    <a:bodyPr/>
-                    <a:lstStyle/>
-                    <a:p>
+                  <a:tcPr anchor="ctr"/>
+                </a:tc>
+                <a:tc>
+                  <a:txBody>
+                    <a:bodyPr/>
+                    <a:lstStyle/>
+                    <a:p>
+                      <a:pPr algn="ctr"/>
                       <a:endParaRPr lang="zh-TW" altLang="en-US" dirty="0"/>
                     </a:p>
                   </a:txBody>
-                  <a:tcPr/>
+                  <a:tcPr anchor="ctr"/>
+                </a:tc>
+                <a:tc>
+                  <a:txBody>
+                    <a:bodyPr/>
+                    <a:lstStyle/>
+                    <a:p>
+                      <a:pPr algn="ctr"/>
+                      <a:endParaRPr lang="zh-TW" altLang="en-US" dirty="0"/>
+                    </a:p>
+                  </a:txBody>
+                  <a:tcPr anchor="ctr"/>
+                </a:tc>
+                <a:tc>
+                  <a:txBody>
+                    <a:bodyPr/>
+                    <a:lstStyle/>
+                    <a:p>
+                      <a:pPr algn="ctr"/>
+                      <a:endParaRPr lang="zh-TW" altLang="en-US" dirty="0"/>
+                    </a:p>
+                  </a:txBody>
+                  <a:tcPr anchor="ctr"/>
                 </a:tc>
                 <a:extLst>
                   <a:ext uri="{0D108BD9-81ED-4DB2-BD59-A6C34878D82A}">
@@ -6549,7 +7024,7 @@
                     <a:bodyPr/>
                     <a:lstStyle/>
                     <a:p>
-                      <a:pPr marL="0" marR="0" lvl="0" indent="0" algn="l" defTabSz="914400" rtl="0" eaLnBrk="1" fontAlgn="auto" latinLnBrk="0" hangingPunct="1">
+                      <a:pPr marL="0" marR="0" lvl="0" indent="0" algn="ctr" defTabSz="914400" rtl="0" eaLnBrk="1" fontAlgn="auto" latinLnBrk="0" hangingPunct="1">
                         <a:lnSpc>
                           <a:spcPct val="100000"/>
                         </a:lnSpc>
@@ -6573,281 +7048,7 @@
                       <a:endParaRPr lang="zh-TW" altLang="en-US" dirty="0"/>
                     </a:p>
                   </a:txBody>
-                  <a:tcPr/>
-                </a:tc>
-                <a:tc>
-                  <a:txBody>
-                    <a:bodyPr/>
-                    <a:lstStyle/>
-                    <a:p>
-                      <a:endParaRPr lang="zh-TW" altLang="en-US" dirty="0"/>
-                    </a:p>
-                  </a:txBody>
-                  <a:tcPr/>
-                </a:tc>
-                <a:tc>
-                  <a:txBody>
-                    <a:bodyPr/>
-                    <a:lstStyle/>
-                    <a:p>
-                      <a:endParaRPr lang="zh-TW" altLang="en-US" dirty="0"/>
-                    </a:p>
-                  </a:txBody>
-                  <a:tcPr/>
-                </a:tc>
-                <a:tc>
-                  <a:txBody>
-                    <a:bodyPr/>
-                    <a:lstStyle/>
-                    <a:p>
-                      <a:endParaRPr lang="zh-TW" altLang="en-US" dirty="0"/>
-                    </a:p>
-                  </a:txBody>
-                  <a:tcPr/>
-                </a:tc>
-                <a:tc>
-                  <a:txBody>
-                    <a:bodyPr/>
-                    <a:lstStyle/>
-                    <a:p>
-                      <a:endParaRPr lang="zh-TW" altLang="en-US" dirty="0"/>
-                    </a:p>
-                  </a:txBody>
-                  <a:tcPr/>
-                </a:tc>
-                <a:tc>
-                  <a:txBody>
-                    <a:bodyPr/>
-                    <a:lstStyle/>
-                    <a:p>
-                      <a:endParaRPr lang="zh-TW" altLang="en-US" dirty="0"/>
-                    </a:p>
-                  </a:txBody>
-                  <a:tcPr/>
-                </a:tc>
-                <a:tc>
-                  <a:txBody>
-                    <a:bodyPr/>
-                    <a:lstStyle/>
-                    <a:p>
-                      <a:endParaRPr lang="zh-TW" altLang="en-US" dirty="0"/>
-                    </a:p>
-                  </a:txBody>
-                  <a:tcPr/>
-                </a:tc>
-                <a:tc>
-                  <a:txBody>
-                    <a:bodyPr/>
-                    <a:lstStyle/>
-                    <a:p>
-                      <a:endParaRPr lang="zh-TW" altLang="en-US" dirty="0"/>
-                    </a:p>
-                  </a:txBody>
-                  <a:tcPr/>
-                </a:tc>
-                <a:tc>
-                  <a:txBody>
-                    <a:bodyPr/>
-                    <a:lstStyle/>
-                    <a:p>
-                      <a:endParaRPr lang="zh-TW" altLang="en-US" dirty="0"/>
-                    </a:p>
-                  </a:txBody>
-                  <a:tcPr/>
-                </a:tc>
-                <a:extLst>
-                  <a:ext uri="{0D108BD9-81ED-4DB2-BD59-A6C34878D82A}">
-                    <a16:rowId xmlns:a16="http://schemas.microsoft.com/office/drawing/2014/main" val="3645912847"/>
-                  </a:ext>
-                </a:extLst>
-              </a:tr>
-              <a:tr h="324000">
-                <a:tc>
-                  <a:txBody>
-                    <a:bodyPr/>
-                    <a:lstStyle/>
-                    <a:p>
-                      <a:endParaRPr lang="zh-TW" altLang="en-US" dirty="0"/>
-                    </a:p>
-                  </a:txBody>
-                  <a:tcPr/>
-                </a:tc>
-                <a:tc>
-                  <a:txBody>
-                    <a:bodyPr/>
-                    <a:lstStyle/>
-                    <a:p>
-                      <a:endParaRPr lang="zh-TW" altLang="en-US" dirty="0"/>
-                    </a:p>
-                  </a:txBody>
-                  <a:tcPr>
-                    <a:lnB w="12700" cap="flat" cmpd="sng" algn="ctr">
-                      <a:solidFill>
-                        <a:schemeClr val="tx1"/>
-                      </a:solidFill>
-                      <a:prstDash val="solid"/>
-                      <a:round/>
-                      <a:headEnd type="none" w="med" len="med"/>
-                      <a:tailEnd type="none" w="med" len="med"/>
-                    </a:lnB>
-                  </a:tcPr>
-                </a:tc>
-                <a:tc>
-                  <a:txBody>
-                    <a:bodyPr/>
-                    <a:lstStyle/>
-                    <a:p>
-                      <a:endParaRPr lang="zh-TW" altLang="en-US" dirty="0"/>
-                    </a:p>
-                  </a:txBody>
-                  <a:tcPr>
-                    <a:lnB w="12700" cap="flat" cmpd="sng" algn="ctr">
-                      <a:solidFill>
-                        <a:schemeClr val="tx1"/>
-                      </a:solidFill>
-                      <a:prstDash val="solid"/>
-                      <a:round/>
-                      <a:headEnd type="none" w="med" len="med"/>
-                      <a:tailEnd type="none" w="med" len="med"/>
-                    </a:lnB>
-                  </a:tcPr>
-                </a:tc>
-                <a:tc>
-                  <a:txBody>
-                    <a:bodyPr/>
-                    <a:lstStyle/>
-                    <a:p>
-                      <a:endParaRPr lang="zh-TW" altLang="en-US" dirty="0"/>
-                    </a:p>
-                  </a:txBody>
-                  <a:tcPr>
-                    <a:lnB w="12700" cap="flat" cmpd="sng" algn="ctr">
-                      <a:solidFill>
-                        <a:schemeClr val="tx1"/>
-                      </a:solidFill>
-                      <a:prstDash val="solid"/>
-                      <a:round/>
-                      <a:headEnd type="none" w="med" len="med"/>
-                      <a:tailEnd type="none" w="med" len="med"/>
-                    </a:lnB>
-                  </a:tcPr>
-                </a:tc>
-                <a:tc>
-                  <a:txBody>
-                    <a:bodyPr/>
-                    <a:lstStyle/>
-                    <a:p>
-                      <a:endParaRPr lang="zh-TW" altLang="en-US" dirty="0"/>
-                    </a:p>
-                  </a:txBody>
-                  <a:tcPr>
-                    <a:lnB w="12700" cap="flat" cmpd="sng" algn="ctr">
-                      <a:solidFill>
-                        <a:schemeClr val="tx1"/>
-                      </a:solidFill>
-                      <a:prstDash val="solid"/>
-                      <a:round/>
-                      <a:headEnd type="none" w="med" len="med"/>
-                      <a:tailEnd type="none" w="med" len="med"/>
-                    </a:lnB>
-                  </a:tcPr>
-                </a:tc>
-                <a:tc>
-                  <a:txBody>
-                    <a:bodyPr/>
-                    <a:lstStyle/>
-                    <a:p>
-                      <a:endParaRPr lang="zh-TW" altLang="en-US" dirty="0"/>
-                    </a:p>
-                  </a:txBody>
-                  <a:tcPr>
-                    <a:lnB w="12700" cap="flat" cmpd="sng" algn="ctr">
-                      <a:solidFill>
-                        <a:schemeClr val="tx1"/>
-                      </a:solidFill>
-                      <a:prstDash val="solid"/>
-                      <a:round/>
-                      <a:headEnd type="none" w="med" len="med"/>
-                      <a:tailEnd type="none" w="med" len="med"/>
-                    </a:lnB>
-                  </a:tcPr>
-                </a:tc>
-                <a:tc>
-                  <a:txBody>
-                    <a:bodyPr/>
-                    <a:lstStyle/>
-                    <a:p>
-                      <a:endParaRPr lang="zh-TW" altLang="en-US" dirty="0"/>
-                    </a:p>
-                  </a:txBody>
-                  <a:tcPr>
-                    <a:lnB w="12700" cap="flat" cmpd="sng" algn="ctr">
-                      <a:solidFill>
-                        <a:schemeClr val="tx1"/>
-                      </a:solidFill>
-                      <a:prstDash val="solid"/>
-                      <a:round/>
-                      <a:headEnd type="none" w="med" len="med"/>
-                      <a:tailEnd type="none" w="med" len="med"/>
-                    </a:lnB>
-                  </a:tcPr>
-                </a:tc>
-                <a:tc>
-                  <a:txBody>
-                    <a:bodyPr/>
-                    <a:lstStyle/>
-                    <a:p>
-                      <a:endParaRPr lang="zh-TW" altLang="en-US" dirty="0"/>
-                    </a:p>
-                  </a:txBody>
-                  <a:tcPr>
-                    <a:lnB w="12700" cap="flat" cmpd="sng" algn="ctr">
-                      <a:solidFill>
-                        <a:schemeClr val="tx1"/>
-                      </a:solidFill>
-                      <a:prstDash val="solid"/>
-                      <a:round/>
-                      <a:headEnd type="none" w="med" len="med"/>
-                      <a:tailEnd type="none" w="med" len="med"/>
-                    </a:lnB>
-                  </a:tcPr>
-                </a:tc>
-                <a:tc>
-                  <a:txBody>
-                    <a:bodyPr/>
-                    <a:lstStyle/>
-                    <a:p>
-                      <a:endParaRPr lang="zh-TW" altLang="en-US" dirty="0"/>
-                    </a:p>
-                  </a:txBody>
-                  <a:tcPr>
-                    <a:lnB w="12700" cap="flat" cmpd="sng" algn="ctr">
-                      <a:solidFill>
-                        <a:schemeClr val="tx1"/>
-                      </a:solidFill>
-                      <a:prstDash val="solid"/>
-                      <a:round/>
-                      <a:headEnd type="none" w="med" len="med"/>
-                      <a:tailEnd type="none" w="med" len="med"/>
-                    </a:lnB>
-                  </a:tcPr>
-                </a:tc>
-                <a:extLst>
-                  <a:ext uri="{0D108BD9-81ED-4DB2-BD59-A6C34878D82A}">
-                    <a16:rowId xmlns:a16="http://schemas.microsoft.com/office/drawing/2014/main" val="2894808698"/>
-                  </a:ext>
-                </a:extLst>
-              </a:tr>
-              <a:tr h="324000">
-                <a:tc>
-                  <a:txBody>
-                    <a:bodyPr/>
-                    <a:lstStyle/>
-                    <a:p>
-                      <a:endParaRPr lang="zh-TW" altLang="en-US" dirty="0"/>
-                    </a:p>
-                  </a:txBody>
-                  <a:tcPr/>
+                  <a:tcPr anchor="ctr"/>
                 </a:tc>
                 <a:tc>
                   <a:txBody>
@@ -6858,17 +7059,7 @@
                       <a:endParaRPr lang="zh-TW" altLang="en-US" dirty="0"/>
                     </a:p>
                   </a:txBody>
-                  <a:tcPr>
-                    <a:lnT w="12700" cap="flat" cmpd="sng" algn="ctr">
-                      <a:solidFill>
-                        <a:schemeClr val="tx1"/>
-                      </a:solidFill>
-                      <a:prstDash val="solid"/>
-                      <a:round/>
-                      <a:headEnd type="none" w="med" len="med"/>
-                      <a:tailEnd type="none" w="med" len="med"/>
-                    </a:lnT>
-                  </a:tcPr>
+                  <a:tcPr anchor="ctr"/>
                 </a:tc>
                 <a:tc>
                   <a:txBody>
@@ -6892,20 +7083,41 @@
                         <a:tabLst/>
                         <a:defRPr/>
                       </a:pPr>
-                      <a:endParaRPr lang="zh-TW" altLang="en-US" dirty="0"/>
-                    </a:p>
-                  </a:txBody>
-                  <a:tcPr>
-                    <a:lnT w="12700" cap="flat" cmpd="sng" algn="ctr">
-                      <a:solidFill>
-                        <a:schemeClr val="tx1"/>
-                      </a:solidFill>
-                      <a:prstDash val="solid"/>
-                      <a:round/>
-                      <a:headEnd type="none" w="med" len="med"/>
-                      <a:tailEnd type="none" w="med" len="med"/>
-                    </a:lnT>
-                  </a:tcPr>
+                      <a:r>
+                        <a:rPr kumimoji="0" lang="en-US" altLang="zh-TW" sz="4400" b="0" i="0" u="none" strike="noStrike" kern="1200" cap="none" spc="0" normalizeH="0" baseline="0" noProof="0" dirty="0">
+                          <a:ln>
+                            <a:noFill/>
+                          </a:ln>
+                          <a:solidFill>
+                            <a:prstClr val="black"/>
+                          </a:solidFill>
+                          <a:effectLst/>
+                          <a:uLnTx/>
+                          <a:uFillTx/>
+                          <a:latin typeface="+mn-lt"/>
+                          <a:ea typeface="+mn-ea"/>
+                          <a:cs typeface="+mn-cs"/>
+                          <a:sym typeface="Wingdings" panose="05000000000000000000" pitchFamily="2" charset="2"/>
+                        </a:rPr>
+                        <a:t></a:t>
+                      </a:r>
+                      <a:endParaRPr kumimoji="0" lang="zh-TW" altLang="en-US" sz="4400" b="0" i="0" u="none" strike="noStrike" kern="1200" cap="none" spc="0" normalizeH="0" baseline="0" noProof="0" dirty="0">
+                        <a:ln>
+                          <a:noFill/>
+                        </a:ln>
+                        <a:solidFill>
+                          <a:prstClr val="black"/>
+                        </a:solidFill>
+                        <a:effectLst/>
+                        <a:uLnTx/>
+                        <a:uFillTx/>
+                        <a:latin typeface="+mn-lt"/>
+                        <a:ea typeface="+mn-ea"/>
+                        <a:cs typeface="+mn-cs"/>
+                      </a:endParaRPr>
+                    </a:p>
+                  </a:txBody>
+                  <a:tcPr anchor="ctr"/>
                 </a:tc>
                 <a:tc>
                   <a:txBody>
@@ -6916,17 +7128,7 @@
                       <a:endParaRPr lang="zh-TW" altLang="en-US" dirty="0"/>
                     </a:p>
                   </a:txBody>
-                  <a:tcPr>
-                    <a:lnT w="12700" cap="flat" cmpd="sng" algn="ctr">
-                      <a:solidFill>
-                        <a:schemeClr val="tx1"/>
-                      </a:solidFill>
-                      <a:prstDash val="solid"/>
-                      <a:round/>
-                      <a:headEnd type="none" w="med" len="med"/>
-                      <a:tailEnd type="none" w="med" len="med"/>
-                    </a:lnT>
-                  </a:tcPr>
+                  <a:tcPr anchor="ctr"/>
                 </a:tc>
                 <a:tc>
                   <a:txBody>
@@ -6950,20 +7152,23 @@
                         <a:tabLst/>
                         <a:defRPr/>
                       </a:pPr>
-                      <a:endParaRPr lang="zh-TW" altLang="en-US" dirty="0"/>
-                    </a:p>
-                  </a:txBody>
-                  <a:tcPr>
-                    <a:lnT w="12700" cap="flat" cmpd="sng" algn="ctr">
-                      <a:solidFill>
-                        <a:schemeClr val="tx1"/>
-                      </a:solidFill>
-                      <a:prstDash val="solid"/>
-                      <a:round/>
-                      <a:headEnd type="none" w="med" len="med"/>
-                      <a:tailEnd type="none" w="med" len="med"/>
-                    </a:lnT>
-                  </a:tcPr>
+                      <a:endParaRPr kumimoji="0" lang="zh-TW" altLang="en-US" sz="4400" b="0" i="0" u="none" strike="noStrike" kern="1200" cap="none" spc="0" normalizeH="0" baseline="0" noProof="0" dirty="0">
+                        <a:ln>
+                          <a:noFill/>
+                        </a:ln>
+                        <a:solidFill>
+                          <a:prstClr val="black"/>
+                        </a:solidFill>
+                        <a:effectLst/>
+                        <a:uLnTx/>
+                        <a:uFillTx/>
+                        <a:latin typeface="+mn-lt"/>
+                        <a:ea typeface="+mn-ea"/>
+                        <a:cs typeface="+mn-cs"/>
+                      </a:endParaRPr>
+                    </a:p>
+                  </a:txBody>
+                  <a:tcPr anchor="ctr"/>
                 </a:tc>
                 <a:tc>
                   <a:txBody>
@@ -6974,17 +7179,7 @@
                       <a:endParaRPr lang="zh-TW" altLang="en-US" dirty="0"/>
                     </a:p>
                   </a:txBody>
-                  <a:tcPr>
-                    <a:lnT w="12700" cap="flat" cmpd="sng" algn="ctr">
-                      <a:solidFill>
-                        <a:schemeClr val="tx1"/>
-                      </a:solidFill>
-                      <a:prstDash val="solid"/>
-                      <a:round/>
-                      <a:headEnd type="none" w="med" len="med"/>
-                      <a:tailEnd type="none" w="med" len="med"/>
-                    </a:lnT>
-                  </a:tcPr>
+                  <a:tcPr anchor="ctr"/>
                 </a:tc>
                 <a:tc>
                   <a:txBody>
@@ -7008,10 +7203,435 @@
                         <a:tabLst/>
                         <a:defRPr/>
                       </a:pPr>
+                      <a:r>
+                        <a:rPr kumimoji="0" lang="en-US" altLang="zh-TW" sz="4400" b="0" i="0" u="none" strike="noStrike" kern="1200" cap="none" spc="0" normalizeH="0" baseline="0" noProof="0" dirty="0">
+                          <a:ln>
+                            <a:noFill/>
+                          </a:ln>
+                          <a:solidFill>
+                            <a:prstClr val="black"/>
+                          </a:solidFill>
+                          <a:effectLst/>
+                          <a:uLnTx/>
+                          <a:uFillTx/>
+                          <a:latin typeface="+mn-lt"/>
+                          <a:ea typeface="+mn-ea"/>
+                          <a:cs typeface="+mn-cs"/>
+                          <a:sym typeface="Wingdings" panose="05000000000000000000" pitchFamily="2" charset="2"/>
+                        </a:rPr>
+                        <a:t></a:t>
+                      </a:r>
+                      <a:endParaRPr kumimoji="0" lang="zh-TW" altLang="en-US" sz="4400" b="0" i="0" u="none" strike="noStrike" kern="1200" cap="none" spc="0" normalizeH="0" baseline="0" noProof="0" dirty="0">
+                        <a:ln>
+                          <a:noFill/>
+                        </a:ln>
+                        <a:solidFill>
+                          <a:prstClr val="black"/>
+                        </a:solidFill>
+                        <a:effectLst/>
+                        <a:uLnTx/>
+                        <a:uFillTx/>
+                        <a:latin typeface="+mn-lt"/>
+                        <a:ea typeface="+mn-ea"/>
+                        <a:cs typeface="+mn-cs"/>
+                      </a:endParaRPr>
+                    </a:p>
+                  </a:txBody>
+                  <a:tcPr anchor="ctr"/>
+                </a:tc>
+                <a:tc>
+                  <a:txBody>
+                    <a:bodyPr/>
+                    <a:lstStyle/>
+                    <a:p>
+                      <a:pPr algn="ctr"/>
                       <a:endParaRPr lang="zh-TW" altLang="en-US" dirty="0"/>
                     </a:p>
                   </a:txBody>
-                  <a:tcPr>
+                  <a:tcPr anchor="ctr"/>
+                </a:tc>
+                <a:tc>
+                  <a:txBody>
+                    <a:bodyPr/>
+                    <a:lstStyle/>
+                    <a:p>
+                      <a:pPr marL="0" marR="0" lvl="0" indent="0" algn="ctr" defTabSz="914400" rtl="0" eaLnBrk="1" fontAlgn="auto" latinLnBrk="0" hangingPunct="1">
+                        <a:lnSpc>
+                          <a:spcPct val="100000"/>
+                        </a:lnSpc>
+                        <a:spcBef>
+                          <a:spcPts val="0"/>
+                        </a:spcBef>
+                        <a:spcAft>
+                          <a:spcPts val="0"/>
+                        </a:spcAft>
+                        <a:buClrTx/>
+                        <a:buSzTx/>
+                        <a:buFontTx/>
+                        <a:buNone/>
+                        <a:tabLst/>
+                        <a:defRPr/>
+                      </a:pPr>
+                      <a:r>
+                        <a:rPr kumimoji="0" lang="en-US" altLang="zh-TW" sz="4400" b="0" i="0" u="none" strike="noStrike" kern="1200" cap="none" spc="0" normalizeH="0" baseline="0" noProof="0" dirty="0">
+                          <a:ln>
+                            <a:noFill/>
+                          </a:ln>
+                          <a:solidFill>
+                            <a:prstClr val="black"/>
+                          </a:solidFill>
+                          <a:effectLst/>
+                          <a:uLnTx/>
+                          <a:uFillTx/>
+                          <a:latin typeface="+mn-lt"/>
+                          <a:ea typeface="+mn-ea"/>
+                          <a:cs typeface="+mn-cs"/>
+                          <a:sym typeface="Wingdings" panose="05000000000000000000" pitchFamily="2" charset="2"/>
+                        </a:rPr>
+                        <a:t></a:t>
+                      </a:r>
+                      <a:endParaRPr kumimoji="0" lang="zh-TW" altLang="en-US" sz="4400" b="0" i="0" u="none" strike="noStrike" kern="1200" cap="none" spc="0" normalizeH="0" baseline="0" noProof="0" dirty="0">
+                        <a:ln>
+                          <a:noFill/>
+                        </a:ln>
+                        <a:solidFill>
+                          <a:prstClr val="black"/>
+                        </a:solidFill>
+                        <a:effectLst/>
+                        <a:uLnTx/>
+                        <a:uFillTx/>
+                        <a:latin typeface="+mn-lt"/>
+                        <a:ea typeface="+mn-ea"/>
+                        <a:cs typeface="+mn-cs"/>
+                      </a:endParaRPr>
+                    </a:p>
+                  </a:txBody>
+                  <a:tcPr anchor="ctr"/>
+                </a:tc>
+                <a:tc>
+                  <a:txBody>
+                    <a:bodyPr/>
+                    <a:lstStyle/>
+                    <a:p>
+                      <a:pPr algn="ctr"/>
+                      <a:endParaRPr lang="zh-TW" altLang="en-US" dirty="0"/>
+                    </a:p>
+                  </a:txBody>
+                  <a:tcPr anchor="ctr"/>
+                </a:tc>
+                <a:tc>
+                  <a:txBody>
+                    <a:bodyPr/>
+                    <a:lstStyle/>
+                    <a:p>
+                      <a:pPr marL="0" marR="0" lvl="0" indent="0" algn="ctr" defTabSz="914400" rtl="0" eaLnBrk="1" fontAlgn="auto" latinLnBrk="0" hangingPunct="1">
+                        <a:lnSpc>
+                          <a:spcPct val="100000"/>
+                        </a:lnSpc>
+                        <a:spcBef>
+                          <a:spcPts val="0"/>
+                        </a:spcBef>
+                        <a:spcAft>
+                          <a:spcPts val="0"/>
+                        </a:spcAft>
+                        <a:buClrTx/>
+                        <a:buSzTx/>
+                        <a:buFontTx/>
+                        <a:buNone/>
+                        <a:tabLst/>
+                        <a:defRPr/>
+                      </a:pPr>
+                      <a:r>
+                        <a:rPr kumimoji="0" lang="en-US" altLang="zh-TW" sz="4400" b="0" i="0" u="none" strike="noStrike" kern="1200" cap="none" spc="0" normalizeH="0" baseline="0" noProof="0" dirty="0">
+                          <a:ln>
+                            <a:noFill/>
+                          </a:ln>
+                          <a:solidFill>
+                            <a:prstClr val="black"/>
+                          </a:solidFill>
+                          <a:effectLst/>
+                          <a:uLnTx/>
+                          <a:uFillTx/>
+                          <a:latin typeface="+mn-lt"/>
+                          <a:ea typeface="+mn-ea"/>
+                          <a:cs typeface="+mn-cs"/>
+                          <a:sym typeface="Wingdings" panose="05000000000000000000" pitchFamily="2" charset="2"/>
+                        </a:rPr>
+                        <a:t></a:t>
+                      </a:r>
+                      <a:endParaRPr kumimoji="0" lang="zh-TW" altLang="en-US" sz="4400" b="0" i="0" u="none" strike="noStrike" kern="1200" cap="none" spc="0" normalizeH="0" baseline="0" noProof="0" dirty="0">
+                        <a:ln>
+                          <a:noFill/>
+                        </a:ln>
+                        <a:solidFill>
+                          <a:prstClr val="black"/>
+                        </a:solidFill>
+                        <a:effectLst/>
+                        <a:uLnTx/>
+                        <a:uFillTx/>
+                        <a:latin typeface="+mn-lt"/>
+                        <a:ea typeface="+mn-ea"/>
+                        <a:cs typeface="+mn-cs"/>
+                      </a:endParaRPr>
+                    </a:p>
+                  </a:txBody>
+                  <a:tcPr anchor="ctr"/>
+                </a:tc>
+                <a:extLst>
+                  <a:ext uri="{0D108BD9-81ED-4DB2-BD59-A6C34878D82A}">
+                    <a16:rowId xmlns:a16="http://schemas.microsoft.com/office/drawing/2014/main" val="3645912847"/>
+                  </a:ext>
+                </a:extLst>
+              </a:tr>
+              <a:tr h="324000">
+                <a:tc>
+                  <a:txBody>
+                    <a:bodyPr/>
+                    <a:lstStyle/>
+                    <a:p>
+                      <a:pPr algn="ctr"/>
+                      <a:endParaRPr lang="zh-TW" altLang="en-US" dirty="0"/>
+                    </a:p>
+                  </a:txBody>
+                  <a:tcPr anchor="ctr">
+                    <a:lnB w="12700" cap="flat" cmpd="sng" algn="ctr">
+                      <a:solidFill>
+                        <a:schemeClr val="tx1"/>
+                      </a:solidFill>
+                      <a:prstDash val="solid"/>
+                      <a:round/>
+                      <a:headEnd type="none" w="med" len="med"/>
+                      <a:tailEnd type="none" w="med" len="med"/>
+                    </a:lnB>
+                  </a:tcPr>
+                </a:tc>
+                <a:tc>
+                  <a:txBody>
+                    <a:bodyPr/>
+                    <a:lstStyle/>
+                    <a:p>
+                      <a:pPr algn="ctr"/>
+                      <a:endParaRPr lang="zh-TW" altLang="en-US" dirty="0"/>
+                    </a:p>
+                  </a:txBody>
+                  <a:tcPr anchor="ctr">
+                    <a:lnB w="12700" cap="flat" cmpd="sng" algn="ctr">
+                      <a:solidFill>
+                        <a:schemeClr val="tx1"/>
+                      </a:solidFill>
+                      <a:prstDash val="solid"/>
+                      <a:round/>
+                      <a:headEnd type="none" w="med" len="med"/>
+                      <a:tailEnd type="none" w="med" len="med"/>
+                    </a:lnB>
+                  </a:tcPr>
+                </a:tc>
+                <a:tc>
+                  <a:txBody>
+                    <a:bodyPr/>
+                    <a:lstStyle/>
+                    <a:p>
+                      <a:pPr algn="ctr"/>
+                      <a:endParaRPr lang="zh-TW" altLang="en-US" dirty="0"/>
+                    </a:p>
+                  </a:txBody>
+                  <a:tcPr anchor="ctr">
+                    <a:lnB w="12700" cap="flat" cmpd="sng" algn="ctr">
+                      <a:solidFill>
+                        <a:schemeClr val="tx1"/>
+                      </a:solidFill>
+                      <a:prstDash val="solid"/>
+                      <a:round/>
+                      <a:headEnd type="none" w="med" len="med"/>
+                      <a:tailEnd type="none" w="med" len="med"/>
+                    </a:lnB>
+                  </a:tcPr>
+                </a:tc>
+                <a:tc>
+                  <a:txBody>
+                    <a:bodyPr/>
+                    <a:lstStyle/>
+                    <a:p>
+                      <a:pPr algn="ctr"/>
+                      <a:endParaRPr lang="zh-TW" altLang="en-US" dirty="0"/>
+                    </a:p>
+                  </a:txBody>
+                  <a:tcPr anchor="ctr">
+                    <a:lnB w="12700" cap="flat" cmpd="sng" algn="ctr">
+                      <a:solidFill>
+                        <a:schemeClr val="tx1"/>
+                      </a:solidFill>
+                      <a:prstDash val="solid"/>
+                      <a:round/>
+                      <a:headEnd type="none" w="med" len="med"/>
+                      <a:tailEnd type="none" w="med" len="med"/>
+                    </a:lnB>
+                  </a:tcPr>
+                </a:tc>
+                <a:tc>
+                  <a:txBody>
+                    <a:bodyPr/>
+                    <a:lstStyle/>
+                    <a:p>
+                      <a:pPr algn="ctr"/>
+                      <a:endParaRPr lang="zh-TW" altLang="en-US" dirty="0"/>
+                    </a:p>
+                  </a:txBody>
+                  <a:tcPr anchor="ctr">
+                    <a:lnB w="12700" cap="flat" cmpd="sng" algn="ctr">
+                      <a:solidFill>
+                        <a:schemeClr val="tx1"/>
+                      </a:solidFill>
+                      <a:prstDash val="solid"/>
+                      <a:round/>
+                      <a:headEnd type="none" w="med" len="med"/>
+                      <a:tailEnd type="none" w="med" len="med"/>
+                    </a:lnB>
+                  </a:tcPr>
+                </a:tc>
+                <a:tc>
+                  <a:txBody>
+                    <a:bodyPr/>
+                    <a:lstStyle/>
+                    <a:p>
+                      <a:pPr algn="ctr"/>
+                      <a:endParaRPr lang="zh-TW" altLang="en-US" dirty="0"/>
+                    </a:p>
+                  </a:txBody>
+                  <a:tcPr anchor="ctr">
+                    <a:lnB w="12700" cap="flat" cmpd="sng" algn="ctr">
+                      <a:solidFill>
+                        <a:schemeClr val="tx1"/>
+                      </a:solidFill>
+                      <a:prstDash val="solid"/>
+                      <a:round/>
+                      <a:headEnd type="none" w="med" len="med"/>
+                      <a:tailEnd type="none" w="med" len="med"/>
+                    </a:lnB>
+                  </a:tcPr>
+                </a:tc>
+                <a:tc>
+                  <a:txBody>
+                    <a:bodyPr/>
+                    <a:lstStyle/>
+                    <a:p>
+                      <a:pPr algn="ctr"/>
+                      <a:endParaRPr lang="zh-TW" altLang="en-US" dirty="0"/>
+                    </a:p>
+                  </a:txBody>
+                  <a:tcPr anchor="ctr">
+                    <a:lnB w="12700" cap="flat" cmpd="sng" algn="ctr">
+                      <a:solidFill>
+                        <a:schemeClr val="tx1"/>
+                      </a:solidFill>
+                      <a:prstDash val="solid"/>
+                      <a:round/>
+                      <a:headEnd type="none" w="med" len="med"/>
+                      <a:tailEnd type="none" w="med" len="med"/>
+                    </a:lnB>
+                  </a:tcPr>
+                </a:tc>
+                <a:tc>
+                  <a:txBody>
+                    <a:bodyPr/>
+                    <a:lstStyle/>
+                    <a:p>
+                      <a:pPr algn="ctr"/>
+                      <a:endParaRPr lang="zh-TW" altLang="en-US" dirty="0"/>
+                    </a:p>
+                  </a:txBody>
+                  <a:tcPr anchor="ctr">
+                    <a:lnB w="12700" cap="flat" cmpd="sng" algn="ctr">
+                      <a:solidFill>
+                        <a:schemeClr val="tx1"/>
+                      </a:solidFill>
+                      <a:prstDash val="solid"/>
+                      <a:round/>
+                      <a:headEnd type="none" w="med" len="med"/>
+                      <a:tailEnd type="none" w="med" len="med"/>
+                    </a:lnB>
+                  </a:tcPr>
+                </a:tc>
+                <a:tc>
+                  <a:txBody>
+                    <a:bodyPr/>
+                    <a:lstStyle/>
+                    <a:p>
+                      <a:pPr algn="ctr"/>
+                      <a:endParaRPr lang="zh-TW" altLang="en-US" dirty="0"/>
+                    </a:p>
+                  </a:txBody>
+                  <a:tcPr anchor="ctr">
+                    <a:lnB w="12700" cap="flat" cmpd="sng" algn="ctr">
+                      <a:solidFill>
+                        <a:schemeClr val="tx1"/>
+                      </a:solidFill>
+                      <a:prstDash val="solid"/>
+                      <a:round/>
+                      <a:headEnd type="none" w="med" len="med"/>
+                      <a:tailEnd type="none" w="med" len="med"/>
+                    </a:lnB>
+                  </a:tcPr>
+                </a:tc>
+                <a:tc>
+                  <a:txBody>
+                    <a:bodyPr/>
+                    <a:lstStyle/>
+                    <a:p>
+                      <a:pPr algn="ctr"/>
+                      <a:endParaRPr lang="zh-TW" altLang="en-US" dirty="0"/>
+                    </a:p>
+                  </a:txBody>
+                  <a:tcPr anchor="ctr">
+                    <a:lnB w="12700" cap="flat" cmpd="sng" algn="ctr">
+                      <a:solidFill>
+                        <a:schemeClr val="tx1"/>
+                      </a:solidFill>
+                      <a:prstDash val="solid"/>
+                      <a:round/>
+                      <a:headEnd type="none" w="med" len="med"/>
+                      <a:tailEnd type="none" w="med" len="med"/>
+                    </a:lnB>
+                  </a:tcPr>
+                </a:tc>
+                <a:tc>
+                  <a:txBody>
+                    <a:bodyPr/>
+                    <a:lstStyle/>
+                    <a:p>
+                      <a:pPr algn="ctr"/>
+                      <a:endParaRPr lang="zh-TW" altLang="en-US" dirty="0"/>
+                    </a:p>
+                  </a:txBody>
+                  <a:tcPr anchor="ctr">
+                    <a:lnB w="12700" cap="flat" cmpd="sng" algn="ctr">
+                      <a:solidFill>
+                        <a:schemeClr val="tx1"/>
+                      </a:solidFill>
+                      <a:prstDash val="solid"/>
+                      <a:round/>
+                      <a:headEnd type="none" w="med" len="med"/>
+                      <a:tailEnd type="none" w="med" len="med"/>
+                    </a:lnB>
+                  </a:tcPr>
+                </a:tc>
+                <a:extLst>
+                  <a:ext uri="{0D108BD9-81ED-4DB2-BD59-A6C34878D82A}">
+                    <a16:rowId xmlns:a16="http://schemas.microsoft.com/office/drawing/2014/main" val="2894808698"/>
+                  </a:ext>
+                </a:extLst>
+              </a:tr>
+              <a:tr h="324000">
+                <a:tc>
+                  <a:txBody>
+                    <a:bodyPr/>
+                    <a:lstStyle/>
+                    <a:p>
+                      <a:pPr algn="ctr"/>
+                      <a:endParaRPr lang="zh-TW" altLang="en-US" dirty="0"/>
+                    </a:p>
+                  </a:txBody>
+                  <a:tcPr anchor="ctr">
                     <a:lnT w="12700" cap="flat" cmpd="sng" algn="ctr">
                       <a:solidFill>
                         <a:schemeClr val="tx1"/>
@@ -7021,6 +7641,13 @@
                       <a:headEnd type="none" w="med" len="med"/>
                       <a:tailEnd type="none" w="med" len="med"/>
                     </a:lnT>
+                    <a:lnB w="12700" cap="flat" cmpd="sng" algn="ctr">
+                      <a:noFill/>
+                      <a:prstDash val="solid"/>
+                      <a:round/>
+                      <a:headEnd type="none" w="med" len="med"/>
+                      <a:tailEnd type="none" w="med" len="med"/>
+                    </a:lnB>
                   </a:tcPr>
                 </a:tc>
                 <a:tc>
@@ -7032,7 +7659,7 @@
                       <a:endParaRPr lang="zh-TW" altLang="en-US" dirty="0"/>
                     </a:p>
                   </a:txBody>
-                  <a:tcPr>
+                  <a:tcPr anchor="ctr">
                     <a:lnT w="12700" cap="flat" cmpd="sng" algn="ctr">
                       <a:solidFill>
                         <a:schemeClr val="tx1"/>
@@ -7042,6 +7669,13 @@
                       <a:headEnd type="none" w="med" len="med"/>
                       <a:tailEnd type="none" w="med" len="med"/>
                     </a:lnT>
+                    <a:lnB w="12700" cap="flat" cmpd="sng" algn="ctr">
+                      <a:noFill/>
+                      <a:prstDash val="solid"/>
+                      <a:round/>
+                      <a:headEnd type="none" w="med" len="med"/>
+                      <a:tailEnd type="none" w="med" len="med"/>
+                    </a:lnB>
                   </a:tcPr>
                 </a:tc>
                 <a:tc>
@@ -7049,11 +7683,31 @@
                     <a:bodyPr/>
                     <a:lstStyle/>
                     <a:p>
-                      <a:pPr algn="ctr"/>
+                      <a:pPr marL="0" marR="0" lvl="0" indent="0" algn="ctr" defTabSz="914400" rtl="0" eaLnBrk="1" fontAlgn="auto" latinLnBrk="0" hangingPunct="1">
+                        <a:lnSpc>
+                          <a:spcPct val="100000"/>
+                        </a:lnSpc>
+                        <a:spcBef>
+                          <a:spcPts val="0"/>
+                        </a:spcBef>
+                        <a:spcAft>
+                          <a:spcPts val="0"/>
+                        </a:spcAft>
+                        <a:buClrTx/>
+                        <a:buSzTx/>
+                        <a:buFontTx/>
+                        <a:buNone/>
+                        <a:tabLst/>
+                        <a:defRPr/>
+                      </a:pPr>
+                      <a:r>
+                        <a:rPr lang="en-US" altLang="zh-TW" dirty="0"/>
+                        <a:t>Research</a:t>
+                      </a:r>
                       <a:endParaRPr lang="zh-TW" altLang="en-US" dirty="0"/>
                     </a:p>
                   </a:txBody>
-                  <a:tcPr>
+                  <a:tcPr anchor="ctr">
                     <a:lnT w="12700" cap="flat" cmpd="sng" algn="ctr">
                       <a:solidFill>
                         <a:schemeClr val="tx1"/>
@@ -7063,6 +7717,289 @@
                       <a:headEnd type="none" w="med" len="med"/>
                       <a:tailEnd type="none" w="med" len="med"/>
                     </a:lnT>
+                    <a:lnB w="12700" cap="flat" cmpd="sng" algn="ctr">
+                      <a:noFill/>
+                      <a:prstDash val="solid"/>
+                      <a:round/>
+                      <a:headEnd type="none" w="med" len="med"/>
+                      <a:tailEnd type="none" w="med" len="med"/>
+                    </a:lnB>
+                  </a:tcPr>
+                </a:tc>
+                <a:tc>
+                  <a:txBody>
+                    <a:bodyPr/>
+                    <a:lstStyle/>
+                    <a:p>
+                      <a:pPr algn="ctr"/>
+                      <a:endParaRPr lang="zh-TW" altLang="en-US" dirty="0"/>
+                    </a:p>
+                  </a:txBody>
+                  <a:tcPr anchor="ctr">
+                    <a:lnT w="12700" cap="flat" cmpd="sng" algn="ctr">
+                      <a:solidFill>
+                        <a:schemeClr val="tx1"/>
+                      </a:solidFill>
+                      <a:prstDash val="solid"/>
+                      <a:round/>
+                      <a:headEnd type="none" w="med" len="med"/>
+                      <a:tailEnd type="none" w="med" len="med"/>
+                    </a:lnT>
+                    <a:lnB w="12700" cap="flat" cmpd="sng" algn="ctr">
+                      <a:noFill/>
+                      <a:prstDash val="solid"/>
+                      <a:round/>
+                      <a:headEnd type="none" w="med" len="med"/>
+                      <a:tailEnd type="none" w="med" len="med"/>
+                    </a:lnB>
+                  </a:tcPr>
+                </a:tc>
+                <a:tc>
+                  <a:txBody>
+                    <a:bodyPr/>
+                    <a:lstStyle/>
+                    <a:p>
+                      <a:pPr marL="0" marR="0" lvl="0" indent="0" algn="ctr" defTabSz="914400" rtl="0" eaLnBrk="1" fontAlgn="auto" latinLnBrk="0" hangingPunct="1">
+                        <a:lnSpc>
+                          <a:spcPct val="100000"/>
+                        </a:lnSpc>
+                        <a:spcBef>
+                          <a:spcPts val="0"/>
+                        </a:spcBef>
+                        <a:spcAft>
+                          <a:spcPts val="0"/>
+                        </a:spcAft>
+                        <a:buClrTx/>
+                        <a:buSzTx/>
+                        <a:buFontTx/>
+                        <a:buNone/>
+                        <a:tabLst/>
+                        <a:defRPr/>
+                      </a:pPr>
+                      <a:r>
+                        <a:rPr lang="en-US" altLang="zh-TW" dirty="0"/>
+                        <a:t>Google Form</a:t>
+                      </a:r>
+                      <a:endParaRPr lang="zh-TW" altLang="en-US" dirty="0"/>
+                    </a:p>
+                  </a:txBody>
+                  <a:tcPr anchor="ctr">
+                    <a:lnT w="12700" cap="flat" cmpd="sng" algn="ctr">
+                      <a:solidFill>
+                        <a:schemeClr val="tx1"/>
+                      </a:solidFill>
+                      <a:prstDash val="solid"/>
+                      <a:round/>
+                      <a:headEnd type="none" w="med" len="med"/>
+                      <a:tailEnd type="none" w="med" len="med"/>
+                    </a:lnT>
+                    <a:lnB w="12700" cap="flat" cmpd="sng" algn="ctr">
+                      <a:noFill/>
+                      <a:prstDash val="solid"/>
+                      <a:round/>
+                      <a:headEnd type="none" w="med" len="med"/>
+                      <a:tailEnd type="none" w="med" len="med"/>
+                    </a:lnB>
+                  </a:tcPr>
+                </a:tc>
+                <a:tc>
+                  <a:txBody>
+                    <a:bodyPr/>
+                    <a:lstStyle/>
+                    <a:p>
+                      <a:pPr algn="ctr"/>
+                      <a:endParaRPr lang="zh-TW" altLang="en-US" dirty="0"/>
+                    </a:p>
+                  </a:txBody>
+                  <a:tcPr anchor="ctr">
+                    <a:lnT w="12700" cap="flat" cmpd="sng" algn="ctr">
+                      <a:solidFill>
+                        <a:schemeClr val="tx1"/>
+                      </a:solidFill>
+                      <a:prstDash val="solid"/>
+                      <a:round/>
+                      <a:headEnd type="none" w="med" len="med"/>
+                      <a:tailEnd type="none" w="med" len="med"/>
+                    </a:lnT>
+                    <a:lnB w="12700" cap="flat" cmpd="sng" algn="ctr">
+                      <a:noFill/>
+                      <a:prstDash val="solid"/>
+                      <a:round/>
+                      <a:headEnd type="none" w="med" len="med"/>
+                      <a:tailEnd type="none" w="med" len="med"/>
+                    </a:lnB>
+                  </a:tcPr>
+                </a:tc>
+                <a:tc>
+                  <a:txBody>
+                    <a:bodyPr/>
+                    <a:lstStyle/>
+                    <a:p>
+                      <a:pPr marL="0" marR="0" lvl="0" indent="0" algn="ctr" defTabSz="914400" rtl="0" eaLnBrk="1" fontAlgn="auto" latinLnBrk="0" hangingPunct="1">
+                        <a:lnSpc>
+                          <a:spcPct val="100000"/>
+                        </a:lnSpc>
+                        <a:spcBef>
+                          <a:spcPts val="0"/>
+                        </a:spcBef>
+                        <a:spcAft>
+                          <a:spcPts val="0"/>
+                        </a:spcAft>
+                        <a:buClrTx/>
+                        <a:buSzTx/>
+                        <a:buFontTx/>
+                        <a:buNone/>
+                        <a:tabLst/>
+                        <a:defRPr/>
+                      </a:pPr>
+                      <a:r>
+                        <a:rPr lang="en-US" altLang="zh-TW" dirty="0"/>
+                        <a:t>Proposal </a:t>
+                      </a:r>
+                      <a:r>
+                        <a:rPr lang="en-US" altLang="zh-TW" dirty="0" err="1"/>
+                        <a:t>powerpoint</a:t>
+                      </a:r>
+                      <a:endParaRPr lang="zh-TW" altLang="en-US" dirty="0"/>
+                    </a:p>
+                  </a:txBody>
+                  <a:tcPr anchor="ctr">
+                    <a:lnT w="12700" cap="flat" cmpd="sng" algn="ctr">
+                      <a:solidFill>
+                        <a:schemeClr val="tx1"/>
+                      </a:solidFill>
+                      <a:prstDash val="solid"/>
+                      <a:round/>
+                      <a:headEnd type="none" w="med" len="med"/>
+                      <a:tailEnd type="none" w="med" len="med"/>
+                    </a:lnT>
+                    <a:lnB w="12700" cap="flat" cmpd="sng" algn="ctr">
+                      <a:noFill/>
+                      <a:prstDash val="solid"/>
+                      <a:round/>
+                      <a:headEnd type="none" w="med" len="med"/>
+                      <a:tailEnd type="none" w="med" len="med"/>
+                    </a:lnB>
+                  </a:tcPr>
+                </a:tc>
+                <a:tc>
+                  <a:txBody>
+                    <a:bodyPr/>
+                    <a:lstStyle/>
+                    <a:p>
+                      <a:pPr algn="ctr"/>
+                      <a:endParaRPr lang="zh-TW" altLang="en-US" dirty="0"/>
+                    </a:p>
+                  </a:txBody>
+                  <a:tcPr anchor="ctr">
+                    <a:lnT w="12700" cap="flat" cmpd="sng" algn="ctr">
+                      <a:solidFill>
+                        <a:schemeClr val="tx1"/>
+                      </a:solidFill>
+                      <a:prstDash val="solid"/>
+                      <a:round/>
+                      <a:headEnd type="none" w="med" len="med"/>
+                      <a:tailEnd type="none" w="med" len="med"/>
+                    </a:lnT>
+                    <a:lnB w="12700" cap="flat" cmpd="sng" algn="ctr">
+                      <a:noFill/>
+                      <a:prstDash val="solid"/>
+                      <a:round/>
+                      <a:headEnd type="none" w="med" len="med"/>
+                      <a:tailEnd type="none" w="med" len="med"/>
+                    </a:lnB>
+                  </a:tcPr>
+                </a:tc>
+                <a:tc>
+                  <a:txBody>
+                    <a:bodyPr/>
+                    <a:lstStyle/>
+                    <a:p>
+                      <a:pPr algn="ctr"/>
+                      <a:r>
+                        <a:rPr lang="en-US" altLang="zh-TW" dirty="0"/>
+                        <a:t>Module implementation</a:t>
+                      </a:r>
+                      <a:endParaRPr lang="zh-TW" altLang="en-US" dirty="0"/>
+                    </a:p>
+                  </a:txBody>
+                  <a:tcPr anchor="ctr">
+                    <a:lnT w="12700" cap="flat" cmpd="sng" algn="ctr">
+                      <a:solidFill>
+                        <a:schemeClr val="tx1"/>
+                      </a:solidFill>
+                      <a:prstDash val="solid"/>
+                      <a:round/>
+                      <a:headEnd type="none" w="med" len="med"/>
+                      <a:tailEnd type="none" w="med" len="med"/>
+                    </a:lnT>
+                    <a:lnB w="12700" cap="flat" cmpd="sng" algn="ctr">
+                      <a:noFill/>
+                      <a:prstDash val="solid"/>
+                      <a:round/>
+                      <a:headEnd type="none" w="med" len="med"/>
+                      <a:tailEnd type="none" w="med" len="med"/>
+                    </a:lnB>
+                  </a:tcPr>
+                </a:tc>
+                <a:tc>
+                  <a:txBody>
+                    <a:bodyPr/>
+                    <a:lstStyle/>
+                    <a:p>
+                      <a:pPr algn="ctr"/>
+                      <a:endParaRPr lang="zh-TW" altLang="en-US" dirty="0"/>
+                    </a:p>
+                  </a:txBody>
+                  <a:tcPr anchor="ctr">
+                    <a:lnT w="12700" cap="flat" cmpd="sng" algn="ctr">
+                      <a:solidFill>
+                        <a:schemeClr val="tx1"/>
+                      </a:solidFill>
+                      <a:prstDash val="solid"/>
+                      <a:round/>
+                      <a:headEnd type="none" w="med" len="med"/>
+                      <a:tailEnd type="none" w="med" len="med"/>
+                    </a:lnT>
+                    <a:lnB w="12700" cap="flat" cmpd="sng" algn="ctr">
+                      <a:noFill/>
+                      <a:prstDash val="solid"/>
+                      <a:round/>
+                      <a:headEnd type="none" w="med" len="med"/>
+                      <a:tailEnd type="none" w="med" len="med"/>
+                    </a:lnB>
+                  </a:tcPr>
+                </a:tc>
+                <a:tc>
+                  <a:txBody>
+                    <a:bodyPr/>
+                    <a:lstStyle/>
+                    <a:p>
+                      <a:pPr algn="ctr"/>
+                      <a:r>
+                        <a:rPr lang="en-US" altLang="zh-TW" dirty="0"/>
+                        <a:t>Functions implementation</a:t>
+                      </a:r>
+                      <a:endParaRPr lang="zh-TW" altLang="en-US" dirty="0"/>
+                    </a:p>
+                  </a:txBody>
+                  <a:tcPr anchor="ctr">
+                    <a:lnT w="12700" cap="flat" cmpd="sng" algn="ctr">
+                      <a:solidFill>
+                        <a:schemeClr val="tx1"/>
+                      </a:solidFill>
+                      <a:prstDash val="solid"/>
+                      <a:round/>
+                      <a:headEnd type="none" w="med" len="med"/>
+                      <a:tailEnd type="none" w="med" len="med"/>
+                    </a:lnT>
+                    <a:lnB w="12700" cap="flat" cmpd="sng" algn="ctr">
+                      <a:noFill/>
+                      <a:prstDash val="solid"/>
+                      <a:round/>
+                      <a:headEnd type="none" w="med" len="med"/>
+                      <a:tailEnd type="none" w="med" len="med"/>
+                    </a:lnB>
                   </a:tcPr>
                 </a:tc>
                 <a:extLst>
@@ -7124,7 +8061,7 @@
           <p:cNvPr id="2" name="Title 1">
             <a:extLst>
               <a:ext uri="{FF2B5EF4-FFF2-40B4-BE49-F238E27FC236}">
-                <a16:creationId xmlns:a16="http://schemas.microsoft.com/office/drawing/2014/main" id="{EFC6730A-C128-46DB-BAE9-1D832DB02C40}"/>
+                <a16:creationId xmlns:a16="http://schemas.microsoft.com/office/drawing/2014/main" id="{618FD54C-EEEF-41E7-84BA-D91038D922D6}"/>
               </a:ext>
             </a:extLst>
           </p:cNvPr>
@@ -7135,7 +8072,12 @@
             <p:ph type="title"/>
           </p:nvPr>
         </p:nvSpPr>
-        <p:spPr/>
+        <p:spPr>
+          <a:xfrm>
+            <a:off x="838200" y="129455"/>
+            <a:ext cx="10515600" cy="766091"/>
+          </a:xfrm>
+        </p:spPr>
         <p:txBody>
           <a:bodyPr/>
           <a:lstStyle/>
@@ -7143,59 +8085,2429 @@
             <a:pPr algn="ctr"/>
             <a:r>
               <a:rPr lang="en-US" b="1" u="sng" dirty="0"/>
-              <a:t>Resources Allocation</a:t>
+              <a:t>Division of Work</a:t>
             </a:r>
           </a:p>
         </p:txBody>
       </p:sp>
-      <p:sp>
-        <p:nvSpPr>
-          <p:cNvPr id="3" name="Content Placeholder 2">
+      <p:graphicFrame>
+        <p:nvGraphicFramePr>
+          <p:cNvPr id="4" name="表格 4">
             <a:extLst>
               <a:ext uri="{FF2B5EF4-FFF2-40B4-BE49-F238E27FC236}">
-                <a16:creationId xmlns:a16="http://schemas.microsoft.com/office/drawing/2014/main" id="{C13608C2-DFF9-4E51-9FD9-638955BD266A}"/>
+                <a16:creationId xmlns:a16="http://schemas.microsoft.com/office/drawing/2014/main" id="{4BBC23BB-9577-403A-966F-4F4C8AB30C0F}"/>
               </a:ext>
             </a:extLst>
           </p:cNvPr>
-          <p:cNvSpPr>
-            <a:spLocks noGrp="1"/>
-          </p:cNvSpPr>
+          <p:cNvGraphicFramePr>
+            <a:graphicFrameLocks noGrp="1"/>
+          </p:cNvGraphicFramePr>
           <p:nvPr>
             <p:ph idx="1"/>
+            <p:extLst>
+              <p:ext uri="{D42A27DB-BD31-4B8C-83A1-F6EECF244321}">
+                <p14:modId xmlns:p14="http://schemas.microsoft.com/office/powerpoint/2010/main" val="2710894176"/>
+              </p:ext>
+            </p:extLst>
           </p:nvPr>
-        </p:nvSpPr>
-        <p:spPr/>
-        <p:txBody>
-          <a:bodyPr/>
-          <a:lstStyle/>
-          <a:p>
-            <a:r>
-              <a:rPr lang="en-US" dirty="0"/>
-              <a:t>N/A at the moment</a:t>
-            </a:r>
-          </a:p>
-          <a:p>
-            <a:pPr marL="0" indent="0">
-              <a:buNone/>
-            </a:pPr>
-            <a:endParaRPr lang="en-US" dirty="0"/>
-          </a:p>
-          <a:p>
-            <a:pPr>
-              <a:buFont typeface="Wingdings" panose="05000000000000000000" pitchFamily="2" charset="2"/>
-              <a:buChar char="v"/>
-            </a:pPr>
-            <a:r>
-              <a:rPr lang="en-US" dirty="0"/>
-              <a:t>In later stage, a real server or a cloud server may be needed</a:t>
-            </a:r>
-          </a:p>
-        </p:txBody>
-      </p:sp>
+        </p:nvGraphicFramePr>
+        <p:xfrm>
+          <a:off x="838200" y="1044015"/>
+          <a:ext cx="10609680" cy="4977360"/>
+        </p:xfrm>
+        <a:graphic>
+          <a:graphicData uri="http://schemas.openxmlformats.org/drawingml/2006/table">
+            <a:tbl>
+              <a:tblPr firstRow="1" bandRow="1">
+                <a:tableStyleId>{2D5ABB26-0587-4C30-8999-92F81FD0307C}</a:tableStyleId>
+              </a:tblPr>
+              <a:tblGrid>
+                <a:gridCol w="1116000">
+                  <a:extLst>
+                    <a:ext uri="{9D8B030D-6E8A-4147-A177-3AD203B41FA5}">
+                      <a16:colId xmlns:a16="http://schemas.microsoft.com/office/drawing/2014/main" val="3505657171"/>
+                    </a:ext>
+                  </a:extLst>
+                </a:gridCol>
+                <a:gridCol w="208280">
+                  <a:extLst>
+                    <a:ext uri="{9D8B030D-6E8A-4147-A177-3AD203B41FA5}">
+                      <a16:colId xmlns:a16="http://schemas.microsoft.com/office/drawing/2014/main" val="3875367565"/>
+                    </a:ext>
+                  </a:extLst>
+                </a:gridCol>
+                <a:gridCol w="1152000">
+                  <a:extLst>
+                    <a:ext uri="{9D8B030D-6E8A-4147-A177-3AD203B41FA5}">
+                      <a16:colId xmlns:a16="http://schemas.microsoft.com/office/drawing/2014/main" val="2828646507"/>
+                    </a:ext>
+                  </a:extLst>
+                </a:gridCol>
+                <a:gridCol w="208280">
+                  <a:extLst>
+                    <a:ext uri="{9D8B030D-6E8A-4147-A177-3AD203B41FA5}">
+                      <a16:colId xmlns:a16="http://schemas.microsoft.com/office/drawing/2014/main" val="1132540001"/>
+                    </a:ext>
+                  </a:extLst>
+                </a:gridCol>
+                <a:gridCol w="972000">
+                  <a:extLst>
+                    <a:ext uri="{9D8B030D-6E8A-4147-A177-3AD203B41FA5}">
+                      <a16:colId xmlns:a16="http://schemas.microsoft.com/office/drawing/2014/main" val="2795970211"/>
+                    </a:ext>
+                  </a:extLst>
+                </a:gridCol>
+                <a:gridCol w="208280">
+                  <a:extLst>
+                    <a:ext uri="{9D8B030D-6E8A-4147-A177-3AD203B41FA5}">
+                      <a16:colId xmlns:a16="http://schemas.microsoft.com/office/drawing/2014/main" val="708730624"/>
+                    </a:ext>
+                  </a:extLst>
+                </a:gridCol>
+                <a:gridCol w="900000">
+                  <a:extLst>
+                    <a:ext uri="{9D8B030D-6E8A-4147-A177-3AD203B41FA5}">
+                      <a16:colId xmlns:a16="http://schemas.microsoft.com/office/drawing/2014/main" val="107451660"/>
+                    </a:ext>
+                  </a:extLst>
+                </a:gridCol>
+                <a:gridCol w="208280">
+                  <a:extLst>
+                    <a:ext uri="{9D8B030D-6E8A-4147-A177-3AD203B41FA5}">
+                      <a16:colId xmlns:a16="http://schemas.microsoft.com/office/drawing/2014/main" val="1785856112"/>
+                    </a:ext>
+                  </a:extLst>
+                </a:gridCol>
+                <a:gridCol w="1764000">
+                  <a:extLst>
+                    <a:ext uri="{9D8B030D-6E8A-4147-A177-3AD203B41FA5}">
+                      <a16:colId xmlns:a16="http://schemas.microsoft.com/office/drawing/2014/main" val="1007577318"/>
+                    </a:ext>
+                  </a:extLst>
+                </a:gridCol>
+                <a:gridCol w="208280">
+                  <a:extLst>
+                    <a:ext uri="{9D8B030D-6E8A-4147-A177-3AD203B41FA5}">
+                      <a16:colId xmlns:a16="http://schemas.microsoft.com/office/drawing/2014/main" val="3539249846"/>
+                    </a:ext>
+                  </a:extLst>
+                </a:gridCol>
+                <a:gridCol w="1584000">
+                  <a:extLst>
+                    <a:ext uri="{9D8B030D-6E8A-4147-A177-3AD203B41FA5}">
+                      <a16:colId xmlns:a16="http://schemas.microsoft.com/office/drawing/2014/main" val="1844821006"/>
+                    </a:ext>
+                  </a:extLst>
+                </a:gridCol>
+                <a:gridCol w="208280">
+                  <a:extLst>
+                    <a:ext uri="{9D8B030D-6E8A-4147-A177-3AD203B41FA5}">
+                      <a16:colId xmlns:a16="http://schemas.microsoft.com/office/drawing/2014/main" val="1510090517"/>
+                    </a:ext>
+                  </a:extLst>
+                </a:gridCol>
+                <a:gridCol w="1872000">
+                  <a:extLst>
+                    <a:ext uri="{9D8B030D-6E8A-4147-A177-3AD203B41FA5}">
+                      <a16:colId xmlns:a16="http://schemas.microsoft.com/office/drawing/2014/main" val="3536571971"/>
+                    </a:ext>
+                  </a:extLst>
+                </a:gridCol>
+              </a:tblGrid>
+              <a:tr h="1080000">
+                <a:tc>
+                  <a:txBody>
+                    <a:bodyPr/>
+                    <a:lstStyle/>
+                    <a:p>
+                      <a:pPr marL="0" marR="0" lvl="0" indent="0" algn="ctr" defTabSz="914400" rtl="0" eaLnBrk="1" fontAlgn="auto" latinLnBrk="0" hangingPunct="1">
+                        <a:lnSpc>
+                          <a:spcPct val="100000"/>
+                        </a:lnSpc>
+                        <a:spcBef>
+                          <a:spcPts val="0"/>
+                        </a:spcBef>
+                        <a:spcAft>
+                          <a:spcPts val="0"/>
+                        </a:spcAft>
+                        <a:buClrTx/>
+                        <a:buSzTx/>
+                        <a:buFontTx/>
+                        <a:buNone/>
+                        <a:tabLst/>
+                        <a:defRPr/>
+                      </a:pPr>
+                      <a:r>
+                        <a:rPr lang="en-US" altLang="zh-TW" dirty="0"/>
+                        <a:t>Casey</a:t>
+                      </a:r>
+                      <a:endParaRPr lang="zh-TW" altLang="en-US" dirty="0"/>
+                    </a:p>
+                  </a:txBody>
+                  <a:tcPr anchor="ctr"/>
+                </a:tc>
+                <a:tc>
+                  <a:txBody>
+                    <a:bodyPr/>
+                    <a:lstStyle/>
+                    <a:p>
+                      <a:pPr algn="ctr"/>
+                      <a:endParaRPr lang="zh-TW" altLang="en-US" dirty="0"/>
+                    </a:p>
+                  </a:txBody>
+                  <a:tcPr anchor="ctr"/>
+                </a:tc>
+                <a:tc>
+                  <a:txBody>
+                    <a:bodyPr/>
+                    <a:lstStyle/>
+                    <a:p>
+                      <a:pPr algn="ctr"/>
+                      <a:r>
+                        <a:rPr lang="en-US" altLang="zh-TW" sz="4400" dirty="0">
+                          <a:sym typeface="Wingdings" panose="05000000000000000000" pitchFamily="2" charset="2"/>
+                        </a:rPr>
+                        <a:t></a:t>
+                      </a:r>
+                      <a:endParaRPr lang="zh-TW" altLang="en-US" sz="4400" dirty="0"/>
+                    </a:p>
+                  </a:txBody>
+                  <a:tcPr anchor="ctr"/>
+                </a:tc>
+                <a:tc>
+                  <a:txBody>
+                    <a:bodyPr/>
+                    <a:lstStyle/>
+                    <a:p>
+                      <a:pPr algn="ctr"/>
+                      <a:endParaRPr lang="zh-TW" altLang="en-US" dirty="0"/>
+                    </a:p>
+                  </a:txBody>
+                  <a:tcPr anchor="ctr"/>
+                </a:tc>
+                <a:tc>
+                  <a:txBody>
+                    <a:bodyPr/>
+                    <a:lstStyle/>
+                    <a:p>
+                      <a:pPr algn="ctr"/>
+                      <a:endParaRPr lang="zh-TW" altLang="en-US" dirty="0"/>
+                    </a:p>
+                  </a:txBody>
+                  <a:tcPr anchor="ctr"/>
+                </a:tc>
+                <a:tc>
+                  <a:txBody>
+                    <a:bodyPr/>
+                    <a:lstStyle/>
+                    <a:p>
+                      <a:pPr algn="ctr"/>
+                      <a:endParaRPr lang="zh-TW" altLang="en-US" dirty="0"/>
+                    </a:p>
+                  </a:txBody>
+                  <a:tcPr anchor="ctr"/>
+                </a:tc>
+                <a:tc>
+                  <a:txBody>
+                    <a:bodyPr/>
+                    <a:lstStyle/>
+                    <a:p>
+                      <a:pPr marL="0" marR="0" lvl="0" indent="0" algn="ctr" defTabSz="914400" rtl="0" eaLnBrk="1" fontAlgn="auto" latinLnBrk="0" hangingPunct="1">
+                        <a:lnSpc>
+                          <a:spcPct val="100000"/>
+                        </a:lnSpc>
+                        <a:spcBef>
+                          <a:spcPts val="0"/>
+                        </a:spcBef>
+                        <a:spcAft>
+                          <a:spcPts val="0"/>
+                        </a:spcAft>
+                        <a:buClrTx/>
+                        <a:buSzTx/>
+                        <a:buFontTx/>
+                        <a:buNone/>
+                        <a:tabLst/>
+                        <a:defRPr/>
+                      </a:pPr>
+                      <a:r>
+                        <a:rPr kumimoji="0" lang="en-US" altLang="zh-TW" sz="4400" b="0" u="none" strike="noStrike" kern="1200" cap="none" spc="0" normalizeH="0" baseline="0" noProof="0" dirty="0">
+                          <a:ln>
+                            <a:noFill/>
+                          </a:ln>
+                          <a:solidFill>
+                            <a:prstClr val="black"/>
+                          </a:solidFill>
+                          <a:effectLst/>
+                          <a:uLnTx/>
+                          <a:uFillTx/>
+                          <a:sym typeface="Wingdings" panose="05000000000000000000" pitchFamily="2" charset="2"/>
+                        </a:rPr>
+                        <a:t></a:t>
+                      </a:r>
+                      <a:endParaRPr kumimoji="0" lang="zh-TW" altLang="en-US" sz="4400" b="0" i="0" u="none" strike="noStrike" kern="1200" cap="none" spc="0" normalizeH="0" baseline="0" noProof="0" dirty="0">
+                        <a:ln>
+                          <a:noFill/>
+                        </a:ln>
+                        <a:solidFill>
+                          <a:prstClr val="black"/>
+                        </a:solidFill>
+                        <a:effectLst/>
+                        <a:uLnTx/>
+                        <a:uFillTx/>
+                        <a:latin typeface="+mn-lt"/>
+                        <a:ea typeface="+mn-ea"/>
+                        <a:cs typeface="+mn-cs"/>
+                      </a:endParaRPr>
+                    </a:p>
+                  </a:txBody>
+                  <a:tcPr anchor="ctr"/>
+                </a:tc>
+                <a:tc>
+                  <a:txBody>
+                    <a:bodyPr/>
+                    <a:lstStyle/>
+                    <a:p>
+                      <a:pPr algn="ctr"/>
+                      <a:endParaRPr lang="zh-TW" altLang="en-US" dirty="0"/>
+                    </a:p>
+                  </a:txBody>
+                  <a:tcPr anchor="ctr"/>
+                </a:tc>
+                <a:tc>
+                  <a:txBody>
+                    <a:bodyPr/>
+                    <a:lstStyle/>
+                    <a:p>
+                      <a:pPr marL="0" marR="0" lvl="0" indent="0" algn="ctr" defTabSz="914400" rtl="0" eaLnBrk="1" fontAlgn="auto" latinLnBrk="0" hangingPunct="1">
+                        <a:lnSpc>
+                          <a:spcPct val="100000"/>
+                        </a:lnSpc>
+                        <a:spcBef>
+                          <a:spcPts val="0"/>
+                        </a:spcBef>
+                        <a:spcAft>
+                          <a:spcPts val="0"/>
+                        </a:spcAft>
+                        <a:buClrTx/>
+                        <a:buSzTx/>
+                        <a:buFontTx/>
+                        <a:buNone/>
+                        <a:tabLst/>
+                        <a:defRPr/>
+                      </a:pPr>
+                      <a:r>
+                        <a:rPr kumimoji="0" lang="en-US" altLang="zh-TW" sz="4400" b="0" i="0" u="none" strike="noStrike" kern="1200" cap="none" spc="0" normalizeH="0" baseline="0" noProof="0" dirty="0">
+                          <a:ln>
+                            <a:noFill/>
+                          </a:ln>
+                          <a:solidFill>
+                            <a:prstClr val="black"/>
+                          </a:solidFill>
+                          <a:effectLst/>
+                          <a:uLnTx/>
+                          <a:uFillTx/>
+                          <a:latin typeface="+mn-lt"/>
+                          <a:ea typeface="+mn-ea"/>
+                          <a:cs typeface="+mn-cs"/>
+                          <a:sym typeface="Wingdings" panose="05000000000000000000" pitchFamily="2" charset="2"/>
+                        </a:rPr>
+                        <a:t></a:t>
+                      </a:r>
+                      <a:endParaRPr kumimoji="0" lang="zh-TW" altLang="en-US" sz="4400" b="0" i="0" u="none" strike="noStrike" kern="1200" cap="none" spc="0" normalizeH="0" baseline="0" noProof="0" dirty="0">
+                        <a:ln>
+                          <a:noFill/>
+                        </a:ln>
+                        <a:solidFill>
+                          <a:prstClr val="black"/>
+                        </a:solidFill>
+                        <a:effectLst/>
+                        <a:uLnTx/>
+                        <a:uFillTx/>
+                        <a:latin typeface="+mn-lt"/>
+                        <a:ea typeface="+mn-ea"/>
+                        <a:cs typeface="+mn-cs"/>
+                      </a:endParaRPr>
+                    </a:p>
+                  </a:txBody>
+                  <a:tcPr anchor="ctr"/>
+                </a:tc>
+                <a:tc>
+                  <a:txBody>
+                    <a:bodyPr/>
+                    <a:lstStyle/>
+                    <a:p>
+                      <a:pPr algn="ctr"/>
+                      <a:endParaRPr lang="zh-TW" altLang="en-US" dirty="0"/>
+                    </a:p>
+                  </a:txBody>
+                  <a:tcPr anchor="ctr"/>
+                </a:tc>
+                <a:tc>
+                  <a:txBody>
+                    <a:bodyPr/>
+                    <a:lstStyle/>
+                    <a:p>
+                      <a:pPr marL="0" marR="0" lvl="0" indent="0" algn="ctr" defTabSz="914400" rtl="0" eaLnBrk="1" fontAlgn="auto" latinLnBrk="0" hangingPunct="1">
+                        <a:lnSpc>
+                          <a:spcPct val="100000"/>
+                        </a:lnSpc>
+                        <a:spcBef>
+                          <a:spcPts val="0"/>
+                        </a:spcBef>
+                        <a:spcAft>
+                          <a:spcPts val="0"/>
+                        </a:spcAft>
+                        <a:buClrTx/>
+                        <a:buSzTx/>
+                        <a:buFontTx/>
+                        <a:buNone/>
+                        <a:tabLst/>
+                        <a:defRPr/>
+                      </a:pPr>
+                      <a:r>
+                        <a:rPr kumimoji="0" lang="en-US" altLang="zh-TW" sz="4400" b="0" u="none" strike="noStrike" kern="1200" cap="none" spc="0" normalizeH="0" baseline="0" noProof="0" dirty="0">
+                          <a:ln>
+                            <a:noFill/>
+                          </a:ln>
+                          <a:solidFill>
+                            <a:prstClr val="black"/>
+                          </a:solidFill>
+                          <a:effectLst/>
+                          <a:uLnTx/>
+                          <a:uFillTx/>
+                          <a:sym typeface="Wingdings" panose="05000000000000000000" pitchFamily="2" charset="2"/>
+                        </a:rPr>
+                        <a:t></a:t>
+                      </a:r>
+                      <a:endParaRPr kumimoji="0" lang="zh-TW" altLang="en-US" sz="4400" b="0" i="0" u="none" strike="noStrike" kern="1200" cap="none" spc="0" normalizeH="0" baseline="0" noProof="0" dirty="0">
+                        <a:ln>
+                          <a:noFill/>
+                        </a:ln>
+                        <a:solidFill>
+                          <a:prstClr val="black"/>
+                        </a:solidFill>
+                        <a:effectLst/>
+                        <a:uLnTx/>
+                        <a:uFillTx/>
+                        <a:latin typeface="+mn-lt"/>
+                        <a:ea typeface="+mn-ea"/>
+                        <a:cs typeface="+mn-cs"/>
+                      </a:endParaRPr>
+                    </a:p>
+                  </a:txBody>
+                  <a:tcPr anchor="ctr"/>
+                </a:tc>
+                <a:tc>
+                  <a:txBody>
+                    <a:bodyPr/>
+                    <a:lstStyle/>
+                    <a:p>
+                      <a:pPr marL="0" marR="0" lvl="0" indent="0" algn="ctr" defTabSz="914400" rtl="0" eaLnBrk="1" fontAlgn="auto" latinLnBrk="0" hangingPunct="1">
+                        <a:lnSpc>
+                          <a:spcPct val="100000"/>
+                        </a:lnSpc>
+                        <a:spcBef>
+                          <a:spcPts val="0"/>
+                        </a:spcBef>
+                        <a:spcAft>
+                          <a:spcPts val="0"/>
+                        </a:spcAft>
+                        <a:buClrTx/>
+                        <a:buSzTx/>
+                        <a:buFontTx/>
+                        <a:buNone/>
+                        <a:tabLst/>
+                        <a:defRPr/>
+                      </a:pPr>
+                      <a:endParaRPr kumimoji="0" lang="zh-TW" altLang="en-US" sz="4400" b="0" i="0" u="none" strike="noStrike" kern="1200" cap="none" spc="0" normalizeH="0" baseline="0" noProof="0" dirty="0">
+                        <a:ln>
+                          <a:noFill/>
+                        </a:ln>
+                        <a:solidFill>
+                          <a:prstClr val="black"/>
+                        </a:solidFill>
+                        <a:effectLst/>
+                        <a:uLnTx/>
+                        <a:uFillTx/>
+                        <a:latin typeface="+mn-lt"/>
+                        <a:ea typeface="+mn-ea"/>
+                        <a:cs typeface="+mn-cs"/>
+                      </a:endParaRPr>
+                    </a:p>
+                  </a:txBody>
+                  <a:tcPr anchor="ctr"/>
+                </a:tc>
+                <a:tc>
+                  <a:txBody>
+                    <a:bodyPr/>
+                    <a:lstStyle/>
+                    <a:p>
+                      <a:pPr marL="0" marR="0" lvl="0" indent="0" algn="ctr" defTabSz="914400" rtl="0" eaLnBrk="1" fontAlgn="auto" latinLnBrk="0" hangingPunct="1">
+                        <a:lnSpc>
+                          <a:spcPct val="100000"/>
+                        </a:lnSpc>
+                        <a:spcBef>
+                          <a:spcPts val="0"/>
+                        </a:spcBef>
+                        <a:spcAft>
+                          <a:spcPts val="0"/>
+                        </a:spcAft>
+                        <a:buClrTx/>
+                        <a:buSzTx/>
+                        <a:buFontTx/>
+                        <a:buNone/>
+                        <a:tabLst/>
+                        <a:defRPr/>
+                      </a:pPr>
+                      <a:r>
+                        <a:rPr kumimoji="0" lang="en-US" altLang="zh-TW" sz="4400" b="0" u="none" strike="noStrike" kern="1200" cap="none" spc="0" normalizeH="0" baseline="0" noProof="0" dirty="0">
+                          <a:ln>
+                            <a:noFill/>
+                          </a:ln>
+                          <a:solidFill>
+                            <a:prstClr val="black"/>
+                          </a:solidFill>
+                          <a:effectLst/>
+                          <a:uLnTx/>
+                          <a:uFillTx/>
+                          <a:sym typeface="Wingdings" panose="05000000000000000000" pitchFamily="2" charset="2"/>
+                        </a:rPr>
+                        <a:t></a:t>
+                      </a:r>
+                      <a:endParaRPr kumimoji="0" lang="zh-TW" altLang="en-US" sz="4400" b="0" i="0" u="none" strike="noStrike" kern="1200" cap="none" spc="0" normalizeH="0" baseline="0" noProof="0" dirty="0">
+                        <a:ln>
+                          <a:noFill/>
+                        </a:ln>
+                        <a:solidFill>
+                          <a:prstClr val="black"/>
+                        </a:solidFill>
+                        <a:effectLst/>
+                        <a:uLnTx/>
+                        <a:uFillTx/>
+                        <a:latin typeface="+mn-lt"/>
+                        <a:ea typeface="+mn-ea"/>
+                        <a:cs typeface="+mn-cs"/>
+                      </a:endParaRPr>
+                    </a:p>
+                  </a:txBody>
+                  <a:tcPr anchor="ctr"/>
+                </a:tc>
+                <a:extLst>
+                  <a:ext uri="{0D108BD9-81ED-4DB2-BD59-A6C34878D82A}">
+                    <a16:rowId xmlns:a16="http://schemas.microsoft.com/office/drawing/2014/main" val="1488745662"/>
+                  </a:ext>
+                </a:extLst>
+              </a:tr>
+              <a:tr h="324000">
+                <a:tc>
+                  <a:txBody>
+                    <a:bodyPr/>
+                    <a:lstStyle/>
+                    <a:p>
+                      <a:pPr marL="0" marR="0" lvl="0" indent="0" algn="ctr" defTabSz="914400" rtl="0" eaLnBrk="1" fontAlgn="auto" latinLnBrk="0" hangingPunct="1">
+                        <a:lnSpc>
+                          <a:spcPct val="100000"/>
+                        </a:lnSpc>
+                        <a:spcBef>
+                          <a:spcPts val="0"/>
+                        </a:spcBef>
+                        <a:spcAft>
+                          <a:spcPts val="0"/>
+                        </a:spcAft>
+                        <a:buClrTx/>
+                        <a:buSzTx/>
+                        <a:buFontTx/>
+                        <a:buNone/>
+                        <a:tabLst/>
+                        <a:defRPr/>
+                      </a:pPr>
+                      <a:endParaRPr lang="zh-TW" altLang="en-US" dirty="0"/>
+                    </a:p>
+                  </a:txBody>
+                  <a:tcPr anchor="ctr"/>
+                </a:tc>
+                <a:tc>
+                  <a:txBody>
+                    <a:bodyPr/>
+                    <a:lstStyle/>
+                    <a:p>
+                      <a:pPr algn="ctr"/>
+                      <a:endParaRPr lang="zh-TW" altLang="en-US" dirty="0"/>
+                    </a:p>
+                  </a:txBody>
+                  <a:tcPr anchor="ctr"/>
+                </a:tc>
+                <a:tc>
+                  <a:txBody>
+                    <a:bodyPr/>
+                    <a:lstStyle/>
+                    <a:p>
+                      <a:pPr algn="ctr"/>
+                      <a:endParaRPr lang="zh-TW" altLang="en-US" dirty="0"/>
+                    </a:p>
+                  </a:txBody>
+                  <a:tcPr anchor="ctr"/>
+                </a:tc>
+                <a:tc>
+                  <a:txBody>
+                    <a:bodyPr/>
+                    <a:lstStyle/>
+                    <a:p>
+                      <a:pPr algn="ctr"/>
+                      <a:endParaRPr lang="zh-TW" altLang="en-US" dirty="0"/>
+                    </a:p>
+                  </a:txBody>
+                  <a:tcPr anchor="ctr"/>
+                </a:tc>
+                <a:tc>
+                  <a:txBody>
+                    <a:bodyPr/>
+                    <a:lstStyle/>
+                    <a:p>
+                      <a:pPr algn="ctr"/>
+                      <a:endParaRPr lang="zh-TW" altLang="en-US" dirty="0"/>
+                    </a:p>
+                  </a:txBody>
+                  <a:tcPr anchor="ctr"/>
+                </a:tc>
+                <a:tc>
+                  <a:txBody>
+                    <a:bodyPr/>
+                    <a:lstStyle/>
+                    <a:p>
+                      <a:pPr algn="ctr"/>
+                      <a:endParaRPr lang="zh-TW" altLang="en-US" dirty="0"/>
+                    </a:p>
+                  </a:txBody>
+                  <a:tcPr anchor="ctr"/>
+                </a:tc>
+                <a:tc>
+                  <a:txBody>
+                    <a:bodyPr/>
+                    <a:lstStyle/>
+                    <a:p>
+                      <a:pPr algn="ctr"/>
+                      <a:endParaRPr lang="zh-TW" altLang="en-US" dirty="0"/>
+                    </a:p>
+                  </a:txBody>
+                  <a:tcPr anchor="ctr"/>
+                </a:tc>
+                <a:tc>
+                  <a:txBody>
+                    <a:bodyPr/>
+                    <a:lstStyle/>
+                    <a:p>
+                      <a:pPr algn="ctr"/>
+                      <a:endParaRPr lang="zh-TW" altLang="en-US" dirty="0"/>
+                    </a:p>
+                  </a:txBody>
+                  <a:tcPr anchor="ctr"/>
+                </a:tc>
+                <a:tc>
+                  <a:txBody>
+                    <a:bodyPr/>
+                    <a:lstStyle/>
+                    <a:p>
+                      <a:pPr algn="ctr"/>
+                      <a:endParaRPr lang="zh-TW" altLang="en-US" dirty="0"/>
+                    </a:p>
+                  </a:txBody>
+                  <a:tcPr anchor="ctr"/>
+                </a:tc>
+                <a:tc>
+                  <a:txBody>
+                    <a:bodyPr/>
+                    <a:lstStyle/>
+                    <a:p>
+                      <a:pPr algn="ctr"/>
+                      <a:endParaRPr lang="zh-TW" altLang="en-US" dirty="0"/>
+                    </a:p>
+                  </a:txBody>
+                  <a:tcPr anchor="ctr"/>
+                </a:tc>
+                <a:tc>
+                  <a:txBody>
+                    <a:bodyPr/>
+                    <a:lstStyle/>
+                    <a:p>
+                      <a:pPr algn="ctr"/>
+                      <a:endParaRPr lang="zh-TW" altLang="en-US" dirty="0"/>
+                    </a:p>
+                  </a:txBody>
+                  <a:tcPr anchor="ctr"/>
+                </a:tc>
+                <a:tc>
+                  <a:txBody>
+                    <a:bodyPr/>
+                    <a:lstStyle/>
+                    <a:p>
+                      <a:pPr algn="ctr"/>
+                      <a:endParaRPr lang="zh-TW" altLang="en-US" dirty="0"/>
+                    </a:p>
+                  </a:txBody>
+                  <a:tcPr anchor="ctr"/>
+                </a:tc>
+                <a:tc>
+                  <a:txBody>
+                    <a:bodyPr/>
+                    <a:lstStyle/>
+                    <a:p>
+                      <a:pPr algn="ctr"/>
+                      <a:endParaRPr lang="zh-TW" altLang="en-US" dirty="0"/>
+                    </a:p>
+                  </a:txBody>
+                  <a:tcPr anchor="ctr"/>
+                </a:tc>
+                <a:extLst>
+                  <a:ext uri="{0D108BD9-81ED-4DB2-BD59-A6C34878D82A}">
+                    <a16:rowId xmlns:a16="http://schemas.microsoft.com/office/drawing/2014/main" val="591505945"/>
+                  </a:ext>
+                </a:extLst>
+              </a:tr>
+              <a:tr h="1080000">
+                <a:tc>
+                  <a:txBody>
+                    <a:bodyPr/>
+                    <a:lstStyle/>
+                    <a:p>
+                      <a:pPr marL="0" marR="0" lvl="0" indent="0" algn="ctr" defTabSz="914400" rtl="0" eaLnBrk="1" fontAlgn="auto" latinLnBrk="0" hangingPunct="1">
+                        <a:lnSpc>
+                          <a:spcPct val="100000"/>
+                        </a:lnSpc>
+                        <a:spcBef>
+                          <a:spcPts val="0"/>
+                        </a:spcBef>
+                        <a:spcAft>
+                          <a:spcPts val="0"/>
+                        </a:spcAft>
+                        <a:buClrTx/>
+                        <a:buSzTx/>
+                        <a:buFontTx/>
+                        <a:buNone/>
+                        <a:tabLst/>
+                        <a:defRPr/>
+                      </a:pPr>
+                      <a:r>
+                        <a:rPr lang="en-US" altLang="zh-TW" dirty="0"/>
+                        <a:t>Patrick</a:t>
+                      </a:r>
+                      <a:endParaRPr lang="zh-TW" altLang="en-US" dirty="0"/>
+                    </a:p>
+                  </a:txBody>
+                  <a:tcPr anchor="ctr"/>
+                </a:tc>
+                <a:tc>
+                  <a:txBody>
+                    <a:bodyPr/>
+                    <a:lstStyle/>
+                    <a:p>
+                      <a:pPr algn="ctr"/>
+                      <a:endParaRPr lang="zh-TW" altLang="en-US" dirty="0"/>
+                    </a:p>
+                  </a:txBody>
+                  <a:tcPr anchor="ctr"/>
+                </a:tc>
+                <a:tc>
+                  <a:txBody>
+                    <a:bodyPr/>
+                    <a:lstStyle/>
+                    <a:p>
+                      <a:pPr marL="0" marR="0" lvl="0" indent="0" algn="ctr" defTabSz="914400" rtl="0" eaLnBrk="1" fontAlgn="auto" latinLnBrk="0" hangingPunct="1">
+                        <a:lnSpc>
+                          <a:spcPct val="100000"/>
+                        </a:lnSpc>
+                        <a:spcBef>
+                          <a:spcPts val="0"/>
+                        </a:spcBef>
+                        <a:spcAft>
+                          <a:spcPts val="0"/>
+                        </a:spcAft>
+                        <a:buClrTx/>
+                        <a:buSzTx/>
+                        <a:buFontTx/>
+                        <a:buNone/>
+                        <a:tabLst/>
+                        <a:defRPr/>
+                      </a:pPr>
+                      <a:r>
+                        <a:rPr kumimoji="0" lang="en-US" altLang="zh-TW" sz="4400" b="0" u="none" strike="noStrike" kern="1200" cap="none" spc="0" normalizeH="0" baseline="0" noProof="0" dirty="0">
+                          <a:ln>
+                            <a:noFill/>
+                          </a:ln>
+                          <a:solidFill>
+                            <a:prstClr val="black"/>
+                          </a:solidFill>
+                          <a:effectLst/>
+                          <a:uLnTx/>
+                          <a:uFillTx/>
+                          <a:sym typeface="Wingdings" panose="05000000000000000000" pitchFamily="2" charset="2"/>
+                        </a:rPr>
+                        <a:t></a:t>
+                      </a:r>
+                      <a:endParaRPr kumimoji="0" lang="zh-TW" altLang="en-US" sz="4400" b="0" i="0" u="none" strike="noStrike" kern="1200" cap="none" spc="0" normalizeH="0" baseline="0" noProof="0" dirty="0">
+                        <a:ln>
+                          <a:noFill/>
+                        </a:ln>
+                        <a:solidFill>
+                          <a:prstClr val="black"/>
+                        </a:solidFill>
+                        <a:effectLst/>
+                        <a:uLnTx/>
+                        <a:uFillTx/>
+                        <a:latin typeface="+mn-lt"/>
+                        <a:ea typeface="+mn-ea"/>
+                        <a:cs typeface="+mn-cs"/>
+                      </a:endParaRPr>
+                    </a:p>
+                  </a:txBody>
+                  <a:tcPr anchor="ctr"/>
+                </a:tc>
+                <a:tc>
+                  <a:txBody>
+                    <a:bodyPr/>
+                    <a:lstStyle/>
+                    <a:p>
+                      <a:pPr algn="ctr"/>
+                      <a:endParaRPr lang="zh-TW" altLang="en-US" dirty="0"/>
+                    </a:p>
+                  </a:txBody>
+                  <a:tcPr anchor="ctr"/>
+                </a:tc>
+                <a:tc>
+                  <a:txBody>
+                    <a:bodyPr/>
+                    <a:lstStyle/>
+                    <a:p>
+                      <a:pPr marL="0" marR="0" lvl="0" indent="0" algn="ctr" defTabSz="914400" rtl="0" eaLnBrk="1" fontAlgn="auto" latinLnBrk="0" hangingPunct="1">
+                        <a:lnSpc>
+                          <a:spcPct val="100000"/>
+                        </a:lnSpc>
+                        <a:spcBef>
+                          <a:spcPts val="0"/>
+                        </a:spcBef>
+                        <a:spcAft>
+                          <a:spcPts val="0"/>
+                        </a:spcAft>
+                        <a:buClrTx/>
+                        <a:buSzTx/>
+                        <a:buFontTx/>
+                        <a:buNone/>
+                        <a:tabLst/>
+                        <a:defRPr/>
+                      </a:pPr>
+                      <a:endParaRPr kumimoji="0" lang="zh-TW" altLang="en-US" sz="4400" b="0" i="0" u="none" strike="noStrike" kern="1200" cap="none" spc="0" normalizeH="0" baseline="0" noProof="0" dirty="0">
+                        <a:ln>
+                          <a:noFill/>
+                        </a:ln>
+                        <a:solidFill>
+                          <a:prstClr val="black"/>
+                        </a:solidFill>
+                        <a:effectLst/>
+                        <a:uLnTx/>
+                        <a:uFillTx/>
+                        <a:latin typeface="+mn-lt"/>
+                        <a:ea typeface="+mn-ea"/>
+                        <a:cs typeface="+mn-cs"/>
+                      </a:endParaRPr>
+                    </a:p>
+                  </a:txBody>
+                  <a:tcPr anchor="ctr"/>
+                </a:tc>
+                <a:tc>
+                  <a:txBody>
+                    <a:bodyPr/>
+                    <a:lstStyle/>
+                    <a:p>
+                      <a:pPr algn="ctr"/>
+                      <a:endParaRPr lang="zh-TW" altLang="en-US" dirty="0"/>
+                    </a:p>
+                  </a:txBody>
+                  <a:tcPr anchor="ctr"/>
+                </a:tc>
+                <a:tc>
+                  <a:txBody>
+                    <a:bodyPr/>
+                    <a:lstStyle/>
+                    <a:p>
+                      <a:pPr marL="0" marR="0" lvl="0" indent="0" algn="ctr" defTabSz="914400" rtl="0" eaLnBrk="1" fontAlgn="auto" latinLnBrk="0" hangingPunct="1">
+                        <a:lnSpc>
+                          <a:spcPct val="100000"/>
+                        </a:lnSpc>
+                        <a:spcBef>
+                          <a:spcPts val="0"/>
+                        </a:spcBef>
+                        <a:spcAft>
+                          <a:spcPts val="0"/>
+                        </a:spcAft>
+                        <a:buClrTx/>
+                        <a:buSzTx/>
+                        <a:buFontTx/>
+                        <a:buNone/>
+                        <a:tabLst/>
+                        <a:defRPr/>
+                      </a:pPr>
+                      <a:r>
+                        <a:rPr kumimoji="0" lang="en-US" altLang="zh-TW" sz="4400" b="0" i="0" u="none" strike="noStrike" kern="1200" cap="none" spc="0" normalizeH="0" baseline="0" noProof="0" dirty="0">
+                          <a:ln>
+                            <a:noFill/>
+                          </a:ln>
+                          <a:solidFill>
+                            <a:prstClr val="black"/>
+                          </a:solidFill>
+                          <a:effectLst/>
+                          <a:uLnTx/>
+                          <a:uFillTx/>
+                          <a:latin typeface="+mn-lt"/>
+                          <a:ea typeface="+mn-ea"/>
+                          <a:cs typeface="+mn-cs"/>
+                          <a:sym typeface="Wingdings" panose="05000000000000000000" pitchFamily="2" charset="2"/>
+                        </a:rPr>
+                        <a:t></a:t>
+                      </a:r>
+                      <a:endParaRPr kumimoji="0" lang="zh-TW" altLang="en-US" sz="4400" b="0" i="0" u="none" strike="noStrike" kern="1200" cap="none" spc="0" normalizeH="0" baseline="0" noProof="0" dirty="0">
+                        <a:ln>
+                          <a:noFill/>
+                        </a:ln>
+                        <a:solidFill>
+                          <a:prstClr val="black"/>
+                        </a:solidFill>
+                        <a:effectLst/>
+                        <a:uLnTx/>
+                        <a:uFillTx/>
+                        <a:latin typeface="+mn-lt"/>
+                        <a:ea typeface="+mn-ea"/>
+                        <a:cs typeface="+mn-cs"/>
+                      </a:endParaRPr>
+                    </a:p>
+                  </a:txBody>
+                  <a:tcPr anchor="ctr"/>
+                </a:tc>
+                <a:tc>
+                  <a:txBody>
+                    <a:bodyPr/>
+                    <a:lstStyle/>
+                    <a:p>
+                      <a:pPr algn="ctr"/>
+                      <a:endParaRPr lang="zh-TW" altLang="en-US" dirty="0"/>
+                    </a:p>
+                  </a:txBody>
+                  <a:tcPr anchor="ctr"/>
+                </a:tc>
+                <a:tc>
+                  <a:txBody>
+                    <a:bodyPr/>
+                    <a:lstStyle/>
+                    <a:p>
+                      <a:pPr marL="0" marR="0" lvl="0" indent="0" algn="ctr" defTabSz="914400" rtl="0" eaLnBrk="1" fontAlgn="auto" latinLnBrk="0" hangingPunct="1">
+                        <a:lnSpc>
+                          <a:spcPct val="100000"/>
+                        </a:lnSpc>
+                        <a:spcBef>
+                          <a:spcPts val="0"/>
+                        </a:spcBef>
+                        <a:spcAft>
+                          <a:spcPts val="0"/>
+                        </a:spcAft>
+                        <a:buClrTx/>
+                        <a:buSzTx/>
+                        <a:buFontTx/>
+                        <a:buNone/>
+                        <a:tabLst/>
+                        <a:defRPr/>
+                      </a:pPr>
+                      <a:r>
+                        <a:rPr kumimoji="0" lang="en-US" altLang="zh-TW" sz="4400" b="0" u="none" strike="noStrike" kern="1200" cap="none" spc="0" normalizeH="0" baseline="0" noProof="0" dirty="0">
+                          <a:ln>
+                            <a:noFill/>
+                          </a:ln>
+                          <a:solidFill>
+                            <a:prstClr val="black"/>
+                          </a:solidFill>
+                          <a:effectLst/>
+                          <a:uLnTx/>
+                          <a:uFillTx/>
+                          <a:sym typeface="Wingdings" panose="05000000000000000000" pitchFamily="2" charset="2"/>
+                        </a:rPr>
+                        <a:t></a:t>
+                      </a:r>
+                      <a:endParaRPr kumimoji="0" lang="zh-TW" altLang="en-US" sz="4400" b="0" i="0" u="none" strike="noStrike" kern="1200" cap="none" spc="0" normalizeH="0" baseline="0" noProof="0" dirty="0">
+                        <a:ln>
+                          <a:noFill/>
+                        </a:ln>
+                        <a:solidFill>
+                          <a:prstClr val="black"/>
+                        </a:solidFill>
+                        <a:effectLst/>
+                        <a:uLnTx/>
+                        <a:uFillTx/>
+                        <a:latin typeface="+mn-lt"/>
+                        <a:ea typeface="+mn-ea"/>
+                        <a:cs typeface="+mn-cs"/>
+                      </a:endParaRPr>
+                    </a:p>
+                  </a:txBody>
+                  <a:tcPr anchor="ctr"/>
+                </a:tc>
+                <a:tc>
+                  <a:txBody>
+                    <a:bodyPr/>
+                    <a:lstStyle/>
+                    <a:p>
+                      <a:pPr algn="ctr"/>
+                      <a:endParaRPr lang="zh-TW" altLang="en-US" dirty="0"/>
+                    </a:p>
+                  </a:txBody>
+                  <a:tcPr anchor="ctr"/>
+                </a:tc>
+                <a:tc>
+                  <a:txBody>
+                    <a:bodyPr/>
+                    <a:lstStyle/>
+                    <a:p>
+                      <a:pPr marL="0" marR="0" lvl="0" indent="0" algn="ctr" defTabSz="914400" rtl="0" eaLnBrk="1" fontAlgn="auto" latinLnBrk="0" hangingPunct="1">
+                        <a:lnSpc>
+                          <a:spcPct val="100000"/>
+                        </a:lnSpc>
+                        <a:spcBef>
+                          <a:spcPts val="0"/>
+                        </a:spcBef>
+                        <a:spcAft>
+                          <a:spcPts val="0"/>
+                        </a:spcAft>
+                        <a:buClrTx/>
+                        <a:buSzTx/>
+                        <a:buFontTx/>
+                        <a:buNone/>
+                        <a:tabLst/>
+                        <a:defRPr/>
+                      </a:pPr>
+                      <a:r>
+                        <a:rPr kumimoji="0" lang="en-US" altLang="zh-TW" sz="4400" b="0" u="none" strike="noStrike" kern="1200" cap="none" spc="0" normalizeH="0" baseline="0" noProof="0" dirty="0">
+                          <a:ln>
+                            <a:noFill/>
+                          </a:ln>
+                          <a:solidFill>
+                            <a:prstClr val="black"/>
+                          </a:solidFill>
+                          <a:effectLst/>
+                          <a:uLnTx/>
+                          <a:uFillTx/>
+                          <a:sym typeface="Wingdings" panose="05000000000000000000" pitchFamily="2" charset="2"/>
+                        </a:rPr>
+                        <a:t></a:t>
+                      </a:r>
+                      <a:endParaRPr kumimoji="0" lang="zh-TW" altLang="en-US" sz="4400" b="0" i="0" u="none" strike="noStrike" kern="1200" cap="none" spc="0" normalizeH="0" baseline="0" noProof="0" dirty="0">
+                        <a:ln>
+                          <a:noFill/>
+                        </a:ln>
+                        <a:solidFill>
+                          <a:prstClr val="black"/>
+                        </a:solidFill>
+                        <a:effectLst/>
+                        <a:uLnTx/>
+                        <a:uFillTx/>
+                        <a:latin typeface="+mn-lt"/>
+                        <a:ea typeface="+mn-ea"/>
+                        <a:cs typeface="+mn-cs"/>
+                      </a:endParaRPr>
+                    </a:p>
+                  </a:txBody>
+                  <a:tcPr anchor="ctr"/>
+                </a:tc>
+                <a:tc>
+                  <a:txBody>
+                    <a:bodyPr/>
+                    <a:lstStyle/>
+                    <a:p>
+                      <a:pPr marL="0" marR="0" lvl="0" indent="0" algn="ctr" defTabSz="914400" rtl="0" eaLnBrk="1" fontAlgn="auto" latinLnBrk="0" hangingPunct="1">
+                        <a:lnSpc>
+                          <a:spcPct val="100000"/>
+                        </a:lnSpc>
+                        <a:spcBef>
+                          <a:spcPts val="0"/>
+                        </a:spcBef>
+                        <a:spcAft>
+                          <a:spcPts val="0"/>
+                        </a:spcAft>
+                        <a:buClrTx/>
+                        <a:buSzTx/>
+                        <a:buFontTx/>
+                        <a:buNone/>
+                        <a:tabLst/>
+                        <a:defRPr/>
+                      </a:pPr>
+                      <a:endParaRPr kumimoji="0" lang="zh-TW" altLang="en-US" sz="4400" b="0" i="0" u="none" strike="noStrike" kern="1200" cap="none" spc="0" normalizeH="0" baseline="0" noProof="0" dirty="0">
+                        <a:ln>
+                          <a:noFill/>
+                        </a:ln>
+                        <a:solidFill>
+                          <a:prstClr val="black"/>
+                        </a:solidFill>
+                        <a:effectLst/>
+                        <a:uLnTx/>
+                        <a:uFillTx/>
+                        <a:latin typeface="+mn-lt"/>
+                        <a:ea typeface="+mn-ea"/>
+                        <a:cs typeface="+mn-cs"/>
+                      </a:endParaRPr>
+                    </a:p>
+                  </a:txBody>
+                  <a:tcPr anchor="ctr"/>
+                </a:tc>
+                <a:tc>
+                  <a:txBody>
+                    <a:bodyPr/>
+                    <a:lstStyle/>
+                    <a:p>
+                      <a:pPr marL="0" marR="0" lvl="0" indent="0" algn="ctr" defTabSz="914400" rtl="0" eaLnBrk="1" fontAlgn="auto" latinLnBrk="0" hangingPunct="1">
+                        <a:lnSpc>
+                          <a:spcPct val="100000"/>
+                        </a:lnSpc>
+                        <a:spcBef>
+                          <a:spcPts val="0"/>
+                        </a:spcBef>
+                        <a:spcAft>
+                          <a:spcPts val="0"/>
+                        </a:spcAft>
+                        <a:buClrTx/>
+                        <a:buSzTx/>
+                        <a:buFontTx/>
+                        <a:buNone/>
+                        <a:tabLst/>
+                        <a:defRPr/>
+                      </a:pPr>
+                      <a:r>
+                        <a:rPr kumimoji="0" lang="en-US" altLang="zh-TW" sz="4400" b="0" u="none" strike="noStrike" kern="1200" cap="none" spc="0" normalizeH="0" baseline="0" noProof="0" dirty="0">
+                          <a:ln>
+                            <a:noFill/>
+                          </a:ln>
+                          <a:solidFill>
+                            <a:prstClr val="black"/>
+                          </a:solidFill>
+                          <a:effectLst/>
+                          <a:uLnTx/>
+                          <a:uFillTx/>
+                          <a:sym typeface="Wingdings" panose="05000000000000000000" pitchFamily="2" charset="2"/>
+                        </a:rPr>
+                        <a:t></a:t>
+                      </a:r>
+                      <a:endParaRPr kumimoji="0" lang="zh-TW" altLang="en-US" sz="4400" b="0" i="0" u="none" strike="noStrike" kern="1200" cap="none" spc="0" normalizeH="0" baseline="0" noProof="0" dirty="0">
+                        <a:ln>
+                          <a:noFill/>
+                        </a:ln>
+                        <a:solidFill>
+                          <a:prstClr val="black"/>
+                        </a:solidFill>
+                        <a:effectLst/>
+                        <a:uLnTx/>
+                        <a:uFillTx/>
+                        <a:latin typeface="+mn-lt"/>
+                        <a:ea typeface="+mn-ea"/>
+                        <a:cs typeface="+mn-cs"/>
+                      </a:endParaRPr>
+                    </a:p>
+                  </a:txBody>
+                  <a:tcPr anchor="ctr"/>
+                </a:tc>
+                <a:extLst>
+                  <a:ext uri="{0D108BD9-81ED-4DB2-BD59-A6C34878D82A}">
+                    <a16:rowId xmlns:a16="http://schemas.microsoft.com/office/drawing/2014/main" val="1129337552"/>
+                  </a:ext>
+                </a:extLst>
+              </a:tr>
+              <a:tr h="324000">
+                <a:tc>
+                  <a:txBody>
+                    <a:bodyPr/>
+                    <a:lstStyle/>
+                    <a:p>
+                      <a:pPr marL="0" marR="0" lvl="0" indent="0" algn="ctr" defTabSz="914400" rtl="0" eaLnBrk="1" fontAlgn="auto" latinLnBrk="0" hangingPunct="1">
+                        <a:lnSpc>
+                          <a:spcPct val="100000"/>
+                        </a:lnSpc>
+                        <a:spcBef>
+                          <a:spcPts val="0"/>
+                        </a:spcBef>
+                        <a:spcAft>
+                          <a:spcPts val="0"/>
+                        </a:spcAft>
+                        <a:buClrTx/>
+                        <a:buSzTx/>
+                        <a:buFontTx/>
+                        <a:buNone/>
+                        <a:tabLst/>
+                        <a:defRPr/>
+                      </a:pPr>
+                      <a:endParaRPr lang="zh-TW" altLang="en-US" dirty="0"/>
+                    </a:p>
+                  </a:txBody>
+                  <a:tcPr anchor="ctr"/>
+                </a:tc>
+                <a:tc>
+                  <a:txBody>
+                    <a:bodyPr/>
+                    <a:lstStyle/>
+                    <a:p>
+                      <a:pPr algn="ctr"/>
+                      <a:endParaRPr lang="zh-TW" altLang="en-US" dirty="0"/>
+                    </a:p>
+                  </a:txBody>
+                  <a:tcPr anchor="ctr"/>
+                </a:tc>
+                <a:tc>
+                  <a:txBody>
+                    <a:bodyPr/>
+                    <a:lstStyle/>
+                    <a:p>
+                      <a:pPr algn="ctr"/>
+                      <a:endParaRPr lang="zh-TW" altLang="en-US" dirty="0"/>
+                    </a:p>
+                  </a:txBody>
+                  <a:tcPr anchor="ctr"/>
+                </a:tc>
+                <a:tc>
+                  <a:txBody>
+                    <a:bodyPr/>
+                    <a:lstStyle/>
+                    <a:p>
+                      <a:pPr algn="ctr"/>
+                      <a:endParaRPr lang="zh-TW" altLang="en-US" dirty="0"/>
+                    </a:p>
+                  </a:txBody>
+                  <a:tcPr anchor="ctr"/>
+                </a:tc>
+                <a:tc>
+                  <a:txBody>
+                    <a:bodyPr/>
+                    <a:lstStyle/>
+                    <a:p>
+                      <a:pPr algn="ctr"/>
+                      <a:endParaRPr lang="zh-TW" altLang="en-US" dirty="0"/>
+                    </a:p>
+                  </a:txBody>
+                  <a:tcPr anchor="ctr"/>
+                </a:tc>
+                <a:tc>
+                  <a:txBody>
+                    <a:bodyPr/>
+                    <a:lstStyle/>
+                    <a:p>
+                      <a:pPr algn="ctr"/>
+                      <a:endParaRPr lang="zh-TW" altLang="en-US" dirty="0"/>
+                    </a:p>
+                  </a:txBody>
+                  <a:tcPr anchor="ctr"/>
+                </a:tc>
+                <a:tc>
+                  <a:txBody>
+                    <a:bodyPr/>
+                    <a:lstStyle/>
+                    <a:p>
+                      <a:pPr algn="ctr"/>
+                      <a:endParaRPr lang="zh-TW" altLang="en-US" dirty="0"/>
+                    </a:p>
+                  </a:txBody>
+                  <a:tcPr anchor="ctr"/>
+                </a:tc>
+                <a:tc>
+                  <a:txBody>
+                    <a:bodyPr/>
+                    <a:lstStyle/>
+                    <a:p>
+                      <a:pPr algn="ctr"/>
+                      <a:endParaRPr lang="zh-TW" altLang="en-US" dirty="0"/>
+                    </a:p>
+                  </a:txBody>
+                  <a:tcPr anchor="ctr"/>
+                </a:tc>
+                <a:tc>
+                  <a:txBody>
+                    <a:bodyPr/>
+                    <a:lstStyle/>
+                    <a:p>
+                      <a:pPr algn="ctr"/>
+                      <a:endParaRPr lang="zh-TW" altLang="en-US" dirty="0"/>
+                    </a:p>
+                  </a:txBody>
+                  <a:tcPr anchor="ctr"/>
+                </a:tc>
+                <a:tc>
+                  <a:txBody>
+                    <a:bodyPr/>
+                    <a:lstStyle/>
+                    <a:p>
+                      <a:pPr algn="ctr"/>
+                      <a:endParaRPr lang="zh-TW" altLang="en-US" dirty="0"/>
+                    </a:p>
+                  </a:txBody>
+                  <a:tcPr anchor="ctr"/>
+                </a:tc>
+                <a:tc>
+                  <a:txBody>
+                    <a:bodyPr/>
+                    <a:lstStyle/>
+                    <a:p>
+                      <a:pPr algn="ctr"/>
+                      <a:endParaRPr lang="zh-TW" altLang="en-US" dirty="0"/>
+                    </a:p>
+                  </a:txBody>
+                  <a:tcPr anchor="ctr"/>
+                </a:tc>
+                <a:tc>
+                  <a:txBody>
+                    <a:bodyPr/>
+                    <a:lstStyle/>
+                    <a:p>
+                      <a:pPr algn="ctr"/>
+                      <a:endParaRPr lang="zh-TW" altLang="en-US" dirty="0"/>
+                    </a:p>
+                  </a:txBody>
+                  <a:tcPr anchor="ctr"/>
+                </a:tc>
+                <a:tc>
+                  <a:txBody>
+                    <a:bodyPr/>
+                    <a:lstStyle/>
+                    <a:p>
+                      <a:pPr algn="ctr"/>
+                      <a:endParaRPr lang="zh-TW" altLang="en-US" dirty="0"/>
+                    </a:p>
+                  </a:txBody>
+                  <a:tcPr anchor="ctr"/>
+                </a:tc>
+                <a:extLst>
+                  <a:ext uri="{0D108BD9-81ED-4DB2-BD59-A6C34878D82A}">
+                    <a16:rowId xmlns:a16="http://schemas.microsoft.com/office/drawing/2014/main" val="4065466655"/>
+                  </a:ext>
+                </a:extLst>
+              </a:tr>
+              <a:tr h="1080000">
+                <a:tc>
+                  <a:txBody>
+                    <a:bodyPr/>
+                    <a:lstStyle/>
+                    <a:p>
+                      <a:pPr marL="0" marR="0" lvl="0" indent="0" algn="ctr" defTabSz="914400" rtl="0" eaLnBrk="1" fontAlgn="auto" latinLnBrk="0" hangingPunct="1">
+                        <a:lnSpc>
+                          <a:spcPct val="100000"/>
+                        </a:lnSpc>
+                        <a:spcBef>
+                          <a:spcPts val="0"/>
+                        </a:spcBef>
+                        <a:spcAft>
+                          <a:spcPts val="0"/>
+                        </a:spcAft>
+                        <a:buClrTx/>
+                        <a:buSzTx/>
+                        <a:buFontTx/>
+                        <a:buNone/>
+                        <a:tabLst/>
+                        <a:defRPr/>
+                      </a:pPr>
+                      <a:r>
+                        <a:rPr lang="en-US" altLang="zh-TW" dirty="0"/>
+                        <a:t>Jacky</a:t>
+                      </a:r>
+                      <a:endParaRPr lang="zh-TW" altLang="en-US" dirty="0"/>
+                    </a:p>
+                  </a:txBody>
+                  <a:tcPr anchor="ctr"/>
+                </a:tc>
+                <a:tc>
+                  <a:txBody>
+                    <a:bodyPr/>
+                    <a:lstStyle/>
+                    <a:p>
+                      <a:pPr algn="ctr"/>
+                      <a:endParaRPr lang="zh-TW" altLang="en-US" dirty="0"/>
+                    </a:p>
+                  </a:txBody>
+                  <a:tcPr anchor="ctr"/>
+                </a:tc>
+                <a:tc>
+                  <a:txBody>
+                    <a:bodyPr/>
+                    <a:lstStyle/>
+                    <a:p>
+                      <a:pPr marL="0" marR="0" lvl="0" indent="0" algn="ctr" defTabSz="914400" rtl="0" eaLnBrk="1" fontAlgn="auto" latinLnBrk="0" hangingPunct="1">
+                        <a:lnSpc>
+                          <a:spcPct val="100000"/>
+                        </a:lnSpc>
+                        <a:spcBef>
+                          <a:spcPts val="0"/>
+                        </a:spcBef>
+                        <a:spcAft>
+                          <a:spcPts val="0"/>
+                        </a:spcAft>
+                        <a:buClrTx/>
+                        <a:buSzTx/>
+                        <a:buFontTx/>
+                        <a:buNone/>
+                        <a:tabLst/>
+                        <a:defRPr/>
+                      </a:pPr>
+                      <a:r>
+                        <a:rPr kumimoji="0" lang="en-US" altLang="zh-TW" sz="4400" b="0" u="none" strike="noStrike" kern="1200" cap="none" spc="0" normalizeH="0" baseline="0" noProof="0" dirty="0">
+                          <a:ln>
+                            <a:noFill/>
+                          </a:ln>
+                          <a:solidFill>
+                            <a:prstClr val="black"/>
+                          </a:solidFill>
+                          <a:effectLst/>
+                          <a:uLnTx/>
+                          <a:uFillTx/>
+                          <a:sym typeface="Wingdings" panose="05000000000000000000" pitchFamily="2" charset="2"/>
+                        </a:rPr>
+                        <a:t></a:t>
+                      </a:r>
+                      <a:endParaRPr kumimoji="0" lang="zh-TW" altLang="en-US" sz="4400" b="0" i="0" u="none" strike="noStrike" kern="1200" cap="none" spc="0" normalizeH="0" baseline="0" noProof="0" dirty="0">
+                        <a:ln>
+                          <a:noFill/>
+                        </a:ln>
+                        <a:solidFill>
+                          <a:prstClr val="black"/>
+                        </a:solidFill>
+                        <a:effectLst/>
+                        <a:uLnTx/>
+                        <a:uFillTx/>
+                        <a:latin typeface="+mn-lt"/>
+                        <a:ea typeface="+mn-ea"/>
+                        <a:cs typeface="+mn-cs"/>
+                      </a:endParaRPr>
+                    </a:p>
+                  </a:txBody>
+                  <a:tcPr anchor="ctr"/>
+                </a:tc>
+                <a:tc>
+                  <a:txBody>
+                    <a:bodyPr/>
+                    <a:lstStyle/>
+                    <a:p>
+                      <a:pPr algn="ctr"/>
+                      <a:endParaRPr lang="zh-TW" altLang="en-US" dirty="0"/>
+                    </a:p>
+                  </a:txBody>
+                  <a:tcPr anchor="ctr"/>
+                </a:tc>
+                <a:tc>
+                  <a:txBody>
+                    <a:bodyPr/>
+                    <a:lstStyle/>
+                    <a:p>
+                      <a:pPr marL="0" marR="0" lvl="0" indent="0" algn="ctr" defTabSz="914400" rtl="0" eaLnBrk="1" fontAlgn="auto" latinLnBrk="0" hangingPunct="1">
+                        <a:lnSpc>
+                          <a:spcPct val="100000"/>
+                        </a:lnSpc>
+                        <a:spcBef>
+                          <a:spcPts val="0"/>
+                        </a:spcBef>
+                        <a:spcAft>
+                          <a:spcPts val="0"/>
+                        </a:spcAft>
+                        <a:buClrTx/>
+                        <a:buSzTx/>
+                        <a:buFontTx/>
+                        <a:buNone/>
+                        <a:tabLst/>
+                        <a:defRPr/>
+                      </a:pPr>
+                      <a:r>
+                        <a:rPr kumimoji="0" lang="en-US" altLang="zh-TW" sz="4400" b="0" u="none" strike="noStrike" kern="1200" cap="none" spc="0" normalizeH="0" baseline="0" noProof="0" dirty="0">
+                          <a:ln>
+                            <a:noFill/>
+                          </a:ln>
+                          <a:solidFill>
+                            <a:prstClr val="black"/>
+                          </a:solidFill>
+                          <a:effectLst/>
+                          <a:uLnTx/>
+                          <a:uFillTx/>
+                          <a:sym typeface="Wingdings" panose="05000000000000000000" pitchFamily="2" charset="2"/>
+                        </a:rPr>
+                        <a:t></a:t>
+                      </a:r>
+                      <a:endParaRPr kumimoji="0" lang="zh-TW" altLang="en-US" sz="4400" b="0" i="0" u="none" strike="noStrike" kern="1200" cap="none" spc="0" normalizeH="0" baseline="0" noProof="0" dirty="0">
+                        <a:ln>
+                          <a:noFill/>
+                        </a:ln>
+                        <a:solidFill>
+                          <a:prstClr val="black"/>
+                        </a:solidFill>
+                        <a:effectLst/>
+                        <a:uLnTx/>
+                        <a:uFillTx/>
+                        <a:latin typeface="+mn-lt"/>
+                        <a:ea typeface="+mn-ea"/>
+                        <a:cs typeface="+mn-cs"/>
+                      </a:endParaRPr>
+                    </a:p>
+                  </a:txBody>
+                  <a:tcPr anchor="ctr"/>
+                </a:tc>
+                <a:tc>
+                  <a:txBody>
+                    <a:bodyPr/>
+                    <a:lstStyle/>
+                    <a:p>
+                      <a:pPr algn="ctr"/>
+                      <a:endParaRPr lang="zh-TW" altLang="en-US" dirty="0"/>
+                    </a:p>
+                  </a:txBody>
+                  <a:tcPr anchor="ctr"/>
+                </a:tc>
+                <a:tc>
+                  <a:txBody>
+                    <a:bodyPr/>
+                    <a:lstStyle/>
+                    <a:p>
+                      <a:pPr marL="0" marR="0" lvl="0" indent="0" algn="ctr" defTabSz="914400" rtl="0" eaLnBrk="1" fontAlgn="auto" latinLnBrk="0" hangingPunct="1">
+                        <a:lnSpc>
+                          <a:spcPct val="100000"/>
+                        </a:lnSpc>
+                        <a:spcBef>
+                          <a:spcPts val="0"/>
+                        </a:spcBef>
+                        <a:spcAft>
+                          <a:spcPts val="0"/>
+                        </a:spcAft>
+                        <a:buClrTx/>
+                        <a:buSzTx/>
+                        <a:buFontTx/>
+                        <a:buNone/>
+                        <a:tabLst/>
+                        <a:defRPr/>
+                      </a:pPr>
+                      <a:r>
+                        <a:rPr kumimoji="0" lang="en-US" altLang="zh-TW" sz="4400" b="0" u="none" strike="noStrike" kern="1200" cap="none" spc="0" normalizeH="0" baseline="0" noProof="0" dirty="0">
+                          <a:ln>
+                            <a:noFill/>
+                          </a:ln>
+                          <a:solidFill>
+                            <a:prstClr val="black"/>
+                          </a:solidFill>
+                          <a:effectLst/>
+                          <a:uLnTx/>
+                          <a:uFillTx/>
+                          <a:sym typeface="Wingdings" panose="05000000000000000000" pitchFamily="2" charset="2"/>
+                        </a:rPr>
+                        <a:t></a:t>
+                      </a:r>
+                      <a:endParaRPr kumimoji="0" lang="zh-TW" altLang="en-US" sz="4400" b="0" i="0" u="none" strike="noStrike" kern="1200" cap="none" spc="0" normalizeH="0" baseline="0" noProof="0" dirty="0">
+                        <a:ln>
+                          <a:noFill/>
+                        </a:ln>
+                        <a:solidFill>
+                          <a:prstClr val="black"/>
+                        </a:solidFill>
+                        <a:effectLst/>
+                        <a:uLnTx/>
+                        <a:uFillTx/>
+                        <a:latin typeface="+mn-lt"/>
+                        <a:ea typeface="+mn-ea"/>
+                        <a:cs typeface="+mn-cs"/>
+                      </a:endParaRPr>
+                    </a:p>
+                  </a:txBody>
+                  <a:tcPr anchor="ctr"/>
+                </a:tc>
+                <a:tc>
+                  <a:txBody>
+                    <a:bodyPr/>
+                    <a:lstStyle/>
+                    <a:p>
+                      <a:pPr algn="ctr"/>
+                      <a:endParaRPr lang="zh-TW" altLang="en-US" dirty="0"/>
+                    </a:p>
+                  </a:txBody>
+                  <a:tcPr anchor="ctr"/>
+                </a:tc>
+                <a:tc>
+                  <a:txBody>
+                    <a:bodyPr/>
+                    <a:lstStyle/>
+                    <a:p>
+                      <a:pPr marL="0" marR="0" lvl="0" indent="0" algn="ctr" defTabSz="914400" rtl="0" eaLnBrk="1" fontAlgn="auto" latinLnBrk="0" hangingPunct="1">
+                        <a:lnSpc>
+                          <a:spcPct val="100000"/>
+                        </a:lnSpc>
+                        <a:spcBef>
+                          <a:spcPts val="0"/>
+                        </a:spcBef>
+                        <a:spcAft>
+                          <a:spcPts val="0"/>
+                        </a:spcAft>
+                        <a:buClrTx/>
+                        <a:buSzTx/>
+                        <a:buFontTx/>
+                        <a:buNone/>
+                        <a:tabLst/>
+                        <a:defRPr/>
+                      </a:pPr>
+                      <a:r>
+                        <a:rPr kumimoji="0" lang="en-US" altLang="zh-TW" sz="4400" b="0" u="none" strike="noStrike" kern="1200" cap="none" spc="0" normalizeH="0" baseline="0" noProof="0" dirty="0">
+                          <a:ln>
+                            <a:noFill/>
+                          </a:ln>
+                          <a:solidFill>
+                            <a:prstClr val="black"/>
+                          </a:solidFill>
+                          <a:effectLst/>
+                          <a:uLnTx/>
+                          <a:uFillTx/>
+                          <a:sym typeface="Wingdings" panose="05000000000000000000" pitchFamily="2" charset="2"/>
+                        </a:rPr>
+                        <a:t></a:t>
+                      </a:r>
+                      <a:endParaRPr kumimoji="0" lang="zh-TW" altLang="en-US" sz="4400" b="0" i="0" u="none" strike="noStrike" kern="1200" cap="none" spc="0" normalizeH="0" baseline="0" noProof="0" dirty="0">
+                        <a:ln>
+                          <a:noFill/>
+                        </a:ln>
+                        <a:solidFill>
+                          <a:prstClr val="black"/>
+                        </a:solidFill>
+                        <a:effectLst/>
+                        <a:uLnTx/>
+                        <a:uFillTx/>
+                        <a:latin typeface="+mn-lt"/>
+                        <a:ea typeface="+mn-ea"/>
+                        <a:cs typeface="+mn-cs"/>
+                      </a:endParaRPr>
+                    </a:p>
+                  </a:txBody>
+                  <a:tcPr anchor="ctr"/>
+                </a:tc>
+                <a:tc>
+                  <a:txBody>
+                    <a:bodyPr/>
+                    <a:lstStyle/>
+                    <a:p>
+                      <a:pPr algn="ctr"/>
+                      <a:endParaRPr lang="zh-TW" altLang="en-US" dirty="0"/>
+                    </a:p>
+                  </a:txBody>
+                  <a:tcPr anchor="ctr"/>
+                </a:tc>
+                <a:tc>
+                  <a:txBody>
+                    <a:bodyPr/>
+                    <a:lstStyle/>
+                    <a:p>
+                      <a:pPr marL="0" marR="0" lvl="0" indent="0" algn="ctr" defTabSz="914400" rtl="0" eaLnBrk="1" fontAlgn="auto" latinLnBrk="0" hangingPunct="1">
+                        <a:lnSpc>
+                          <a:spcPct val="100000"/>
+                        </a:lnSpc>
+                        <a:spcBef>
+                          <a:spcPts val="0"/>
+                        </a:spcBef>
+                        <a:spcAft>
+                          <a:spcPts val="0"/>
+                        </a:spcAft>
+                        <a:buClrTx/>
+                        <a:buSzTx/>
+                        <a:buFontTx/>
+                        <a:buNone/>
+                        <a:tabLst/>
+                        <a:defRPr/>
+                      </a:pPr>
+                      <a:r>
+                        <a:rPr kumimoji="0" lang="en-US" altLang="zh-TW" sz="4400" b="0" u="none" strike="noStrike" kern="1200" cap="none" spc="0" normalizeH="0" baseline="0" noProof="0" dirty="0">
+                          <a:ln>
+                            <a:noFill/>
+                          </a:ln>
+                          <a:solidFill>
+                            <a:prstClr val="black"/>
+                          </a:solidFill>
+                          <a:effectLst/>
+                          <a:uLnTx/>
+                          <a:uFillTx/>
+                          <a:sym typeface="Wingdings" panose="05000000000000000000" pitchFamily="2" charset="2"/>
+                        </a:rPr>
+                        <a:t></a:t>
+                      </a:r>
+                      <a:endParaRPr kumimoji="0" lang="zh-TW" altLang="en-US" sz="4400" b="0" i="0" u="none" strike="noStrike" kern="1200" cap="none" spc="0" normalizeH="0" baseline="0" noProof="0" dirty="0">
+                        <a:ln>
+                          <a:noFill/>
+                        </a:ln>
+                        <a:solidFill>
+                          <a:prstClr val="black"/>
+                        </a:solidFill>
+                        <a:effectLst/>
+                        <a:uLnTx/>
+                        <a:uFillTx/>
+                        <a:latin typeface="+mn-lt"/>
+                        <a:ea typeface="+mn-ea"/>
+                        <a:cs typeface="+mn-cs"/>
+                      </a:endParaRPr>
+                    </a:p>
+                  </a:txBody>
+                  <a:tcPr anchor="ctr"/>
+                </a:tc>
+                <a:tc>
+                  <a:txBody>
+                    <a:bodyPr/>
+                    <a:lstStyle/>
+                    <a:p>
+                      <a:pPr marL="0" marR="0" lvl="0" indent="0" algn="ctr" defTabSz="914400" rtl="0" eaLnBrk="1" fontAlgn="auto" latinLnBrk="0" hangingPunct="1">
+                        <a:lnSpc>
+                          <a:spcPct val="100000"/>
+                        </a:lnSpc>
+                        <a:spcBef>
+                          <a:spcPts val="0"/>
+                        </a:spcBef>
+                        <a:spcAft>
+                          <a:spcPts val="0"/>
+                        </a:spcAft>
+                        <a:buClrTx/>
+                        <a:buSzTx/>
+                        <a:buFontTx/>
+                        <a:buNone/>
+                        <a:tabLst/>
+                        <a:defRPr/>
+                      </a:pPr>
+                      <a:endParaRPr kumimoji="0" lang="zh-TW" altLang="en-US" sz="4400" b="0" i="0" u="none" strike="noStrike" kern="1200" cap="none" spc="0" normalizeH="0" baseline="0" noProof="0" dirty="0">
+                        <a:ln>
+                          <a:noFill/>
+                        </a:ln>
+                        <a:solidFill>
+                          <a:prstClr val="black"/>
+                        </a:solidFill>
+                        <a:effectLst/>
+                        <a:uLnTx/>
+                        <a:uFillTx/>
+                        <a:latin typeface="+mn-lt"/>
+                        <a:ea typeface="+mn-ea"/>
+                        <a:cs typeface="+mn-cs"/>
+                      </a:endParaRPr>
+                    </a:p>
+                  </a:txBody>
+                  <a:tcPr anchor="ctr"/>
+                </a:tc>
+                <a:tc>
+                  <a:txBody>
+                    <a:bodyPr/>
+                    <a:lstStyle/>
+                    <a:p>
+                      <a:pPr marL="0" marR="0" lvl="0" indent="0" algn="ctr" defTabSz="914400" rtl="0" eaLnBrk="1" fontAlgn="auto" latinLnBrk="0" hangingPunct="1">
+                        <a:lnSpc>
+                          <a:spcPct val="100000"/>
+                        </a:lnSpc>
+                        <a:spcBef>
+                          <a:spcPts val="0"/>
+                        </a:spcBef>
+                        <a:spcAft>
+                          <a:spcPts val="0"/>
+                        </a:spcAft>
+                        <a:buClrTx/>
+                        <a:buSzTx/>
+                        <a:buFontTx/>
+                        <a:buNone/>
+                        <a:tabLst/>
+                        <a:defRPr/>
+                      </a:pPr>
+                      <a:endParaRPr kumimoji="0" lang="zh-TW" altLang="en-US" sz="4400" b="0" i="0" u="none" strike="noStrike" kern="1200" cap="none" spc="0" normalizeH="0" baseline="0" noProof="0" dirty="0">
+                        <a:ln>
+                          <a:noFill/>
+                        </a:ln>
+                        <a:solidFill>
+                          <a:prstClr val="black"/>
+                        </a:solidFill>
+                        <a:effectLst/>
+                        <a:uLnTx/>
+                        <a:uFillTx/>
+                        <a:latin typeface="+mn-lt"/>
+                        <a:ea typeface="+mn-ea"/>
+                        <a:cs typeface="+mn-cs"/>
+                      </a:endParaRPr>
+                    </a:p>
+                  </a:txBody>
+                  <a:tcPr anchor="ctr"/>
+                </a:tc>
+                <a:extLst>
+                  <a:ext uri="{0D108BD9-81ED-4DB2-BD59-A6C34878D82A}">
+                    <a16:rowId xmlns:a16="http://schemas.microsoft.com/office/drawing/2014/main" val="3645912847"/>
+                  </a:ext>
+                </a:extLst>
+              </a:tr>
+              <a:tr h="324000">
+                <a:tc>
+                  <a:txBody>
+                    <a:bodyPr/>
+                    <a:lstStyle/>
+                    <a:p>
+                      <a:pPr algn="ctr"/>
+                      <a:endParaRPr lang="zh-TW" altLang="en-US" dirty="0"/>
+                    </a:p>
+                  </a:txBody>
+                  <a:tcPr anchor="ctr">
+                    <a:lnB w="12700" cap="flat" cmpd="sng" algn="ctr">
+                      <a:solidFill>
+                        <a:schemeClr val="tx1"/>
+                      </a:solidFill>
+                      <a:prstDash val="solid"/>
+                      <a:round/>
+                      <a:headEnd type="none" w="med" len="med"/>
+                      <a:tailEnd type="none" w="med" len="med"/>
+                    </a:lnB>
+                  </a:tcPr>
+                </a:tc>
+                <a:tc>
+                  <a:txBody>
+                    <a:bodyPr/>
+                    <a:lstStyle/>
+                    <a:p>
+                      <a:pPr algn="ctr"/>
+                      <a:endParaRPr lang="zh-TW" altLang="en-US" dirty="0"/>
+                    </a:p>
+                  </a:txBody>
+                  <a:tcPr anchor="ctr">
+                    <a:lnB w="12700" cap="flat" cmpd="sng" algn="ctr">
+                      <a:solidFill>
+                        <a:schemeClr val="tx1"/>
+                      </a:solidFill>
+                      <a:prstDash val="solid"/>
+                      <a:round/>
+                      <a:headEnd type="none" w="med" len="med"/>
+                      <a:tailEnd type="none" w="med" len="med"/>
+                    </a:lnB>
+                  </a:tcPr>
+                </a:tc>
+                <a:tc>
+                  <a:txBody>
+                    <a:bodyPr/>
+                    <a:lstStyle/>
+                    <a:p>
+                      <a:pPr algn="ctr"/>
+                      <a:endParaRPr lang="zh-TW" altLang="en-US" dirty="0"/>
+                    </a:p>
+                  </a:txBody>
+                  <a:tcPr anchor="ctr">
+                    <a:lnB w="12700" cap="flat" cmpd="sng" algn="ctr">
+                      <a:solidFill>
+                        <a:schemeClr val="tx1"/>
+                      </a:solidFill>
+                      <a:prstDash val="solid"/>
+                      <a:round/>
+                      <a:headEnd type="none" w="med" len="med"/>
+                      <a:tailEnd type="none" w="med" len="med"/>
+                    </a:lnB>
+                  </a:tcPr>
+                </a:tc>
+                <a:tc>
+                  <a:txBody>
+                    <a:bodyPr/>
+                    <a:lstStyle/>
+                    <a:p>
+                      <a:pPr algn="ctr"/>
+                      <a:endParaRPr lang="zh-TW" altLang="en-US" dirty="0"/>
+                    </a:p>
+                  </a:txBody>
+                  <a:tcPr anchor="ctr">
+                    <a:lnB w="12700" cap="flat" cmpd="sng" algn="ctr">
+                      <a:solidFill>
+                        <a:schemeClr val="tx1"/>
+                      </a:solidFill>
+                      <a:prstDash val="solid"/>
+                      <a:round/>
+                      <a:headEnd type="none" w="med" len="med"/>
+                      <a:tailEnd type="none" w="med" len="med"/>
+                    </a:lnB>
+                  </a:tcPr>
+                </a:tc>
+                <a:tc>
+                  <a:txBody>
+                    <a:bodyPr/>
+                    <a:lstStyle/>
+                    <a:p>
+                      <a:pPr algn="ctr"/>
+                      <a:endParaRPr lang="zh-TW" altLang="en-US" dirty="0"/>
+                    </a:p>
+                  </a:txBody>
+                  <a:tcPr anchor="ctr">
+                    <a:lnB w="12700" cap="flat" cmpd="sng" algn="ctr">
+                      <a:solidFill>
+                        <a:schemeClr val="tx1"/>
+                      </a:solidFill>
+                      <a:prstDash val="solid"/>
+                      <a:round/>
+                      <a:headEnd type="none" w="med" len="med"/>
+                      <a:tailEnd type="none" w="med" len="med"/>
+                    </a:lnB>
+                  </a:tcPr>
+                </a:tc>
+                <a:tc>
+                  <a:txBody>
+                    <a:bodyPr/>
+                    <a:lstStyle/>
+                    <a:p>
+                      <a:pPr algn="ctr"/>
+                      <a:endParaRPr lang="zh-TW" altLang="en-US" dirty="0"/>
+                    </a:p>
+                  </a:txBody>
+                  <a:tcPr anchor="ctr">
+                    <a:lnB w="12700" cap="flat" cmpd="sng" algn="ctr">
+                      <a:solidFill>
+                        <a:schemeClr val="tx1"/>
+                      </a:solidFill>
+                      <a:prstDash val="solid"/>
+                      <a:round/>
+                      <a:headEnd type="none" w="med" len="med"/>
+                      <a:tailEnd type="none" w="med" len="med"/>
+                    </a:lnB>
+                  </a:tcPr>
+                </a:tc>
+                <a:tc>
+                  <a:txBody>
+                    <a:bodyPr/>
+                    <a:lstStyle/>
+                    <a:p>
+                      <a:pPr algn="ctr"/>
+                      <a:endParaRPr lang="zh-TW" altLang="en-US" dirty="0"/>
+                    </a:p>
+                  </a:txBody>
+                  <a:tcPr anchor="ctr">
+                    <a:lnB w="12700" cap="flat" cmpd="sng" algn="ctr">
+                      <a:solidFill>
+                        <a:schemeClr val="tx1"/>
+                      </a:solidFill>
+                      <a:prstDash val="solid"/>
+                      <a:round/>
+                      <a:headEnd type="none" w="med" len="med"/>
+                      <a:tailEnd type="none" w="med" len="med"/>
+                    </a:lnB>
+                  </a:tcPr>
+                </a:tc>
+                <a:tc>
+                  <a:txBody>
+                    <a:bodyPr/>
+                    <a:lstStyle/>
+                    <a:p>
+                      <a:pPr algn="ctr"/>
+                      <a:endParaRPr lang="zh-TW" altLang="en-US" dirty="0"/>
+                    </a:p>
+                  </a:txBody>
+                  <a:tcPr anchor="ctr">
+                    <a:lnB w="12700" cap="flat" cmpd="sng" algn="ctr">
+                      <a:solidFill>
+                        <a:schemeClr val="tx1"/>
+                      </a:solidFill>
+                      <a:prstDash val="solid"/>
+                      <a:round/>
+                      <a:headEnd type="none" w="med" len="med"/>
+                      <a:tailEnd type="none" w="med" len="med"/>
+                    </a:lnB>
+                  </a:tcPr>
+                </a:tc>
+                <a:tc>
+                  <a:txBody>
+                    <a:bodyPr/>
+                    <a:lstStyle/>
+                    <a:p>
+                      <a:pPr algn="ctr"/>
+                      <a:endParaRPr lang="zh-TW" altLang="en-US" dirty="0"/>
+                    </a:p>
+                  </a:txBody>
+                  <a:tcPr anchor="ctr">
+                    <a:lnB w="12700" cap="flat" cmpd="sng" algn="ctr">
+                      <a:solidFill>
+                        <a:schemeClr val="tx1"/>
+                      </a:solidFill>
+                      <a:prstDash val="solid"/>
+                      <a:round/>
+                      <a:headEnd type="none" w="med" len="med"/>
+                      <a:tailEnd type="none" w="med" len="med"/>
+                    </a:lnB>
+                  </a:tcPr>
+                </a:tc>
+                <a:tc>
+                  <a:txBody>
+                    <a:bodyPr/>
+                    <a:lstStyle/>
+                    <a:p>
+                      <a:pPr algn="ctr"/>
+                      <a:endParaRPr lang="zh-TW" altLang="en-US" dirty="0"/>
+                    </a:p>
+                  </a:txBody>
+                  <a:tcPr anchor="ctr">
+                    <a:lnB w="12700" cap="flat" cmpd="sng" algn="ctr">
+                      <a:solidFill>
+                        <a:schemeClr val="tx1"/>
+                      </a:solidFill>
+                      <a:prstDash val="solid"/>
+                      <a:round/>
+                      <a:headEnd type="none" w="med" len="med"/>
+                      <a:tailEnd type="none" w="med" len="med"/>
+                    </a:lnB>
+                  </a:tcPr>
+                </a:tc>
+                <a:tc>
+                  <a:txBody>
+                    <a:bodyPr/>
+                    <a:lstStyle/>
+                    <a:p>
+                      <a:pPr algn="ctr"/>
+                      <a:endParaRPr lang="zh-TW" altLang="en-US" dirty="0"/>
+                    </a:p>
+                  </a:txBody>
+                  <a:tcPr anchor="ctr">
+                    <a:lnB w="12700" cap="flat" cmpd="sng" algn="ctr">
+                      <a:solidFill>
+                        <a:schemeClr val="tx1"/>
+                      </a:solidFill>
+                      <a:prstDash val="solid"/>
+                      <a:round/>
+                      <a:headEnd type="none" w="med" len="med"/>
+                      <a:tailEnd type="none" w="med" len="med"/>
+                    </a:lnB>
+                  </a:tcPr>
+                </a:tc>
+                <a:tc>
+                  <a:txBody>
+                    <a:bodyPr/>
+                    <a:lstStyle/>
+                    <a:p>
+                      <a:pPr algn="ctr"/>
+                      <a:endParaRPr lang="zh-TW" altLang="en-US" dirty="0"/>
+                    </a:p>
+                  </a:txBody>
+                  <a:tcPr anchor="ctr">
+                    <a:lnB w="12700" cap="flat" cmpd="sng" algn="ctr">
+                      <a:solidFill>
+                        <a:schemeClr val="tx1"/>
+                      </a:solidFill>
+                      <a:prstDash val="solid"/>
+                      <a:round/>
+                      <a:headEnd type="none" w="med" len="med"/>
+                      <a:tailEnd type="none" w="med" len="med"/>
+                    </a:lnB>
+                  </a:tcPr>
+                </a:tc>
+                <a:tc>
+                  <a:txBody>
+                    <a:bodyPr/>
+                    <a:lstStyle/>
+                    <a:p>
+                      <a:pPr algn="ctr"/>
+                      <a:endParaRPr lang="zh-TW" altLang="en-US" dirty="0"/>
+                    </a:p>
+                  </a:txBody>
+                  <a:tcPr anchor="ctr">
+                    <a:lnB w="12700" cap="flat" cmpd="sng" algn="ctr">
+                      <a:solidFill>
+                        <a:schemeClr val="tx1"/>
+                      </a:solidFill>
+                      <a:prstDash val="solid"/>
+                      <a:round/>
+                      <a:headEnd type="none" w="med" len="med"/>
+                      <a:tailEnd type="none" w="med" len="med"/>
+                    </a:lnB>
+                  </a:tcPr>
+                </a:tc>
+                <a:extLst>
+                  <a:ext uri="{0D108BD9-81ED-4DB2-BD59-A6C34878D82A}">
+                    <a16:rowId xmlns:a16="http://schemas.microsoft.com/office/drawing/2014/main" val="2894808698"/>
+                  </a:ext>
+                </a:extLst>
+              </a:tr>
+              <a:tr h="324000">
+                <a:tc>
+                  <a:txBody>
+                    <a:bodyPr/>
+                    <a:lstStyle/>
+                    <a:p>
+                      <a:pPr algn="ctr"/>
+                      <a:endParaRPr lang="zh-TW" altLang="en-US" dirty="0"/>
+                    </a:p>
+                  </a:txBody>
+                  <a:tcPr anchor="ctr">
+                    <a:lnT w="12700" cap="flat" cmpd="sng" algn="ctr">
+                      <a:solidFill>
+                        <a:schemeClr val="tx1"/>
+                      </a:solidFill>
+                      <a:prstDash val="solid"/>
+                      <a:round/>
+                      <a:headEnd type="none" w="med" len="med"/>
+                      <a:tailEnd type="none" w="med" len="med"/>
+                    </a:lnT>
+                  </a:tcPr>
+                </a:tc>
+                <a:tc>
+                  <a:txBody>
+                    <a:bodyPr/>
+                    <a:lstStyle/>
+                    <a:p>
+                      <a:pPr algn="ctr"/>
+                      <a:endParaRPr lang="zh-TW" altLang="en-US" dirty="0"/>
+                    </a:p>
+                  </a:txBody>
+                  <a:tcPr anchor="ctr">
+                    <a:lnT w="12700" cap="flat" cmpd="sng" algn="ctr">
+                      <a:solidFill>
+                        <a:schemeClr val="tx1"/>
+                      </a:solidFill>
+                      <a:prstDash val="solid"/>
+                      <a:round/>
+                      <a:headEnd type="none" w="med" len="med"/>
+                      <a:tailEnd type="none" w="med" len="med"/>
+                    </a:lnT>
+                  </a:tcPr>
+                </a:tc>
+                <a:tc>
+                  <a:txBody>
+                    <a:bodyPr/>
+                    <a:lstStyle/>
+                    <a:p>
+                      <a:pPr marL="0" marR="0" lvl="0" indent="0" algn="ctr" defTabSz="914400" rtl="0" eaLnBrk="1" fontAlgn="auto" latinLnBrk="0" hangingPunct="1">
+                        <a:lnSpc>
+                          <a:spcPct val="100000"/>
+                        </a:lnSpc>
+                        <a:spcBef>
+                          <a:spcPts val="0"/>
+                        </a:spcBef>
+                        <a:spcAft>
+                          <a:spcPts val="0"/>
+                        </a:spcAft>
+                        <a:buClrTx/>
+                        <a:buSzTx/>
+                        <a:buFontTx/>
+                        <a:buNone/>
+                        <a:tabLst/>
+                        <a:defRPr/>
+                      </a:pPr>
+                      <a:r>
+                        <a:rPr lang="en-US" sz="1800" kern="1200" dirty="0">
+                          <a:solidFill>
+                            <a:schemeClr val="tx1"/>
+                          </a:solidFill>
+                          <a:effectLst/>
+                        </a:rPr>
+                        <a:t>Interim report</a:t>
+                      </a:r>
+                      <a:endParaRPr lang="zh-TW" altLang="en-US" dirty="0"/>
+                    </a:p>
+                  </a:txBody>
+                  <a:tcPr anchor="ctr">
+                    <a:lnT w="12700" cap="flat" cmpd="sng" algn="ctr">
+                      <a:solidFill>
+                        <a:schemeClr val="tx1"/>
+                      </a:solidFill>
+                      <a:prstDash val="solid"/>
+                      <a:round/>
+                      <a:headEnd type="none" w="med" len="med"/>
+                      <a:tailEnd type="none" w="med" len="med"/>
+                    </a:lnT>
+                  </a:tcPr>
+                </a:tc>
+                <a:tc>
+                  <a:txBody>
+                    <a:bodyPr/>
+                    <a:lstStyle/>
+                    <a:p>
+                      <a:pPr algn="ctr"/>
+                      <a:endParaRPr lang="zh-TW" altLang="en-US" dirty="0"/>
+                    </a:p>
+                  </a:txBody>
+                  <a:tcPr anchor="ctr">
+                    <a:lnT w="12700" cap="flat" cmpd="sng" algn="ctr">
+                      <a:solidFill>
+                        <a:schemeClr val="tx1"/>
+                      </a:solidFill>
+                      <a:prstDash val="solid"/>
+                      <a:round/>
+                      <a:headEnd type="none" w="med" len="med"/>
+                      <a:tailEnd type="none" w="med" len="med"/>
+                    </a:lnT>
+                  </a:tcPr>
+                </a:tc>
+                <a:tc>
+                  <a:txBody>
+                    <a:bodyPr/>
+                    <a:lstStyle/>
+                    <a:p>
+                      <a:pPr marL="0" marR="0" lvl="0" indent="0" algn="ctr" defTabSz="914400" rtl="0" eaLnBrk="1" fontAlgn="auto" latinLnBrk="0" hangingPunct="1">
+                        <a:lnSpc>
+                          <a:spcPct val="100000"/>
+                        </a:lnSpc>
+                        <a:spcBef>
+                          <a:spcPts val="0"/>
+                        </a:spcBef>
+                        <a:spcAft>
+                          <a:spcPts val="0"/>
+                        </a:spcAft>
+                        <a:buClrTx/>
+                        <a:buSzTx/>
+                        <a:buFontTx/>
+                        <a:buNone/>
+                        <a:tabLst/>
+                        <a:defRPr/>
+                      </a:pPr>
+                      <a:r>
+                        <a:rPr lang="en-US" sz="1800" kern="1200" dirty="0">
+                          <a:solidFill>
+                            <a:schemeClr val="tx1"/>
+                          </a:solidFill>
+                          <a:effectLst/>
+                        </a:rPr>
+                        <a:t>Log book</a:t>
+                      </a:r>
+                      <a:endParaRPr lang="zh-TW" altLang="en-US" dirty="0"/>
+                    </a:p>
+                  </a:txBody>
+                  <a:tcPr anchor="ctr">
+                    <a:lnT w="12700" cap="flat" cmpd="sng" algn="ctr">
+                      <a:solidFill>
+                        <a:schemeClr val="tx1"/>
+                      </a:solidFill>
+                      <a:prstDash val="solid"/>
+                      <a:round/>
+                      <a:headEnd type="none" w="med" len="med"/>
+                      <a:tailEnd type="none" w="med" len="med"/>
+                    </a:lnT>
+                  </a:tcPr>
+                </a:tc>
+                <a:tc>
+                  <a:txBody>
+                    <a:bodyPr/>
+                    <a:lstStyle/>
+                    <a:p>
+                      <a:pPr algn="ctr"/>
+                      <a:endParaRPr lang="zh-TW" altLang="en-US" dirty="0"/>
+                    </a:p>
+                  </a:txBody>
+                  <a:tcPr anchor="ctr">
+                    <a:lnT w="12700" cap="flat" cmpd="sng" algn="ctr">
+                      <a:solidFill>
+                        <a:schemeClr val="tx1"/>
+                      </a:solidFill>
+                      <a:prstDash val="solid"/>
+                      <a:round/>
+                      <a:headEnd type="none" w="med" len="med"/>
+                      <a:tailEnd type="none" w="med" len="med"/>
+                    </a:lnT>
+                  </a:tcPr>
+                </a:tc>
+                <a:tc>
+                  <a:txBody>
+                    <a:bodyPr/>
+                    <a:lstStyle/>
+                    <a:p>
+                      <a:pPr marL="0" marR="0" lvl="0" indent="0" algn="ctr" defTabSz="914400" rtl="0" eaLnBrk="1" fontAlgn="auto" latinLnBrk="0" hangingPunct="1">
+                        <a:lnSpc>
+                          <a:spcPct val="100000"/>
+                        </a:lnSpc>
+                        <a:spcBef>
+                          <a:spcPts val="0"/>
+                        </a:spcBef>
+                        <a:spcAft>
+                          <a:spcPts val="0"/>
+                        </a:spcAft>
+                        <a:buClrTx/>
+                        <a:buSzTx/>
+                        <a:buFontTx/>
+                        <a:buNone/>
+                        <a:tabLst/>
+                        <a:defRPr/>
+                      </a:pPr>
+                      <a:r>
+                        <a:rPr lang="en-US" sz="1800" kern="1200" dirty="0">
+                          <a:solidFill>
+                            <a:schemeClr val="tx1"/>
+                          </a:solidFill>
+                          <a:effectLst/>
+                        </a:rPr>
+                        <a:t>Final report</a:t>
+                      </a:r>
+                      <a:endParaRPr lang="zh-TW" altLang="en-US" dirty="0"/>
+                    </a:p>
+                  </a:txBody>
+                  <a:tcPr anchor="ctr">
+                    <a:lnT w="12700" cap="flat" cmpd="sng" algn="ctr">
+                      <a:solidFill>
+                        <a:schemeClr val="tx1"/>
+                      </a:solidFill>
+                      <a:prstDash val="solid"/>
+                      <a:round/>
+                      <a:headEnd type="none" w="med" len="med"/>
+                      <a:tailEnd type="none" w="med" len="med"/>
+                    </a:lnT>
+                  </a:tcPr>
+                </a:tc>
+                <a:tc>
+                  <a:txBody>
+                    <a:bodyPr/>
+                    <a:lstStyle/>
+                    <a:p>
+                      <a:pPr algn="ctr"/>
+                      <a:endParaRPr lang="zh-TW" altLang="en-US" dirty="0"/>
+                    </a:p>
+                  </a:txBody>
+                  <a:tcPr anchor="ctr">
+                    <a:lnT w="12700" cap="flat" cmpd="sng" algn="ctr">
+                      <a:solidFill>
+                        <a:schemeClr val="tx1"/>
+                      </a:solidFill>
+                      <a:prstDash val="solid"/>
+                      <a:round/>
+                      <a:headEnd type="none" w="med" len="med"/>
+                      <a:tailEnd type="none" w="med" len="med"/>
+                    </a:lnT>
+                  </a:tcPr>
+                </a:tc>
+                <a:tc>
+                  <a:txBody>
+                    <a:bodyPr/>
+                    <a:lstStyle/>
+                    <a:p>
+                      <a:pPr algn="ctr"/>
+                      <a:r>
+                        <a:rPr lang="en-US" sz="1800" kern="1200" dirty="0">
+                          <a:solidFill>
+                            <a:schemeClr val="tx1"/>
+                          </a:solidFill>
+                          <a:effectLst/>
+                        </a:rPr>
+                        <a:t>Documentations and references </a:t>
+                      </a:r>
+                      <a:endParaRPr lang="zh-TW" altLang="en-US" dirty="0"/>
+                    </a:p>
+                  </a:txBody>
+                  <a:tcPr anchor="ctr">
+                    <a:lnT w="12700" cap="flat" cmpd="sng" algn="ctr">
+                      <a:solidFill>
+                        <a:schemeClr val="tx1"/>
+                      </a:solidFill>
+                      <a:prstDash val="solid"/>
+                      <a:round/>
+                      <a:headEnd type="none" w="med" len="med"/>
+                      <a:tailEnd type="none" w="med" len="med"/>
+                    </a:lnT>
+                  </a:tcPr>
+                </a:tc>
+                <a:tc>
+                  <a:txBody>
+                    <a:bodyPr/>
+                    <a:lstStyle/>
+                    <a:p>
+                      <a:pPr algn="ctr"/>
+                      <a:endParaRPr lang="zh-TW" altLang="en-US" dirty="0"/>
+                    </a:p>
+                  </a:txBody>
+                  <a:tcPr anchor="ctr">
+                    <a:lnT w="12700" cap="flat" cmpd="sng" algn="ctr">
+                      <a:solidFill>
+                        <a:schemeClr val="tx1"/>
+                      </a:solidFill>
+                      <a:prstDash val="solid"/>
+                      <a:round/>
+                      <a:headEnd type="none" w="med" len="med"/>
+                      <a:tailEnd type="none" w="med" len="med"/>
+                    </a:lnT>
+                  </a:tcPr>
+                </a:tc>
+                <a:tc>
+                  <a:txBody>
+                    <a:bodyPr/>
+                    <a:lstStyle/>
+                    <a:p>
+                      <a:pPr algn="ctr"/>
+                      <a:r>
+                        <a:rPr lang="en-US" sz="1800" kern="1200" dirty="0">
+                          <a:solidFill>
+                            <a:schemeClr val="tx1"/>
+                          </a:solidFill>
+                          <a:effectLst/>
+                        </a:rPr>
+                        <a:t>Project video</a:t>
+                      </a:r>
+                      <a:endParaRPr lang="zh-TW" altLang="en-US" dirty="0"/>
+                    </a:p>
+                  </a:txBody>
+                  <a:tcPr anchor="ctr">
+                    <a:lnT w="12700" cap="flat" cmpd="sng" algn="ctr">
+                      <a:solidFill>
+                        <a:schemeClr val="tx1"/>
+                      </a:solidFill>
+                      <a:prstDash val="solid"/>
+                      <a:round/>
+                      <a:headEnd type="none" w="med" len="med"/>
+                      <a:tailEnd type="none" w="med" len="med"/>
+                    </a:lnT>
+                  </a:tcPr>
+                </a:tc>
+                <a:tc>
+                  <a:txBody>
+                    <a:bodyPr/>
+                    <a:lstStyle/>
+                    <a:p>
+                      <a:pPr algn="ctr"/>
+                      <a:endParaRPr lang="zh-TW" altLang="en-US" dirty="0"/>
+                    </a:p>
+                  </a:txBody>
+                  <a:tcPr anchor="ctr">
+                    <a:lnT w="12700" cap="flat" cmpd="sng" algn="ctr">
+                      <a:solidFill>
+                        <a:schemeClr val="tx1"/>
+                      </a:solidFill>
+                      <a:prstDash val="solid"/>
+                      <a:round/>
+                      <a:headEnd type="none" w="med" len="med"/>
+                      <a:tailEnd type="none" w="med" len="med"/>
+                    </a:lnT>
+                  </a:tcPr>
+                </a:tc>
+                <a:tc>
+                  <a:txBody>
+                    <a:bodyPr/>
+                    <a:lstStyle/>
+                    <a:p>
+                      <a:pPr algn="ctr"/>
+                      <a:r>
+                        <a:rPr lang="en-US" sz="1800" kern="1200" dirty="0">
+                          <a:solidFill>
+                            <a:schemeClr val="dk1"/>
+                          </a:solidFill>
+                          <a:effectLst/>
+                        </a:rPr>
+                        <a:t>Final presentation </a:t>
+                      </a:r>
+                      <a:r>
+                        <a:rPr lang="en-US" sz="1800" kern="1200" dirty="0" err="1">
+                          <a:solidFill>
+                            <a:schemeClr val="dk1"/>
+                          </a:solidFill>
+                          <a:effectLst/>
+                        </a:rPr>
+                        <a:t>powerpoint</a:t>
+                      </a:r>
+                      <a:endParaRPr lang="zh-TW" altLang="en-US" dirty="0"/>
+                    </a:p>
+                  </a:txBody>
+                  <a:tcPr anchor="ctr">
+                    <a:lnT w="12700" cap="flat" cmpd="sng" algn="ctr">
+                      <a:solidFill>
+                        <a:schemeClr val="tx1"/>
+                      </a:solidFill>
+                      <a:prstDash val="solid"/>
+                      <a:round/>
+                      <a:headEnd type="none" w="med" len="med"/>
+                      <a:tailEnd type="none" w="med" len="med"/>
+                    </a:lnT>
+                  </a:tcPr>
+                </a:tc>
+                <a:extLst>
+                  <a:ext uri="{0D108BD9-81ED-4DB2-BD59-A6C34878D82A}">
+                    <a16:rowId xmlns:a16="http://schemas.microsoft.com/office/drawing/2014/main" val="3749323885"/>
+                  </a:ext>
+                </a:extLst>
+              </a:tr>
+            </a:tbl>
+          </a:graphicData>
+        </a:graphic>
+      </p:graphicFrame>
     </p:spTree>
     <p:extLst>
       <p:ext uri="{BB962C8B-B14F-4D97-AF65-F5344CB8AC3E}">
-        <p14:creationId xmlns:p14="http://schemas.microsoft.com/office/powerpoint/2010/main" val="1891607181"/>
+        <p14:creationId xmlns:p14="http://schemas.microsoft.com/office/powerpoint/2010/main" val="2709548918"/>
       </p:ext>
     </p:extLst>
   </p:cSld>
@@ -7260,7 +10572,7 @@
             <a:pPr algn="ctr"/>
             <a:r>
               <a:rPr lang="en-US" b="1" u="sng" dirty="0"/>
-              <a:t>Problem encountered so far</a:t>
+              <a:t>Resources Allocation</a:t>
             </a:r>
           </a:p>
         </p:txBody>
@@ -7281,34 +10593,14 @@
             <p:ph idx="1"/>
           </p:nvPr>
         </p:nvSpPr>
-        <p:spPr>
-          <a:xfrm>
-            <a:off x="1676400" y="2531547"/>
-            <a:ext cx="10515600" cy="1794905"/>
-          </a:xfrm>
-        </p:spPr>
+        <p:spPr/>
         <p:txBody>
           <a:bodyPr/>
           <a:lstStyle/>
           <a:p>
             <a:r>
-              <a:rPr lang="en-US" b="0" i="0" dirty="0">
-                <a:effectLst/>
-                <a:latin typeface="Arial" panose="020B0604020202020204" pitchFamily="34" charset="0"/>
-              </a:rPr>
-              <a:t>Intermittent </a:t>
-            </a:r>
-            <a:r>
               <a:rPr lang="en-US" dirty="0"/>
-              <a:t>latency response from </a:t>
-            </a:r>
-            <a:r>
-              <a:rPr lang="en-US" dirty="0" err="1"/>
-              <a:t>Spacebot</a:t>
-            </a:r>
-            <a:r>
-              <a:rPr lang="en-US" dirty="0"/>
-              <a:t> </a:t>
+              <a:t>N/A at the moment</a:t>
             </a:r>
           </a:p>
           <a:p>
@@ -7318,9 +10610,13 @@
             <a:endParaRPr lang="en-US" dirty="0"/>
           </a:p>
           <a:p>
+            <a:pPr>
+              <a:buFont typeface="Wingdings" panose="05000000000000000000" pitchFamily="2" charset="2"/>
+              <a:buChar char="v"/>
+            </a:pPr>
             <a:r>
               <a:rPr lang="en-US" dirty="0"/>
-              <a:t>Importing customized database is not user friendly</a:t>
+              <a:t>In later stage, a real server or a cloud server may be needed</a:t>
             </a:r>
           </a:p>
         </p:txBody>
@@ -7328,7 +10624,7 @@
     </p:spTree>
     <p:extLst>
       <p:ext uri="{BB962C8B-B14F-4D97-AF65-F5344CB8AC3E}">
-        <p14:creationId xmlns:p14="http://schemas.microsoft.com/office/powerpoint/2010/main" val="182114811"/>
+        <p14:creationId xmlns:p14="http://schemas.microsoft.com/office/powerpoint/2010/main" val="1891607181"/>
       </p:ext>
     </p:extLst>
   </p:cSld>
@@ -7558,6 +10854,139 @@
             <a:pPr algn="ctr"/>
             <a:r>
               <a:rPr lang="en-US" b="1" u="sng" dirty="0"/>
+              <a:t>Problem encountered so far</a:t>
+            </a:r>
+          </a:p>
+        </p:txBody>
+      </p:sp>
+      <p:sp>
+        <p:nvSpPr>
+          <p:cNvPr id="3" name="Content Placeholder 2">
+            <a:extLst>
+              <a:ext uri="{FF2B5EF4-FFF2-40B4-BE49-F238E27FC236}">
+                <a16:creationId xmlns:a16="http://schemas.microsoft.com/office/drawing/2014/main" id="{C13608C2-DFF9-4E51-9FD9-638955BD266A}"/>
+              </a:ext>
+            </a:extLst>
+          </p:cNvPr>
+          <p:cNvSpPr>
+            <a:spLocks noGrp="1"/>
+          </p:cNvSpPr>
+          <p:nvPr>
+            <p:ph idx="1"/>
+          </p:nvPr>
+        </p:nvSpPr>
+        <p:spPr>
+          <a:xfrm>
+            <a:off x="1676400" y="2531547"/>
+            <a:ext cx="10515600" cy="1794905"/>
+          </a:xfrm>
+        </p:spPr>
+        <p:txBody>
+          <a:bodyPr/>
+          <a:lstStyle/>
+          <a:p>
+            <a:r>
+              <a:rPr lang="en-US" b="0" i="0" dirty="0">
+                <a:effectLst/>
+                <a:latin typeface="Arial" panose="020B0604020202020204" pitchFamily="34" charset="0"/>
+              </a:rPr>
+              <a:t>Intermittent </a:t>
+            </a:r>
+            <a:r>
+              <a:rPr lang="en-US" dirty="0"/>
+              <a:t>latency response from </a:t>
+            </a:r>
+            <a:r>
+              <a:rPr lang="en-US" dirty="0" err="1"/>
+              <a:t>Spacebot</a:t>
+            </a:r>
+            <a:r>
+              <a:rPr lang="en-US" dirty="0"/>
+              <a:t> </a:t>
+            </a:r>
+          </a:p>
+          <a:p>
+            <a:pPr marL="0" indent="0">
+              <a:buNone/>
+            </a:pPr>
+            <a:endParaRPr lang="en-US" dirty="0"/>
+          </a:p>
+          <a:p>
+            <a:r>
+              <a:rPr lang="en-US" dirty="0"/>
+              <a:t>Importing customized database is not user friendly</a:t>
+            </a:r>
+          </a:p>
+        </p:txBody>
+      </p:sp>
+    </p:spTree>
+    <p:extLst>
+      <p:ext uri="{BB962C8B-B14F-4D97-AF65-F5344CB8AC3E}">
+        <p14:creationId xmlns:p14="http://schemas.microsoft.com/office/powerpoint/2010/main" val="182114811"/>
+      </p:ext>
+    </p:extLst>
+  </p:cSld>
+  <p:clrMapOvr>
+    <a:masterClrMapping/>
+  </p:clrMapOvr>
+</p:sld>
+</file>
+
+<file path=ppt/slides/slide21.xml><?xml version="1.0" encoding="utf-8"?>
+<p:sld xmlns:a="http://schemas.openxmlformats.org/drawingml/2006/main" xmlns:r="http://schemas.openxmlformats.org/officeDocument/2006/relationships" xmlns:p="http://schemas.openxmlformats.org/presentationml/2006/main">
+  <p:cSld>
+    <p:bg>
+      <p:bgPr>
+        <a:blipFill dpi="0" rotWithShape="1">
+          <a:blip r:embed="rId2">
+            <a:lum/>
+          </a:blip>
+          <a:srcRect/>
+          <a:stretch>
+            <a:fillRect t="-17000" b="-17000"/>
+          </a:stretch>
+        </a:blipFill>
+        <a:effectLst/>
+      </p:bgPr>
+    </p:bg>
+    <p:spTree>
+      <p:nvGrpSpPr>
+        <p:cNvPr id="1" name=""/>
+        <p:cNvGrpSpPr/>
+        <p:nvPr/>
+      </p:nvGrpSpPr>
+      <p:grpSpPr>
+        <a:xfrm>
+          <a:off x="0" y="0"/>
+          <a:ext cx="0" cy="0"/>
+          <a:chOff x="0" y="0"/>
+          <a:chExt cx="0" cy="0"/>
+        </a:xfrm>
+      </p:grpSpPr>
+      <p:sp>
+        <p:nvSpPr>
+          <p:cNvPr id="2" name="Title 1">
+            <a:extLst>
+              <a:ext uri="{FF2B5EF4-FFF2-40B4-BE49-F238E27FC236}">
+                <a16:creationId xmlns:a16="http://schemas.microsoft.com/office/drawing/2014/main" id="{EFC6730A-C128-46DB-BAE9-1D832DB02C40}"/>
+              </a:ext>
+            </a:extLst>
+          </p:cNvPr>
+          <p:cNvSpPr>
+            <a:spLocks noGrp="1"/>
+          </p:cNvSpPr>
+          <p:nvPr>
+            <p:ph type="title"/>
+          </p:nvPr>
+        </p:nvSpPr>
+        <p:spPr/>
+        <p:txBody>
+          <a:bodyPr/>
+          <a:lstStyle/>
+          <a:p>
+            <a:pPr algn="ctr"/>
+            <a:r>
+              <a:rPr lang="en-US" b="1" u="sng" dirty="0"/>
               <a:t>Prospect</a:t>
             </a:r>
           </a:p>
@@ -7622,7 +11051,7 @@
 </p:sld>
 </file>
 
-<file path=ppt/slides/slide21.xml><?xml version="1.0" encoding="utf-8"?>
+<file path=ppt/slides/slide22.xml><?xml version="1.0" encoding="utf-8"?>
 <p:sld xmlns:a="http://schemas.openxmlformats.org/drawingml/2006/main" xmlns:r="http://schemas.openxmlformats.org/officeDocument/2006/relationships" xmlns:p="http://schemas.openxmlformats.org/presentationml/2006/main" show="0">
   <p:cSld>
     <p:bg>
@@ -7700,7 +11129,7 @@
 </p:sld>
 </file>
 
-<file path=ppt/slides/slide22.xml><?xml version="1.0" encoding="utf-8"?>
+<file path=ppt/slides/slide23.xml><?xml version="1.0" encoding="utf-8"?>
 <p:sld xmlns:a="http://schemas.openxmlformats.org/drawingml/2006/main" xmlns:r="http://schemas.openxmlformats.org/officeDocument/2006/relationships" xmlns:p="http://schemas.openxmlformats.org/presentationml/2006/main">
   <p:cSld>
     <p:bg>

--- a/fyp powerpoint/Fyp_revised_v1.1.pptx
+++ b/fyp powerpoint/Fyp_revised_v1.1.pptx
@@ -4790,7 +4790,7 @@
             <p:ph idx="1"/>
             <p:extLst>
               <p:ext uri="{D42A27DB-BD31-4B8C-83A1-F6EECF244321}">
-                <p14:modId xmlns:p14="http://schemas.microsoft.com/office/powerpoint/2010/main" val="1541465639"/>
+                <p14:modId xmlns:p14="http://schemas.microsoft.com/office/powerpoint/2010/main" val="3971084238"/>
               </p:ext>
             </p:extLst>
           </p:nvPr>
@@ -5204,13 +5204,50 @@
                           <a:ea typeface="+mn-ea"/>
                           <a:cs typeface="+mn-cs"/>
                         </a:rPr>
-                        <a:t>First additional function implemented (user choice selection) </a:t>
+                        <a:t>First additional function implemented (user guideline </a:t>
                       </a:r>
-                    </a:p>
-                    <a:p>
-                      <a:pPr marL="285750" indent="-285750">
+                      <a:r>
+                        <a:rPr lang="en-US" sz="1800" kern="1200" dirty="0" err="1">
+                          <a:solidFill>
+                            <a:schemeClr val="tx1"/>
+                          </a:solidFill>
+                          <a:effectLst/>
+                          <a:latin typeface="+mn-lt"/>
+                          <a:ea typeface="+mn-ea"/>
+                          <a:cs typeface="+mn-cs"/>
+                        </a:rPr>
+                        <a:t>pannel</a:t>
+                      </a:r>
+                      <a:r>
+                        <a:rPr lang="en-US" sz="1800" kern="1200" dirty="0">
+                          <a:solidFill>
+                            <a:schemeClr val="tx1"/>
+                          </a:solidFill>
+                          <a:effectLst/>
+                          <a:latin typeface="+mn-lt"/>
+                          <a:ea typeface="+mn-ea"/>
+                          <a:cs typeface="+mn-cs"/>
+                        </a:rPr>
+                        <a:t>) </a:t>
+                      </a:r>
+                    </a:p>
+                    <a:p>
+                      <a:pPr marL="285750" marR="0" lvl="0" indent="-285750" algn="l" defTabSz="914400" rtl="0" eaLnBrk="1" fontAlgn="auto" latinLnBrk="0" hangingPunct="1">
+                        <a:lnSpc>
+                          <a:spcPct val="100000"/>
+                        </a:lnSpc>
+                        <a:spcBef>
+                          <a:spcPts val="0"/>
+                        </a:spcBef>
+                        <a:spcAft>
+                          <a:spcPts val="0"/>
+                        </a:spcAft>
+                        <a:buClrTx/>
+                        <a:buSzTx/>
                         <a:buFont typeface="Arial" panose="020B0604020202020204" pitchFamily="34" charset="0"/>
                         <a:buChar char="•"/>
+                        <a:tabLst/>
+                        <a:defRPr/>
                       </a:pPr>
                       <a:r>
                         <a:rPr lang="en-US" sz="1800" kern="1200" dirty="0">
@@ -5222,7 +5259,31 @@
                           <a:ea typeface="+mn-ea"/>
                           <a:cs typeface="+mn-cs"/>
                         </a:rPr>
-                        <a:t>~25% NLP modules completed </a:t>
+                        <a:t>~25% NLP modules completed (school facilities, </a:t>
+                      </a:r>
+                      <a:r>
+                        <a:rPr lang="en-US" dirty="0"/>
+                        <a:t>Non-</a:t>
+                      </a:r>
+                      <a:r>
+                        <a:rPr lang="en-US" dirty="0" err="1"/>
+                        <a:t>jupas</a:t>
+                      </a:r>
+                      <a:r>
+                        <a:rPr lang="en-US" dirty="0"/>
+                        <a:t> application</a:t>
+                      </a:r>
+                      <a:r>
+                        <a:rPr lang="en-US" sz="1800" kern="1200" dirty="0">
+                          <a:solidFill>
+                            <a:schemeClr val="tx1"/>
+                          </a:solidFill>
+                          <a:effectLst/>
+                          <a:latin typeface="+mn-lt"/>
+                          <a:ea typeface="+mn-ea"/>
+                          <a:cs typeface="+mn-cs"/>
+                        </a:rPr>
+                        <a:t>) </a:t>
                       </a:r>
                     </a:p>
                     <a:p>
@@ -5413,14 +5474,14 @@
             <p:ph idx="1"/>
             <p:extLst>
               <p:ext uri="{D42A27DB-BD31-4B8C-83A1-F6EECF244321}">
-                <p14:modId xmlns:p14="http://schemas.microsoft.com/office/powerpoint/2010/main" val="2137804849"/>
+                <p14:modId xmlns:p14="http://schemas.microsoft.com/office/powerpoint/2010/main" val="798886298"/>
               </p:ext>
             </p:extLst>
           </p:nvPr>
         </p:nvGraphicFramePr>
         <p:xfrm>
           <a:off x="838200" y="1018096"/>
-          <a:ext cx="10515600" cy="5331299"/>
+          <a:ext cx="10515600" cy="5699666"/>
         </p:xfrm>
         <a:graphic>
           <a:graphicData uri="http://schemas.openxmlformats.org/drawingml/2006/table">
@@ -5510,7 +5571,7 @@
                           <a:ea typeface="+mn-ea"/>
                           <a:cs typeface="+mn-cs"/>
                         </a:rPr>
-                        <a:t>Additional functions debugging</a:t>
+                        <a:t>Additional functions implemented and debugging (user choice selection)</a:t>
                       </a:r>
                     </a:p>
                     <a:p>
@@ -5528,7 +5589,7 @@
                           <a:ea typeface="+mn-ea"/>
                           <a:cs typeface="+mn-cs"/>
                         </a:rPr>
-                        <a:t>~75% NLP modules completed (</a:t>
+                        <a:t>~75% NLP modules completed during </a:t>
                       </a:r>
                       <a:r>
                         <a:rPr lang="en-US" sz="1800" kern="1200" dirty="0" err="1">
@@ -5552,7 +5613,31 @@
                           <a:ea typeface="+mn-ea"/>
                           <a:cs typeface="+mn-cs"/>
                         </a:rPr>
-                        <a:t> break)</a:t>
+                        <a:t> break (school facilities, </a:t>
+                      </a:r>
+                      <a:r>
+                        <a:rPr lang="en-US" dirty="0"/>
+                        <a:t>Non-</a:t>
+                      </a:r>
+                      <a:r>
+                        <a:rPr lang="en-US" dirty="0" err="1"/>
+                        <a:t>jupas</a:t>
+                      </a:r>
+                      <a:r>
+                        <a:rPr lang="en-US" dirty="0"/>
+                        <a:t> application,        Scholarship and financial support, Online platform issues</a:t>
+                      </a:r>
+                      <a:r>
+                        <a:rPr lang="en-US" sz="1800" kern="1200" dirty="0">
+                          <a:solidFill>
+                            <a:schemeClr val="tx1"/>
+                          </a:solidFill>
+                          <a:effectLst/>
+                          <a:latin typeface="+mn-lt"/>
+                          <a:ea typeface="+mn-ea"/>
+                          <a:cs typeface="+mn-cs"/>
+                        </a:rPr>
+                        <a:t>) </a:t>
                       </a:r>
                     </a:p>
                     <a:p>
@@ -5620,9 +5705,22 @@
                       </a:r>
                     </a:p>
                     <a:p>
-                      <a:pPr marL="285750" indent="-285750">
+                      <a:pPr marL="285750" marR="0" lvl="0" indent="-285750" algn="l" defTabSz="914400" rtl="0" eaLnBrk="1" fontAlgn="auto" latinLnBrk="0" hangingPunct="1">
+                        <a:lnSpc>
+                          <a:spcPct val="100000"/>
+                        </a:lnSpc>
+                        <a:spcBef>
+                          <a:spcPts val="0"/>
+                        </a:spcBef>
+                        <a:spcAft>
+                          <a:spcPts val="0"/>
+                        </a:spcAft>
+                        <a:buClrTx/>
+                        <a:buSzTx/>
                         <a:buFont typeface="Arial" panose="020B0604020202020204" pitchFamily="34" charset="0"/>
                         <a:buChar char="•"/>
+                        <a:tabLst/>
+                        <a:defRPr/>
                       </a:pPr>
                       <a:r>
                         <a:rPr lang="en-US" sz="1800" kern="1200" dirty="0">
@@ -5634,7 +5732,31 @@
                           <a:ea typeface="+mn-ea"/>
                           <a:cs typeface="+mn-cs"/>
                         </a:rPr>
-                        <a:t>&gt;90% NLP modules completed</a:t>
+                        <a:t>&gt;90% NLP modules completed (school facilities, </a:t>
+                      </a:r>
+                      <a:r>
+                        <a:rPr lang="en-US" dirty="0"/>
+                        <a:t>Non-</a:t>
+                      </a:r>
+                      <a:r>
+                        <a:rPr lang="en-US" dirty="0" err="1"/>
+                        <a:t>jupas</a:t>
+                      </a:r>
+                      <a:r>
+                        <a:rPr lang="en-US" dirty="0"/>
+                        <a:t> application, Scholarship and financial support, Online platform issues, School administration affairs</a:t>
+                      </a:r>
+                      <a:r>
+                        <a:rPr lang="en-US" sz="1800" kern="1200" dirty="0">
+                          <a:solidFill>
+                            <a:schemeClr val="tx1"/>
+                          </a:solidFill>
+                          <a:effectLst/>
+                          <a:latin typeface="+mn-lt"/>
+                          <a:ea typeface="+mn-ea"/>
+                          <a:cs typeface="+mn-cs"/>
+                        </a:rPr>
+                        <a:t>) </a:t>
                       </a:r>
                     </a:p>
                     <a:p>
@@ -10878,17 +11000,40 @@
         <p:spPr>
           <a:xfrm>
             <a:off x="1676400" y="2531547"/>
-            <a:ext cx="10515600" cy="1794905"/>
+            <a:ext cx="10515600" cy="2926573"/>
           </a:xfrm>
         </p:spPr>
         <p:txBody>
-          <a:bodyPr/>
+          <a:bodyPr>
+            <a:normAutofit/>
+          </a:bodyPr>
           <a:lstStyle/>
           <a:p>
             <a:r>
               <a:rPr lang="en-US" b="0" i="0" dirty="0">
                 <a:effectLst/>
-                <a:latin typeface="Arial" panose="020B0604020202020204" pitchFamily="34" charset="0"/>
+              </a:rPr>
+              <a:t>Mainly from </a:t>
+            </a:r>
+            <a:r>
+              <a:rPr lang="en-US" b="0" i="0" dirty="0" err="1">
+                <a:effectLst/>
+              </a:rPr>
+              <a:t>Olami</a:t>
+            </a:r>
+            <a:endParaRPr lang="en-US" b="0" i="0" dirty="0">
+              <a:effectLst/>
+            </a:endParaRPr>
+          </a:p>
+          <a:p>
+            <a:endParaRPr lang="en-US" b="0" i="0" dirty="0">
+              <a:effectLst/>
+            </a:endParaRPr>
+          </a:p>
+          <a:p>
+            <a:r>
+              <a:rPr lang="en-US" b="0" i="0" dirty="0">
+                <a:effectLst/>
               </a:rPr>
               <a:t>Intermittent </a:t>
             </a:r>
@@ -11052,7 +11197,7 @@
 </file>
 
 <file path=ppt/slides/slide22.xml><?xml version="1.0" encoding="utf-8"?>
-<p:sld xmlns:a="http://schemas.openxmlformats.org/drawingml/2006/main" xmlns:r="http://schemas.openxmlformats.org/officeDocument/2006/relationships" xmlns:p="http://schemas.openxmlformats.org/presentationml/2006/main" show="0">
+<p:sld xmlns:a="http://schemas.openxmlformats.org/drawingml/2006/main" xmlns:r="http://schemas.openxmlformats.org/officeDocument/2006/relationships" xmlns:p="http://schemas.openxmlformats.org/presentationml/2006/main">
   <p:cSld>
     <p:bg>
       <p:bgPr>
@@ -11110,8 +11255,8 @@
           <a:p>
             <a:pPr algn="ctr"/>
             <a:r>
-              <a:rPr lang="en-US" dirty="0"/>
-              <a:t>Demo Time</a:t>
+              <a:rPr lang="en-US" b="1" dirty="0"/>
+              <a:t>Progress Review</a:t>
             </a:r>
           </a:p>
         </p:txBody>

--- a/fyp powerpoint/Fyp_revised_v1.1.pptx
+++ b/fyp powerpoint/Fyp_revised_v1.1.pptx
@@ -281,7 +281,7 @@
           <a:p>
             <a:fld id="{2FCBE140-3FA8-49D2-9893-355BF82FB278}" type="datetimeFigureOut">
               <a:rPr lang="en-US" smtClean="0"/>
-              <a:t>11/8/2020</a:t>
+              <a:t>11/9/2020</a:t>
             </a:fld>
             <a:endParaRPr lang="en-US"/>
           </a:p>
@@ -479,7 +479,7 @@
           <a:p>
             <a:fld id="{2FCBE140-3FA8-49D2-9893-355BF82FB278}" type="datetimeFigureOut">
               <a:rPr lang="en-US" smtClean="0"/>
-              <a:t>11/8/2020</a:t>
+              <a:t>11/9/2020</a:t>
             </a:fld>
             <a:endParaRPr lang="en-US"/>
           </a:p>
@@ -687,7 +687,7 @@
           <a:p>
             <a:fld id="{2FCBE140-3FA8-49D2-9893-355BF82FB278}" type="datetimeFigureOut">
               <a:rPr lang="en-US" smtClean="0"/>
-              <a:t>11/8/2020</a:t>
+              <a:t>11/9/2020</a:t>
             </a:fld>
             <a:endParaRPr lang="en-US"/>
           </a:p>
@@ -885,7 +885,7 @@
           <a:p>
             <a:fld id="{2FCBE140-3FA8-49D2-9893-355BF82FB278}" type="datetimeFigureOut">
               <a:rPr lang="en-US" smtClean="0"/>
-              <a:t>11/8/2020</a:t>
+              <a:t>11/9/2020</a:t>
             </a:fld>
             <a:endParaRPr lang="en-US"/>
           </a:p>
@@ -1160,7 +1160,7 @@
           <a:p>
             <a:fld id="{2FCBE140-3FA8-49D2-9893-355BF82FB278}" type="datetimeFigureOut">
               <a:rPr lang="en-US" smtClean="0"/>
-              <a:t>11/8/2020</a:t>
+              <a:t>11/9/2020</a:t>
             </a:fld>
             <a:endParaRPr lang="en-US"/>
           </a:p>
@@ -1425,7 +1425,7 @@
           <a:p>
             <a:fld id="{2FCBE140-3FA8-49D2-9893-355BF82FB278}" type="datetimeFigureOut">
               <a:rPr lang="en-US" smtClean="0"/>
-              <a:t>11/8/2020</a:t>
+              <a:t>11/9/2020</a:t>
             </a:fld>
             <a:endParaRPr lang="en-US"/>
           </a:p>
@@ -1837,7 +1837,7 @@
           <a:p>
             <a:fld id="{2FCBE140-3FA8-49D2-9893-355BF82FB278}" type="datetimeFigureOut">
               <a:rPr lang="en-US" smtClean="0"/>
-              <a:t>11/8/2020</a:t>
+              <a:t>11/9/2020</a:t>
             </a:fld>
             <a:endParaRPr lang="en-US"/>
           </a:p>
@@ -1978,7 +1978,7 @@
           <a:p>
             <a:fld id="{2FCBE140-3FA8-49D2-9893-355BF82FB278}" type="datetimeFigureOut">
               <a:rPr lang="en-US" smtClean="0"/>
-              <a:t>11/8/2020</a:t>
+              <a:t>11/9/2020</a:t>
             </a:fld>
             <a:endParaRPr lang="en-US"/>
           </a:p>
@@ -2091,7 +2091,7 @@
           <a:p>
             <a:fld id="{2FCBE140-3FA8-49D2-9893-355BF82FB278}" type="datetimeFigureOut">
               <a:rPr lang="en-US" smtClean="0"/>
-              <a:t>11/8/2020</a:t>
+              <a:t>11/9/2020</a:t>
             </a:fld>
             <a:endParaRPr lang="en-US"/>
           </a:p>
@@ -2402,7 +2402,7 @@
           <a:p>
             <a:fld id="{2FCBE140-3FA8-49D2-9893-355BF82FB278}" type="datetimeFigureOut">
               <a:rPr lang="en-US" smtClean="0"/>
-              <a:t>11/8/2020</a:t>
+              <a:t>11/9/2020</a:t>
             </a:fld>
             <a:endParaRPr lang="en-US"/>
           </a:p>
@@ -2690,7 +2690,7 @@
           <a:p>
             <a:fld id="{2FCBE140-3FA8-49D2-9893-355BF82FB278}" type="datetimeFigureOut">
               <a:rPr lang="en-US" smtClean="0"/>
-              <a:t>11/8/2020</a:t>
+              <a:t>11/9/2020</a:t>
             </a:fld>
             <a:endParaRPr lang="en-US"/>
           </a:p>
@@ -2931,7 +2931,7 @@
           <a:p>
             <a:fld id="{2FCBE140-3FA8-49D2-9893-355BF82FB278}" type="datetimeFigureOut">
               <a:rPr lang="en-US" smtClean="0"/>
-              <a:t>11/8/2020</a:t>
+              <a:t>11/9/2020</a:t>
             </a:fld>
             <a:endParaRPr lang="en-US"/>
           </a:p>
